--- a/wiki/Writing/MODELSWARD2017/Presentation/ModelsWard2017.pptx
+++ b/wiki/Writing/MODELSWARD2017/Presentation/ModelsWard2017.pptx
@@ -22,9 +22,9 @@
     <p:sldId id="618" r:id="rId10"/>
     <p:sldId id="619" r:id="rId11"/>
     <p:sldId id="620" r:id="rId12"/>
-    <p:sldId id="621" r:id="rId13"/>
+    <p:sldId id="628" r:id="rId13"/>
     <p:sldId id="622" r:id="rId14"/>
-    <p:sldId id="624" r:id="rId15"/>
+    <p:sldId id="627" r:id="rId15"/>
     <p:sldId id="623" r:id="rId16"/>
     <p:sldId id="589" r:id="rId17"/>
     <p:sldId id="625" r:id="rId18"/>
@@ -586,14 +586,14 @@
           </a:ln>
           <a:extLst>
             <a:ext uri="{909E8E84-426E-40dd-AFC4-6F175D3DCCD1}">
-              <a14:hiddenFill xmlns:a14="http://schemas.microsoft.com/office/drawing/2010/main" xmlns="">
+              <a14:hiddenFill xmlns="" xmlns:a14="http://schemas.microsoft.com/office/drawing/2010/main">
                 <a:solidFill>
                   <a:srgbClr val="FFFFFF"/>
                 </a:solidFill>
               </a14:hiddenFill>
             </a:ext>
             <a:ext uri="{FAA26D3D-D897-4be2-8F04-BA451C77F1D7}">
-              <ma14:placeholderFlag xmlns:ma14="http://schemas.microsoft.com/office/mac/drawingml/2011/main" xmlns="" val="1"/>
+              <ma14:placeholderFlag xmlns="" xmlns:ma14="http://schemas.microsoft.com/office/mac/drawingml/2011/main" val="1"/>
             </a:ext>
           </a:extLst>
         </p:spPr>
@@ -938,14 +938,14 @@
           <a:ln/>
           <a:extLst>
             <a:ext uri="{909E8E84-426E-40dd-AFC4-6F175D3DCCD1}">
-              <a14:hiddenFill xmlns:a14="http://schemas.microsoft.com/office/drawing/2010/main" xmlns="">
+              <a14:hiddenFill xmlns="" xmlns:a14="http://schemas.microsoft.com/office/drawing/2010/main">
                 <a:solidFill>
                   <a:srgbClr val="FFFFFF"/>
                 </a:solidFill>
               </a14:hiddenFill>
             </a:ext>
             <a:ext uri="{91240B29-F687-4f45-9708-019B960494DF}">
-              <a14:hiddenLine xmlns:a14="http://schemas.microsoft.com/office/drawing/2010/main" xmlns="" w="9525">
+              <a14:hiddenLine xmlns="" xmlns:a14="http://schemas.microsoft.com/office/drawing/2010/main" w="9525">
                 <a:solidFill>
                   <a:srgbClr val="000000"/>
                 </a:solidFill>
@@ -1106,14 +1106,14 @@
           <a:ln/>
           <a:extLst>
             <a:ext uri="{909E8E84-426E-40dd-AFC4-6F175D3DCCD1}">
-              <a14:hiddenFill xmlns:a14="http://schemas.microsoft.com/office/drawing/2010/main" xmlns="">
+              <a14:hiddenFill xmlns="" xmlns:a14="http://schemas.microsoft.com/office/drawing/2010/main">
                 <a:solidFill>
                   <a:srgbClr val="FFFFFF"/>
                 </a:solidFill>
               </a14:hiddenFill>
             </a:ext>
             <a:ext uri="{91240B29-F687-4f45-9708-019B960494DF}">
-              <a14:hiddenLine xmlns:a14="http://schemas.microsoft.com/office/drawing/2010/main" xmlns="" w="9525">
+              <a14:hiddenLine xmlns="" xmlns:a14="http://schemas.microsoft.com/office/drawing/2010/main" w="9525">
                 <a:solidFill>
                   <a:srgbClr val="000000"/>
                 </a:solidFill>
@@ -1123,7 +1123,7 @@
               </a14:hiddenLine>
             </a:ext>
             <a:ext uri="{FAA26D3D-D897-4be2-8F04-BA451C77F1D7}">
-              <ma14:placeholderFlag xmlns:ma14="http://schemas.microsoft.com/office/mac/drawingml/2011/main" xmlns="" val="1"/>
+              <ma14:placeholderFlag xmlns="" xmlns:ma14="http://schemas.microsoft.com/office/mac/drawingml/2011/main" val="1"/>
             </a:ext>
           </a:extLst>
         </p:spPr>
@@ -1425,14 +1425,14 @@
           </a:ln>
           <a:extLst>
             <a:ext uri="{909E8E84-426E-40dd-AFC4-6F175D3DCCD1}">
-              <a14:hiddenFill xmlns:a14="http://schemas.microsoft.com/office/drawing/2010/main" xmlns="">
+              <a14:hiddenFill xmlns="" xmlns:a14="http://schemas.microsoft.com/office/drawing/2010/main">
                 <a:solidFill>
                   <a:srgbClr val="FFFFFF"/>
                 </a:solidFill>
               </a14:hiddenFill>
             </a:ext>
             <a:ext uri="{91240B29-F687-4f45-9708-019B960494DF}">
-              <a14:hiddenLine xmlns:a14="http://schemas.microsoft.com/office/drawing/2010/main" xmlns="" w="9525">
+              <a14:hiddenLine xmlns="" xmlns:a14="http://schemas.microsoft.com/office/drawing/2010/main" w="9525">
                 <a:solidFill>
                   <a:srgbClr val="000000"/>
                 </a:solidFill>
@@ -1656,14 +1656,14 @@
           </a:ln>
           <a:extLst>
             <a:ext uri="{909E8E84-426E-40dd-AFC4-6F175D3DCCD1}">
-              <a14:hiddenFill xmlns:a14="http://schemas.microsoft.com/office/drawing/2010/main" xmlns="">
+              <a14:hiddenFill xmlns="" xmlns:a14="http://schemas.microsoft.com/office/drawing/2010/main">
                 <a:solidFill>
                   <a:srgbClr val="FFFFFF"/>
                 </a:solidFill>
               </a14:hiddenFill>
             </a:ext>
             <a:ext uri="{91240B29-F687-4f45-9708-019B960494DF}">
-              <a14:hiddenLine xmlns:a14="http://schemas.microsoft.com/office/drawing/2010/main" xmlns="" w="9525">
+              <a14:hiddenLine xmlns="" xmlns:a14="http://schemas.microsoft.com/office/drawing/2010/main" w="9525">
                 <a:solidFill>
                   <a:srgbClr val="000000"/>
                 </a:solidFill>
@@ -1845,14 +1845,14 @@
           </a:ln>
           <a:extLst>
             <a:ext uri="{909E8E84-426E-40dd-AFC4-6F175D3DCCD1}">
-              <a14:hiddenFill xmlns:a14="http://schemas.microsoft.com/office/drawing/2010/main" xmlns="">
+              <a14:hiddenFill xmlns="" xmlns:a14="http://schemas.microsoft.com/office/drawing/2010/main">
                 <a:solidFill>
                   <a:srgbClr val="FFFFFF"/>
                 </a:solidFill>
               </a14:hiddenFill>
             </a:ext>
             <a:ext uri="{91240B29-F687-4f45-9708-019B960494DF}">
-              <a14:hiddenLine xmlns:a14="http://schemas.microsoft.com/office/drawing/2010/main" xmlns="" w="9525">
+              <a14:hiddenLine xmlns="" xmlns:a14="http://schemas.microsoft.com/office/drawing/2010/main" w="9525">
                 <a:solidFill>
                   <a:srgbClr val="000000"/>
                 </a:solidFill>
@@ -2329,14 +2329,14 @@
           </a:ln>
           <a:extLst>
             <a:ext uri="{909E8E84-426E-40dd-AFC4-6F175D3DCCD1}">
-              <a14:hiddenFill xmlns:a14="http://schemas.microsoft.com/office/drawing/2010/main" xmlns="">
+              <a14:hiddenFill xmlns="" xmlns:a14="http://schemas.microsoft.com/office/drawing/2010/main">
                 <a:solidFill>
                   <a:srgbClr val="FFFFFF"/>
                 </a:solidFill>
               </a14:hiddenFill>
             </a:ext>
             <a:ext uri="{91240B29-F687-4f45-9708-019B960494DF}">
-              <a14:hiddenLine xmlns:a14="http://schemas.microsoft.com/office/drawing/2010/main" xmlns="" w="9525">
+              <a14:hiddenLine xmlns="" xmlns:a14="http://schemas.microsoft.com/office/drawing/2010/main" w="9525">
                 <a:solidFill>
                   <a:srgbClr val="000000"/>
                 </a:solidFill>
@@ -2463,14 +2463,14 @@
           </a:ln>
           <a:extLst>
             <a:ext uri="{909E8E84-426E-40dd-AFC4-6F175D3DCCD1}">
-              <a14:hiddenFill xmlns:a14="http://schemas.microsoft.com/office/drawing/2010/main" xmlns="">
+              <a14:hiddenFill xmlns="" xmlns:a14="http://schemas.microsoft.com/office/drawing/2010/main">
                 <a:solidFill>
                   <a:srgbClr val="FFFFFF"/>
                 </a:solidFill>
               </a14:hiddenFill>
             </a:ext>
             <a:ext uri="{91240B29-F687-4f45-9708-019B960494DF}">
-              <a14:hiddenLine xmlns:a14="http://schemas.microsoft.com/office/drawing/2010/main" xmlns="" w="9525">
+              <a14:hiddenLine xmlns="" xmlns:a14="http://schemas.microsoft.com/office/drawing/2010/main" w="9525">
                 <a:solidFill>
                   <a:srgbClr val="000000"/>
                 </a:solidFill>
@@ -2825,14 +2825,14 @@
           </a:ln>
           <a:extLst>
             <a:ext uri="{909E8E84-426E-40dd-AFC4-6F175D3DCCD1}">
-              <a14:hiddenFill xmlns:a14="http://schemas.microsoft.com/office/drawing/2010/main" xmlns="">
+              <a14:hiddenFill xmlns="" xmlns:a14="http://schemas.microsoft.com/office/drawing/2010/main">
                 <a:solidFill>
                   <a:srgbClr val="FFFFFF"/>
                 </a:solidFill>
               </a14:hiddenFill>
             </a:ext>
             <a:ext uri="{91240B29-F687-4f45-9708-019B960494DF}">
-              <a14:hiddenLine xmlns:a14="http://schemas.microsoft.com/office/drawing/2010/main" xmlns="" w="9525">
+              <a14:hiddenLine xmlns="" xmlns:a14="http://schemas.microsoft.com/office/drawing/2010/main" w="9525">
                 <a:solidFill>
                   <a:srgbClr val="000000"/>
                 </a:solidFill>
@@ -2959,14 +2959,14 @@
           </a:ln>
           <a:extLst>
             <a:ext uri="{909E8E84-426E-40dd-AFC4-6F175D3DCCD1}">
-              <a14:hiddenFill xmlns:a14="http://schemas.microsoft.com/office/drawing/2010/main" xmlns="">
+              <a14:hiddenFill xmlns="" xmlns:a14="http://schemas.microsoft.com/office/drawing/2010/main">
                 <a:solidFill>
                   <a:srgbClr val="FFFFFF"/>
                 </a:solidFill>
               </a14:hiddenFill>
             </a:ext>
             <a:ext uri="{91240B29-F687-4f45-9708-019B960494DF}">
-              <a14:hiddenLine xmlns:a14="http://schemas.microsoft.com/office/drawing/2010/main" xmlns="" w="9525">
+              <a14:hiddenLine xmlns="" xmlns:a14="http://schemas.microsoft.com/office/drawing/2010/main" w="9525">
                 <a:solidFill>
                   <a:srgbClr val="000000"/>
                 </a:solidFill>
@@ -3326,14 +3326,14 @@
           </a:ln>
           <a:extLst>
             <a:ext uri="{909E8E84-426E-40dd-AFC4-6F175D3DCCD1}">
-              <a14:hiddenFill xmlns:a14="http://schemas.microsoft.com/office/drawing/2010/main" xmlns="">
+              <a14:hiddenFill xmlns="" xmlns:a14="http://schemas.microsoft.com/office/drawing/2010/main">
                 <a:solidFill>
                   <a:srgbClr val="FFFFFF"/>
                 </a:solidFill>
               </a14:hiddenFill>
             </a:ext>
             <a:ext uri="{91240B29-F687-4f45-9708-019B960494DF}">
-              <a14:hiddenLine xmlns:a14="http://schemas.microsoft.com/office/drawing/2010/main" xmlns="" w="9525">
+              <a14:hiddenLine xmlns="" xmlns:a14="http://schemas.microsoft.com/office/drawing/2010/main" w="9525">
                 <a:solidFill>
                   <a:srgbClr val="000000"/>
                 </a:solidFill>
@@ -3481,14 +3481,14 @@
           </a:ln>
           <a:extLst>
             <a:ext uri="{909E8E84-426E-40dd-AFC4-6F175D3DCCD1}">
-              <a14:hiddenFill xmlns:a14="http://schemas.microsoft.com/office/drawing/2010/main" xmlns="">
+              <a14:hiddenFill xmlns="" xmlns:a14="http://schemas.microsoft.com/office/drawing/2010/main">
                 <a:solidFill>
                   <a:srgbClr val="FFFFFF"/>
                 </a:solidFill>
               </a14:hiddenFill>
             </a:ext>
             <a:ext uri="{91240B29-F687-4f45-9708-019B960494DF}">
-              <a14:hiddenLine xmlns:a14="http://schemas.microsoft.com/office/drawing/2010/main" xmlns="" w="9525">
+              <a14:hiddenLine xmlns="" xmlns:a14="http://schemas.microsoft.com/office/drawing/2010/main" w="9525">
                 <a:solidFill>
                   <a:srgbClr val="000000"/>
                 </a:solidFill>
@@ -3731,14 +3731,14 @@
           </a:ln>
           <a:extLst>
             <a:ext uri="{909E8E84-426E-40dd-AFC4-6F175D3DCCD1}">
-              <a14:hiddenFill xmlns:a14="http://schemas.microsoft.com/office/drawing/2010/main" xmlns="">
+              <a14:hiddenFill xmlns="" xmlns:a14="http://schemas.microsoft.com/office/drawing/2010/main">
                 <a:solidFill>
                   <a:srgbClr val="FFFFFF"/>
                 </a:solidFill>
               </a14:hiddenFill>
             </a:ext>
             <a:ext uri="{91240B29-F687-4f45-9708-019B960494DF}">
-              <a14:hiddenLine xmlns:a14="http://schemas.microsoft.com/office/drawing/2010/main" xmlns="" w="9525">
+              <a14:hiddenLine xmlns="" xmlns:a14="http://schemas.microsoft.com/office/drawing/2010/main" w="9525">
                 <a:solidFill>
                   <a:srgbClr val="000000"/>
                 </a:solidFill>
@@ -4936,8 +4936,8 @@
         </p:nvSpPr>
         <p:spPr>
           <a:xfrm>
-            <a:off x="6039128" y="2883724"/>
-            <a:ext cx="1666528" cy="1182495"/>
+            <a:off x="6300192" y="2691235"/>
+            <a:ext cx="1666528" cy="1007315"/>
           </a:xfrm>
         </p:spPr>
         <p:txBody>
@@ -5120,7 +5120,7 @@
         </p:blipFill>
         <p:spPr>
           <a:xfrm>
-            <a:off x="8195937" y="1449496"/>
+            <a:off x="830880" y="1465067"/>
             <a:ext cx="800223" cy="1163960"/>
           </a:xfrm>
           <a:prstGeom prst="rect">
@@ -5138,8 +5138,8 @@
         </p:nvSpPr>
         <p:spPr>
           <a:xfrm>
-            <a:off x="6696236" y="1563009"/>
-            <a:ext cx="1586385" cy="936934"/>
+            <a:off x="437798" y="2620699"/>
+            <a:ext cx="1586385" cy="766961"/>
           </a:xfrm>
           <a:prstGeom prst="rect">
             <a:avLst/>
@@ -5439,7 +5439,7 @@
         </p:blipFill>
         <p:spPr>
           <a:xfrm>
-            <a:off x="7727400" y="2840592"/>
+            <a:off x="6499076" y="1434399"/>
             <a:ext cx="1268760" cy="1268760"/>
           </a:xfrm>
           <a:prstGeom prst="rect">
@@ -5449,7 +5449,7 @@
       </p:pic>
       <p:pic>
         <p:nvPicPr>
-          <p:cNvPr id="8" name="Image 7"/>
+          <p:cNvPr id="11" name="Image 10"/>
           <p:cNvPicPr>
             <a:picLocks noChangeAspect="1"/>
           </p:cNvPicPr>
@@ -5469,1053 +5469,7 @@
         </p:blipFill>
         <p:spPr>
           <a:xfrm>
-            <a:off x="7957353" y="4312230"/>
-            <a:ext cx="1037283" cy="1037283"/>
-          </a:xfrm>
-          <a:prstGeom prst="rect">
-            <a:avLst/>
-          </a:prstGeom>
-        </p:spPr>
-      </p:pic>
-      <p:sp>
-        <p:nvSpPr>
-          <p:cNvPr id="9" name="Espace réservé du contenu 2"/>
-          <p:cNvSpPr txBox="1">
-            <a:spLocks/>
-          </p:cNvSpPr>
-          <p:nvPr/>
-        </p:nvSpPr>
-        <p:spPr>
-          <a:xfrm>
-            <a:off x="5619229" y="4528154"/>
-            <a:ext cx="2738512" cy="792088"/>
-          </a:xfrm>
-          <a:prstGeom prst="rect">
-            <a:avLst/>
-          </a:prstGeom>
-        </p:spPr>
-        <p:txBody>
-          <a:bodyPr/>
-          <a:lstStyle>
-            <a:lvl1pPr marL="0" indent="0" algn="l" defTabSz="457200" rtl="0" eaLnBrk="1" fontAlgn="base" hangingPunct="1">
-              <a:spcBef>
-                <a:spcPct val="20000"/>
-              </a:spcBef>
-              <a:spcAft>
-                <a:spcPct val="0"/>
-              </a:spcAft>
-              <a:buClr>
-                <a:srgbClr val="305291"/>
-              </a:buClr>
-              <a:buFont typeface="Arial"/>
-              <a:buNone/>
-              <a:defRPr sz="2700" kern="1200">
-                <a:solidFill>
-                  <a:srgbClr val="474746"/>
-                </a:solidFill>
-                <a:latin typeface="+mj-lt"/>
-                <a:ea typeface="ＭＳ Ｐゴシック" charset="0"/>
-                <a:cs typeface="+mn-cs"/>
-              </a:defRPr>
-            </a:lvl1pPr>
-            <a:lvl2pPr marL="183600" indent="0" algn="l" defTabSz="457200" rtl="0" eaLnBrk="1" fontAlgn="base" hangingPunct="1">
-              <a:spcBef>
-                <a:spcPct val="20000"/>
-              </a:spcBef>
-              <a:spcAft>
-                <a:spcPct val="0"/>
-              </a:spcAft>
-              <a:buClr>
-                <a:srgbClr val="41A336"/>
-              </a:buClr>
-              <a:buFontTx/>
-              <a:buNone/>
-              <a:defRPr sz="2000" b="0" i="0" kern="1200">
-                <a:solidFill>
-                  <a:srgbClr val="2E3135"/>
-                </a:solidFill>
-                <a:latin typeface="Verdana"/>
-                <a:ea typeface="ＭＳ Ｐゴシック" charset="0"/>
-                <a:cs typeface="Verdana"/>
-              </a:defRPr>
-            </a:lvl2pPr>
-            <a:lvl3pPr marL="439200" indent="0" algn="l" defTabSz="457200" rtl="0" eaLnBrk="1" fontAlgn="base" hangingPunct="1">
-              <a:spcBef>
-                <a:spcPct val="20000"/>
-              </a:spcBef>
-              <a:spcAft>
-                <a:spcPct val="0"/>
-              </a:spcAft>
-              <a:buClr>
-                <a:srgbClr val="41A336"/>
-              </a:buClr>
-              <a:buFontTx/>
-              <a:buNone/>
-              <a:defRPr sz="2000" b="0" i="0" kern="1200">
-                <a:solidFill>
-                  <a:srgbClr val="2E3135"/>
-                </a:solidFill>
-                <a:latin typeface="Verdana"/>
-                <a:ea typeface="ＭＳ Ｐゴシック" charset="0"/>
-                <a:cs typeface="Verdana"/>
-              </a:defRPr>
-            </a:lvl3pPr>
-            <a:lvl4pPr marL="673200" indent="0" algn="l" defTabSz="457200" rtl="0" eaLnBrk="1" fontAlgn="base" hangingPunct="1">
-              <a:spcBef>
-                <a:spcPct val="20000"/>
-              </a:spcBef>
-              <a:spcAft>
-                <a:spcPct val="0"/>
-              </a:spcAft>
-              <a:buClr>
-                <a:srgbClr val="41A336"/>
-              </a:buClr>
-              <a:buFontTx/>
-              <a:buNone/>
-              <a:defRPr sz="1800" b="0" i="0" kern="1200">
-                <a:solidFill>
-                  <a:srgbClr val="2E3135"/>
-                </a:solidFill>
-                <a:latin typeface="Verdana"/>
-                <a:ea typeface="ＭＳ Ｐゴシック" charset="0"/>
-                <a:cs typeface="Verdana"/>
-              </a:defRPr>
-            </a:lvl4pPr>
-            <a:lvl5pPr marL="1530000" indent="-228600" algn="l" defTabSz="457200" rtl="0" eaLnBrk="1" fontAlgn="base" hangingPunct="1">
-              <a:spcBef>
-                <a:spcPct val="20000"/>
-              </a:spcBef>
-              <a:spcAft>
-                <a:spcPct val="0"/>
-              </a:spcAft>
-              <a:buClr>
-                <a:srgbClr val="41A336"/>
-              </a:buClr>
-              <a:buFont typeface="Arial"/>
-              <a:buChar char="•"/>
-              <a:defRPr sz="1000" b="0" i="0" kern="1200">
-                <a:solidFill>
-                  <a:srgbClr val="2E3135"/>
-                </a:solidFill>
-                <a:latin typeface="Verdana"/>
-                <a:ea typeface="ＭＳ Ｐゴシック" charset="0"/>
-                <a:cs typeface="Verdana"/>
-              </a:defRPr>
-            </a:lvl5pPr>
-            <a:lvl6pPr marL="2514600" indent="-228600" algn="l" defTabSz="457200" rtl="0" eaLnBrk="1" latinLnBrk="0" hangingPunct="1">
-              <a:spcBef>
-                <a:spcPct val="20000"/>
-              </a:spcBef>
-              <a:buFont typeface="Arial"/>
-              <a:buChar char="•"/>
-              <a:defRPr sz="2000" kern="1200">
-                <a:solidFill>
-                  <a:schemeClr val="tx1"/>
-                </a:solidFill>
-                <a:latin typeface="+mn-lt"/>
-                <a:ea typeface="+mn-ea"/>
-                <a:cs typeface="+mn-cs"/>
-              </a:defRPr>
-            </a:lvl6pPr>
-            <a:lvl7pPr marL="2971800" indent="-228600" algn="l" defTabSz="457200" rtl="0" eaLnBrk="1" latinLnBrk="0" hangingPunct="1">
-              <a:spcBef>
-                <a:spcPct val="20000"/>
-              </a:spcBef>
-              <a:buFont typeface="Arial"/>
-              <a:buChar char="•"/>
-              <a:defRPr sz="2000" kern="1200">
-                <a:solidFill>
-                  <a:schemeClr val="tx1"/>
-                </a:solidFill>
-                <a:latin typeface="+mn-lt"/>
-                <a:ea typeface="+mn-ea"/>
-                <a:cs typeface="+mn-cs"/>
-              </a:defRPr>
-            </a:lvl7pPr>
-            <a:lvl8pPr marL="3429000" indent="-228600" algn="l" defTabSz="457200" rtl="0" eaLnBrk="1" latinLnBrk="0" hangingPunct="1">
-              <a:spcBef>
-                <a:spcPct val="20000"/>
-              </a:spcBef>
-              <a:buFont typeface="Arial"/>
-              <a:buChar char="•"/>
-              <a:defRPr sz="2000" kern="1200">
-                <a:solidFill>
-                  <a:schemeClr val="tx1"/>
-                </a:solidFill>
-                <a:latin typeface="+mn-lt"/>
-                <a:ea typeface="+mn-ea"/>
-                <a:cs typeface="+mn-cs"/>
-              </a:defRPr>
-            </a:lvl8pPr>
-            <a:lvl9pPr marL="3886200" indent="-228600" algn="l" defTabSz="457200" rtl="0" eaLnBrk="1" latinLnBrk="0" hangingPunct="1">
-              <a:spcBef>
-                <a:spcPct val="20000"/>
-              </a:spcBef>
-              <a:buFont typeface="Arial"/>
-              <a:buChar char="•"/>
-              <a:defRPr sz="2000" kern="1200">
-                <a:solidFill>
-                  <a:schemeClr val="tx1"/>
-                </a:solidFill>
-                <a:latin typeface="+mn-lt"/>
-                <a:ea typeface="+mn-ea"/>
-                <a:cs typeface="+mn-cs"/>
-              </a:defRPr>
-            </a:lvl9pPr>
-          </a:lstStyle>
-          <a:p>
-            <a:r>
-              <a:rPr lang="en-US" sz="1000" b="1" dirty="0">
-                <a:solidFill>
-                  <a:srgbClr val="0070C0"/>
-                </a:solidFill>
-                <a:latin typeface="Courier New" panose="02070309020205020404" pitchFamily="49" charset="0"/>
-                <a:cs typeface="Courier New" panose="02070309020205020404" pitchFamily="49" charset="0"/>
-              </a:rPr>
-              <a:t>device </a:t>
-            </a:r>
-            <a:r>
-              <a:rPr lang="en-US" sz="1000" dirty="0" err="1">
-                <a:latin typeface="Courier New" panose="02070309020205020404" pitchFamily="49" charset="0"/>
-                <a:cs typeface="Courier New" panose="02070309020205020404" pitchFamily="49" charset="0"/>
-              </a:rPr>
-              <a:t>PresenceDetector</a:t>
-            </a:r>
-            <a:r>
-              <a:rPr lang="en-US" sz="1000" dirty="0">
-                <a:latin typeface="Courier New" panose="02070309020205020404" pitchFamily="49" charset="0"/>
-                <a:cs typeface="Courier New" panose="02070309020205020404" pitchFamily="49" charset="0"/>
-              </a:rPr>
-              <a:t> {</a:t>
-            </a:r>
-          </a:p>
-          <a:p>
-            <a:r>
-              <a:rPr lang="en-US" sz="1000" b="1" dirty="0">
-                <a:solidFill>
-                  <a:srgbClr val="0070C0"/>
-                </a:solidFill>
-                <a:latin typeface="Courier New" panose="02070309020205020404" pitchFamily="49" charset="0"/>
-                <a:cs typeface="Courier New" panose="02070309020205020404" pitchFamily="49" charset="0"/>
-              </a:rPr>
-              <a:t>  sensing </a:t>
-            </a:r>
-            <a:r>
-              <a:rPr lang="en-US" sz="1000" dirty="0">
-                <a:latin typeface="Courier New" panose="02070309020205020404" pitchFamily="49" charset="0"/>
-                <a:cs typeface="Courier New" panose="02070309020205020404" pitchFamily="49" charset="0"/>
-              </a:rPr>
-              <a:t>detected()</a:t>
-            </a:r>
-          </a:p>
-          <a:p>
-            <a:r>
-              <a:rPr lang="en-US" sz="1000" b="1" dirty="0">
-                <a:solidFill>
-                  <a:srgbClr val="0070C0"/>
-                </a:solidFill>
-                <a:latin typeface="Courier New" panose="02070309020205020404" pitchFamily="49" charset="0"/>
-                <a:cs typeface="Courier New" panose="02070309020205020404" pitchFamily="49" charset="0"/>
-              </a:rPr>
-              <a:t>  actuating </a:t>
-            </a:r>
-            <a:r>
-              <a:rPr lang="en-US" sz="1000" dirty="0" err="1">
-                <a:latin typeface="Courier New" panose="02070309020205020404" pitchFamily="49" charset="0"/>
-                <a:cs typeface="Courier New" panose="02070309020205020404" pitchFamily="49" charset="0"/>
-              </a:rPr>
-              <a:t>isPresent</a:t>
-            </a:r>
-            <a:r>
-              <a:rPr lang="en-US" sz="1000" dirty="0">
-                <a:latin typeface="Courier New" panose="02070309020205020404" pitchFamily="49" charset="0"/>
-                <a:cs typeface="Courier New" panose="02070309020205020404" pitchFamily="49" charset="0"/>
-              </a:rPr>
-              <a:t>(out p:Bool)</a:t>
-            </a:r>
-          </a:p>
-          <a:p>
-            <a:r>
-              <a:rPr lang="en-US" sz="1000" dirty="0">
-                <a:latin typeface="Courier New" panose="02070309020205020404" pitchFamily="49" charset="0"/>
-                <a:cs typeface="Courier New" panose="02070309020205020404" pitchFamily="49" charset="0"/>
-              </a:rPr>
-              <a:t>}</a:t>
-            </a:r>
-            <a:endParaRPr lang="fr-FR" sz="1000" dirty="0">
-              <a:latin typeface="Courier New" panose="02070309020205020404" pitchFamily="49" charset="0"/>
-              <a:cs typeface="Courier New" panose="02070309020205020404" pitchFamily="49" charset="0"/>
-            </a:endParaRPr>
-          </a:p>
-        </p:txBody>
-      </p:sp>
-      <p:sp>
-        <p:nvSpPr>
-          <p:cNvPr id="10" name="Espace réservé du contenu 2"/>
-          <p:cNvSpPr txBox="1">
-            <a:spLocks/>
-          </p:cNvSpPr>
-          <p:nvPr/>
-        </p:nvSpPr>
-        <p:spPr>
-          <a:xfrm>
-            <a:off x="448031" y="1484784"/>
-            <a:ext cx="5204088" cy="4896544"/>
-          </a:xfrm>
-          <a:prstGeom prst="rect">
-            <a:avLst/>
-          </a:prstGeom>
-        </p:spPr>
-        <p:txBody>
-          <a:bodyPr/>
-          <a:lstStyle>
-            <a:lvl1pPr marL="0" indent="0" algn="l" defTabSz="457200" rtl="0" eaLnBrk="1" fontAlgn="base" hangingPunct="1">
-              <a:spcBef>
-                <a:spcPct val="20000"/>
-              </a:spcBef>
-              <a:spcAft>
-                <a:spcPct val="0"/>
-              </a:spcAft>
-              <a:buClr>
-                <a:srgbClr val="305291"/>
-              </a:buClr>
-              <a:buFont typeface="Arial"/>
-              <a:buNone/>
-              <a:defRPr sz="2700" kern="1200">
-                <a:solidFill>
-                  <a:srgbClr val="474746"/>
-                </a:solidFill>
-                <a:latin typeface="+mj-lt"/>
-                <a:ea typeface="ＭＳ Ｐゴシック" charset="0"/>
-                <a:cs typeface="+mn-cs"/>
-              </a:defRPr>
-            </a:lvl1pPr>
-            <a:lvl2pPr marL="183600" indent="0" algn="l" defTabSz="457200" rtl="0" eaLnBrk="1" fontAlgn="base" hangingPunct="1">
-              <a:spcBef>
-                <a:spcPct val="20000"/>
-              </a:spcBef>
-              <a:spcAft>
-                <a:spcPct val="0"/>
-              </a:spcAft>
-              <a:buClr>
-                <a:srgbClr val="41A336"/>
-              </a:buClr>
-              <a:buFontTx/>
-              <a:buNone/>
-              <a:defRPr sz="2000" b="0" i="0" kern="1200">
-                <a:solidFill>
-                  <a:srgbClr val="2E3135"/>
-                </a:solidFill>
-                <a:latin typeface="Verdana"/>
-                <a:ea typeface="ＭＳ Ｐゴシック" charset="0"/>
-                <a:cs typeface="Verdana"/>
-              </a:defRPr>
-            </a:lvl2pPr>
-            <a:lvl3pPr marL="439200" indent="0" algn="l" defTabSz="457200" rtl="0" eaLnBrk="1" fontAlgn="base" hangingPunct="1">
-              <a:spcBef>
-                <a:spcPct val="20000"/>
-              </a:spcBef>
-              <a:spcAft>
-                <a:spcPct val="0"/>
-              </a:spcAft>
-              <a:buClr>
-                <a:srgbClr val="41A336"/>
-              </a:buClr>
-              <a:buFontTx/>
-              <a:buNone/>
-              <a:defRPr sz="2000" b="0" i="0" kern="1200">
-                <a:solidFill>
-                  <a:srgbClr val="2E3135"/>
-                </a:solidFill>
-                <a:latin typeface="Verdana"/>
-                <a:ea typeface="ＭＳ Ｐゴシック" charset="0"/>
-                <a:cs typeface="Verdana"/>
-              </a:defRPr>
-            </a:lvl3pPr>
-            <a:lvl4pPr marL="673200" indent="0" algn="l" defTabSz="457200" rtl="0" eaLnBrk="1" fontAlgn="base" hangingPunct="1">
-              <a:spcBef>
-                <a:spcPct val="20000"/>
-              </a:spcBef>
-              <a:spcAft>
-                <a:spcPct val="0"/>
-              </a:spcAft>
-              <a:buClr>
-                <a:srgbClr val="41A336"/>
-              </a:buClr>
-              <a:buFontTx/>
-              <a:buNone/>
-              <a:defRPr sz="1800" b="0" i="0" kern="1200">
-                <a:solidFill>
-                  <a:srgbClr val="2E3135"/>
-                </a:solidFill>
-                <a:latin typeface="Verdana"/>
-                <a:ea typeface="ＭＳ Ｐゴシック" charset="0"/>
-                <a:cs typeface="Verdana"/>
-              </a:defRPr>
-            </a:lvl4pPr>
-            <a:lvl5pPr marL="1530000" indent="-228600" algn="l" defTabSz="457200" rtl="0" eaLnBrk="1" fontAlgn="base" hangingPunct="1">
-              <a:spcBef>
-                <a:spcPct val="20000"/>
-              </a:spcBef>
-              <a:spcAft>
-                <a:spcPct val="0"/>
-              </a:spcAft>
-              <a:buClr>
-                <a:srgbClr val="41A336"/>
-              </a:buClr>
-              <a:buFont typeface="Arial"/>
-              <a:buChar char="•"/>
-              <a:defRPr sz="1000" b="0" i="0" kern="1200">
-                <a:solidFill>
-                  <a:srgbClr val="2E3135"/>
-                </a:solidFill>
-                <a:latin typeface="Verdana"/>
-                <a:ea typeface="ＭＳ Ｐゴシック" charset="0"/>
-                <a:cs typeface="Verdana"/>
-              </a:defRPr>
-            </a:lvl5pPr>
-            <a:lvl6pPr marL="2514600" indent="-228600" algn="l" defTabSz="457200" rtl="0" eaLnBrk="1" latinLnBrk="0" hangingPunct="1">
-              <a:spcBef>
-                <a:spcPct val="20000"/>
-              </a:spcBef>
-              <a:buFont typeface="Arial"/>
-              <a:buChar char="•"/>
-              <a:defRPr sz="2000" kern="1200">
-                <a:solidFill>
-                  <a:schemeClr val="tx1"/>
-                </a:solidFill>
-                <a:latin typeface="+mn-lt"/>
-                <a:ea typeface="+mn-ea"/>
-                <a:cs typeface="+mn-cs"/>
-              </a:defRPr>
-            </a:lvl6pPr>
-            <a:lvl7pPr marL="2971800" indent="-228600" algn="l" defTabSz="457200" rtl="0" eaLnBrk="1" latinLnBrk="0" hangingPunct="1">
-              <a:spcBef>
-                <a:spcPct val="20000"/>
-              </a:spcBef>
-              <a:buFont typeface="Arial"/>
-              <a:buChar char="•"/>
-              <a:defRPr sz="2000" kern="1200">
-                <a:solidFill>
-                  <a:schemeClr val="tx1"/>
-                </a:solidFill>
-                <a:latin typeface="+mn-lt"/>
-                <a:ea typeface="+mn-ea"/>
-                <a:cs typeface="+mn-cs"/>
-              </a:defRPr>
-            </a:lvl7pPr>
-            <a:lvl8pPr marL="3429000" indent="-228600" algn="l" defTabSz="457200" rtl="0" eaLnBrk="1" latinLnBrk="0" hangingPunct="1">
-              <a:spcBef>
-                <a:spcPct val="20000"/>
-              </a:spcBef>
-              <a:buFont typeface="Arial"/>
-              <a:buChar char="•"/>
-              <a:defRPr sz="2000" kern="1200">
-                <a:solidFill>
-                  <a:schemeClr val="tx1"/>
-                </a:solidFill>
-                <a:latin typeface="+mn-lt"/>
-                <a:ea typeface="+mn-ea"/>
-                <a:cs typeface="+mn-cs"/>
-              </a:defRPr>
-            </a:lvl8pPr>
-            <a:lvl9pPr marL="3886200" indent="-228600" algn="l" defTabSz="457200" rtl="0" eaLnBrk="1" latinLnBrk="0" hangingPunct="1">
-              <a:spcBef>
-                <a:spcPct val="20000"/>
-              </a:spcBef>
-              <a:buFont typeface="Arial"/>
-              <a:buChar char="•"/>
-              <a:defRPr sz="2000" kern="1200">
-                <a:solidFill>
-                  <a:schemeClr val="tx1"/>
-                </a:solidFill>
-                <a:latin typeface="+mn-lt"/>
-                <a:ea typeface="+mn-ea"/>
-                <a:cs typeface="+mn-cs"/>
-              </a:defRPr>
-            </a:lvl9pPr>
-          </a:lstStyle>
-          <a:p>
-            <a:pPr marL="171450" indent="-171450">
-              <a:buClr>
-                <a:srgbClr val="00B050"/>
-              </a:buClr>
-              <a:buFont typeface="Wingdings" panose="05000000000000000000" pitchFamily="2" charset="2"/>
-              <a:buChar char="q"/>
-            </a:pPr>
-            <a:r>
-              <a:rPr lang="fr-FR" sz="2400" dirty="0" smtClean="0">
-                <a:latin typeface="Courier New" panose="02070309020205020404" pitchFamily="49" charset="0"/>
-                <a:cs typeface="Courier New" panose="02070309020205020404" pitchFamily="49" charset="0"/>
-              </a:rPr>
-              <a:t> </a:t>
-            </a:r>
-            <a:r>
-              <a:rPr lang="fr-FR" sz="2000" dirty="0" err="1" smtClean="0">
-                <a:solidFill>
-                  <a:srgbClr val="00B050"/>
-                </a:solidFill>
-              </a:rPr>
-              <a:t>Capability</a:t>
-            </a:r>
-            <a:r>
-              <a:rPr lang="fr-FR" sz="2000" dirty="0" smtClean="0">
-                <a:solidFill>
-                  <a:srgbClr val="00B050"/>
-                </a:solidFill>
-              </a:rPr>
-              <a:t> </a:t>
-            </a:r>
-            <a:r>
-              <a:rPr lang="fr-FR" sz="2000" dirty="0" err="1" smtClean="0">
-                <a:solidFill>
-                  <a:srgbClr val="00B050"/>
-                </a:solidFill>
-              </a:rPr>
-              <a:t>Discovery</a:t>
-            </a:r>
-            <a:endParaRPr lang="fr-FR" sz="2000" dirty="0" smtClean="0">
-              <a:solidFill>
-                <a:srgbClr val="00B050"/>
-              </a:solidFill>
-            </a:endParaRPr>
-          </a:p>
-          <a:p>
-            <a:pPr marL="724950" lvl="2" indent="-285750">
-              <a:buClr>
-                <a:srgbClr val="00B050"/>
-              </a:buClr>
-              <a:buFont typeface="Wingdings" panose="05000000000000000000" pitchFamily="2" charset="2"/>
-              <a:buChar char="§"/>
-            </a:pPr>
-            <a:r>
-              <a:rPr lang="fr-FR" sz="1300" dirty="0" smtClean="0"/>
-              <a:t>Once </a:t>
-            </a:r>
-            <a:r>
-              <a:rPr lang="fr-FR" sz="1300" dirty="0" err="1" smtClean="0"/>
-              <a:t>connected</a:t>
-            </a:r>
-            <a:r>
-              <a:rPr lang="fr-FR" sz="1300" dirty="0" smtClean="0"/>
-              <a:t>, </a:t>
-            </a:r>
-            <a:r>
-              <a:rPr lang="fr-FR" sz="1300" dirty="0" err="1" smtClean="0"/>
-              <a:t>what</a:t>
-            </a:r>
-            <a:r>
-              <a:rPr lang="fr-FR" sz="1300" dirty="0" smtClean="0"/>
-              <a:t> </a:t>
-            </a:r>
-            <a:r>
-              <a:rPr lang="fr-FR" sz="1300" dirty="0" err="1" smtClean="0"/>
-              <a:t>capabilities</a:t>
-            </a:r>
-            <a:r>
-              <a:rPr lang="fr-FR" sz="1300" dirty="0" smtClean="0"/>
-              <a:t> </a:t>
-            </a:r>
-            <a:r>
-              <a:rPr lang="fr-FR" sz="1300" dirty="0" err="1" smtClean="0"/>
-              <a:t>does</a:t>
-            </a:r>
-            <a:r>
-              <a:rPr lang="fr-FR" sz="1300" dirty="0" smtClean="0"/>
-              <a:t> a </a:t>
-            </a:r>
-            <a:r>
-              <a:rPr lang="fr-FR" sz="1300" dirty="0" err="1" smtClean="0"/>
-              <a:t>device</a:t>
-            </a:r>
-            <a:r>
-              <a:rPr lang="fr-FR" sz="1300" dirty="0" smtClean="0"/>
-              <a:t> expose to the </a:t>
-            </a:r>
-            <a:r>
-              <a:rPr lang="fr-FR" sz="1300" dirty="0" err="1" smtClean="0"/>
-              <a:t>external</a:t>
-            </a:r>
-            <a:r>
-              <a:rPr lang="fr-FR" sz="1300" dirty="0" smtClean="0"/>
-              <a:t> world?</a:t>
-            </a:r>
-          </a:p>
-          <a:p>
-            <a:pPr marL="724950" lvl="2" indent="-285750">
-              <a:buClr>
-                <a:srgbClr val="00B050"/>
-              </a:buClr>
-              <a:buFont typeface="Wingdings" panose="05000000000000000000" pitchFamily="2" charset="2"/>
-              <a:buChar char="§"/>
-            </a:pPr>
-            <a:endParaRPr lang="fr-FR" sz="1300" dirty="0"/>
-          </a:p>
-          <a:p>
-            <a:pPr marL="724950" lvl="2" indent="-285750">
-              <a:buClr>
-                <a:srgbClr val="00B050"/>
-              </a:buClr>
-              <a:buFont typeface="Wingdings" panose="05000000000000000000" pitchFamily="2" charset="2"/>
-              <a:buChar char="§"/>
-            </a:pPr>
-            <a:r>
-              <a:rPr lang="fr-FR" sz="1300" dirty="0" err="1" smtClean="0"/>
-              <a:t>Lack</a:t>
-            </a:r>
-            <a:r>
-              <a:rPr lang="fr-FR" sz="1300" dirty="0" smtClean="0"/>
-              <a:t> of </a:t>
-            </a:r>
-            <a:r>
-              <a:rPr lang="fr-FR" sz="1300" dirty="0" err="1" smtClean="0"/>
-              <a:t>uniform</a:t>
-            </a:r>
-            <a:r>
-              <a:rPr lang="fr-FR" sz="1300" dirty="0" smtClean="0"/>
-              <a:t> and </a:t>
-            </a:r>
-            <a:r>
-              <a:rPr lang="fr-FR" sz="1300" dirty="0" err="1" smtClean="0"/>
-              <a:t>standardised</a:t>
-            </a:r>
-            <a:r>
-              <a:rPr lang="fr-FR" sz="1300" dirty="0" smtClean="0"/>
-              <a:t> </a:t>
-            </a:r>
-            <a:r>
-              <a:rPr lang="fr-FR" sz="1300" dirty="0" err="1" smtClean="0"/>
-              <a:t>protocol</a:t>
-            </a:r>
-            <a:r>
-              <a:rPr lang="fr-FR" sz="1300" dirty="0"/>
-              <a:t/>
-            </a:r>
-            <a:br>
-              <a:rPr lang="fr-FR" sz="1300" dirty="0"/>
-            </a:br>
-            <a:r>
-              <a:rPr lang="fr-FR" sz="1300" dirty="0" smtClean="0"/>
-              <a:t>(</a:t>
-            </a:r>
-            <a:r>
-              <a:rPr lang="fr-FR" sz="1300" dirty="0" err="1" smtClean="0"/>
-              <a:t>just</a:t>
-            </a:r>
-            <a:r>
-              <a:rPr lang="fr-FR" sz="1300" dirty="0" smtClean="0"/>
-              <a:t> </a:t>
-            </a:r>
-            <a:r>
-              <a:rPr lang="fr-FR" sz="1300" dirty="0" err="1" smtClean="0"/>
-              <a:t>like</a:t>
-            </a:r>
-            <a:r>
-              <a:rPr lang="fr-FR" sz="1300" dirty="0" smtClean="0"/>
-              <a:t> for </a:t>
-            </a:r>
-            <a:r>
-              <a:rPr lang="fr-FR" sz="1300" cap="small" dirty="0" err="1" smtClean="0"/>
-              <a:t>Usb</a:t>
-            </a:r>
-            <a:r>
-              <a:rPr lang="fr-FR" sz="1300" dirty="0" smtClean="0"/>
-              <a:t>, </a:t>
-            </a:r>
-            <a:r>
-              <a:rPr lang="fr-FR" sz="1300" dirty="0" err="1" smtClean="0"/>
-              <a:t>BlueTooth</a:t>
-            </a:r>
-            <a:r>
-              <a:rPr lang="fr-FR" sz="1300" dirty="0" smtClean="0"/>
-              <a:t>, etc.)</a:t>
-            </a:r>
-          </a:p>
-          <a:p>
-            <a:pPr marL="724950" lvl="2" indent="-285750">
-              <a:buClr>
-                <a:srgbClr val="00B050"/>
-              </a:buClr>
-              <a:buFont typeface="Wingdings" panose="05000000000000000000" pitchFamily="2" charset="2"/>
-              <a:buChar char="§"/>
-            </a:pPr>
-            <a:endParaRPr lang="fr-FR" sz="1300" dirty="0"/>
-          </a:p>
-          <a:p>
-            <a:pPr marL="457200" indent="-457200">
-              <a:buClr>
-                <a:srgbClr val="00B050"/>
-              </a:buClr>
-              <a:buFont typeface="Wingdings" panose="05000000000000000000" pitchFamily="2" charset="2"/>
-              <a:buChar char="q"/>
-            </a:pPr>
-            <a:r>
-              <a:rPr lang="fr-FR" sz="2000" dirty="0" err="1" smtClean="0">
-                <a:solidFill>
-                  <a:srgbClr val="00B050"/>
-                </a:solidFill>
-              </a:rPr>
-              <a:t>Complex</a:t>
-            </a:r>
-            <a:r>
-              <a:rPr lang="fr-FR" sz="2000" dirty="0" smtClean="0">
-                <a:solidFill>
-                  <a:srgbClr val="00B050"/>
-                </a:solidFill>
-              </a:rPr>
-              <a:t> Event </a:t>
-            </a:r>
-            <a:r>
-              <a:rPr lang="fr-FR" sz="2000" dirty="0" err="1" smtClean="0">
-                <a:solidFill>
-                  <a:srgbClr val="00B050"/>
-                </a:solidFill>
-              </a:rPr>
-              <a:t>Processing</a:t>
-            </a:r>
-            <a:r>
-              <a:rPr lang="fr-FR" sz="2000" dirty="0" smtClean="0">
-                <a:solidFill>
-                  <a:srgbClr val="00B050"/>
-                </a:solidFill>
-              </a:rPr>
-              <a:t> (</a:t>
-            </a:r>
-            <a:r>
-              <a:rPr lang="fr-FR" sz="2000" cap="small" dirty="0" smtClean="0">
-                <a:solidFill>
-                  <a:srgbClr val="00B050"/>
-                </a:solidFill>
-              </a:rPr>
-              <a:t>Cep</a:t>
-            </a:r>
-            <a:r>
-              <a:rPr lang="fr-FR" sz="2000" dirty="0" smtClean="0">
-                <a:solidFill>
-                  <a:srgbClr val="00B050"/>
-                </a:solidFill>
-              </a:rPr>
-              <a:t>)</a:t>
-            </a:r>
-          </a:p>
-          <a:p>
-            <a:pPr marL="724950" lvl="2" indent="-285750">
-              <a:buClr>
-                <a:srgbClr val="00B050"/>
-              </a:buClr>
-              <a:buFont typeface="Wingdings" panose="05000000000000000000" pitchFamily="2" charset="2"/>
-              <a:buChar char="§"/>
-            </a:pPr>
-            <a:r>
-              <a:rPr lang="fr-FR" sz="1300" dirty="0" smtClean="0"/>
-              <a:t>Expose high-</a:t>
-            </a:r>
-            <a:r>
-              <a:rPr lang="fr-FR" sz="1300" dirty="0" err="1" smtClean="0"/>
-              <a:t>level</a:t>
-            </a:r>
-            <a:r>
-              <a:rPr lang="fr-FR" sz="1300" dirty="0" smtClean="0"/>
-              <a:t>, abstract </a:t>
-            </a:r>
-            <a:r>
-              <a:rPr lang="fr-FR" sz="1300" dirty="0" err="1" smtClean="0"/>
-              <a:t>capabilities</a:t>
-            </a:r>
-            <a:r>
-              <a:rPr lang="fr-FR" sz="1300" dirty="0" smtClean="0"/>
-              <a:t>, </a:t>
-            </a:r>
-            <a:r>
-              <a:rPr lang="fr-FR" sz="1300" dirty="0" err="1" smtClean="0"/>
-              <a:t>instead</a:t>
-            </a:r>
-            <a:r>
-              <a:rPr lang="fr-FR" sz="1300" dirty="0" smtClean="0"/>
-              <a:t> of </a:t>
-            </a:r>
-            <a:r>
-              <a:rPr lang="fr-FR" sz="1300" dirty="0" err="1" smtClean="0"/>
-              <a:t>low-level</a:t>
-            </a:r>
-            <a:r>
-              <a:rPr lang="fr-FR" sz="1300" dirty="0" smtClean="0"/>
-              <a:t>, </a:t>
-            </a:r>
-            <a:r>
-              <a:rPr lang="fr-FR" sz="1300" dirty="0" err="1" smtClean="0"/>
-              <a:t>technical</a:t>
-            </a:r>
-            <a:r>
-              <a:rPr lang="fr-FR" sz="1300" dirty="0" smtClean="0"/>
-              <a:t> </a:t>
-            </a:r>
-            <a:r>
-              <a:rPr lang="fr-FR" sz="1300" dirty="0" err="1" smtClean="0"/>
-              <a:t>ones</a:t>
-            </a:r>
-            <a:endParaRPr lang="fr-FR" sz="1300" dirty="0" smtClean="0"/>
-          </a:p>
-          <a:p>
-            <a:pPr marL="724950" lvl="2" indent="-285750">
-              <a:buClr>
-                <a:srgbClr val="00B050"/>
-              </a:buClr>
-              <a:buFont typeface="Wingdings" panose="05000000000000000000" pitchFamily="2" charset="2"/>
-              <a:buChar char="§"/>
-            </a:pPr>
-            <a:r>
-              <a:rPr lang="fr-FR" sz="1300" dirty="0" err="1" smtClean="0"/>
-              <a:t>Complex</a:t>
-            </a:r>
-            <a:r>
-              <a:rPr lang="fr-FR" sz="1300" dirty="0" smtClean="0"/>
-              <a:t> </a:t>
-            </a:r>
-            <a:r>
-              <a:rPr lang="fr-FR" sz="1300" dirty="0" err="1" smtClean="0"/>
-              <a:t>analysis</a:t>
-            </a:r>
-            <a:r>
-              <a:rPr lang="fr-FR" sz="1300" dirty="0" smtClean="0"/>
-              <a:t> of data </a:t>
-            </a:r>
-            <a:r>
-              <a:rPr lang="fr-FR" sz="1300" dirty="0" err="1" smtClean="0"/>
-              <a:t>streams</a:t>
-            </a:r>
-            <a:r>
-              <a:rPr lang="fr-FR" sz="1300" dirty="0" smtClean="0"/>
-              <a:t> to </a:t>
-            </a:r>
-            <a:r>
-              <a:rPr lang="fr-FR" sz="1300" dirty="0" err="1" smtClean="0"/>
-              <a:t>filter</a:t>
-            </a:r>
-            <a:r>
-              <a:rPr lang="fr-FR" sz="1300" dirty="0" smtClean="0"/>
-              <a:t> and expose </a:t>
-            </a:r>
-            <a:r>
-              <a:rPr lang="fr-FR" sz="1300" dirty="0" err="1" smtClean="0"/>
-              <a:t>only</a:t>
-            </a:r>
-            <a:r>
-              <a:rPr lang="fr-FR" sz="1300" dirty="0" smtClean="0"/>
-              <a:t> </a:t>
-            </a:r>
-            <a:r>
-              <a:rPr lang="fr-FR" sz="1300" dirty="0" err="1" smtClean="0"/>
-              <a:t>what</a:t>
-            </a:r>
-            <a:r>
-              <a:rPr lang="fr-FR" sz="1300" dirty="0" smtClean="0"/>
-              <a:t> </a:t>
-            </a:r>
-            <a:r>
-              <a:rPr lang="fr-FR" sz="1300" dirty="0" err="1" smtClean="0"/>
-              <a:t>is</a:t>
-            </a:r>
-            <a:r>
-              <a:rPr lang="fr-FR" sz="1300" dirty="0" smtClean="0"/>
-              <a:t> scenario-relevant</a:t>
-            </a:r>
-          </a:p>
-          <a:p>
-            <a:pPr marL="724950" lvl="2" indent="-285750">
-              <a:buClr>
-                <a:srgbClr val="00B050"/>
-              </a:buClr>
-              <a:buFont typeface="Wingdings" panose="05000000000000000000" pitchFamily="2" charset="2"/>
-              <a:buChar char="§"/>
-            </a:pPr>
-            <a:r>
-              <a:rPr lang="fr-FR" sz="1300" dirty="0" smtClean="0"/>
-              <a:t>Bi-</a:t>
-            </a:r>
-            <a:r>
-              <a:rPr lang="fr-FR" sz="1300" dirty="0" err="1" smtClean="0"/>
-              <a:t>directional</a:t>
-            </a:r>
-            <a:r>
-              <a:rPr lang="fr-FR" sz="1300" dirty="0" smtClean="0"/>
-              <a:t> </a:t>
-            </a:r>
-            <a:r>
-              <a:rPr lang="fr-FR" sz="1300" dirty="0" err="1" smtClean="0"/>
-              <a:t>operation</a:t>
-            </a:r>
-            <a:r>
-              <a:rPr lang="fr-FR" sz="1300" dirty="0"/>
-              <a:t> </a:t>
-            </a:r>
-            <a:r>
-              <a:rPr lang="fr-FR" sz="1300" dirty="0" smtClean="0"/>
-              <a:t>to translate back</a:t>
-            </a:r>
-          </a:p>
-          <a:p>
-            <a:pPr marL="724950" lvl="2" indent="-285750">
-              <a:buClr>
-                <a:srgbClr val="00B050"/>
-              </a:buClr>
-              <a:buFont typeface="Wingdings" panose="05000000000000000000" pitchFamily="2" charset="2"/>
-              <a:buChar char="§"/>
-            </a:pPr>
-            <a:endParaRPr lang="fr-FR" sz="1300" dirty="0"/>
-          </a:p>
-          <a:p>
-            <a:pPr marL="457200" indent="-457200">
-              <a:buClr>
-                <a:srgbClr val="00B050"/>
-              </a:buClr>
-              <a:buFont typeface="Wingdings" panose="05000000000000000000" pitchFamily="2" charset="2"/>
-              <a:buChar char="q"/>
-            </a:pPr>
-            <a:r>
-              <a:rPr lang="fr-FR" sz="2000" dirty="0" smtClean="0">
-                <a:solidFill>
-                  <a:srgbClr val="00B050"/>
-                </a:solidFill>
-              </a:rPr>
-              <a:t>Data Management</a:t>
-            </a:r>
-            <a:endParaRPr lang="fr-FR" sz="2000" dirty="0">
-              <a:solidFill>
-                <a:srgbClr val="00B050"/>
-              </a:solidFill>
-            </a:endParaRPr>
-          </a:p>
-          <a:p>
-            <a:pPr marL="724950" lvl="2" indent="-285750">
-              <a:buClr>
-                <a:srgbClr val="00B050"/>
-              </a:buClr>
-              <a:buFont typeface="Wingdings" panose="05000000000000000000" pitchFamily="2" charset="2"/>
-              <a:buChar char="§"/>
-            </a:pPr>
-            <a:r>
-              <a:rPr lang="fr-FR" sz="1300" dirty="0" err="1" smtClean="0"/>
-              <a:t>Handle</a:t>
-            </a:r>
-            <a:r>
-              <a:rPr lang="fr-FR" sz="1300" dirty="0" smtClean="0"/>
-              <a:t> large </a:t>
-            </a:r>
-            <a:r>
-              <a:rPr lang="fr-FR" sz="1300" dirty="0" err="1" smtClean="0"/>
-              <a:t>streams</a:t>
-            </a:r>
-            <a:r>
-              <a:rPr lang="fr-FR" sz="1300" dirty="0" smtClean="0"/>
-              <a:t> of </a:t>
-            </a:r>
-            <a:r>
-              <a:rPr lang="fr-FR" sz="1300" dirty="0" err="1" smtClean="0"/>
-              <a:t>events</a:t>
-            </a:r>
-            <a:endParaRPr lang="fr-FR" sz="1300" dirty="0"/>
-          </a:p>
-          <a:p>
-            <a:pPr marL="724950" lvl="2" indent="-285750">
-              <a:buClr>
-                <a:srgbClr val="00B050"/>
-              </a:buClr>
-              <a:buFont typeface="Wingdings" panose="05000000000000000000" pitchFamily="2" charset="2"/>
-              <a:buChar char="§"/>
-            </a:pPr>
-            <a:r>
-              <a:rPr lang="fr-FR" sz="1300" dirty="0" smtClean="0"/>
-              <a:t>Storage and Post-</a:t>
-            </a:r>
-            <a:r>
-              <a:rPr lang="fr-FR" sz="1300" dirty="0" err="1" smtClean="0"/>
-              <a:t>Processing</a:t>
-            </a:r>
-            <a:r>
-              <a:rPr lang="fr-FR" sz="1300" dirty="0" smtClean="0"/>
-              <a:t> (</a:t>
-            </a:r>
-            <a:r>
-              <a:rPr lang="fr-FR" sz="1300" dirty="0" err="1" smtClean="0"/>
-              <a:t>also</a:t>
-            </a:r>
-            <a:r>
-              <a:rPr lang="fr-FR" sz="1300" dirty="0" smtClean="0"/>
-              <a:t> </a:t>
-            </a:r>
-            <a:r>
-              <a:rPr lang="fr-FR" sz="1300" dirty="0" err="1" smtClean="0"/>
-              <a:t>useful</a:t>
-            </a:r>
-            <a:r>
-              <a:rPr lang="fr-FR" sz="1300" dirty="0" smtClean="0"/>
-              <a:t> for </a:t>
-            </a:r>
-            <a:r>
-              <a:rPr lang="fr-FR" sz="1300" cap="small" dirty="0" smtClean="0"/>
-              <a:t>Cep</a:t>
-            </a:r>
-            <a:r>
-              <a:rPr lang="fr-FR" sz="1300" dirty="0" smtClean="0"/>
-              <a:t>)</a:t>
-            </a:r>
-          </a:p>
-          <a:p>
-            <a:pPr marL="724950" lvl="2" indent="-285750">
-              <a:buClr>
-                <a:srgbClr val="00B050"/>
-              </a:buClr>
-              <a:buFont typeface="Wingdings" panose="05000000000000000000" pitchFamily="2" charset="2"/>
-              <a:buChar char="§"/>
-            </a:pPr>
-            <a:r>
-              <a:rPr lang="fr-FR" sz="1300" dirty="0" smtClean="0"/>
-              <a:t>Mining </a:t>
-            </a:r>
-            <a:r>
-              <a:rPr lang="fr-FR" sz="1300" dirty="0" err="1" smtClean="0"/>
-              <a:t>capabilities</a:t>
-            </a:r>
-            <a:r>
-              <a:rPr lang="fr-FR" sz="1300" dirty="0" smtClean="0"/>
-              <a:t> to </a:t>
-            </a:r>
-            <a:r>
-              <a:rPr lang="fr-FR" sz="1300" dirty="0" err="1" smtClean="0"/>
-              <a:t>extract</a:t>
-            </a:r>
-            <a:r>
-              <a:rPr lang="fr-FR" sz="1300" dirty="0" smtClean="0"/>
-              <a:t> relevant info</a:t>
-            </a:r>
-            <a:endParaRPr lang="fr-FR" sz="1300" dirty="0"/>
-          </a:p>
-        </p:txBody>
-      </p:sp>
-      <p:pic>
-        <p:nvPicPr>
-          <p:cNvPr id="11" name="Image 10"/>
-          <p:cNvPicPr>
-            <a:picLocks noChangeAspect="1"/>
-          </p:cNvPicPr>
-          <p:nvPr/>
-        </p:nvPicPr>
-        <p:blipFill>
-          <a:blip r:embed="rId5">
-            <a:extLst>
-              <a:ext uri="{28A0092B-C50C-407E-A947-70E740481C1C}">
-                <a14:useLocalDpi xmlns:a14="http://schemas.microsoft.com/office/drawing/2010/main" val="0"/>
-              </a:ext>
-            </a:extLst>
-          </a:blip>
-          <a:stretch>
-            <a:fillRect/>
-          </a:stretch>
-        </p:blipFill>
-        <p:spPr>
-          <a:xfrm>
-            <a:off x="7899884" y="5630945"/>
+            <a:off x="3685460" y="2650462"/>
             <a:ext cx="1093664" cy="727784"/>
           </a:xfrm>
           <a:prstGeom prst="rect">
@@ -6533,7 +5487,7 @@
         </p:nvSpPr>
         <p:spPr>
           <a:xfrm>
-            <a:off x="5796136" y="6024617"/>
+            <a:off x="3332191" y="3338561"/>
             <a:ext cx="1800201" cy="235589"/>
           </a:xfrm>
           <a:prstGeom prst="rect">
@@ -6710,6 +5664,7 @@
             </a:lvl9pPr>
           </a:lstStyle>
           <a:p>
+            <a:pPr algn="ctr"/>
             <a:r>
               <a:rPr lang="en-US" sz="1000" b="1" dirty="0">
                 <a:solidFill>
@@ -6726,6 +5681,609 @@
                 <a:cs typeface="Courier New" panose="02070309020205020404" pitchFamily="49" charset="0"/>
               </a:rPr>
               <a:t>Gateway {}</a:t>
+            </a:r>
+            <a:endParaRPr lang="fr-FR" sz="1000" dirty="0">
+              <a:latin typeface="Courier New" panose="02070309020205020404" pitchFamily="49" charset="0"/>
+              <a:cs typeface="Courier New" panose="02070309020205020404" pitchFamily="49" charset="0"/>
+            </a:endParaRPr>
+          </a:p>
+        </p:txBody>
+      </p:sp>
+      <p:pic>
+        <p:nvPicPr>
+          <p:cNvPr id="13" name="Image 12"/>
+          <p:cNvPicPr>
+            <a:picLocks noChangeAspect="1"/>
+          </p:cNvPicPr>
+          <p:nvPr/>
+        </p:nvPicPr>
+        <p:blipFill>
+          <a:blip r:embed="rId5">
+            <a:extLst>
+              <a:ext uri="{28A0092B-C50C-407E-A947-70E740481C1C}">
+                <a14:useLocalDpi xmlns:a14="http://schemas.microsoft.com/office/drawing/2010/main" val="0"/>
+              </a:ext>
+            </a:extLst>
+          </a:blip>
+          <a:stretch>
+            <a:fillRect/>
+          </a:stretch>
+        </p:blipFill>
+        <p:spPr>
+          <a:xfrm>
+            <a:off x="755576" y="4543292"/>
+            <a:ext cx="1151384" cy="783110"/>
+          </a:xfrm>
+          <a:prstGeom prst="rect">
+            <a:avLst/>
+          </a:prstGeom>
+        </p:spPr>
+      </p:pic>
+      <p:sp>
+        <p:nvSpPr>
+          <p:cNvPr id="14" name="Espace réservé du contenu 2"/>
+          <p:cNvSpPr txBox="1">
+            <a:spLocks/>
+          </p:cNvSpPr>
+          <p:nvPr/>
+        </p:nvSpPr>
+        <p:spPr>
+          <a:xfrm>
+            <a:off x="237604" y="5320560"/>
+            <a:ext cx="1886124" cy="792088"/>
+          </a:xfrm>
+          <a:prstGeom prst="rect">
+            <a:avLst/>
+          </a:prstGeom>
+        </p:spPr>
+        <p:txBody>
+          <a:bodyPr/>
+          <a:lstStyle>
+            <a:lvl1pPr marL="0" indent="0" algn="l" defTabSz="457200" rtl="0" eaLnBrk="1" fontAlgn="base" hangingPunct="1">
+              <a:spcBef>
+                <a:spcPct val="20000"/>
+              </a:spcBef>
+              <a:spcAft>
+                <a:spcPct val="0"/>
+              </a:spcAft>
+              <a:buClr>
+                <a:srgbClr val="305291"/>
+              </a:buClr>
+              <a:buFont typeface="Arial"/>
+              <a:buNone/>
+              <a:defRPr sz="2700" kern="1200">
+                <a:solidFill>
+                  <a:srgbClr val="474746"/>
+                </a:solidFill>
+                <a:latin typeface="+mj-lt"/>
+                <a:ea typeface="ＭＳ Ｐゴシック" charset="0"/>
+                <a:cs typeface="+mn-cs"/>
+              </a:defRPr>
+            </a:lvl1pPr>
+            <a:lvl2pPr marL="183600" indent="0" algn="l" defTabSz="457200" rtl="0" eaLnBrk="1" fontAlgn="base" hangingPunct="1">
+              <a:spcBef>
+                <a:spcPct val="20000"/>
+              </a:spcBef>
+              <a:spcAft>
+                <a:spcPct val="0"/>
+              </a:spcAft>
+              <a:buClr>
+                <a:srgbClr val="41A336"/>
+              </a:buClr>
+              <a:buFontTx/>
+              <a:buNone/>
+              <a:defRPr sz="2000" b="0" i="0" kern="1200">
+                <a:solidFill>
+                  <a:srgbClr val="2E3135"/>
+                </a:solidFill>
+                <a:latin typeface="Verdana"/>
+                <a:ea typeface="ＭＳ Ｐゴシック" charset="0"/>
+                <a:cs typeface="Verdana"/>
+              </a:defRPr>
+            </a:lvl2pPr>
+            <a:lvl3pPr marL="439200" indent="0" algn="l" defTabSz="457200" rtl="0" eaLnBrk="1" fontAlgn="base" hangingPunct="1">
+              <a:spcBef>
+                <a:spcPct val="20000"/>
+              </a:spcBef>
+              <a:spcAft>
+                <a:spcPct val="0"/>
+              </a:spcAft>
+              <a:buClr>
+                <a:srgbClr val="41A336"/>
+              </a:buClr>
+              <a:buFontTx/>
+              <a:buNone/>
+              <a:defRPr sz="2000" b="0" i="0" kern="1200">
+                <a:solidFill>
+                  <a:srgbClr val="2E3135"/>
+                </a:solidFill>
+                <a:latin typeface="Verdana"/>
+                <a:ea typeface="ＭＳ Ｐゴシック" charset="0"/>
+                <a:cs typeface="Verdana"/>
+              </a:defRPr>
+            </a:lvl3pPr>
+            <a:lvl4pPr marL="673200" indent="0" algn="l" defTabSz="457200" rtl="0" eaLnBrk="1" fontAlgn="base" hangingPunct="1">
+              <a:spcBef>
+                <a:spcPct val="20000"/>
+              </a:spcBef>
+              <a:spcAft>
+                <a:spcPct val="0"/>
+              </a:spcAft>
+              <a:buClr>
+                <a:srgbClr val="41A336"/>
+              </a:buClr>
+              <a:buFontTx/>
+              <a:buNone/>
+              <a:defRPr sz="1800" b="0" i="0" kern="1200">
+                <a:solidFill>
+                  <a:srgbClr val="2E3135"/>
+                </a:solidFill>
+                <a:latin typeface="Verdana"/>
+                <a:ea typeface="ＭＳ Ｐゴシック" charset="0"/>
+                <a:cs typeface="Verdana"/>
+              </a:defRPr>
+            </a:lvl4pPr>
+            <a:lvl5pPr marL="1530000" indent="-228600" algn="l" defTabSz="457200" rtl="0" eaLnBrk="1" fontAlgn="base" hangingPunct="1">
+              <a:spcBef>
+                <a:spcPct val="20000"/>
+              </a:spcBef>
+              <a:spcAft>
+                <a:spcPct val="0"/>
+              </a:spcAft>
+              <a:buClr>
+                <a:srgbClr val="41A336"/>
+              </a:buClr>
+              <a:buFont typeface="Arial"/>
+              <a:buChar char="•"/>
+              <a:defRPr sz="1000" b="0" i="0" kern="1200">
+                <a:solidFill>
+                  <a:srgbClr val="2E3135"/>
+                </a:solidFill>
+                <a:latin typeface="Verdana"/>
+                <a:ea typeface="ＭＳ Ｐゴシック" charset="0"/>
+                <a:cs typeface="Verdana"/>
+              </a:defRPr>
+            </a:lvl5pPr>
+            <a:lvl6pPr marL="2514600" indent="-228600" algn="l" defTabSz="457200" rtl="0" eaLnBrk="1" latinLnBrk="0" hangingPunct="1">
+              <a:spcBef>
+                <a:spcPct val="20000"/>
+              </a:spcBef>
+              <a:buFont typeface="Arial"/>
+              <a:buChar char="•"/>
+              <a:defRPr sz="2000" kern="1200">
+                <a:solidFill>
+                  <a:schemeClr val="tx1"/>
+                </a:solidFill>
+                <a:latin typeface="+mn-lt"/>
+                <a:ea typeface="+mn-ea"/>
+                <a:cs typeface="+mn-cs"/>
+              </a:defRPr>
+            </a:lvl6pPr>
+            <a:lvl7pPr marL="2971800" indent="-228600" algn="l" defTabSz="457200" rtl="0" eaLnBrk="1" latinLnBrk="0" hangingPunct="1">
+              <a:spcBef>
+                <a:spcPct val="20000"/>
+              </a:spcBef>
+              <a:buFont typeface="Arial"/>
+              <a:buChar char="•"/>
+              <a:defRPr sz="2000" kern="1200">
+                <a:solidFill>
+                  <a:schemeClr val="tx1"/>
+                </a:solidFill>
+                <a:latin typeface="+mn-lt"/>
+                <a:ea typeface="+mn-ea"/>
+                <a:cs typeface="+mn-cs"/>
+              </a:defRPr>
+            </a:lvl7pPr>
+            <a:lvl8pPr marL="3429000" indent="-228600" algn="l" defTabSz="457200" rtl="0" eaLnBrk="1" latinLnBrk="0" hangingPunct="1">
+              <a:spcBef>
+                <a:spcPct val="20000"/>
+              </a:spcBef>
+              <a:buFont typeface="Arial"/>
+              <a:buChar char="•"/>
+              <a:defRPr sz="2000" kern="1200">
+                <a:solidFill>
+                  <a:schemeClr val="tx1"/>
+                </a:solidFill>
+                <a:latin typeface="+mn-lt"/>
+                <a:ea typeface="+mn-ea"/>
+                <a:cs typeface="+mn-cs"/>
+              </a:defRPr>
+            </a:lvl8pPr>
+            <a:lvl9pPr marL="3886200" indent="-228600" algn="l" defTabSz="457200" rtl="0" eaLnBrk="1" latinLnBrk="0" hangingPunct="1">
+              <a:spcBef>
+                <a:spcPct val="20000"/>
+              </a:spcBef>
+              <a:buFont typeface="Arial"/>
+              <a:buChar char="•"/>
+              <a:defRPr sz="2000" kern="1200">
+                <a:solidFill>
+                  <a:schemeClr val="tx1"/>
+                </a:solidFill>
+                <a:latin typeface="+mn-lt"/>
+                <a:ea typeface="+mn-ea"/>
+                <a:cs typeface="+mn-cs"/>
+              </a:defRPr>
+            </a:lvl9pPr>
+          </a:lstStyle>
+          <a:p>
+            <a:r>
+              <a:rPr lang="en-US" sz="1000" b="1" dirty="0">
+                <a:solidFill>
+                  <a:srgbClr val="0070C0"/>
+                </a:solidFill>
+                <a:latin typeface="Courier New" panose="02070309020205020404" pitchFamily="49" charset="0"/>
+                <a:cs typeface="Courier New" panose="02070309020205020404" pitchFamily="49" charset="0"/>
+              </a:rPr>
+              <a:t>device </a:t>
+            </a:r>
+            <a:r>
+              <a:rPr lang="en-US" sz="1000" dirty="0" err="1" smtClean="0">
+                <a:latin typeface="Courier New" panose="02070309020205020404" pitchFamily="49" charset="0"/>
+                <a:cs typeface="Courier New" panose="02070309020205020404" pitchFamily="49" charset="0"/>
+              </a:rPr>
+              <a:t>SmokeDetector</a:t>
+            </a:r>
+            <a:r>
+              <a:rPr lang="en-US" sz="1000" dirty="0" smtClean="0">
+                <a:latin typeface="Courier New" panose="02070309020205020404" pitchFamily="49" charset="0"/>
+                <a:cs typeface="Courier New" panose="02070309020205020404" pitchFamily="49" charset="0"/>
+              </a:rPr>
+              <a:t> </a:t>
+            </a:r>
+            <a:r>
+              <a:rPr lang="en-US" sz="1000" dirty="0">
+                <a:latin typeface="Courier New" panose="02070309020205020404" pitchFamily="49" charset="0"/>
+                <a:cs typeface="Courier New" panose="02070309020205020404" pitchFamily="49" charset="0"/>
+              </a:rPr>
+              <a:t>{</a:t>
+            </a:r>
+          </a:p>
+          <a:p>
+            <a:r>
+              <a:rPr lang="en-US" sz="1000" b="1" dirty="0">
+                <a:solidFill>
+                  <a:srgbClr val="0070C0"/>
+                </a:solidFill>
+                <a:latin typeface="Courier New" panose="02070309020205020404" pitchFamily="49" charset="0"/>
+                <a:cs typeface="Courier New" panose="02070309020205020404" pitchFamily="49" charset="0"/>
+              </a:rPr>
+              <a:t>  sensing </a:t>
+            </a:r>
+            <a:r>
+              <a:rPr lang="en-US" sz="1000" dirty="0" smtClean="0">
+                <a:latin typeface="Courier New" panose="02070309020205020404" pitchFamily="49" charset="0"/>
+                <a:cs typeface="Courier New" panose="02070309020205020404" pitchFamily="49" charset="0"/>
+              </a:rPr>
+              <a:t>smoke()</a:t>
+            </a:r>
+            <a:endParaRPr lang="en-US" sz="1000" dirty="0">
+              <a:latin typeface="Courier New" panose="02070309020205020404" pitchFamily="49" charset="0"/>
+              <a:cs typeface="Courier New" panose="02070309020205020404" pitchFamily="49" charset="0"/>
+            </a:endParaRPr>
+          </a:p>
+          <a:p>
+            <a:r>
+              <a:rPr lang="en-US" sz="1000" dirty="0" smtClean="0">
+                <a:latin typeface="Courier New" panose="02070309020205020404" pitchFamily="49" charset="0"/>
+                <a:cs typeface="Courier New" panose="02070309020205020404" pitchFamily="49" charset="0"/>
+              </a:rPr>
+              <a:t>  </a:t>
+            </a:r>
+            <a:r>
+              <a:rPr lang="en-US" sz="1000" b="1" dirty="0">
+                <a:solidFill>
+                  <a:srgbClr val="0070C0"/>
+                </a:solidFill>
+                <a:latin typeface="Courier New" panose="02070309020205020404" pitchFamily="49" charset="0"/>
+                <a:cs typeface="Courier New" panose="02070309020205020404" pitchFamily="49" charset="0"/>
+              </a:rPr>
+              <a:t>actuating</a:t>
+            </a:r>
+            <a:r>
+              <a:rPr lang="en-US" sz="1000" dirty="0" smtClean="0">
+                <a:latin typeface="Courier New" panose="02070309020205020404" pitchFamily="49" charset="0"/>
+                <a:cs typeface="Courier New" panose="02070309020205020404" pitchFamily="49" charset="0"/>
+              </a:rPr>
+              <a:t> alarm()</a:t>
+            </a:r>
+          </a:p>
+          <a:p>
+            <a:r>
+              <a:rPr lang="en-US" sz="1000" dirty="0" smtClean="0">
+                <a:latin typeface="Courier New" panose="02070309020205020404" pitchFamily="49" charset="0"/>
+                <a:cs typeface="Courier New" panose="02070309020205020404" pitchFamily="49" charset="0"/>
+              </a:rPr>
+              <a:t>}</a:t>
+            </a:r>
+            <a:endParaRPr lang="fr-FR" sz="1000" dirty="0">
+              <a:latin typeface="Courier New" panose="02070309020205020404" pitchFamily="49" charset="0"/>
+              <a:cs typeface="Courier New" panose="02070309020205020404" pitchFamily="49" charset="0"/>
+            </a:endParaRPr>
+          </a:p>
+        </p:txBody>
+      </p:sp>
+      <p:pic>
+        <p:nvPicPr>
+          <p:cNvPr id="15" name="Image 14"/>
+          <p:cNvPicPr>
+            <a:picLocks noChangeAspect="1"/>
+          </p:cNvPicPr>
+          <p:nvPr/>
+        </p:nvPicPr>
+        <p:blipFill>
+          <a:blip r:embed="rId6">
+            <a:extLst>
+              <a:ext uri="{28A0092B-C50C-407E-A947-70E740481C1C}">
+                <a14:useLocalDpi xmlns:a14="http://schemas.microsoft.com/office/drawing/2010/main" val="0"/>
+              </a:ext>
+            </a:extLst>
+          </a:blip>
+          <a:stretch>
+            <a:fillRect/>
+          </a:stretch>
+        </p:blipFill>
+        <p:spPr>
+          <a:xfrm>
+            <a:off x="6469484" y="4149080"/>
+            <a:ext cx="1327944" cy="1298694"/>
+          </a:xfrm>
+          <a:prstGeom prst="rect">
+            <a:avLst/>
+          </a:prstGeom>
+        </p:spPr>
+      </p:pic>
+      <p:sp>
+        <p:nvSpPr>
+          <p:cNvPr id="16" name="Espace réservé du contenu 2"/>
+          <p:cNvSpPr txBox="1">
+            <a:spLocks/>
+          </p:cNvSpPr>
+          <p:nvPr/>
+        </p:nvSpPr>
+        <p:spPr>
+          <a:xfrm>
+            <a:off x="6329939" y="5422403"/>
+            <a:ext cx="1607034" cy="588402"/>
+          </a:xfrm>
+          <a:prstGeom prst="rect">
+            <a:avLst/>
+          </a:prstGeom>
+        </p:spPr>
+        <p:txBody>
+          <a:bodyPr/>
+          <a:lstStyle>
+            <a:lvl1pPr marL="0" indent="0" algn="l" defTabSz="457200" rtl="0" eaLnBrk="1" fontAlgn="base" hangingPunct="1">
+              <a:spcBef>
+                <a:spcPct val="20000"/>
+              </a:spcBef>
+              <a:spcAft>
+                <a:spcPct val="0"/>
+              </a:spcAft>
+              <a:buClr>
+                <a:srgbClr val="305291"/>
+              </a:buClr>
+              <a:buFont typeface="Arial"/>
+              <a:buNone/>
+              <a:defRPr sz="2700" kern="1200">
+                <a:solidFill>
+                  <a:srgbClr val="474746"/>
+                </a:solidFill>
+                <a:latin typeface="+mj-lt"/>
+                <a:ea typeface="ＭＳ Ｐゴシック" charset="0"/>
+                <a:cs typeface="+mn-cs"/>
+              </a:defRPr>
+            </a:lvl1pPr>
+            <a:lvl2pPr marL="183600" indent="0" algn="l" defTabSz="457200" rtl="0" eaLnBrk="1" fontAlgn="base" hangingPunct="1">
+              <a:spcBef>
+                <a:spcPct val="20000"/>
+              </a:spcBef>
+              <a:spcAft>
+                <a:spcPct val="0"/>
+              </a:spcAft>
+              <a:buClr>
+                <a:srgbClr val="41A336"/>
+              </a:buClr>
+              <a:buFontTx/>
+              <a:buNone/>
+              <a:defRPr sz="2000" b="0" i="0" kern="1200">
+                <a:solidFill>
+                  <a:srgbClr val="2E3135"/>
+                </a:solidFill>
+                <a:latin typeface="Verdana"/>
+                <a:ea typeface="ＭＳ Ｐゴシック" charset="0"/>
+                <a:cs typeface="Verdana"/>
+              </a:defRPr>
+            </a:lvl2pPr>
+            <a:lvl3pPr marL="439200" indent="0" algn="l" defTabSz="457200" rtl="0" eaLnBrk="1" fontAlgn="base" hangingPunct="1">
+              <a:spcBef>
+                <a:spcPct val="20000"/>
+              </a:spcBef>
+              <a:spcAft>
+                <a:spcPct val="0"/>
+              </a:spcAft>
+              <a:buClr>
+                <a:srgbClr val="41A336"/>
+              </a:buClr>
+              <a:buFontTx/>
+              <a:buNone/>
+              <a:defRPr sz="2000" b="0" i="0" kern="1200">
+                <a:solidFill>
+                  <a:srgbClr val="2E3135"/>
+                </a:solidFill>
+                <a:latin typeface="Verdana"/>
+                <a:ea typeface="ＭＳ Ｐゴシック" charset="0"/>
+                <a:cs typeface="Verdana"/>
+              </a:defRPr>
+            </a:lvl3pPr>
+            <a:lvl4pPr marL="673200" indent="0" algn="l" defTabSz="457200" rtl="0" eaLnBrk="1" fontAlgn="base" hangingPunct="1">
+              <a:spcBef>
+                <a:spcPct val="20000"/>
+              </a:spcBef>
+              <a:spcAft>
+                <a:spcPct val="0"/>
+              </a:spcAft>
+              <a:buClr>
+                <a:srgbClr val="41A336"/>
+              </a:buClr>
+              <a:buFontTx/>
+              <a:buNone/>
+              <a:defRPr sz="1800" b="0" i="0" kern="1200">
+                <a:solidFill>
+                  <a:srgbClr val="2E3135"/>
+                </a:solidFill>
+                <a:latin typeface="Verdana"/>
+                <a:ea typeface="ＭＳ Ｐゴシック" charset="0"/>
+                <a:cs typeface="Verdana"/>
+              </a:defRPr>
+            </a:lvl4pPr>
+            <a:lvl5pPr marL="1530000" indent="-228600" algn="l" defTabSz="457200" rtl="0" eaLnBrk="1" fontAlgn="base" hangingPunct="1">
+              <a:spcBef>
+                <a:spcPct val="20000"/>
+              </a:spcBef>
+              <a:spcAft>
+                <a:spcPct val="0"/>
+              </a:spcAft>
+              <a:buClr>
+                <a:srgbClr val="41A336"/>
+              </a:buClr>
+              <a:buFont typeface="Arial"/>
+              <a:buChar char="•"/>
+              <a:defRPr sz="1000" b="0" i="0" kern="1200">
+                <a:solidFill>
+                  <a:srgbClr val="2E3135"/>
+                </a:solidFill>
+                <a:latin typeface="Verdana"/>
+                <a:ea typeface="ＭＳ Ｐゴシック" charset="0"/>
+                <a:cs typeface="Verdana"/>
+              </a:defRPr>
+            </a:lvl5pPr>
+            <a:lvl6pPr marL="2514600" indent="-228600" algn="l" defTabSz="457200" rtl="0" eaLnBrk="1" latinLnBrk="0" hangingPunct="1">
+              <a:spcBef>
+                <a:spcPct val="20000"/>
+              </a:spcBef>
+              <a:buFont typeface="Arial"/>
+              <a:buChar char="•"/>
+              <a:defRPr sz="2000" kern="1200">
+                <a:solidFill>
+                  <a:schemeClr val="tx1"/>
+                </a:solidFill>
+                <a:latin typeface="+mn-lt"/>
+                <a:ea typeface="+mn-ea"/>
+                <a:cs typeface="+mn-cs"/>
+              </a:defRPr>
+            </a:lvl6pPr>
+            <a:lvl7pPr marL="2971800" indent="-228600" algn="l" defTabSz="457200" rtl="0" eaLnBrk="1" latinLnBrk="0" hangingPunct="1">
+              <a:spcBef>
+                <a:spcPct val="20000"/>
+              </a:spcBef>
+              <a:buFont typeface="Arial"/>
+              <a:buChar char="•"/>
+              <a:defRPr sz="2000" kern="1200">
+                <a:solidFill>
+                  <a:schemeClr val="tx1"/>
+                </a:solidFill>
+                <a:latin typeface="+mn-lt"/>
+                <a:ea typeface="+mn-ea"/>
+                <a:cs typeface="+mn-cs"/>
+              </a:defRPr>
+            </a:lvl7pPr>
+            <a:lvl8pPr marL="3429000" indent="-228600" algn="l" defTabSz="457200" rtl="0" eaLnBrk="1" latinLnBrk="0" hangingPunct="1">
+              <a:spcBef>
+                <a:spcPct val="20000"/>
+              </a:spcBef>
+              <a:buFont typeface="Arial"/>
+              <a:buChar char="•"/>
+              <a:defRPr sz="2000" kern="1200">
+                <a:solidFill>
+                  <a:schemeClr val="tx1"/>
+                </a:solidFill>
+                <a:latin typeface="+mn-lt"/>
+                <a:ea typeface="+mn-ea"/>
+                <a:cs typeface="+mn-cs"/>
+              </a:defRPr>
+            </a:lvl8pPr>
+            <a:lvl9pPr marL="3886200" indent="-228600" algn="l" defTabSz="457200" rtl="0" eaLnBrk="1" latinLnBrk="0" hangingPunct="1">
+              <a:spcBef>
+                <a:spcPct val="20000"/>
+              </a:spcBef>
+              <a:buFont typeface="Arial"/>
+              <a:buChar char="•"/>
+              <a:defRPr sz="2000" kern="1200">
+                <a:solidFill>
+                  <a:schemeClr val="tx1"/>
+                </a:solidFill>
+                <a:latin typeface="+mn-lt"/>
+                <a:ea typeface="+mn-ea"/>
+                <a:cs typeface="+mn-cs"/>
+              </a:defRPr>
+            </a:lvl9pPr>
+          </a:lstStyle>
+          <a:p>
+            <a:r>
+              <a:rPr lang="en-US" sz="1000" b="1" dirty="0">
+                <a:solidFill>
+                  <a:srgbClr val="0070C0"/>
+                </a:solidFill>
+                <a:latin typeface="Courier New" panose="02070309020205020404" pitchFamily="49" charset="0"/>
+                <a:cs typeface="Courier New" panose="02070309020205020404" pitchFamily="49" charset="0"/>
+              </a:rPr>
+              <a:t>device </a:t>
+            </a:r>
+            <a:r>
+              <a:rPr lang="en-US" sz="1000" dirty="0" smtClean="0">
+                <a:latin typeface="Courier New" panose="02070309020205020404" pitchFamily="49" charset="0"/>
+                <a:cs typeface="Courier New" panose="02070309020205020404" pitchFamily="49" charset="0"/>
+              </a:rPr>
+              <a:t>Alarm </a:t>
+            </a:r>
+            <a:r>
+              <a:rPr lang="en-US" sz="1000" dirty="0">
+                <a:latin typeface="Courier New" panose="02070309020205020404" pitchFamily="49" charset="0"/>
+                <a:cs typeface="Courier New" panose="02070309020205020404" pitchFamily="49" charset="0"/>
+              </a:rPr>
+              <a:t>{</a:t>
+            </a:r>
+          </a:p>
+          <a:p>
+            <a:r>
+              <a:rPr lang="en-US" sz="1000" b="1" dirty="0">
+                <a:solidFill>
+                  <a:srgbClr val="0070C0"/>
+                </a:solidFill>
+                <a:latin typeface="Courier New" panose="02070309020205020404" pitchFamily="49" charset="0"/>
+                <a:cs typeface="Courier New" panose="02070309020205020404" pitchFamily="49" charset="0"/>
+              </a:rPr>
+              <a:t>  </a:t>
+            </a:r>
+            <a:r>
+              <a:rPr lang="en-US" sz="1000" b="1" dirty="0" smtClean="0">
+                <a:solidFill>
+                  <a:srgbClr val="0070C0"/>
+                </a:solidFill>
+                <a:latin typeface="Courier New" panose="02070309020205020404" pitchFamily="49" charset="0"/>
+                <a:cs typeface="Courier New" panose="02070309020205020404" pitchFamily="49" charset="0"/>
+              </a:rPr>
+              <a:t>actuating </a:t>
+            </a:r>
+            <a:r>
+              <a:rPr lang="en-US" sz="1000" dirty="0" smtClean="0">
+                <a:latin typeface="Courier New" panose="02070309020205020404" pitchFamily="49" charset="0"/>
+                <a:cs typeface="Courier New" panose="02070309020205020404" pitchFamily="49" charset="0"/>
+              </a:rPr>
+              <a:t>ring()</a:t>
+            </a:r>
+            <a:endParaRPr lang="en-US" sz="1000" dirty="0">
+              <a:latin typeface="Courier New" panose="02070309020205020404" pitchFamily="49" charset="0"/>
+              <a:cs typeface="Courier New" panose="02070309020205020404" pitchFamily="49" charset="0"/>
+            </a:endParaRPr>
+          </a:p>
+          <a:p>
+            <a:r>
+              <a:rPr lang="en-US" sz="1000" dirty="0" smtClean="0">
+                <a:latin typeface="Courier New" panose="02070309020205020404" pitchFamily="49" charset="0"/>
+                <a:cs typeface="Courier New" panose="02070309020205020404" pitchFamily="49" charset="0"/>
+              </a:rPr>
+              <a:t>}</a:t>
             </a:r>
             <a:endParaRPr lang="fr-FR" sz="1000" dirty="0">
               <a:latin typeface="Courier New" panose="02070309020205020404" pitchFamily="49" charset="0"/>
@@ -7050,7 +6608,7 @@
                                           </p:stCondLst>
                                         </p:cTn>
                                         <p:tgtEl>
-                                          <p:spTgt spid="9"/>
+                                          <p:spTgt spid="12"/>
                                         </p:tgtEl>
                                         <p:attrNameLst>
                                           <p:attrName>style.visibility</p:attrName>
@@ -7077,7 +6635,7 @@
                                           </p:stCondLst>
                                         </p:cTn>
                                         <p:tgtEl>
-                                          <p:spTgt spid="12"/>
+                                          <p:spTgt spid="14"/>
                                         </p:tgtEl>
                                         <p:attrNameLst>
                                           <p:attrName>style.visibility</p:attrName>
@@ -7090,39 +6648,21 @@
                                   </p:childTnLst>
                                 </p:cTn>
                               </p:par>
-                            </p:childTnLst>
-                          </p:cTn>
-                        </p:par>
-                      </p:childTnLst>
-                    </p:cTn>
-                  </p:par>
-                  <p:par>
-                    <p:cTn id="31" fill="hold">
-                      <p:stCondLst>
-                        <p:cond delay="indefinite"/>
-                      </p:stCondLst>
-                      <p:childTnLst>
-                        <p:par>
-                          <p:cTn id="32" fill="hold">
-                            <p:stCondLst>
-                              <p:cond delay="0"/>
-                            </p:stCondLst>
-                            <p:childTnLst>
                               <p:par>
-                                <p:cTn id="33" presetID="1" presetClass="entr" presetSubtype="0" fill="hold" grpId="0" nodeType="clickEffect">
+                                <p:cTn id="31" presetID="1" presetClass="entr" presetSubtype="0" fill="hold" grpId="0" nodeType="withEffect">
                                   <p:stCondLst>
                                     <p:cond delay="0"/>
                                   </p:stCondLst>
                                   <p:childTnLst>
                                     <p:set>
                                       <p:cBhvr>
-                                        <p:cTn id="34" dur="1" fill="hold">
+                                        <p:cTn id="32" dur="1" fill="hold">
                                           <p:stCondLst>
                                             <p:cond delay="0"/>
                                           </p:stCondLst>
                                         </p:cTn>
                                         <p:tgtEl>
-                                          <p:spTgt spid="10"/>
+                                          <p:spTgt spid="16"/>
                                         </p:tgtEl>
                                         <p:attrNameLst>
                                           <p:attrName>style.visibility</p:attrName>
@@ -7165,9 +6705,9 @@
     <p:bldLst>
       <p:bldP spid="3" grpId="0" build="p"/>
       <p:bldP spid="6" grpId="0"/>
-      <p:bldP spid="9" grpId="0"/>
-      <p:bldP spid="10" grpId="0"/>
       <p:bldP spid="12" grpId="0"/>
+      <p:bldP spid="14" grpId="0"/>
+      <p:bldP spid="16" grpId="0"/>
     </p:bldLst>
   </p:timing>
 </p:sld>
@@ -7206,14 +6746,13 @@
           <a:lstStyle/>
           <a:p>
             <a:r>
-              <a:rPr lang="fr-FR" dirty="0" err="1" smtClean="0"/>
+              <a:rPr lang="fr-FR" dirty="0" err="1"/>
               <a:t>Reflect</a:t>
             </a:r>
             <a:r>
-              <a:rPr lang="fr-FR" dirty="0" smtClean="0"/>
+              <a:rPr lang="fr-FR" dirty="0"/>
               <a:t> Network Configuration</a:t>
             </a:r>
-            <a:endParaRPr lang="fr-FR" dirty="0"/>
           </a:p>
         </p:txBody>
       </p:sp>
@@ -7268,8 +6807,8 @@
         </p:blipFill>
         <p:spPr>
           <a:xfrm>
-            <a:off x="8316416" y="1416858"/>
-            <a:ext cx="620688" cy="902818"/>
+            <a:off x="830880" y="1465067"/>
+            <a:ext cx="800223" cy="1163960"/>
           </a:xfrm>
           <a:prstGeom prst="rect">
             <a:avLst/>
@@ -7278,7 +6817,7 @@
       </p:pic>
       <p:pic>
         <p:nvPicPr>
-          <p:cNvPr id="8" name="Image 7"/>
+          <p:cNvPr id="11" name="Image 10"/>
           <p:cNvPicPr>
             <a:picLocks noChangeAspect="1"/>
           </p:cNvPicPr>
@@ -7298,8 +6837,68 @@
         </p:blipFill>
         <p:spPr>
           <a:xfrm>
-            <a:off x="8050336" y="3858275"/>
+            <a:off x="3685460" y="2650462"/>
             <a:ext cx="1093664" cy="727784"/>
+          </a:xfrm>
+          <a:prstGeom prst="rect">
+            <a:avLst/>
+          </a:prstGeom>
+        </p:spPr>
+      </p:pic>
+      <p:pic>
+        <p:nvPicPr>
+          <p:cNvPr id="13" name="Image 12"/>
+          <p:cNvPicPr>
+            <a:picLocks noChangeAspect="1"/>
+          </p:cNvPicPr>
+          <p:nvPr/>
+        </p:nvPicPr>
+        <p:blipFill>
+          <a:blip r:embed="rId4">
+            <a:extLst>
+              <a:ext uri="{28A0092B-C50C-407E-A947-70E740481C1C}">
+                <a14:useLocalDpi xmlns:a14="http://schemas.microsoft.com/office/drawing/2010/main" val="0"/>
+              </a:ext>
+            </a:extLst>
+          </a:blip>
+          <a:stretch>
+            <a:fillRect/>
+          </a:stretch>
+        </p:blipFill>
+        <p:spPr>
+          <a:xfrm>
+            <a:off x="755576" y="4543292"/>
+            <a:ext cx="1151384" cy="783110"/>
+          </a:xfrm>
+          <a:prstGeom prst="rect">
+            <a:avLst/>
+          </a:prstGeom>
+        </p:spPr>
+      </p:pic>
+      <p:pic>
+        <p:nvPicPr>
+          <p:cNvPr id="15" name="Image 14"/>
+          <p:cNvPicPr>
+            <a:picLocks noChangeAspect="1"/>
+          </p:cNvPicPr>
+          <p:nvPr/>
+        </p:nvPicPr>
+        <p:blipFill>
+          <a:blip r:embed="rId5">
+            <a:extLst>
+              <a:ext uri="{28A0092B-C50C-407E-A947-70E740481C1C}">
+                <a14:useLocalDpi xmlns:a14="http://schemas.microsoft.com/office/drawing/2010/main" val="0"/>
+              </a:ext>
+            </a:extLst>
+          </a:blip>
+          <a:stretch>
+            <a:fillRect/>
+          </a:stretch>
+        </p:blipFill>
+        <p:spPr>
+          <a:xfrm>
+            <a:off x="6469484" y="4149080"/>
+            <a:ext cx="1327944" cy="1298694"/>
           </a:xfrm>
           <a:prstGeom prst="rect">
             <a:avLst/>
@@ -7308,7 +6907,7 @@
       </p:pic>
       <p:grpSp>
         <p:nvGrpSpPr>
-          <p:cNvPr id="13" name="Groupe 12"/>
+          <p:cNvPr id="23" name="Groupe 22"/>
           <p:cNvGrpSpPr/>
           <p:nvPr/>
         </p:nvGrpSpPr>
@@ -7322,14 +6921,14 @@
         </p:grpSpPr>
         <p:pic>
           <p:nvPicPr>
-            <p:cNvPr id="6" name="Image 5"/>
+            <p:cNvPr id="24" name="Image 23"/>
             <p:cNvPicPr>
               <a:picLocks noChangeAspect="1"/>
             </p:cNvPicPr>
             <p:nvPr/>
           </p:nvPicPr>
           <p:blipFill>
-            <a:blip r:embed="rId4">
+            <a:blip r:embed="rId6">
               <a:extLst>
                 <a:ext uri="{28A0092B-C50C-407E-A947-70E740481C1C}">
                   <a14:useLocalDpi xmlns:a14="http://schemas.microsoft.com/office/drawing/2010/main" val="0"/>
@@ -7352,7 +6951,7 @@
         </p:pic>
         <p:sp>
           <p:nvSpPr>
-            <p:cNvPr id="9" name="ZoneTexte 8"/>
+            <p:cNvPr id="25" name="ZoneTexte 24"/>
             <p:cNvSpPr txBox="1"/>
             <p:nvPr/>
           </p:nvSpPr>
@@ -7389,7 +6988,7 @@
       </p:grpSp>
       <p:grpSp>
         <p:nvGrpSpPr>
-          <p:cNvPr id="12" name="Groupe 11"/>
+          <p:cNvPr id="26" name="Groupe 25"/>
           <p:cNvGrpSpPr/>
           <p:nvPr/>
         </p:nvGrpSpPr>
@@ -7403,14 +7002,14 @@
         </p:grpSpPr>
         <p:pic>
           <p:nvPicPr>
-            <p:cNvPr id="10" name="Image 9"/>
+            <p:cNvPr id="27" name="Image 26"/>
             <p:cNvPicPr>
               <a:picLocks noChangeAspect="1"/>
             </p:cNvPicPr>
             <p:nvPr/>
           </p:nvPicPr>
           <p:blipFill>
-            <a:blip r:embed="rId4">
+            <a:blip r:embed="rId6">
               <a:extLst>
                 <a:ext uri="{28A0092B-C50C-407E-A947-70E740481C1C}">
                   <a14:useLocalDpi xmlns:a14="http://schemas.microsoft.com/office/drawing/2010/main" val="0"/>
@@ -7433,7 +7032,7 @@
         </p:pic>
         <p:sp>
           <p:nvSpPr>
-            <p:cNvPr id="11" name="ZoneTexte 10"/>
+            <p:cNvPr id="28" name="ZoneTexte 27"/>
             <p:cNvSpPr txBox="1"/>
             <p:nvPr/>
           </p:nvSpPr>
@@ -7468,927 +7067,19 @@
           </p:txBody>
         </p:sp>
       </p:grpSp>
-      <p:sp>
-        <p:nvSpPr>
-          <p:cNvPr id="14" name="Rectangle 13"/>
-          <p:cNvSpPr/>
-          <p:nvPr/>
-        </p:nvSpPr>
-        <p:spPr>
-          <a:xfrm>
-            <a:off x="5656424" y="4429613"/>
-            <a:ext cx="3384376" cy="2092881"/>
-          </a:xfrm>
-          <a:prstGeom prst="rect">
-            <a:avLst/>
-          </a:prstGeom>
-        </p:spPr>
-        <p:txBody>
-          <a:bodyPr wrap="square">
-            <a:spAutoFit/>
-          </a:bodyPr>
-          <a:lstStyle/>
-          <a:p>
-            <a:r>
-              <a:rPr lang="fr-FR" sz="1000" b="1" dirty="0">
-                <a:solidFill>
-                  <a:srgbClr val="0070C0"/>
-                </a:solidFill>
-                <a:latin typeface="Courier New" panose="02070309020205020404" pitchFamily="49" charset="0"/>
-                <a:cs typeface="Courier New" panose="02070309020205020404" pitchFamily="49" charset="0"/>
-              </a:rPr>
-              <a:t>configuration</a:t>
-            </a:r>
-            <a:r>
-              <a:rPr lang="fr-FR" sz="1000" dirty="0">
-                <a:latin typeface="Courier New" panose="02070309020205020404" pitchFamily="49" charset="0"/>
-                <a:cs typeface="Courier New" panose="02070309020205020404" pitchFamily="49" charset="0"/>
-              </a:rPr>
-              <a:t> </a:t>
-            </a:r>
-            <a:r>
-              <a:rPr lang="fr-FR" sz="1000" dirty="0" err="1">
-                <a:latin typeface="Courier New" panose="02070309020205020404" pitchFamily="49" charset="0"/>
-                <a:cs typeface="Courier New" panose="02070309020205020404" pitchFamily="49" charset="0"/>
-              </a:rPr>
-              <a:t>MyHome</a:t>
-            </a:r>
-            <a:r>
-              <a:rPr lang="fr-FR" sz="1000" dirty="0">
-                <a:latin typeface="Courier New" panose="02070309020205020404" pitchFamily="49" charset="0"/>
-                <a:cs typeface="Courier New" panose="02070309020205020404" pitchFamily="49" charset="0"/>
-              </a:rPr>
-              <a:t> {</a:t>
-            </a:r>
-          </a:p>
-          <a:p>
-            <a:r>
-              <a:rPr lang="fr-FR" sz="1000" dirty="0">
-                <a:latin typeface="Courier New" panose="02070309020205020404" pitchFamily="49" charset="0"/>
-                <a:cs typeface="Courier New" panose="02070309020205020404" pitchFamily="49" charset="0"/>
-              </a:rPr>
-              <a:t>  </a:t>
-            </a:r>
-            <a:r>
-              <a:rPr lang="fr-FR" sz="1000" b="1" dirty="0" err="1">
-                <a:solidFill>
-                  <a:srgbClr val="0070C0"/>
-                </a:solidFill>
-                <a:latin typeface="Courier New" panose="02070309020205020404" pitchFamily="49" charset="0"/>
-                <a:cs typeface="Courier New" panose="02070309020205020404" pitchFamily="49" charset="0"/>
-              </a:rPr>
-              <a:t>node</a:t>
-            </a:r>
-            <a:r>
-              <a:rPr lang="fr-FR" sz="1000" dirty="0">
-                <a:latin typeface="Courier New" panose="02070309020205020404" pitchFamily="49" charset="0"/>
-                <a:cs typeface="Courier New" panose="02070309020205020404" pitchFamily="49" charset="0"/>
-              </a:rPr>
-              <a:t> </a:t>
-            </a:r>
-            <a:r>
-              <a:rPr lang="fr-FR" sz="1000" dirty="0" err="1">
-                <a:latin typeface="Courier New" panose="02070309020205020404" pitchFamily="49" charset="0"/>
-                <a:cs typeface="Courier New" panose="02070309020205020404" pitchFamily="49" charset="0"/>
-              </a:rPr>
-              <a:t>gw</a:t>
-            </a:r>
-            <a:r>
-              <a:rPr lang="fr-FR" sz="1000" dirty="0">
-                <a:latin typeface="Courier New" panose="02070309020205020404" pitchFamily="49" charset="0"/>
-                <a:cs typeface="Courier New" panose="02070309020205020404" pitchFamily="49" charset="0"/>
-              </a:rPr>
-              <a:t> 	</a:t>
-            </a:r>
-            <a:r>
-              <a:rPr lang="fr-FR" sz="1000" dirty="0" smtClean="0">
-                <a:latin typeface="Courier New" panose="02070309020205020404" pitchFamily="49" charset="0"/>
-                <a:cs typeface="Courier New" panose="02070309020205020404" pitchFamily="49" charset="0"/>
-              </a:rPr>
-              <a:t>: </a:t>
-            </a:r>
-            <a:r>
-              <a:rPr lang="fr-FR" sz="1000" dirty="0">
-                <a:latin typeface="Courier New" panose="02070309020205020404" pitchFamily="49" charset="0"/>
-                <a:cs typeface="Courier New" panose="02070309020205020404" pitchFamily="49" charset="0"/>
-              </a:rPr>
-              <a:t>Central</a:t>
-            </a:r>
-          </a:p>
-          <a:p>
-            <a:r>
-              <a:rPr lang="fr-FR" sz="1000" dirty="0" smtClean="0">
-                <a:latin typeface="Courier New" panose="02070309020205020404" pitchFamily="49" charset="0"/>
-                <a:cs typeface="Courier New" panose="02070309020205020404" pitchFamily="49" charset="0"/>
-              </a:rPr>
-              <a:t>  </a:t>
-            </a:r>
-            <a:r>
-              <a:rPr lang="fr-FR" sz="1000" b="1" dirty="0" err="1">
-                <a:solidFill>
-                  <a:srgbClr val="0070C0"/>
-                </a:solidFill>
-                <a:latin typeface="Courier New" panose="02070309020205020404" pitchFamily="49" charset="0"/>
-                <a:cs typeface="Courier New" panose="02070309020205020404" pitchFamily="49" charset="0"/>
-              </a:rPr>
-              <a:t>node</a:t>
-            </a:r>
-            <a:r>
-              <a:rPr lang="fr-FR" sz="1000" dirty="0" smtClean="0">
-                <a:latin typeface="Courier New" panose="02070309020205020404" pitchFamily="49" charset="0"/>
-                <a:cs typeface="Courier New" panose="02070309020205020404" pitchFamily="49" charset="0"/>
-              </a:rPr>
-              <a:t> </a:t>
-            </a:r>
-            <a:r>
-              <a:rPr lang="fr-FR" sz="1000" dirty="0" err="1">
-                <a:latin typeface="Courier New" panose="02070309020205020404" pitchFamily="49" charset="0"/>
-                <a:cs typeface="Courier New" panose="02070309020205020404" pitchFamily="49" charset="0"/>
-              </a:rPr>
-              <a:t>frontdoor</a:t>
-            </a:r>
-            <a:r>
-              <a:rPr lang="fr-FR" sz="1000" dirty="0">
-                <a:latin typeface="Courier New" panose="02070309020205020404" pitchFamily="49" charset="0"/>
-                <a:cs typeface="Courier New" panose="02070309020205020404" pitchFamily="49" charset="0"/>
-              </a:rPr>
-              <a:t>       : </a:t>
-            </a:r>
-            <a:r>
-              <a:rPr lang="fr-FR" sz="1000" dirty="0" err="1">
-                <a:latin typeface="Courier New" panose="02070309020205020404" pitchFamily="49" charset="0"/>
-                <a:cs typeface="Courier New" panose="02070309020205020404" pitchFamily="49" charset="0"/>
-              </a:rPr>
-              <a:t>DoorLock</a:t>
-            </a:r>
-            <a:endParaRPr lang="fr-FR" sz="1000" dirty="0">
-              <a:latin typeface="Courier New" panose="02070309020205020404" pitchFamily="49" charset="0"/>
-              <a:cs typeface="Courier New" panose="02070309020205020404" pitchFamily="49" charset="0"/>
-            </a:endParaRPr>
-          </a:p>
-          <a:p>
-            <a:r>
-              <a:rPr lang="fr-FR" sz="1000" dirty="0">
-                <a:latin typeface="Courier New" panose="02070309020205020404" pitchFamily="49" charset="0"/>
-                <a:cs typeface="Courier New" panose="02070309020205020404" pitchFamily="49" charset="0"/>
-              </a:rPr>
-              <a:t>  </a:t>
-            </a:r>
-            <a:r>
-              <a:rPr lang="fr-FR" sz="1000" b="1" dirty="0" err="1">
-                <a:solidFill>
-                  <a:srgbClr val="0070C0"/>
-                </a:solidFill>
-                <a:latin typeface="Courier New" panose="02070309020205020404" pitchFamily="49" charset="0"/>
-                <a:cs typeface="Courier New" panose="02070309020205020404" pitchFamily="49" charset="0"/>
-              </a:rPr>
-              <a:t>node</a:t>
-            </a:r>
-            <a:r>
-              <a:rPr lang="fr-FR" sz="1000" dirty="0">
-                <a:latin typeface="Courier New" panose="02070309020205020404" pitchFamily="49" charset="0"/>
-                <a:cs typeface="Courier New" panose="02070309020205020404" pitchFamily="49" charset="0"/>
-              </a:rPr>
-              <a:t> </a:t>
-            </a:r>
-            <a:r>
-              <a:rPr lang="fr-FR" sz="1000" dirty="0" err="1">
-                <a:latin typeface="Courier New" panose="02070309020205020404" pitchFamily="49" charset="0"/>
-                <a:cs typeface="Courier New" panose="02070309020205020404" pitchFamily="49" charset="0"/>
-              </a:rPr>
-              <a:t>corridorLight</a:t>
-            </a:r>
-            <a:r>
-              <a:rPr lang="fr-FR" sz="1000" dirty="0">
-                <a:latin typeface="Courier New" panose="02070309020205020404" pitchFamily="49" charset="0"/>
-                <a:cs typeface="Courier New" panose="02070309020205020404" pitchFamily="49" charset="0"/>
-              </a:rPr>
-              <a:t>   : </a:t>
-            </a:r>
-            <a:r>
-              <a:rPr lang="fr-FR" sz="1000" dirty="0" err="1">
-                <a:latin typeface="Courier New" panose="02070309020205020404" pitchFamily="49" charset="0"/>
-                <a:cs typeface="Courier New" panose="02070309020205020404" pitchFamily="49" charset="0"/>
-              </a:rPr>
-              <a:t>LightBulb</a:t>
-            </a:r>
-            <a:endParaRPr lang="fr-FR" sz="1000" dirty="0">
-              <a:latin typeface="Courier New" panose="02070309020205020404" pitchFamily="49" charset="0"/>
-              <a:cs typeface="Courier New" panose="02070309020205020404" pitchFamily="49" charset="0"/>
-            </a:endParaRPr>
-          </a:p>
-          <a:p>
-            <a:r>
-              <a:rPr lang="fr-FR" sz="1000" dirty="0">
-                <a:latin typeface="Courier New" panose="02070309020205020404" pitchFamily="49" charset="0"/>
-                <a:cs typeface="Courier New" panose="02070309020205020404" pitchFamily="49" charset="0"/>
-              </a:rPr>
-              <a:t>  </a:t>
-            </a:r>
-            <a:r>
-              <a:rPr lang="fr-FR" sz="1000" b="1" dirty="0" err="1">
-                <a:solidFill>
-                  <a:srgbClr val="0070C0"/>
-                </a:solidFill>
-                <a:latin typeface="Courier New" panose="02070309020205020404" pitchFamily="49" charset="0"/>
-                <a:cs typeface="Courier New" panose="02070309020205020404" pitchFamily="49" charset="0"/>
-              </a:rPr>
-              <a:t>node</a:t>
-            </a:r>
-            <a:r>
-              <a:rPr lang="fr-FR" sz="1000" dirty="0">
-                <a:latin typeface="Courier New" panose="02070309020205020404" pitchFamily="49" charset="0"/>
-                <a:cs typeface="Courier New" panose="02070309020205020404" pitchFamily="49" charset="0"/>
-              </a:rPr>
-              <a:t> </a:t>
-            </a:r>
-            <a:r>
-              <a:rPr lang="fr-FR" sz="1000" dirty="0" err="1">
-                <a:latin typeface="Courier New" panose="02070309020205020404" pitchFamily="49" charset="0"/>
-                <a:cs typeface="Courier New" panose="02070309020205020404" pitchFamily="49" charset="0"/>
-              </a:rPr>
-              <a:t>livingLight</a:t>
-            </a:r>
-            <a:r>
-              <a:rPr lang="fr-FR" sz="1000" dirty="0">
-                <a:latin typeface="Courier New" panose="02070309020205020404" pitchFamily="49" charset="0"/>
-                <a:cs typeface="Courier New" panose="02070309020205020404" pitchFamily="49" charset="0"/>
-              </a:rPr>
-              <a:t>     : </a:t>
-            </a:r>
-            <a:r>
-              <a:rPr lang="fr-FR" sz="1000" dirty="0" err="1">
-                <a:latin typeface="Courier New" panose="02070309020205020404" pitchFamily="49" charset="0"/>
-                <a:cs typeface="Courier New" panose="02070309020205020404" pitchFamily="49" charset="0"/>
-              </a:rPr>
-              <a:t>LightBulb</a:t>
-            </a:r>
-            <a:endParaRPr lang="fr-FR" sz="1000" dirty="0">
-              <a:latin typeface="Courier New" panose="02070309020205020404" pitchFamily="49" charset="0"/>
-              <a:cs typeface="Courier New" panose="02070309020205020404" pitchFamily="49" charset="0"/>
-            </a:endParaRPr>
-          </a:p>
-          <a:p>
-            <a:r>
-              <a:rPr lang="fr-FR" sz="1000" dirty="0" smtClean="0">
-                <a:latin typeface="Courier New" panose="02070309020205020404" pitchFamily="49" charset="0"/>
-                <a:cs typeface="Courier New" panose="02070309020205020404" pitchFamily="49" charset="0"/>
-              </a:rPr>
-              <a:t>  </a:t>
-            </a:r>
-            <a:r>
-              <a:rPr lang="fr-FR" sz="1000" b="1" dirty="0" err="1" smtClean="0">
-                <a:solidFill>
-                  <a:srgbClr val="0070C0"/>
-                </a:solidFill>
-                <a:latin typeface="Courier New" panose="02070309020205020404" pitchFamily="49" charset="0"/>
-                <a:cs typeface="Courier New" panose="02070309020205020404" pitchFamily="49" charset="0"/>
-              </a:rPr>
-              <a:t>node</a:t>
-            </a:r>
-            <a:r>
-              <a:rPr lang="fr-FR" sz="1000" dirty="0" smtClean="0">
-                <a:latin typeface="Courier New" panose="02070309020205020404" pitchFamily="49" charset="0"/>
-                <a:cs typeface="Courier New" panose="02070309020205020404" pitchFamily="49" charset="0"/>
-              </a:rPr>
-              <a:t> </a:t>
-            </a:r>
-            <a:r>
-              <a:rPr lang="fr-FR" sz="1000" dirty="0" err="1" smtClean="0">
-                <a:latin typeface="Courier New" panose="02070309020205020404" pitchFamily="49" charset="0"/>
-                <a:cs typeface="Courier New" panose="02070309020205020404" pitchFamily="49" charset="0"/>
-              </a:rPr>
-              <a:t>corridorDetector</a:t>
-            </a:r>
-            <a:r>
-              <a:rPr lang="fr-FR" sz="1000" dirty="0">
-                <a:latin typeface="Courier New" panose="02070309020205020404" pitchFamily="49" charset="0"/>
-                <a:cs typeface="Courier New" panose="02070309020205020404" pitchFamily="49" charset="0"/>
-              </a:rPr>
-              <a:t>: </a:t>
-            </a:r>
-            <a:r>
-              <a:rPr lang="fr-FR" sz="1000" dirty="0" err="1">
-                <a:latin typeface="Courier New" panose="02070309020205020404" pitchFamily="49" charset="0"/>
-                <a:cs typeface="Courier New" panose="02070309020205020404" pitchFamily="49" charset="0"/>
-              </a:rPr>
-              <a:t>PresenceDetector</a:t>
-            </a:r>
-            <a:endParaRPr lang="fr-FR" sz="1000" dirty="0">
-              <a:latin typeface="Courier New" panose="02070309020205020404" pitchFamily="49" charset="0"/>
-              <a:cs typeface="Courier New" panose="02070309020205020404" pitchFamily="49" charset="0"/>
-            </a:endParaRPr>
-          </a:p>
-          <a:p>
-            <a:r>
-              <a:rPr lang="fr-FR" sz="1000" dirty="0">
-                <a:latin typeface="Courier New" panose="02070309020205020404" pitchFamily="49" charset="0"/>
-                <a:cs typeface="Courier New" panose="02070309020205020404" pitchFamily="49" charset="0"/>
-              </a:rPr>
-              <a:t>  </a:t>
-            </a:r>
-            <a:r>
-              <a:rPr lang="fr-FR" sz="1000" b="1" dirty="0" err="1">
-                <a:solidFill>
-                  <a:srgbClr val="0070C0"/>
-                </a:solidFill>
-                <a:latin typeface="Courier New" panose="02070309020205020404" pitchFamily="49" charset="0"/>
-                <a:cs typeface="Courier New" panose="02070309020205020404" pitchFamily="49" charset="0"/>
-              </a:rPr>
-              <a:t>node</a:t>
-            </a:r>
-            <a:r>
-              <a:rPr lang="fr-FR" sz="1000" dirty="0" smtClean="0">
-                <a:latin typeface="Courier New" panose="02070309020205020404" pitchFamily="49" charset="0"/>
-                <a:cs typeface="Courier New" panose="02070309020205020404" pitchFamily="49" charset="0"/>
-              </a:rPr>
-              <a:t> </a:t>
-            </a:r>
-            <a:r>
-              <a:rPr lang="fr-FR" sz="1000" dirty="0" err="1">
-                <a:latin typeface="Courier New" panose="02070309020205020404" pitchFamily="49" charset="0"/>
-                <a:cs typeface="Courier New" panose="02070309020205020404" pitchFamily="49" charset="0"/>
-              </a:rPr>
-              <a:t>livingDetector</a:t>
-            </a:r>
-            <a:r>
-              <a:rPr lang="fr-FR" sz="1000" dirty="0">
-                <a:latin typeface="Courier New" panose="02070309020205020404" pitchFamily="49" charset="0"/>
-                <a:cs typeface="Courier New" panose="02070309020205020404" pitchFamily="49" charset="0"/>
-              </a:rPr>
-              <a:t>  : </a:t>
-            </a:r>
-            <a:r>
-              <a:rPr lang="fr-FR" sz="1000" dirty="0" err="1">
-                <a:latin typeface="Courier New" panose="02070309020205020404" pitchFamily="49" charset="0"/>
-                <a:cs typeface="Courier New" panose="02070309020205020404" pitchFamily="49" charset="0"/>
-              </a:rPr>
-              <a:t>PresenceDetector</a:t>
-            </a:r>
-            <a:endParaRPr lang="fr-FR" sz="1000" dirty="0">
-              <a:latin typeface="Courier New" panose="02070309020205020404" pitchFamily="49" charset="0"/>
-              <a:cs typeface="Courier New" panose="02070309020205020404" pitchFamily="49" charset="0"/>
-            </a:endParaRPr>
-          </a:p>
-          <a:p>
-            <a:r>
-              <a:rPr lang="fr-FR" sz="1000" dirty="0">
-                <a:latin typeface="Courier New" panose="02070309020205020404" pitchFamily="49" charset="0"/>
-                <a:cs typeface="Courier New" panose="02070309020205020404" pitchFamily="49" charset="0"/>
-              </a:rPr>
-              <a:t>  </a:t>
-            </a:r>
-            <a:r>
-              <a:rPr lang="fr-FR" sz="1000" dirty="0" smtClean="0">
-                <a:latin typeface="Courier New" panose="02070309020205020404" pitchFamily="49" charset="0"/>
-                <a:cs typeface="Courier New" panose="02070309020205020404" pitchFamily="49" charset="0"/>
-              </a:rPr>
-              <a:t>...</a:t>
-            </a:r>
-            <a:endParaRPr lang="fr-FR" sz="1000" dirty="0">
-              <a:latin typeface="Courier New" panose="02070309020205020404" pitchFamily="49" charset="0"/>
-              <a:cs typeface="Courier New" panose="02070309020205020404" pitchFamily="49" charset="0"/>
-            </a:endParaRPr>
-          </a:p>
-          <a:p>
-            <a:r>
-              <a:rPr lang="fr-FR" sz="1000" dirty="0" smtClean="0">
-                <a:latin typeface="Courier New" panose="02070309020205020404" pitchFamily="49" charset="0"/>
-                <a:cs typeface="Courier New" panose="02070309020205020404" pitchFamily="49" charset="0"/>
-              </a:rPr>
-              <a:t>  </a:t>
-            </a:r>
-            <a:r>
-              <a:rPr lang="fr-FR" sz="1000" b="1" dirty="0" err="1">
-                <a:solidFill>
-                  <a:srgbClr val="0070C0"/>
-                </a:solidFill>
-                <a:latin typeface="Courier New" panose="02070309020205020404" pitchFamily="49" charset="0"/>
-                <a:cs typeface="Courier New" panose="02070309020205020404" pitchFamily="49" charset="0"/>
-              </a:rPr>
-              <a:t>from</a:t>
-            </a:r>
-            <a:r>
-              <a:rPr lang="fr-FR" sz="1000" b="1" dirty="0">
-                <a:solidFill>
-                  <a:srgbClr val="0070C0"/>
-                </a:solidFill>
-                <a:latin typeface="Courier New" panose="02070309020205020404" pitchFamily="49" charset="0"/>
-                <a:cs typeface="Courier New" panose="02070309020205020404" pitchFamily="49" charset="0"/>
-              </a:rPr>
-              <a:t> </a:t>
-            </a:r>
-            <a:r>
-              <a:rPr lang="fr-FR" sz="1000" dirty="0" err="1">
-                <a:latin typeface="Courier New" panose="02070309020205020404" pitchFamily="49" charset="0"/>
-                <a:cs typeface="Courier New" panose="02070309020205020404" pitchFamily="49" charset="0"/>
-              </a:rPr>
-              <a:t>frontdoor</a:t>
-            </a:r>
-            <a:r>
-              <a:rPr lang="fr-FR" sz="1000" dirty="0">
-                <a:latin typeface="Courier New" panose="02070309020205020404" pitchFamily="49" charset="0"/>
-                <a:cs typeface="Courier New" panose="02070309020205020404" pitchFamily="49" charset="0"/>
-              </a:rPr>
-              <a:t> </a:t>
-            </a:r>
-            <a:r>
-              <a:rPr lang="fr-FR" sz="1000" b="1" dirty="0">
-                <a:solidFill>
-                  <a:srgbClr val="0070C0"/>
-                </a:solidFill>
-                <a:latin typeface="Courier New" panose="02070309020205020404" pitchFamily="49" charset="0"/>
-                <a:cs typeface="Courier New" panose="02070309020205020404" pitchFamily="49" charset="0"/>
-              </a:rPr>
-              <a:t>to </a:t>
-            </a:r>
-            <a:r>
-              <a:rPr lang="fr-FR" sz="1000" dirty="0" err="1">
-                <a:latin typeface="Courier New" panose="02070309020205020404" pitchFamily="49" charset="0"/>
-                <a:cs typeface="Courier New" panose="02070309020205020404" pitchFamily="49" charset="0"/>
-              </a:rPr>
-              <a:t>gw</a:t>
-            </a:r>
-            <a:r>
-              <a:rPr lang="fr-FR" sz="1000" dirty="0">
-                <a:latin typeface="Courier New" panose="02070309020205020404" pitchFamily="49" charset="0"/>
-                <a:cs typeface="Courier New" panose="02070309020205020404" pitchFamily="49" charset="0"/>
-              </a:rPr>
-              <a:t> </a:t>
-            </a:r>
-            <a:r>
-              <a:rPr lang="fr-FR" sz="1000" b="1" dirty="0">
-                <a:solidFill>
-                  <a:srgbClr val="0070C0"/>
-                </a:solidFill>
-                <a:latin typeface="Courier New" panose="02070309020205020404" pitchFamily="49" charset="0"/>
-                <a:cs typeface="Courier New" panose="02070309020205020404" pitchFamily="49" charset="0"/>
-              </a:rPr>
-              <a:t>via </a:t>
-            </a:r>
-            <a:r>
-              <a:rPr lang="fr-FR" sz="1000" dirty="0">
-                <a:latin typeface="Courier New" panose="02070309020205020404" pitchFamily="49" charset="0"/>
-                <a:cs typeface="Courier New" panose="02070309020205020404" pitchFamily="49" charset="0"/>
-              </a:rPr>
-              <a:t>MQTT</a:t>
-            </a:r>
-          </a:p>
-          <a:p>
-            <a:r>
-              <a:rPr lang="fr-FR" sz="1000" dirty="0">
-                <a:latin typeface="Courier New" panose="02070309020205020404" pitchFamily="49" charset="0"/>
-                <a:cs typeface="Courier New" panose="02070309020205020404" pitchFamily="49" charset="0"/>
-              </a:rPr>
-              <a:t>  </a:t>
-            </a:r>
-            <a:r>
-              <a:rPr lang="fr-FR" sz="1000" b="1" dirty="0" err="1">
-                <a:solidFill>
-                  <a:srgbClr val="0070C0"/>
-                </a:solidFill>
-                <a:latin typeface="Courier New" panose="02070309020205020404" pitchFamily="49" charset="0"/>
-                <a:cs typeface="Courier New" panose="02070309020205020404" pitchFamily="49" charset="0"/>
-              </a:rPr>
-              <a:t>from</a:t>
-            </a:r>
-            <a:r>
-              <a:rPr lang="fr-FR" sz="1000" b="1" dirty="0">
-                <a:solidFill>
-                  <a:srgbClr val="0070C0"/>
-                </a:solidFill>
-                <a:latin typeface="Courier New" panose="02070309020205020404" pitchFamily="49" charset="0"/>
-                <a:cs typeface="Courier New" panose="02070309020205020404" pitchFamily="49" charset="0"/>
-              </a:rPr>
-              <a:t> </a:t>
-            </a:r>
-            <a:r>
-              <a:rPr lang="fr-FR" sz="1000" dirty="0" err="1" smtClean="0">
-                <a:latin typeface="Courier New" panose="02070309020205020404" pitchFamily="49" charset="0"/>
-                <a:cs typeface="Courier New" panose="02070309020205020404" pitchFamily="49" charset="0"/>
-              </a:rPr>
-              <a:t>corridorLight</a:t>
-            </a:r>
-            <a:r>
-              <a:rPr lang="fr-FR" sz="1000" dirty="0" smtClean="0">
-                <a:latin typeface="Courier New" panose="02070309020205020404" pitchFamily="49" charset="0"/>
-                <a:cs typeface="Courier New" panose="02070309020205020404" pitchFamily="49" charset="0"/>
-              </a:rPr>
-              <a:t> </a:t>
-            </a:r>
-            <a:r>
-              <a:rPr lang="fr-FR" sz="1000" b="1" dirty="0">
-                <a:solidFill>
-                  <a:srgbClr val="0070C0"/>
-                </a:solidFill>
-                <a:latin typeface="Courier New" panose="02070309020205020404" pitchFamily="49" charset="0"/>
-                <a:cs typeface="Courier New" panose="02070309020205020404" pitchFamily="49" charset="0"/>
-              </a:rPr>
-              <a:t>to </a:t>
-            </a:r>
-            <a:r>
-              <a:rPr lang="fr-FR" sz="1000" dirty="0" err="1">
-                <a:latin typeface="Courier New" panose="02070309020205020404" pitchFamily="49" charset="0"/>
-                <a:cs typeface="Courier New" panose="02070309020205020404" pitchFamily="49" charset="0"/>
-              </a:rPr>
-              <a:t>gw</a:t>
-            </a:r>
-            <a:r>
-              <a:rPr lang="fr-FR" sz="1000" dirty="0">
-                <a:latin typeface="Courier New" panose="02070309020205020404" pitchFamily="49" charset="0"/>
-                <a:cs typeface="Courier New" panose="02070309020205020404" pitchFamily="49" charset="0"/>
-              </a:rPr>
-              <a:t> </a:t>
-            </a:r>
-            <a:r>
-              <a:rPr lang="fr-FR" sz="1000" b="1" dirty="0">
-                <a:solidFill>
-                  <a:srgbClr val="0070C0"/>
-                </a:solidFill>
-                <a:latin typeface="Courier New" panose="02070309020205020404" pitchFamily="49" charset="0"/>
-                <a:cs typeface="Courier New" panose="02070309020205020404" pitchFamily="49" charset="0"/>
-              </a:rPr>
-              <a:t>via </a:t>
-            </a:r>
-            <a:r>
-              <a:rPr lang="fr-FR" sz="1000" dirty="0" smtClean="0">
-                <a:latin typeface="Courier New" panose="02070309020205020404" pitchFamily="49" charset="0"/>
-                <a:cs typeface="Courier New" panose="02070309020205020404" pitchFamily="49" charset="0"/>
-              </a:rPr>
-              <a:t>MQTT</a:t>
-            </a:r>
-          </a:p>
-          <a:p>
-            <a:r>
-              <a:rPr lang="fr-FR" sz="1000" dirty="0">
-                <a:latin typeface="Courier New" panose="02070309020205020404" pitchFamily="49" charset="0"/>
-                <a:cs typeface="Courier New" panose="02070309020205020404" pitchFamily="49" charset="0"/>
-              </a:rPr>
-              <a:t> </a:t>
-            </a:r>
-            <a:r>
-              <a:rPr lang="fr-FR" sz="1000" dirty="0" smtClean="0">
-                <a:latin typeface="Courier New" panose="02070309020205020404" pitchFamily="49" charset="0"/>
-                <a:cs typeface="Courier New" panose="02070309020205020404" pitchFamily="49" charset="0"/>
-              </a:rPr>
-              <a:t> </a:t>
-            </a:r>
-            <a:r>
-              <a:rPr lang="fr-FR" sz="1000" b="1" dirty="0" err="1">
-                <a:solidFill>
-                  <a:srgbClr val="0070C0"/>
-                </a:solidFill>
-                <a:latin typeface="Courier New" panose="02070309020205020404" pitchFamily="49" charset="0"/>
-                <a:cs typeface="Courier New" panose="02070309020205020404" pitchFamily="49" charset="0"/>
-              </a:rPr>
-              <a:t>from</a:t>
-            </a:r>
-            <a:r>
-              <a:rPr lang="fr-FR" sz="1000" dirty="0" smtClean="0">
-                <a:latin typeface="Courier New" panose="02070309020205020404" pitchFamily="49" charset="0"/>
-                <a:cs typeface="Courier New" panose="02070309020205020404" pitchFamily="49" charset="0"/>
-              </a:rPr>
-              <a:t> </a:t>
-            </a:r>
-            <a:r>
-              <a:rPr lang="fr-FR" sz="1000" dirty="0" err="1" smtClean="0">
-                <a:latin typeface="Courier New" panose="02070309020205020404" pitchFamily="49" charset="0"/>
-                <a:cs typeface="Courier New" panose="02070309020205020404" pitchFamily="49" charset="0"/>
-              </a:rPr>
-              <a:t>livingLight</a:t>
-            </a:r>
-            <a:r>
-              <a:rPr lang="fr-FR" sz="1000" dirty="0" smtClean="0">
-                <a:latin typeface="Courier New" panose="02070309020205020404" pitchFamily="49" charset="0"/>
-                <a:cs typeface="Courier New" panose="02070309020205020404" pitchFamily="49" charset="0"/>
-              </a:rPr>
-              <a:t> </a:t>
-            </a:r>
-            <a:r>
-              <a:rPr lang="fr-FR" sz="1000" b="1" dirty="0">
-                <a:solidFill>
-                  <a:srgbClr val="0070C0"/>
-                </a:solidFill>
-                <a:latin typeface="Courier New" panose="02070309020205020404" pitchFamily="49" charset="0"/>
-                <a:cs typeface="Courier New" panose="02070309020205020404" pitchFamily="49" charset="0"/>
-              </a:rPr>
-              <a:t>to </a:t>
-            </a:r>
-            <a:r>
-              <a:rPr lang="fr-FR" sz="1000" dirty="0" err="1" smtClean="0">
-                <a:latin typeface="Courier New" panose="02070309020205020404" pitchFamily="49" charset="0"/>
-                <a:cs typeface="Courier New" panose="02070309020205020404" pitchFamily="49" charset="0"/>
-              </a:rPr>
-              <a:t>gw</a:t>
-            </a:r>
-            <a:r>
-              <a:rPr lang="fr-FR" sz="1000" dirty="0" smtClean="0">
-                <a:latin typeface="Courier New" panose="02070309020205020404" pitchFamily="49" charset="0"/>
-                <a:cs typeface="Courier New" panose="02070309020205020404" pitchFamily="49" charset="0"/>
-              </a:rPr>
-              <a:t> </a:t>
-            </a:r>
-            <a:r>
-              <a:rPr lang="fr-FR" sz="1000" b="1" dirty="0">
-                <a:solidFill>
-                  <a:srgbClr val="0070C0"/>
-                </a:solidFill>
-                <a:latin typeface="Courier New" panose="02070309020205020404" pitchFamily="49" charset="0"/>
-                <a:cs typeface="Courier New" panose="02070309020205020404" pitchFamily="49" charset="0"/>
-              </a:rPr>
-              <a:t>via </a:t>
-            </a:r>
-            <a:r>
-              <a:rPr lang="fr-FR" sz="1000" dirty="0" smtClean="0">
-                <a:latin typeface="Courier New" panose="02070309020205020404" pitchFamily="49" charset="0"/>
-                <a:cs typeface="Courier New" panose="02070309020205020404" pitchFamily="49" charset="0"/>
-              </a:rPr>
-              <a:t>TCP</a:t>
-            </a:r>
-            <a:endParaRPr lang="fr-FR" sz="1000" dirty="0">
-              <a:latin typeface="Courier New" panose="02070309020205020404" pitchFamily="49" charset="0"/>
-              <a:cs typeface="Courier New" panose="02070309020205020404" pitchFamily="49" charset="0"/>
-            </a:endParaRPr>
-          </a:p>
-          <a:p>
-            <a:r>
-              <a:rPr lang="fr-FR" sz="1000" dirty="0" smtClean="0">
-                <a:latin typeface="Courier New" panose="02070309020205020404" pitchFamily="49" charset="0"/>
-                <a:cs typeface="Courier New" panose="02070309020205020404" pitchFamily="49" charset="0"/>
-              </a:rPr>
-              <a:t>  ...</a:t>
-            </a:r>
-          </a:p>
-          <a:p>
-            <a:r>
-              <a:rPr lang="fr-FR" sz="1000" dirty="0" smtClean="0">
-                <a:latin typeface="Courier New" panose="02070309020205020404" pitchFamily="49" charset="0"/>
-                <a:cs typeface="Courier New" panose="02070309020205020404" pitchFamily="49" charset="0"/>
-              </a:rPr>
-              <a:t>}</a:t>
-            </a:r>
-            <a:endParaRPr lang="fr-FR" sz="1000" dirty="0">
-              <a:latin typeface="Courier New" panose="02070309020205020404" pitchFamily="49" charset="0"/>
-              <a:cs typeface="Courier New" panose="02070309020205020404" pitchFamily="49" charset="0"/>
-            </a:endParaRPr>
-          </a:p>
-        </p:txBody>
-      </p:sp>
-      <p:grpSp>
-        <p:nvGrpSpPr>
-          <p:cNvPr id="20" name="Groupe 19"/>
-          <p:cNvGrpSpPr/>
-          <p:nvPr/>
-        </p:nvGrpSpPr>
-        <p:grpSpPr>
-          <a:xfrm>
-            <a:off x="5636306" y="3046230"/>
-            <a:ext cx="810909" cy="928894"/>
-            <a:chOff x="5636306" y="3046230"/>
-            <a:chExt cx="810909" cy="928894"/>
-          </a:xfrm>
-        </p:grpSpPr>
-        <p:pic>
-          <p:nvPicPr>
-            <p:cNvPr id="15" name="Image 14"/>
-            <p:cNvPicPr>
-              <a:picLocks noChangeAspect="1"/>
-            </p:cNvPicPr>
-            <p:nvPr/>
-          </p:nvPicPr>
-          <p:blipFill>
-            <a:blip r:embed="rId5">
-              <a:extLst>
-                <a:ext uri="{28A0092B-C50C-407E-A947-70E740481C1C}">
-                  <a14:useLocalDpi xmlns:a14="http://schemas.microsoft.com/office/drawing/2010/main" val="0"/>
-                </a:ext>
-              </a:extLst>
-            </a:blip>
-            <a:stretch>
-              <a:fillRect/>
-            </a:stretch>
-          </p:blipFill>
-          <p:spPr>
-            <a:xfrm>
-              <a:off x="5636306" y="3046230"/>
-              <a:ext cx="810909" cy="810909"/>
-            </a:xfrm>
-            <a:prstGeom prst="rect">
-              <a:avLst/>
-            </a:prstGeom>
-          </p:spPr>
-        </p:pic>
-        <p:sp>
-          <p:nvSpPr>
-            <p:cNvPr id="16" name="ZoneTexte 15"/>
-            <p:cNvSpPr txBox="1"/>
-            <p:nvPr/>
-          </p:nvSpPr>
-          <p:spPr>
-            <a:xfrm>
-              <a:off x="5641651" y="3728903"/>
-              <a:ext cx="800219" cy="246221"/>
-            </a:xfrm>
-            <a:prstGeom prst="rect">
-              <a:avLst/>
-            </a:prstGeom>
-            <a:noFill/>
-          </p:spPr>
-          <p:txBody>
-            <a:bodyPr wrap="none" rtlCol="0">
-              <a:spAutoFit/>
-            </a:bodyPr>
-            <a:lstStyle/>
-            <a:p>
-              <a:r>
-                <a:rPr lang="fr-FR" sz="1000" dirty="0" smtClean="0">
-                  <a:latin typeface="Courier New" panose="02070309020205020404" pitchFamily="49" charset="0"/>
-                  <a:cs typeface="Courier New" panose="02070309020205020404" pitchFamily="49" charset="0"/>
-                </a:rPr>
-                <a:t>corridor</a:t>
-              </a:r>
-              <a:endParaRPr lang="fr-FR" sz="1000" dirty="0">
-                <a:latin typeface="Courier New" panose="02070309020205020404" pitchFamily="49" charset="0"/>
-                <a:cs typeface="Courier New" panose="02070309020205020404" pitchFamily="49" charset="0"/>
-              </a:endParaRPr>
-            </a:p>
-          </p:txBody>
-        </p:sp>
-      </p:grpSp>
-      <p:grpSp>
-        <p:nvGrpSpPr>
-          <p:cNvPr id="19" name="Groupe 18"/>
-          <p:cNvGrpSpPr/>
-          <p:nvPr/>
-        </p:nvGrpSpPr>
-        <p:grpSpPr>
-          <a:xfrm>
-            <a:off x="6445515" y="2755136"/>
-            <a:ext cx="810909" cy="928894"/>
-            <a:chOff x="6445515" y="2755136"/>
-            <a:chExt cx="810909" cy="928894"/>
-          </a:xfrm>
-        </p:grpSpPr>
-        <p:pic>
-          <p:nvPicPr>
-            <p:cNvPr id="17" name="Image 16"/>
-            <p:cNvPicPr>
-              <a:picLocks noChangeAspect="1"/>
-            </p:cNvPicPr>
-            <p:nvPr/>
-          </p:nvPicPr>
-          <p:blipFill>
-            <a:blip r:embed="rId5">
-              <a:extLst>
-                <a:ext uri="{28A0092B-C50C-407E-A947-70E740481C1C}">
-                  <a14:useLocalDpi xmlns:a14="http://schemas.microsoft.com/office/drawing/2010/main" val="0"/>
-                </a:ext>
-              </a:extLst>
-            </a:blip>
-            <a:stretch>
-              <a:fillRect/>
-            </a:stretch>
-          </p:blipFill>
-          <p:spPr>
-            <a:xfrm>
-              <a:off x="6445515" y="2755136"/>
-              <a:ext cx="810909" cy="810909"/>
-            </a:xfrm>
-            <a:prstGeom prst="rect">
-              <a:avLst/>
-            </a:prstGeom>
-          </p:spPr>
-        </p:pic>
-        <p:sp>
-          <p:nvSpPr>
-            <p:cNvPr id="18" name="ZoneTexte 17"/>
-            <p:cNvSpPr txBox="1"/>
-            <p:nvPr/>
-          </p:nvSpPr>
-          <p:spPr>
-            <a:xfrm>
-              <a:off x="6527804" y="3437809"/>
-              <a:ext cx="646331" cy="246221"/>
-            </a:xfrm>
-            <a:prstGeom prst="rect">
-              <a:avLst/>
-            </a:prstGeom>
-            <a:noFill/>
-          </p:spPr>
-          <p:txBody>
-            <a:bodyPr wrap="none" rtlCol="0">
-              <a:spAutoFit/>
-            </a:bodyPr>
-            <a:lstStyle/>
-            <a:p>
-              <a:r>
-                <a:rPr lang="fr-FR" sz="1000" dirty="0" smtClean="0">
-                  <a:latin typeface="Courier New" panose="02070309020205020404" pitchFamily="49" charset="0"/>
-                  <a:cs typeface="Courier New" panose="02070309020205020404" pitchFamily="49" charset="0"/>
-                </a:rPr>
-                <a:t>living</a:t>
-              </a:r>
-              <a:endParaRPr lang="fr-FR" sz="1000" dirty="0">
-                <a:latin typeface="Courier New" panose="02070309020205020404" pitchFamily="49" charset="0"/>
-                <a:cs typeface="Courier New" panose="02070309020205020404" pitchFamily="49" charset="0"/>
-              </a:endParaRPr>
-            </a:p>
-          </p:txBody>
-        </p:sp>
-      </p:grpSp>
       <p:cxnSp>
         <p:nvCxnSpPr>
-          <p:cNvPr id="22" name="Connecteur droit 21"/>
+          <p:cNvPr id="29" name="Connecteur droit 28"/>
           <p:cNvCxnSpPr>
-            <a:stCxn id="9" idx="3"/>
-            <a:endCxn id="8" idx="0"/>
+            <a:stCxn id="5" idx="3"/>
+            <a:endCxn id="11" idx="1"/>
           </p:cNvCxnSpPr>
           <p:nvPr/>
         </p:nvCxnSpPr>
         <p:spPr>
           <a:xfrm>
-            <a:off x="7348612" y="1982367"/>
-            <a:ext cx="1248556" cy="1875908"/>
-          </a:xfrm>
-          <a:prstGeom prst="line">
-            <a:avLst/>
-          </a:prstGeom>
-          <a:ln>
-            <a:solidFill>
-              <a:srgbClr val="00B0F0"/>
-            </a:solidFill>
-            <a:headEnd type="arrow"/>
-            <a:tailEnd type="arrow"/>
-          </a:ln>
-        </p:spPr>
-        <p:style>
-          <a:lnRef idx="2">
-            <a:schemeClr val="accent1"/>
-          </a:lnRef>
-          <a:fillRef idx="0">
-            <a:schemeClr val="accent1"/>
-          </a:fillRef>
-          <a:effectRef idx="1">
-            <a:schemeClr val="accent1"/>
-          </a:effectRef>
-          <a:fontRef idx="minor">
-            <a:schemeClr val="tx1"/>
-          </a:fontRef>
-        </p:style>
-      </p:cxnSp>
-      <p:cxnSp>
-        <p:nvCxnSpPr>
-          <p:cNvPr id="24" name="Connecteur droit 23"/>
-          <p:cNvCxnSpPr>
-            <a:stCxn id="11" idx="3"/>
-            <a:endCxn id="8" idx="0"/>
-          </p:cNvCxnSpPr>
-          <p:nvPr/>
-        </p:nvCxnSpPr>
-        <p:spPr>
-          <a:xfrm>
-            <a:off x="6795411" y="2294012"/>
-            <a:ext cx="1801757" cy="1564263"/>
-          </a:xfrm>
-          <a:prstGeom prst="line">
-            <a:avLst/>
-          </a:prstGeom>
-          <a:ln>
-            <a:solidFill>
-              <a:srgbClr val="00B050"/>
-            </a:solidFill>
-            <a:headEnd type="arrow"/>
-            <a:tailEnd type="arrow"/>
-          </a:ln>
-        </p:spPr>
-        <p:style>
-          <a:lnRef idx="2">
-            <a:schemeClr val="accent1"/>
-          </a:lnRef>
-          <a:fillRef idx="0">
-            <a:schemeClr val="accent1"/>
-          </a:fillRef>
-          <a:effectRef idx="1">
-            <a:schemeClr val="accent1"/>
-          </a:effectRef>
-          <a:fontRef idx="minor">
-            <a:schemeClr val="tx1"/>
-          </a:fontRef>
-        </p:style>
-      </p:cxnSp>
-      <p:cxnSp>
-        <p:nvCxnSpPr>
-          <p:cNvPr id="27" name="Connecteur droit 26"/>
-          <p:cNvCxnSpPr>
-            <a:stCxn id="5" idx="2"/>
-            <a:endCxn id="8" idx="0"/>
-          </p:cNvCxnSpPr>
-          <p:nvPr/>
-        </p:nvCxnSpPr>
-        <p:spPr>
-          <a:xfrm flipH="1">
-            <a:off x="8597168" y="2319676"/>
-            <a:ext cx="29592" cy="1538599"/>
+            <a:off x="1631103" y="2047047"/>
+            <a:ext cx="2054357" cy="967307"/>
           </a:xfrm>
           <a:prstGeom prst="line">
             <a:avLst/>
@@ -8424,7 +7115,7 @@
         </p:nvSpPr>
         <p:spPr>
           <a:xfrm>
-            <a:off x="8569736" y="2790873"/>
+            <a:off x="1828889" y="1949702"/>
             <a:ext cx="546832" cy="246221"/>
           </a:xfrm>
           <a:prstGeom prst="rect">
@@ -8455,15 +7146,95 @@
           </a:p>
         </p:txBody>
       </p:sp>
+      <p:cxnSp>
+        <p:nvCxnSpPr>
+          <p:cNvPr id="32" name="Connecteur droit 31"/>
+          <p:cNvCxnSpPr>
+            <a:stCxn id="25" idx="2"/>
+            <a:endCxn id="11" idx="3"/>
+          </p:cNvCxnSpPr>
+          <p:nvPr/>
+        </p:nvCxnSpPr>
+        <p:spPr>
+          <a:xfrm flipH="1">
+            <a:off x="4779124" y="2105477"/>
+            <a:ext cx="2246323" cy="908877"/>
+          </a:xfrm>
+          <a:prstGeom prst="line">
+            <a:avLst/>
+          </a:prstGeom>
+          <a:ln>
+            <a:solidFill>
+              <a:srgbClr val="00B0F0"/>
+            </a:solidFill>
+            <a:headEnd type="arrow"/>
+            <a:tailEnd type="arrow"/>
+          </a:ln>
+        </p:spPr>
+        <p:style>
+          <a:lnRef idx="2">
+            <a:schemeClr val="accent1"/>
+          </a:lnRef>
+          <a:fillRef idx="0">
+            <a:schemeClr val="accent1"/>
+          </a:fillRef>
+          <a:effectRef idx="1">
+            <a:schemeClr val="accent1"/>
+          </a:effectRef>
+          <a:fontRef idx="minor">
+            <a:schemeClr val="tx1"/>
+          </a:fontRef>
+        </p:style>
+      </p:cxnSp>
+      <p:cxnSp>
+        <p:nvCxnSpPr>
+          <p:cNvPr id="33" name="Connecteur droit 32"/>
+          <p:cNvCxnSpPr>
+            <a:stCxn id="28" idx="1"/>
+            <a:endCxn id="11" idx="3"/>
+          </p:cNvCxnSpPr>
+          <p:nvPr/>
+        </p:nvCxnSpPr>
+        <p:spPr>
+          <a:xfrm flipH="1">
+            <a:off x="4779124" y="2294012"/>
+            <a:ext cx="1216068" cy="720342"/>
+          </a:xfrm>
+          <a:prstGeom prst="line">
+            <a:avLst/>
+          </a:prstGeom>
+          <a:ln>
+            <a:solidFill>
+              <a:srgbClr val="00B050"/>
+            </a:solidFill>
+            <a:headEnd type="arrow"/>
+            <a:tailEnd type="arrow"/>
+          </a:ln>
+        </p:spPr>
+        <p:style>
+          <a:lnRef idx="2">
+            <a:schemeClr val="accent1"/>
+          </a:lnRef>
+          <a:fillRef idx="0">
+            <a:schemeClr val="accent1"/>
+          </a:fillRef>
+          <a:effectRef idx="1">
+            <a:schemeClr val="accent1"/>
+          </a:effectRef>
+          <a:fontRef idx="minor">
+            <a:schemeClr val="tx1"/>
+          </a:fontRef>
+        </p:style>
+      </p:cxnSp>
       <p:sp>
         <p:nvSpPr>
-          <p:cNvPr id="31" name="ZoneTexte 30"/>
+          <p:cNvPr id="34" name="ZoneTexte 33"/>
           <p:cNvSpPr txBox="1"/>
           <p:nvPr/>
         </p:nvSpPr>
         <p:spPr>
           <a:xfrm>
-            <a:off x="6557956" y="2439558"/>
+            <a:off x="5721776" y="4715415"/>
             <a:ext cx="546832" cy="246221"/>
           </a:xfrm>
           <a:prstGeom prst="rect">
@@ -8481,14 +7252,14 @@
             <a:r>
               <a:rPr lang="fr-FR" sz="1000" cap="small" dirty="0" err="1" smtClean="0">
                 <a:solidFill>
-                  <a:srgbClr val="00B050"/>
-                </a:solidFill>
-              </a:rPr>
-              <a:t>Mqtt</a:t>
+                  <a:srgbClr val="00B0F0"/>
+                </a:solidFill>
+              </a:rPr>
+              <a:t>Tcp</a:t>
             </a:r>
             <a:endParaRPr lang="fr-FR" sz="1000" cap="small" dirty="0">
               <a:solidFill>
-                <a:srgbClr val="00B050"/>
+                <a:srgbClr val="00B0F0"/>
               </a:solidFill>
             </a:endParaRPr>
           </a:p>
@@ -8496,13 +7267,13 @@
       </p:sp>
       <p:sp>
         <p:nvSpPr>
-          <p:cNvPr id="32" name="ZoneTexte 31"/>
+          <p:cNvPr id="44" name="ZoneTexte 43"/>
           <p:cNvSpPr txBox="1"/>
           <p:nvPr/>
         </p:nvSpPr>
         <p:spPr>
           <a:xfrm>
-            <a:off x="7489799" y="2015079"/>
+            <a:off x="5288243" y="2173258"/>
             <a:ext cx="546832" cy="246221"/>
           </a:xfrm>
           <a:prstGeom prst="rect">
@@ -8520,6 +7291,125 @@
             <a:r>
               <a:rPr lang="fr-FR" sz="1000" cap="small" dirty="0" err="1" smtClean="0">
                 <a:solidFill>
+                  <a:srgbClr val="00B050"/>
+                </a:solidFill>
+              </a:rPr>
+              <a:t>Mqtt</a:t>
+            </a:r>
+            <a:endParaRPr lang="fr-FR" sz="1000" cap="small" dirty="0">
+              <a:solidFill>
+                <a:srgbClr val="00B050"/>
+              </a:solidFill>
+            </a:endParaRPr>
+          </a:p>
+        </p:txBody>
+      </p:sp>
+      <p:cxnSp>
+        <p:nvCxnSpPr>
+          <p:cNvPr id="45" name="Connecteur droit 44"/>
+          <p:cNvCxnSpPr>
+            <a:stCxn id="15" idx="1"/>
+            <a:endCxn id="11" idx="2"/>
+          </p:cNvCxnSpPr>
+          <p:nvPr/>
+        </p:nvCxnSpPr>
+        <p:spPr>
+          <a:xfrm flipH="1" flipV="1">
+            <a:off x="4232292" y="3378246"/>
+            <a:ext cx="2237192" cy="1420181"/>
+          </a:xfrm>
+          <a:prstGeom prst="line">
+            <a:avLst/>
+          </a:prstGeom>
+          <a:ln>
+            <a:solidFill>
+              <a:srgbClr val="00B0F0"/>
+            </a:solidFill>
+            <a:headEnd type="arrow"/>
+            <a:tailEnd type="arrow"/>
+          </a:ln>
+        </p:spPr>
+        <p:style>
+          <a:lnRef idx="2">
+            <a:schemeClr val="accent1"/>
+          </a:lnRef>
+          <a:fillRef idx="0">
+            <a:schemeClr val="accent1"/>
+          </a:fillRef>
+          <a:effectRef idx="1">
+            <a:schemeClr val="accent1"/>
+          </a:effectRef>
+          <a:fontRef idx="minor">
+            <a:schemeClr val="tx1"/>
+          </a:fontRef>
+        </p:style>
+      </p:cxnSp>
+      <p:cxnSp>
+        <p:nvCxnSpPr>
+          <p:cNvPr id="48" name="Connecteur droit 47"/>
+          <p:cNvCxnSpPr>
+            <a:stCxn id="13" idx="3"/>
+            <a:endCxn id="11" idx="2"/>
+          </p:cNvCxnSpPr>
+          <p:nvPr/>
+        </p:nvCxnSpPr>
+        <p:spPr>
+          <a:xfrm flipV="1">
+            <a:off x="1906960" y="3378246"/>
+            <a:ext cx="2325332" cy="1556601"/>
+          </a:xfrm>
+          <a:prstGeom prst="line">
+            <a:avLst/>
+          </a:prstGeom>
+          <a:ln>
+            <a:solidFill>
+              <a:schemeClr val="tx1"/>
+            </a:solidFill>
+            <a:headEnd type="arrow"/>
+            <a:tailEnd type="arrow"/>
+          </a:ln>
+        </p:spPr>
+        <p:style>
+          <a:lnRef idx="2">
+            <a:schemeClr val="accent1"/>
+          </a:lnRef>
+          <a:fillRef idx="0">
+            <a:schemeClr val="accent1"/>
+          </a:fillRef>
+          <a:effectRef idx="1">
+            <a:schemeClr val="accent1"/>
+          </a:effectRef>
+          <a:fontRef idx="minor">
+            <a:schemeClr val="tx1"/>
+          </a:fontRef>
+        </p:style>
+      </p:cxnSp>
+      <p:sp>
+        <p:nvSpPr>
+          <p:cNvPr id="51" name="ZoneTexte 50"/>
+          <p:cNvSpPr txBox="1"/>
+          <p:nvPr/>
+        </p:nvSpPr>
+        <p:spPr>
+          <a:xfrm>
+            <a:off x="6593633" y="2338435"/>
+            <a:ext cx="546832" cy="246221"/>
+          </a:xfrm>
+          <a:prstGeom prst="rect">
+            <a:avLst/>
+          </a:prstGeom>
+          <a:noFill/>
+        </p:spPr>
+        <p:txBody>
+          <a:bodyPr wrap="square" rtlCol="0">
+            <a:spAutoFit/>
+          </a:bodyPr>
+          <a:lstStyle/>
+          <a:p>
+            <a:pPr algn="ctr"/>
+            <a:r>
+              <a:rPr lang="fr-FR" sz="1000" cap="small" dirty="0" err="1" smtClean="0">
+                <a:solidFill>
                   <a:srgbClr val="00B0F0"/>
                 </a:solidFill>
               </a:rPr>
@@ -8535,709 +7425,674 @@
       </p:sp>
       <p:sp>
         <p:nvSpPr>
-          <p:cNvPr id="33" name="Espace réservé du contenu 2"/>
-          <p:cNvSpPr txBox="1">
-            <a:spLocks/>
-          </p:cNvSpPr>
+          <p:cNvPr id="52" name="Rectangle 51"/>
+          <p:cNvSpPr/>
           <p:nvPr/>
         </p:nvSpPr>
         <p:spPr>
           <a:xfrm>
-            <a:off x="298415" y="1396314"/>
-            <a:ext cx="5204088" cy="4896544"/>
+            <a:off x="2701644" y="3968954"/>
+            <a:ext cx="3384376" cy="2092881"/>
           </a:xfrm>
           <a:prstGeom prst="rect">
             <a:avLst/>
           </a:prstGeom>
         </p:spPr>
         <p:txBody>
-          <a:bodyPr/>
-          <a:lstStyle>
-            <a:lvl1pPr marL="0" indent="0" algn="l" defTabSz="457200" rtl="0" eaLnBrk="1" fontAlgn="base" hangingPunct="1">
-              <a:spcBef>
-                <a:spcPct val="20000"/>
-              </a:spcBef>
-              <a:spcAft>
-                <a:spcPct val="0"/>
-              </a:spcAft>
-              <a:buClr>
-                <a:srgbClr val="305291"/>
-              </a:buClr>
-              <a:buFont typeface="Arial"/>
-              <a:buNone/>
-              <a:defRPr sz="2700" kern="1200">
-                <a:solidFill>
-                  <a:srgbClr val="474746"/>
-                </a:solidFill>
-                <a:latin typeface="+mj-lt"/>
-                <a:ea typeface="ＭＳ Ｐゴシック" charset="0"/>
-                <a:cs typeface="+mn-cs"/>
-              </a:defRPr>
-            </a:lvl1pPr>
-            <a:lvl2pPr marL="183600" indent="0" algn="l" defTabSz="457200" rtl="0" eaLnBrk="1" fontAlgn="base" hangingPunct="1">
-              <a:spcBef>
-                <a:spcPct val="20000"/>
-              </a:spcBef>
-              <a:spcAft>
-                <a:spcPct val="0"/>
-              </a:spcAft>
-              <a:buClr>
-                <a:srgbClr val="41A336"/>
-              </a:buClr>
-              <a:buFontTx/>
-              <a:buNone/>
-              <a:defRPr sz="2000" b="0" i="0" kern="1200">
-                <a:solidFill>
-                  <a:srgbClr val="2E3135"/>
-                </a:solidFill>
-                <a:latin typeface="Verdana"/>
-                <a:ea typeface="ＭＳ Ｐゴシック" charset="0"/>
-                <a:cs typeface="Verdana"/>
-              </a:defRPr>
-            </a:lvl2pPr>
-            <a:lvl3pPr marL="439200" indent="0" algn="l" defTabSz="457200" rtl="0" eaLnBrk="1" fontAlgn="base" hangingPunct="1">
-              <a:spcBef>
-                <a:spcPct val="20000"/>
-              </a:spcBef>
-              <a:spcAft>
-                <a:spcPct val="0"/>
-              </a:spcAft>
-              <a:buClr>
-                <a:srgbClr val="41A336"/>
-              </a:buClr>
-              <a:buFontTx/>
-              <a:buNone/>
-              <a:defRPr sz="2000" b="0" i="0" kern="1200">
-                <a:solidFill>
-                  <a:srgbClr val="2E3135"/>
-                </a:solidFill>
-                <a:latin typeface="Verdana"/>
-                <a:ea typeface="ＭＳ Ｐゴシック" charset="0"/>
-                <a:cs typeface="Verdana"/>
-              </a:defRPr>
-            </a:lvl3pPr>
-            <a:lvl4pPr marL="673200" indent="0" algn="l" defTabSz="457200" rtl="0" eaLnBrk="1" fontAlgn="base" hangingPunct="1">
-              <a:spcBef>
-                <a:spcPct val="20000"/>
-              </a:spcBef>
-              <a:spcAft>
-                <a:spcPct val="0"/>
-              </a:spcAft>
-              <a:buClr>
-                <a:srgbClr val="41A336"/>
-              </a:buClr>
-              <a:buFontTx/>
-              <a:buNone/>
-              <a:defRPr sz="1800" b="0" i="0" kern="1200">
-                <a:solidFill>
-                  <a:srgbClr val="2E3135"/>
-                </a:solidFill>
-                <a:latin typeface="Verdana"/>
-                <a:ea typeface="ＭＳ Ｐゴシック" charset="0"/>
-                <a:cs typeface="Verdana"/>
-              </a:defRPr>
-            </a:lvl4pPr>
-            <a:lvl5pPr marL="1530000" indent="-228600" algn="l" defTabSz="457200" rtl="0" eaLnBrk="1" fontAlgn="base" hangingPunct="1">
-              <a:spcBef>
-                <a:spcPct val="20000"/>
-              </a:spcBef>
-              <a:spcAft>
-                <a:spcPct val="0"/>
-              </a:spcAft>
-              <a:buClr>
-                <a:srgbClr val="41A336"/>
-              </a:buClr>
-              <a:buFont typeface="Arial"/>
-              <a:buChar char="•"/>
-              <a:defRPr sz="1000" b="0" i="0" kern="1200">
-                <a:solidFill>
-                  <a:srgbClr val="2E3135"/>
-                </a:solidFill>
-                <a:latin typeface="Verdana"/>
-                <a:ea typeface="ＭＳ Ｐゴシック" charset="0"/>
-                <a:cs typeface="Verdana"/>
-              </a:defRPr>
-            </a:lvl5pPr>
-            <a:lvl6pPr marL="2514600" indent="-228600" algn="l" defTabSz="457200" rtl="0" eaLnBrk="1" latinLnBrk="0" hangingPunct="1">
-              <a:spcBef>
-                <a:spcPct val="20000"/>
-              </a:spcBef>
-              <a:buFont typeface="Arial"/>
-              <a:buChar char="•"/>
-              <a:defRPr sz="2000" kern="1200">
-                <a:solidFill>
-                  <a:schemeClr val="tx1"/>
-                </a:solidFill>
-                <a:latin typeface="+mn-lt"/>
-                <a:ea typeface="+mn-ea"/>
-                <a:cs typeface="+mn-cs"/>
-              </a:defRPr>
-            </a:lvl6pPr>
-            <a:lvl7pPr marL="2971800" indent="-228600" algn="l" defTabSz="457200" rtl="0" eaLnBrk="1" latinLnBrk="0" hangingPunct="1">
-              <a:spcBef>
-                <a:spcPct val="20000"/>
-              </a:spcBef>
-              <a:buFont typeface="Arial"/>
-              <a:buChar char="•"/>
-              <a:defRPr sz="2000" kern="1200">
-                <a:solidFill>
-                  <a:schemeClr val="tx1"/>
-                </a:solidFill>
-                <a:latin typeface="+mn-lt"/>
-                <a:ea typeface="+mn-ea"/>
-                <a:cs typeface="+mn-cs"/>
-              </a:defRPr>
-            </a:lvl7pPr>
-            <a:lvl8pPr marL="3429000" indent="-228600" algn="l" defTabSz="457200" rtl="0" eaLnBrk="1" latinLnBrk="0" hangingPunct="1">
-              <a:spcBef>
-                <a:spcPct val="20000"/>
-              </a:spcBef>
-              <a:buFont typeface="Arial"/>
-              <a:buChar char="•"/>
-              <a:defRPr sz="2000" kern="1200">
-                <a:solidFill>
-                  <a:schemeClr val="tx1"/>
-                </a:solidFill>
-                <a:latin typeface="+mn-lt"/>
-                <a:ea typeface="+mn-ea"/>
-                <a:cs typeface="+mn-cs"/>
-              </a:defRPr>
-            </a:lvl8pPr>
-            <a:lvl9pPr marL="3886200" indent="-228600" algn="l" defTabSz="457200" rtl="0" eaLnBrk="1" latinLnBrk="0" hangingPunct="1">
-              <a:spcBef>
-                <a:spcPct val="20000"/>
-              </a:spcBef>
-              <a:buFont typeface="Arial"/>
-              <a:buChar char="•"/>
-              <a:defRPr sz="2000" kern="1200">
-                <a:solidFill>
-                  <a:schemeClr val="tx1"/>
-                </a:solidFill>
-                <a:latin typeface="+mn-lt"/>
-                <a:ea typeface="+mn-ea"/>
-                <a:cs typeface="+mn-cs"/>
-              </a:defRPr>
-            </a:lvl9pPr>
-          </a:lstStyle>
-          <a:p>
-            <a:pPr marL="171450" indent="-171450">
-              <a:buClr>
-                <a:srgbClr val="00B050"/>
-              </a:buClr>
-              <a:buFont typeface="Wingdings" panose="05000000000000000000" pitchFamily="2" charset="2"/>
-              <a:buChar char="q"/>
-            </a:pPr>
-            <a:r>
-              <a:rPr lang="fr-FR" sz="2400" dirty="0" smtClean="0">
+          <a:bodyPr wrap="square">
+            <a:spAutoFit/>
+          </a:bodyPr>
+          <a:lstStyle/>
+          <a:p>
+            <a:r>
+              <a:rPr lang="fr-FR" sz="1000" b="1" dirty="0">
+                <a:solidFill>
+                  <a:srgbClr val="0070C0"/>
+                </a:solidFill>
+                <a:latin typeface="Courier New" panose="02070309020205020404" pitchFamily="49" charset="0"/>
+                <a:cs typeface="Courier New" panose="02070309020205020404" pitchFamily="49" charset="0"/>
+              </a:rPr>
+              <a:t>configuration</a:t>
+            </a:r>
+            <a:r>
+              <a:rPr lang="fr-FR" sz="1000" dirty="0">
                 <a:latin typeface="Courier New" panose="02070309020205020404" pitchFamily="49" charset="0"/>
                 <a:cs typeface="Courier New" panose="02070309020205020404" pitchFamily="49" charset="0"/>
               </a:rPr>
               <a:t> </a:t>
             </a:r>
             <a:r>
-              <a:rPr lang="fr-FR" sz="2000" dirty="0" smtClean="0">
-                <a:solidFill>
-                  <a:srgbClr val="00B050"/>
-                </a:solidFill>
-              </a:rPr>
-              <a:t>Network </a:t>
-            </a:r>
-            <a:r>
-              <a:rPr lang="fr-FR" sz="2000" dirty="0" err="1" smtClean="0">
-                <a:solidFill>
-                  <a:srgbClr val="00B050"/>
-                </a:solidFill>
-              </a:rPr>
-              <a:t>Discovery</a:t>
-            </a:r>
-            <a:endParaRPr lang="fr-FR" sz="2000" dirty="0" smtClean="0">
-              <a:solidFill>
-                <a:srgbClr val="00B050"/>
-              </a:solidFill>
+              <a:rPr lang="fr-FR" sz="1000" dirty="0" err="1">
+                <a:latin typeface="Courier New" panose="02070309020205020404" pitchFamily="49" charset="0"/>
+                <a:cs typeface="Courier New" panose="02070309020205020404" pitchFamily="49" charset="0"/>
+              </a:rPr>
+              <a:t>MyHome</a:t>
+            </a:r>
+            <a:r>
+              <a:rPr lang="fr-FR" sz="1000" dirty="0">
+                <a:latin typeface="Courier New" panose="02070309020205020404" pitchFamily="49" charset="0"/>
+                <a:cs typeface="Courier New" panose="02070309020205020404" pitchFamily="49" charset="0"/>
+              </a:rPr>
+              <a:t> {</a:t>
+            </a:r>
+          </a:p>
+          <a:p>
+            <a:r>
+              <a:rPr lang="fr-FR" sz="1000" dirty="0">
+                <a:latin typeface="Courier New" panose="02070309020205020404" pitchFamily="49" charset="0"/>
+                <a:cs typeface="Courier New" panose="02070309020205020404" pitchFamily="49" charset="0"/>
+              </a:rPr>
+              <a:t>  </a:t>
+            </a:r>
+            <a:r>
+              <a:rPr lang="fr-FR" sz="1000" b="1" dirty="0" err="1">
+                <a:solidFill>
+                  <a:srgbClr val="0070C0"/>
+                </a:solidFill>
+                <a:latin typeface="Courier New" panose="02070309020205020404" pitchFamily="49" charset="0"/>
+                <a:cs typeface="Courier New" panose="02070309020205020404" pitchFamily="49" charset="0"/>
+              </a:rPr>
+              <a:t>node</a:t>
+            </a:r>
+            <a:r>
+              <a:rPr lang="fr-FR" sz="1000" dirty="0">
+                <a:latin typeface="Courier New" panose="02070309020205020404" pitchFamily="49" charset="0"/>
+                <a:cs typeface="Courier New" panose="02070309020205020404" pitchFamily="49" charset="0"/>
+              </a:rPr>
+              <a:t> </a:t>
+            </a:r>
+            <a:r>
+              <a:rPr lang="fr-FR" sz="1000" dirty="0" err="1">
+                <a:latin typeface="Courier New" panose="02070309020205020404" pitchFamily="49" charset="0"/>
+                <a:cs typeface="Courier New" panose="02070309020205020404" pitchFamily="49" charset="0"/>
+              </a:rPr>
+              <a:t>gw</a:t>
+            </a:r>
+            <a:r>
+              <a:rPr lang="fr-FR" sz="1000" dirty="0">
+                <a:latin typeface="Courier New" panose="02070309020205020404" pitchFamily="49" charset="0"/>
+                <a:cs typeface="Courier New" panose="02070309020205020404" pitchFamily="49" charset="0"/>
+              </a:rPr>
+              <a:t> 	</a:t>
+            </a:r>
+            <a:r>
+              <a:rPr lang="fr-FR" sz="1000" dirty="0" smtClean="0">
+                <a:latin typeface="Courier New" panose="02070309020205020404" pitchFamily="49" charset="0"/>
+                <a:cs typeface="Courier New" panose="02070309020205020404" pitchFamily="49" charset="0"/>
+              </a:rPr>
+              <a:t>: </a:t>
+            </a:r>
+            <a:r>
+              <a:rPr lang="fr-FR" sz="1000" dirty="0">
+                <a:latin typeface="Courier New" panose="02070309020205020404" pitchFamily="49" charset="0"/>
+                <a:cs typeface="Courier New" panose="02070309020205020404" pitchFamily="49" charset="0"/>
+              </a:rPr>
+              <a:t>Central</a:t>
+            </a:r>
+          </a:p>
+          <a:p>
+            <a:r>
+              <a:rPr lang="fr-FR" sz="1000" dirty="0" smtClean="0">
+                <a:latin typeface="Courier New" panose="02070309020205020404" pitchFamily="49" charset="0"/>
+                <a:cs typeface="Courier New" panose="02070309020205020404" pitchFamily="49" charset="0"/>
+              </a:rPr>
+              <a:t>  </a:t>
+            </a:r>
+            <a:r>
+              <a:rPr lang="fr-FR" sz="1000" b="1" dirty="0" err="1">
+                <a:solidFill>
+                  <a:srgbClr val="0070C0"/>
+                </a:solidFill>
+                <a:latin typeface="Courier New" panose="02070309020205020404" pitchFamily="49" charset="0"/>
+                <a:cs typeface="Courier New" panose="02070309020205020404" pitchFamily="49" charset="0"/>
+              </a:rPr>
+              <a:t>node</a:t>
+            </a:r>
+            <a:r>
+              <a:rPr lang="fr-FR" sz="1000" dirty="0" smtClean="0">
+                <a:latin typeface="Courier New" panose="02070309020205020404" pitchFamily="49" charset="0"/>
+                <a:cs typeface="Courier New" panose="02070309020205020404" pitchFamily="49" charset="0"/>
+              </a:rPr>
+              <a:t> </a:t>
+            </a:r>
+            <a:r>
+              <a:rPr lang="fr-FR" sz="1000" dirty="0" err="1">
+                <a:latin typeface="Courier New" panose="02070309020205020404" pitchFamily="49" charset="0"/>
+                <a:cs typeface="Courier New" panose="02070309020205020404" pitchFamily="49" charset="0"/>
+              </a:rPr>
+              <a:t>frontdoor</a:t>
+            </a:r>
+            <a:r>
+              <a:rPr lang="fr-FR" sz="1000" dirty="0">
+                <a:latin typeface="Courier New" panose="02070309020205020404" pitchFamily="49" charset="0"/>
+                <a:cs typeface="Courier New" panose="02070309020205020404" pitchFamily="49" charset="0"/>
+              </a:rPr>
+              <a:t>       : </a:t>
+            </a:r>
+            <a:r>
+              <a:rPr lang="fr-FR" sz="1000" dirty="0" err="1">
+                <a:latin typeface="Courier New" panose="02070309020205020404" pitchFamily="49" charset="0"/>
+                <a:cs typeface="Courier New" panose="02070309020205020404" pitchFamily="49" charset="0"/>
+              </a:rPr>
+              <a:t>DoorLock</a:t>
+            </a:r>
+            <a:endParaRPr lang="fr-FR" sz="1000" dirty="0">
+              <a:latin typeface="Courier New" panose="02070309020205020404" pitchFamily="49" charset="0"/>
+              <a:cs typeface="Courier New" panose="02070309020205020404" pitchFamily="49" charset="0"/>
             </a:endParaRPr>
           </a:p>
           <a:p>
-            <a:pPr marL="724950" lvl="2" indent="-285750">
-              <a:buClr>
-                <a:srgbClr val="00B050"/>
-              </a:buClr>
-              <a:buFont typeface="Wingdings" panose="05000000000000000000" pitchFamily="2" charset="2"/>
-              <a:buChar char="§"/>
-            </a:pPr>
-            <a:r>
-              <a:rPr lang="fr-FR" sz="1300" dirty="0" smtClean="0"/>
-              <a:t>Once </a:t>
-            </a:r>
-            <a:r>
-              <a:rPr lang="fr-FR" sz="1300" dirty="0" err="1" smtClean="0"/>
-              <a:t>connected</a:t>
-            </a:r>
-            <a:r>
-              <a:rPr lang="fr-FR" sz="1300" dirty="0" smtClean="0"/>
-              <a:t>, </a:t>
-            </a:r>
-            <a:r>
-              <a:rPr lang="fr-FR" sz="1300" dirty="0" err="1" smtClean="0"/>
-              <a:t>what</a:t>
-            </a:r>
-            <a:r>
-              <a:rPr lang="fr-FR" sz="1300" dirty="0" smtClean="0"/>
+            <a:r>
+              <a:rPr lang="fr-FR" sz="1000" dirty="0">
+                <a:latin typeface="Courier New" panose="02070309020205020404" pitchFamily="49" charset="0"/>
+                <a:cs typeface="Courier New" panose="02070309020205020404" pitchFamily="49" charset="0"/>
+              </a:rPr>
+              <a:t>  </a:t>
+            </a:r>
+            <a:r>
+              <a:rPr lang="fr-FR" sz="1000" b="1" dirty="0" err="1">
+                <a:solidFill>
+                  <a:srgbClr val="0070C0"/>
+                </a:solidFill>
+                <a:latin typeface="Courier New" panose="02070309020205020404" pitchFamily="49" charset="0"/>
+                <a:cs typeface="Courier New" panose="02070309020205020404" pitchFamily="49" charset="0"/>
+              </a:rPr>
+              <a:t>node</a:t>
+            </a:r>
+            <a:r>
+              <a:rPr lang="fr-FR" sz="1000" dirty="0">
+                <a:latin typeface="Courier New" panose="02070309020205020404" pitchFamily="49" charset="0"/>
+                <a:cs typeface="Courier New" panose="02070309020205020404" pitchFamily="49" charset="0"/>
+              </a:rPr>
               <a:t> </a:t>
             </a:r>
             <a:r>
-              <a:rPr lang="fr-FR" sz="1300" dirty="0" err="1" smtClean="0"/>
-              <a:t>capabilities</a:t>
-            </a:r>
-            <a:r>
-              <a:rPr lang="fr-FR" sz="1300" dirty="0" smtClean="0"/>
+              <a:rPr lang="fr-FR" sz="1000" dirty="0" err="1">
+                <a:latin typeface="Courier New" panose="02070309020205020404" pitchFamily="49" charset="0"/>
+                <a:cs typeface="Courier New" panose="02070309020205020404" pitchFamily="49" charset="0"/>
+              </a:rPr>
+              <a:t>corridorLight</a:t>
+            </a:r>
+            <a:r>
+              <a:rPr lang="fr-FR" sz="1000" dirty="0">
+                <a:latin typeface="Courier New" panose="02070309020205020404" pitchFamily="49" charset="0"/>
+                <a:cs typeface="Courier New" panose="02070309020205020404" pitchFamily="49" charset="0"/>
+              </a:rPr>
+              <a:t>   : </a:t>
+            </a:r>
+            <a:r>
+              <a:rPr lang="fr-FR" sz="1000" dirty="0" err="1">
+                <a:latin typeface="Courier New" panose="02070309020205020404" pitchFamily="49" charset="0"/>
+                <a:cs typeface="Courier New" panose="02070309020205020404" pitchFamily="49" charset="0"/>
+              </a:rPr>
+              <a:t>LightBulb</a:t>
+            </a:r>
+            <a:endParaRPr lang="fr-FR" sz="1000" dirty="0">
+              <a:latin typeface="Courier New" panose="02070309020205020404" pitchFamily="49" charset="0"/>
+              <a:cs typeface="Courier New" panose="02070309020205020404" pitchFamily="49" charset="0"/>
+            </a:endParaRPr>
+          </a:p>
+          <a:p>
+            <a:r>
+              <a:rPr lang="fr-FR" sz="1000" dirty="0">
+                <a:latin typeface="Courier New" panose="02070309020205020404" pitchFamily="49" charset="0"/>
+                <a:cs typeface="Courier New" panose="02070309020205020404" pitchFamily="49" charset="0"/>
+              </a:rPr>
+              <a:t>  </a:t>
+            </a:r>
+            <a:r>
+              <a:rPr lang="fr-FR" sz="1000" b="1" dirty="0" err="1">
+                <a:solidFill>
+                  <a:srgbClr val="0070C0"/>
+                </a:solidFill>
+                <a:latin typeface="Courier New" panose="02070309020205020404" pitchFamily="49" charset="0"/>
+                <a:cs typeface="Courier New" panose="02070309020205020404" pitchFamily="49" charset="0"/>
+              </a:rPr>
+              <a:t>node</a:t>
+            </a:r>
+            <a:r>
+              <a:rPr lang="fr-FR" sz="1000" dirty="0">
+                <a:latin typeface="Courier New" panose="02070309020205020404" pitchFamily="49" charset="0"/>
+                <a:cs typeface="Courier New" panose="02070309020205020404" pitchFamily="49" charset="0"/>
+              </a:rPr>
               <a:t> </a:t>
             </a:r>
             <a:r>
-              <a:rPr lang="fr-FR" sz="1300" dirty="0" err="1" smtClean="0"/>
-              <a:t>does</a:t>
-            </a:r>
-            <a:r>
-              <a:rPr lang="fr-FR" sz="1300" dirty="0" smtClean="0"/>
-              <a:t> a </a:t>
-            </a:r>
-            <a:r>
-              <a:rPr lang="fr-FR" sz="1300" dirty="0" err="1" smtClean="0"/>
-              <a:t>device</a:t>
-            </a:r>
-            <a:r>
-              <a:rPr lang="fr-FR" sz="1300" dirty="0" smtClean="0"/>
-              <a:t> expose to the </a:t>
-            </a:r>
-            <a:r>
-              <a:rPr lang="fr-FR" sz="1300" dirty="0" err="1" smtClean="0"/>
-              <a:t>external</a:t>
-            </a:r>
-            <a:r>
-              <a:rPr lang="fr-FR" sz="1300" dirty="0" smtClean="0"/>
-              <a:t> world?</a:t>
-            </a:r>
-          </a:p>
-          <a:p>
-            <a:pPr marL="724950" lvl="2" indent="-285750">
-              <a:buClr>
-                <a:srgbClr val="00B050"/>
-              </a:buClr>
-              <a:buFont typeface="Wingdings" panose="05000000000000000000" pitchFamily="2" charset="2"/>
-              <a:buChar char="§"/>
-            </a:pPr>
-            <a:endParaRPr lang="fr-FR" sz="1300" dirty="0"/>
-          </a:p>
-          <a:p>
-            <a:pPr marL="724950" lvl="2" indent="-285750">
-              <a:buClr>
-                <a:srgbClr val="00B050"/>
-              </a:buClr>
-              <a:buFont typeface="Wingdings" panose="05000000000000000000" pitchFamily="2" charset="2"/>
-              <a:buChar char="§"/>
-            </a:pPr>
-            <a:r>
-              <a:rPr lang="fr-FR" sz="1300" dirty="0" err="1" smtClean="0"/>
-              <a:t>Lack</a:t>
-            </a:r>
-            <a:r>
-              <a:rPr lang="fr-FR" sz="1300" dirty="0" smtClean="0"/>
-              <a:t> of </a:t>
-            </a:r>
-            <a:r>
-              <a:rPr lang="fr-FR" sz="1300" dirty="0" err="1" smtClean="0"/>
-              <a:t>uniform</a:t>
-            </a:r>
-            <a:r>
-              <a:rPr lang="fr-FR" sz="1300" dirty="0" smtClean="0"/>
-              <a:t> and </a:t>
-            </a:r>
-            <a:r>
-              <a:rPr lang="fr-FR" sz="1300" dirty="0" err="1" smtClean="0"/>
-              <a:t>standardised</a:t>
-            </a:r>
-            <a:r>
-              <a:rPr lang="fr-FR" sz="1300" dirty="0" smtClean="0"/>
+              <a:rPr lang="fr-FR" sz="1000" dirty="0" err="1">
+                <a:latin typeface="Courier New" panose="02070309020205020404" pitchFamily="49" charset="0"/>
+                <a:cs typeface="Courier New" panose="02070309020205020404" pitchFamily="49" charset="0"/>
+              </a:rPr>
+              <a:t>livingLight</a:t>
+            </a:r>
+            <a:r>
+              <a:rPr lang="fr-FR" sz="1000" dirty="0">
+                <a:latin typeface="Courier New" panose="02070309020205020404" pitchFamily="49" charset="0"/>
+                <a:cs typeface="Courier New" panose="02070309020205020404" pitchFamily="49" charset="0"/>
+              </a:rPr>
+              <a:t>     : </a:t>
+            </a:r>
+            <a:r>
+              <a:rPr lang="fr-FR" sz="1000" dirty="0" err="1">
+                <a:latin typeface="Courier New" panose="02070309020205020404" pitchFamily="49" charset="0"/>
+                <a:cs typeface="Courier New" panose="02070309020205020404" pitchFamily="49" charset="0"/>
+              </a:rPr>
+              <a:t>LightBulb</a:t>
+            </a:r>
+            <a:endParaRPr lang="fr-FR" sz="1000" dirty="0">
+              <a:latin typeface="Courier New" panose="02070309020205020404" pitchFamily="49" charset="0"/>
+              <a:cs typeface="Courier New" panose="02070309020205020404" pitchFamily="49" charset="0"/>
+            </a:endParaRPr>
+          </a:p>
+          <a:p>
+            <a:r>
+              <a:rPr lang="fr-FR" sz="1000" dirty="0" smtClean="0">
+                <a:latin typeface="Courier New" panose="02070309020205020404" pitchFamily="49" charset="0"/>
+                <a:cs typeface="Courier New" panose="02070309020205020404" pitchFamily="49" charset="0"/>
+              </a:rPr>
+              <a:t>  </a:t>
+            </a:r>
+            <a:r>
+              <a:rPr lang="fr-FR" sz="1000" b="1" dirty="0" err="1" smtClean="0">
+                <a:solidFill>
+                  <a:srgbClr val="0070C0"/>
+                </a:solidFill>
+                <a:latin typeface="Courier New" panose="02070309020205020404" pitchFamily="49" charset="0"/>
+                <a:cs typeface="Courier New" panose="02070309020205020404" pitchFamily="49" charset="0"/>
+              </a:rPr>
+              <a:t>node</a:t>
+            </a:r>
+            <a:r>
+              <a:rPr lang="fr-FR" sz="1000" dirty="0" smtClean="0">
+                <a:latin typeface="Courier New" panose="02070309020205020404" pitchFamily="49" charset="0"/>
+                <a:cs typeface="Courier New" panose="02070309020205020404" pitchFamily="49" charset="0"/>
+              </a:rPr>
               <a:t> </a:t>
             </a:r>
             <a:r>
-              <a:rPr lang="fr-FR" sz="1300" dirty="0" err="1" smtClean="0"/>
-              <a:t>protocol</a:t>
-            </a:r>
-            <a:r>
-              <a:rPr lang="fr-FR" sz="1300" dirty="0"/>
-              <a:t/>
-            </a:r>
-            <a:br>
-              <a:rPr lang="fr-FR" sz="1300" dirty="0"/>
-            </a:br>
-            <a:r>
-              <a:rPr lang="fr-FR" sz="1300" dirty="0" smtClean="0"/>
-              <a:t>(</a:t>
-            </a:r>
-            <a:r>
-              <a:rPr lang="fr-FR" sz="1300" dirty="0" err="1" smtClean="0"/>
-              <a:t>just</a:t>
-            </a:r>
-            <a:r>
-              <a:rPr lang="fr-FR" sz="1300" dirty="0" smtClean="0"/>
+              <a:rPr lang="fr-FR" sz="1000" dirty="0" err="1" smtClean="0">
+                <a:latin typeface="Courier New" panose="02070309020205020404" pitchFamily="49" charset="0"/>
+                <a:cs typeface="Courier New" panose="02070309020205020404" pitchFamily="49" charset="0"/>
+              </a:rPr>
+              <a:t>corridorDetector</a:t>
+            </a:r>
+            <a:r>
+              <a:rPr lang="fr-FR" sz="1000" dirty="0">
+                <a:latin typeface="Courier New" panose="02070309020205020404" pitchFamily="49" charset="0"/>
+                <a:cs typeface="Courier New" panose="02070309020205020404" pitchFamily="49" charset="0"/>
+              </a:rPr>
+              <a:t>: </a:t>
+            </a:r>
+            <a:r>
+              <a:rPr lang="fr-FR" sz="1000" dirty="0" err="1">
+                <a:latin typeface="Courier New" panose="02070309020205020404" pitchFamily="49" charset="0"/>
+                <a:cs typeface="Courier New" panose="02070309020205020404" pitchFamily="49" charset="0"/>
+              </a:rPr>
+              <a:t>PresenceDetector</a:t>
+            </a:r>
+            <a:endParaRPr lang="fr-FR" sz="1000" dirty="0">
+              <a:latin typeface="Courier New" panose="02070309020205020404" pitchFamily="49" charset="0"/>
+              <a:cs typeface="Courier New" panose="02070309020205020404" pitchFamily="49" charset="0"/>
+            </a:endParaRPr>
+          </a:p>
+          <a:p>
+            <a:r>
+              <a:rPr lang="fr-FR" sz="1000" dirty="0">
+                <a:latin typeface="Courier New" panose="02070309020205020404" pitchFamily="49" charset="0"/>
+                <a:cs typeface="Courier New" panose="02070309020205020404" pitchFamily="49" charset="0"/>
+              </a:rPr>
+              <a:t>  </a:t>
+            </a:r>
+            <a:r>
+              <a:rPr lang="fr-FR" sz="1000" b="1" dirty="0" err="1">
+                <a:solidFill>
+                  <a:srgbClr val="0070C0"/>
+                </a:solidFill>
+                <a:latin typeface="Courier New" panose="02070309020205020404" pitchFamily="49" charset="0"/>
+                <a:cs typeface="Courier New" panose="02070309020205020404" pitchFamily="49" charset="0"/>
+              </a:rPr>
+              <a:t>node</a:t>
+            </a:r>
+            <a:r>
+              <a:rPr lang="fr-FR" sz="1000" dirty="0" smtClean="0">
+                <a:latin typeface="Courier New" panose="02070309020205020404" pitchFamily="49" charset="0"/>
+                <a:cs typeface="Courier New" panose="02070309020205020404" pitchFamily="49" charset="0"/>
+              </a:rPr>
               <a:t> </a:t>
             </a:r>
             <a:r>
-              <a:rPr lang="fr-FR" sz="1300" dirty="0" err="1" smtClean="0"/>
-              <a:t>like</a:t>
-            </a:r>
-            <a:r>
-              <a:rPr lang="fr-FR" sz="1300" dirty="0" smtClean="0"/>
-              <a:t> for </a:t>
-            </a:r>
-            <a:r>
-              <a:rPr lang="fr-FR" sz="1300" cap="small" dirty="0" err="1" smtClean="0"/>
-              <a:t>Usb</a:t>
-            </a:r>
-            <a:r>
-              <a:rPr lang="fr-FR" sz="1300" dirty="0" smtClean="0"/>
-              <a:t>, </a:t>
-            </a:r>
-            <a:r>
-              <a:rPr lang="fr-FR" sz="1300" dirty="0" err="1" smtClean="0"/>
-              <a:t>BlueTooth</a:t>
-            </a:r>
-            <a:r>
-              <a:rPr lang="fr-FR" sz="1300" dirty="0" smtClean="0"/>
-              <a:t>, etc.)</a:t>
-            </a:r>
-          </a:p>
-          <a:p>
-            <a:pPr marL="724950" lvl="2" indent="-285750">
-              <a:buClr>
-                <a:srgbClr val="00B050"/>
-              </a:buClr>
-              <a:buFont typeface="Wingdings" panose="05000000000000000000" pitchFamily="2" charset="2"/>
-              <a:buChar char="§"/>
-            </a:pPr>
-            <a:endParaRPr lang="fr-FR" sz="1300" dirty="0"/>
-          </a:p>
-          <a:p>
-            <a:pPr marL="457200" indent="-457200">
-              <a:buClr>
-                <a:srgbClr val="00B050"/>
-              </a:buClr>
-              <a:buFont typeface="Wingdings" panose="05000000000000000000" pitchFamily="2" charset="2"/>
-              <a:buChar char="q"/>
-            </a:pPr>
-            <a:r>
-              <a:rPr lang="fr-FR" sz="2000" dirty="0" err="1" smtClean="0">
-                <a:solidFill>
-                  <a:srgbClr val="00B050"/>
-                </a:solidFill>
-              </a:rPr>
-              <a:t>Interoperability</a:t>
-            </a:r>
-            <a:endParaRPr lang="fr-FR" sz="2000" dirty="0" smtClean="0">
-              <a:solidFill>
-                <a:srgbClr val="00B050"/>
-              </a:solidFill>
+              <a:rPr lang="fr-FR" sz="1000" dirty="0" err="1">
+                <a:latin typeface="Courier New" panose="02070309020205020404" pitchFamily="49" charset="0"/>
+                <a:cs typeface="Courier New" panose="02070309020205020404" pitchFamily="49" charset="0"/>
+              </a:rPr>
+              <a:t>livingDetector</a:t>
+            </a:r>
+            <a:r>
+              <a:rPr lang="fr-FR" sz="1000" dirty="0">
+                <a:latin typeface="Courier New" panose="02070309020205020404" pitchFamily="49" charset="0"/>
+                <a:cs typeface="Courier New" panose="02070309020205020404" pitchFamily="49" charset="0"/>
+              </a:rPr>
+              <a:t>  : </a:t>
+            </a:r>
+            <a:r>
+              <a:rPr lang="fr-FR" sz="1000" dirty="0" err="1">
+                <a:latin typeface="Courier New" panose="02070309020205020404" pitchFamily="49" charset="0"/>
+                <a:cs typeface="Courier New" panose="02070309020205020404" pitchFamily="49" charset="0"/>
+              </a:rPr>
+              <a:t>PresenceDetector</a:t>
+            </a:r>
+            <a:endParaRPr lang="fr-FR" sz="1000" dirty="0">
+              <a:latin typeface="Courier New" panose="02070309020205020404" pitchFamily="49" charset="0"/>
+              <a:cs typeface="Courier New" panose="02070309020205020404" pitchFamily="49" charset="0"/>
             </a:endParaRPr>
           </a:p>
           <a:p>
-            <a:pPr marL="724950" lvl="2" indent="-285750">
-              <a:buClr>
-                <a:srgbClr val="00B050"/>
-              </a:buClr>
-              <a:buFont typeface="Wingdings" panose="05000000000000000000" pitchFamily="2" charset="2"/>
-              <a:buChar char="§"/>
-            </a:pPr>
-            <a:r>
-              <a:rPr lang="fr-FR" sz="1300" dirty="0" smtClean="0"/>
-              <a:t>Expose high-</a:t>
-            </a:r>
-            <a:r>
-              <a:rPr lang="fr-FR" sz="1300" dirty="0" err="1" smtClean="0"/>
-              <a:t>level</a:t>
-            </a:r>
-            <a:r>
-              <a:rPr lang="fr-FR" sz="1300" dirty="0" smtClean="0"/>
-              <a:t>, abstract </a:t>
-            </a:r>
-            <a:r>
-              <a:rPr lang="fr-FR" sz="1300" dirty="0" err="1" smtClean="0"/>
-              <a:t>capabilities</a:t>
-            </a:r>
-            <a:r>
-              <a:rPr lang="fr-FR" sz="1300" dirty="0" smtClean="0"/>
-              <a:t>, </a:t>
-            </a:r>
-            <a:r>
-              <a:rPr lang="fr-FR" sz="1300" dirty="0" err="1" smtClean="0"/>
-              <a:t>instead</a:t>
-            </a:r>
-            <a:r>
-              <a:rPr lang="fr-FR" sz="1300" dirty="0" smtClean="0"/>
-              <a:t> of </a:t>
-            </a:r>
-            <a:r>
-              <a:rPr lang="fr-FR" sz="1300" dirty="0" err="1" smtClean="0"/>
-              <a:t>low-level</a:t>
-            </a:r>
-            <a:r>
-              <a:rPr lang="fr-FR" sz="1300" dirty="0" smtClean="0"/>
-              <a:t>, </a:t>
-            </a:r>
-            <a:r>
-              <a:rPr lang="fr-FR" sz="1300" dirty="0" err="1" smtClean="0"/>
-              <a:t>technical</a:t>
-            </a:r>
-            <a:r>
-              <a:rPr lang="fr-FR" sz="1300" dirty="0" smtClean="0"/>
+            <a:r>
+              <a:rPr lang="fr-FR" sz="1000" dirty="0">
+                <a:latin typeface="Courier New" panose="02070309020205020404" pitchFamily="49" charset="0"/>
+                <a:cs typeface="Courier New" panose="02070309020205020404" pitchFamily="49" charset="0"/>
+              </a:rPr>
+              <a:t>  </a:t>
+            </a:r>
+            <a:r>
+              <a:rPr lang="fr-FR" sz="1000" dirty="0" smtClean="0">
+                <a:latin typeface="Courier New" panose="02070309020205020404" pitchFamily="49" charset="0"/>
+                <a:cs typeface="Courier New" panose="02070309020205020404" pitchFamily="49" charset="0"/>
+              </a:rPr>
+              <a:t>...</a:t>
+            </a:r>
+            <a:endParaRPr lang="fr-FR" sz="1000" dirty="0">
+              <a:latin typeface="Courier New" panose="02070309020205020404" pitchFamily="49" charset="0"/>
+              <a:cs typeface="Courier New" panose="02070309020205020404" pitchFamily="49" charset="0"/>
+            </a:endParaRPr>
+          </a:p>
+          <a:p>
+            <a:r>
+              <a:rPr lang="fr-FR" sz="1000" dirty="0" smtClean="0">
+                <a:latin typeface="Courier New" panose="02070309020205020404" pitchFamily="49" charset="0"/>
+                <a:cs typeface="Courier New" panose="02070309020205020404" pitchFamily="49" charset="0"/>
+              </a:rPr>
+              <a:t>  </a:t>
+            </a:r>
+            <a:r>
+              <a:rPr lang="fr-FR" sz="1000" b="1" dirty="0" err="1">
+                <a:solidFill>
+                  <a:srgbClr val="0070C0"/>
+                </a:solidFill>
+                <a:latin typeface="Courier New" panose="02070309020205020404" pitchFamily="49" charset="0"/>
+                <a:cs typeface="Courier New" panose="02070309020205020404" pitchFamily="49" charset="0"/>
+              </a:rPr>
+              <a:t>from</a:t>
+            </a:r>
+            <a:r>
+              <a:rPr lang="fr-FR" sz="1000" b="1" dirty="0">
+                <a:solidFill>
+                  <a:srgbClr val="0070C0"/>
+                </a:solidFill>
+                <a:latin typeface="Courier New" panose="02070309020205020404" pitchFamily="49" charset="0"/>
+                <a:cs typeface="Courier New" panose="02070309020205020404" pitchFamily="49" charset="0"/>
+              </a:rPr>
               <a:t> </a:t>
             </a:r>
             <a:r>
-              <a:rPr lang="fr-FR" sz="1300" dirty="0" err="1" smtClean="0"/>
-              <a:t>ones</a:t>
-            </a:r>
-            <a:endParaRPr lang="fr-FR" sz="1300" dirty="0" smtClean="0"/>
-          </a:p>
-          <a:p>
-            <a:pPr marL="724950" lvl="2" indent="-285750">
-              <a:buClr>
-                <a:srgbClr val="00B050"/>
-              </a:buClr>
-              <a:buFont typeface="Wingdings" panose="05000000000000000000" pitchFamily="2" charset="2"/>
-              <a:buChar char="§"/>
-            </a:pPr>
-            <a:r>
-              <a:rPr lang="fr-FR" sz="1300" dirty="0" err="1" smtClean="0"/>
-              <a:t>Complex</a:t>
-            </a:r>
-            <a:r>
-              <a:rPr lang="fr-FR" sz="1300" dirty="0" smtClean="0"/>
+              <a:rPr lang="fr-FR" sz="1000" dirty="0" err="1">
+                <a:latin typeface="Courier New" panose="02070309020205020404" pitchFamily="49" charset="0"/>
+                <a:cs typeface="Courier New" panose="02070309020205020404" pitchFamily="49" charset="0"/>
+              </a:rPr>
+              <a:t>frontdoor</a:t>
+            </a:r>
+            <a:r>
+              <a:rPr lang="fr-FR" sz="1000" dirty="0">
+                <a:latin typeface="Courier New" panose="02070309020205020404" pitchFamily="49" charset="0"/>
+                <a:cs typeface="Courier New" panose="02070309020205020404" pitchFamily="49" charset="0"/>
+              </a:rPr>
               <a:t> </a:t>
             </a:r>
             <a:r>
-              <a:rPr lang="fr-FR" sz="1300" dirty="0" err="1" smtClean="0"/>
-              <a:t>analysis</a:t>
-            </a:r>
-            <a:r>
-              <a:rPr lang="fr-FR" sz="1300" dirty="0" smtClean="0"/>
-              <a:t> of data </a:t>
-            </a:r>
-            <a:r>
-              <a:rPr lang="fr-FR" sz="1300" dirty="0" err="1" smtClean="0"/>
-              <a:t>streams</a:t>
-            </a:r>
-            <a:r>
-              <a:rPr lang="fr-FR" sz="1300" dirty="0" smtClean="0"/>
-              <a:t> to </a:t>
-            </a:r>
-            <a:r>
-              <a:rPr lang="fr-FR" sz="1300" dirty="0" err="1" smtClean="0"/>
-              <a:t>filter</a:t>
-            </a:r>
-            <a:r>
-              <a:rPr lang="fr-FR" sz="1300" dirty="0" smtClean="0"/>
-              <a:t> and expose </a:t>
-            </a:r>
-            <a:r>
-              <a:rPr lang="fr-FR" sz="1300" dirty="0" err="1" smtClean="0"/>
-              <a:t>only</a:t>
-            </a:r>
-            <a:r>
-              <a:rPr lang="fr-FR" sz="1300" dirty="0" smtClean="0"/>
+              <a:rPr lang="fr-FR" sz="1000" b="1" dirty="0">
+                <a:solidFill>
+                  <a:srgbClr val="0070C0"/>
+                </a:solidFill>
+                <a:latin typeface="Courier New" panose="02070309020205020404" pitchFamily="49" charset="0"/>
+                <a:cs typeface="Courier New" panose="02070309020205020404" pitchFamily="49" charset="0"/>
+              </a:rPr>
+              <a:t>to </a:t>
+            </a:r>
+            <a:r>
+              <a:rPr lang="fr-FR" sz="1000" dirty="0" err="1">
+                <a:latin typeface="Courier New" panose="02070309020205020404" pitchFamily="49" charset="0"/>
+                <a:cs typeface="Courier New" panose="02070309020205020404" pitchFamily="49" charset="0"/>
+              </a:rPr>
+              <a:t>gw</a:t>
+            </a:r>
+            <a:r>
+              <a:rPr lang="fr-FR" sz="1000" dirty="0">
+                <a:latin typeface="Courier New" panose="02070309020205020404" pitchFamily="49" charset="0"/>
+                <a:cs typeface="Courier New" panose="02070309020205020404" pitchFamily="49" charset="0"/>
+              </a:rPr>
               <a:t> </a:t>
             </a:r>
             <a:r>
-              <a:rPr lang="fr-FR" sz="1300" dirty="0" err="1" smtClean="0"/>
-              <a:t>what</a:t>
-            </a:r>
-            <a:r>
-              <a:rPr lang="fr-FR" sz="1300" dirty="0" smtClean="0"/>
+              <a:rPr lang="fr-FR" sz="1000" b="1" dirty="0">
+                <a:solidFill>
+                  <a:srgbClr val="0070C0"/>
+                </a:solidFill>
+                <a:latin typeface="Courier New" panose="02070309020205020404" pitchFamily="49" charset="0"/>
+                <a:cs typeface="Courier New" panose="02070309020205020404" pitchFamily="49" charset="0"/>
+              </a:rPr>
+              <a:t>via </a:t>
+            </a:r>
+            <a:r>
+              <a:rPr lang="fr-FR" sz="1000" dirty="0">
+                <a:latin typeface="Courier New" panose="02070309020205020404" pitchFamily="49" charset="0"/>
+                <a:cs typeface="Courier New" panose="02070309020205020404" pitchFamily="49" charset="0"/>
+              </a:rPr>
+              <a:t>MQTT</a:t>
+            </a:r>
+          </a:p>
+          <a:p>
+            <a:r>
+              <a:rPr lang="fr-FR" sz="1000" dirty="0">
+                <a:latin typeface="Courier New" panose="02070309020205020404" pitchFamily="49" charset="0"/>
+                <a:cs typeface="Courier New" panose="02070309020205020404" pitchFamily="49" charset="0"/>
+              </a:rPr>
+              <a:t>  </a:t>
+            </a:r>
+            <a:r>
+              <a:rPr lang="fr-FR" sz="1000" b="1" dirty="0" err="1">
+                <a:solidFill>
+                  <a:srgbClr val="0070C0"/>
+                </a:solidFill>
+                <a:latin typeface="Courier New" panose="02070309020205020404" pitchFamily="49" charset="0"/>
+                <a:cs typeface="Courier New" panose="02070309020205020404" pitchFamily="49" charset="0"/>
+              </a:rPr>
+              <a:t>from</a:t>
+            </a:r>
+            <a:r>
+              <a:rPr lang="fr-FR" sz="1000" b="1" dirty="0">
+                <a:solidFill>
+                  <a:srgbClr val="0070C0"/>
+                </a:solidFill>
+                <a:latin typeface="Courier New" panose="02070309020205020404" pitchFamily="49" charset="0"/>
+                <a:cs typeface="Courier New" panose="02070309020205020404" pitchFamily="49" charset="0"/>
+              </a:rPr>
               <a:t> </a:t>
             </a:r>
             <a:r>
-              <a:rPr lang="fr-FR" sz="1300" dirty="0" err="1" smtClean="0"/>
-              <a:t>is</a:t>
-            </a:r>
-            <a:r>
-              <a:rPr lang="fr-FR" sz="1300" dirty="0" smtClean="0"/>
-              <a:t> scenario-relevant</a:t>
-            </a:r>
-          </a:p>
-          <a:p>
-            <a:pPr marL="724950" lvl="2" indent="-285750">
-              <a:buClr>
-                <a:srgbClr val="00B050"/>
-              </a:buClr>
-              <a:buFont typeface="Wingdings" panose="05000000000000000000" pitchFamily="2" charset="2"/>
-              <a:buChar char="§"/>
-            </a:pPr>
-            <a:r>
-              <a:rPr lang="fr-FR" sz="1300" dirty="0" smtClean="0"/>
-              <a:t>Bi-</a:t>
-            </a:r>
-            <a:r>
-              <a:rPr lang="fr-FR" sz="1300" dirty="0" err="1" smtClean="0"/>
-              <a:t>directional</a:t>
-            </a:r>
-            <a:r>
-              <a:rPr lang="fr-FR" sz="1300" dirty="0" smtClean="0"/>
+              <a:rPr lang="fr-FR" sz="1000" dirty="0" err="1" smtClean="0">
+                <a:latin typeface="Courier New" panose="02070309020205020404" pitchFamily="49" charset="0"/>
+                <a:cs typeface="Courier New" panose="02070309020205020404" pitchFamily="49" charset="0"/>
+              </a:rPr>
+              <a:t>corridorLight</a:t>
+            </a:r>
+            <a:r>
+              <a:rPr lang="fr-FR" sz="1000" dirty="0" smtClean="0">
+                <a:latin typeface="Courier New" panose="02070309020205020404" pitchFamily="49" charset="0"/>
+                <a:cs typeface="Courier New" panose="02070309020205020404" pitchFamily="49" charset="0"/>
+              </a:rPr>
               <a:t> </a:t>
             </a:r>
             <a:r>
-              <a:rPr lang="fr-FR" sz="1300" dirty="0" err="1" smtClean="0"/>
-              <a:t>operation</a:t>
-            </a:r>
-            <a:r>
-              <a:rPr lang="fr-FR" sz="1300" dirty="0"/>
+              <a:rPr lang="fr-FR" sz="1000" b="1" dirty="0">
+                <a:solidFill>
+                  <a:srgbClr val="0070C0"/>
+                </a:solidFill>
+                <a:latin typeface="Courier New" panose="02070309020205020404" pitchFamily="49" charset="0"/>
+                <a:cs typeface="Courier New" panose="02070309020205020404" pitchFamily="49" charset="0"/>
+              </a:rPr>
+              <a:t>to </a:t>
+            </a:r>
+            <a:r>
+              <a:rPr lang="fr-FR" sz="1000" dirty="0" err="1">
+                <a:latin typeface="Courier New" panose="02070309020205020404" pitchFamily="49" charset="0"/>
+                <a:cs typeface="Courier New" panose="02070309020205020404" pitchFamily="49" charset="0"/>
+              </a:rPr>
+              <a:t>gw</a:t>
+            </a:r>
+            <a:r>
+              <a:rPr lang="fr-FR" sz="1000" dirty="0">
+                <a:latin typeface="Courier New" panose="02070309020205020404" pitchFamily="49" charset="0"/>
+                <a:cs typeface="Courier New" panose="02070309020205020404" pitchFamily="49" charset="0"/>
+              </a:rPr>
               <a:t> </a:t>
             </a:r>
             <a:r>
-              <a:rPr lang="fr-FR" sz="1300" dirty="0" smtClean="0"/>
-              <a:t>to translate back</a:t>
-            </a:r>
-          </a:p>
-          <a:p>
-            <a:pPr marL="724950" lvl="2" indent="-285750">
-              <a:buClr>
-                <a:srgbClr val="00B050"/>
-              </a:buClr>
-              <a:buFont typeface="Wingdings" panose="05000000000000000000" pitchFamily="2" charset="2"/>
-              <a:buChar char="§"/>
-            </a:pPr>
-            <a:endParaRPr lang="fr-FR" sz="1300" dirty="0"/>
-          </a:p>
-          <a:p>
-            <a:pPr marL="457200" indent="-457200">
-              <a:buClr>
-                <a:srgbClr val="00B050"/>
-              </a:buClr>
-              <a:buFont typeface="Wingdings" panose="05000000000000000000" pitchFamily="2" charset="2"/>
-              <a:buChar char="q"/>
-            </a:pPr>
-            <a:r>
-              <a:rPr lang="fr-FR" sz="2000" dirty="0" smtClean="0">
-                <a:solidFill>
-                  <a:srgbClr val="00B050"/>
-                </a:solidFill>
-              </a:rPr>
-              <a:t>Data Management &amp; Security</a:t>
-            </a:r>
-            <a:endParaRPr lang="fr-FR" sz="2000" dirty="0">
-              <a:solidFill>
-                <a:srgbClr val="00B050"/>
-              </a:solidFill>
+              <a:rPr lang="fr-FR" sz="1000" b="1" dirty="0">
+                <a:solidFill>
+                  <a:srgbClr val="0070C0"/>
+                </a:solidFill>
+                <a:latin typeface="Courier New" panose="02070309020205020404" pitchFamily="49" charset="0"/>
+                <a:cs typeface="Courier New" panose="02070309020205020404" pitchFamily="49" charset="0"/>
+              </a:rPr>
+              <a:t>via </a:t>
+            </a:r>
+            <a:r>
+              <a:rPr lang="fr-FR" sz="1000" dirty="0" smtClean="0">
+                <a:latin typeface="Courier New" panose="02070309020205020404" pitchFamily="49" charset="0"/>
+                <a:cs typeface="Courier New" panose="02070309020205020404" pitchFamily="49" charset="0"/>
+              </a:rPr>
+              <a:t>MQTT</a:t>
+            </a:r>
+          </a:p>
+          <a:p>
+            <a:r>
+              <a:rPr lang="fr-FR" sz="1000" dirty="0">
+                <a:latin typeface="Courier New" panose="02070309020205020404" pitchFamily="49" charset="0"/>
+                <a:cs typeface="Courier New" panose="02070309020205020404" pitchFamily="49" charset="0"/>
+              </a:rPr>
+              <a:t> </a:t>
+            </a:r>
+            <a:r>
+              <a:rPr lang="fr-FR" sz="1000" dirty="0" smtClean="0">
+                <a:latin typeface="Courier New" panose="02070309020205020404" pitchFamily="49" charset="0"/>
+                <a:cs typeface="Courier New" panose="02070309020205020404" pitchFamily="49" charset="0"/>
+              </a:rPr>
+              <a:t> </a:t>
+            </a:r>
+            <a:r>
+              <a:rPr lang="fr-FR" sz="1000" b="1" dirty="0" err="1">
+                <a:solidFill>
+                  <a:srgbClr val="0070C0"/>
+                </a:solidFill>
+                <a:latin typeface="Courier New" panose="02070309020205020404" pitchFamily="49" charset="0"/>
+                <a:cs typeface="Courier New" panose="02070309020205020404" pitchFamily="49" charset="0"/>
+              </a:rPr>
+              <a:t>from</a:t>
+            </a:r>
+            <a:r>
+              <a:rPr lang="fr-FR" sz="1000" dirty="0" smtClean="0">
+                <a:latin typeface="Courier New" panose="02070309020205020404" pitchFamily="49" charset="0"/>
+                <a:cs typeface="Courier New" panose="02070309020205020404" pitchFamily="49" charset="0"/>
+              </a:rPr>
+              <a:t> </a:t>
+            </a:r>
+            <a:r>
+              <a:rPr lang="fr-FR" sz="1000" dirty="0" err="1" smtClean="0">
+                <a:latin typeface="Courier New" panose="02070309020205020404" pitchFamily="49" charset="0"/>
+                <a:cs typeface="Courier New" panose="02070309020205020404" pitchFamily="49" charset="0"/>
+              </a:rPr>
+              <a:t>livingLight</a:t>
+            </a:r>
+            <a:r>
+              <a:rPr lang="fr-FR" sz="1000" dirty="0" smtClean="0">
+                <a:latin typeface="Courier New" panose="02070309020205020404" pitchFamily="49" charset="0"/>
+                <a:cs typeface="Courier New" panose="02070309020205020404" pitchFamily="49" charset="0"/>
+              </a:rPr>
+              <a:t> </a:t>
+            </a:r>
+            <a:r>
+              <a:rPr lang="fr-FR" sz="1000" b="1" dirty="0">
+                <a:solidFill>
+                  <a:srgbClr val="0070C0"/>
+                </a:solidFill>
+                <a:latin typeface="Courier New" panose="02070309020205020404" pitchFamily="49" charset="0"/>
+                <a:cs typeface="Courier New" panose="02070309020205020404" pitchFamily="49" charset="0"/>
+              </a:rPr>
+              <a:t>to </a:t>
+            </a:r>
+            <a:r>
+              <a:rPr lang="fr-FR" sz="1000" dirty="0" err="1" smtClean="0">
+                <a:latin typeface="Courier New" panose="02070309020205020404" pitchFamily="49" charset="0"/>
+                <a:cs typeface="Courier New" panose="02070309020205020404" pitchFamily="49" charset="0"/>
+              </a:rPr>
+              <a:t>gw</a:t>
+            </a:r>
+            <a:r>
+              <a:rPr lang="fr-FR" sz="1000" dirty="0" smtClean="0">
+                <a:latin typeface="Courier New" panose="02070309020205020404" pitchFamily="49" charset="0"/>
+                <a:cs typeface="Courier New" panose="02070309020205020404" pitchFamily="49" charset="0"/>
+              </a:rPr>
+              <a:t> </a:t>
+            </a:r>
+            <a:r>
+              <a:rPr lang="fr-FR" sz="1000" b="1" dirty="0">
+                <a:solidFill>
+                  <a:srgbClr val="0070C0"/>
+                </a:solidFill>
+                <a:latin typeface="Courier New" panose="02070309020205020404" pitchFamily="49" charset="0"/>
+                <a:cs typeface="Courier New" panose="02070309020205020404" pitchFamily="49" charset="0"/>
+              </a:rPr>
+              <a:t>via </a:t>
+            </a:r>
+            <a:r>
+              <a:rPr lang="fr-FR" sz="1000" dirty="0" smtClean="0">
+                <a:latin typeface="Courier New" panose="02070309020205020404" pitchFamily="49" charset="0"/>
+                <a:cs typeface="Courier New" panose="02070309020205020404" pitchFamily="49" charset="0"/>
+              </a:rPr>
+              <a:t>TCP</a:t>
+            </a:r>
+            <a:endParaRPr lang="fr-FR" sz="1000" dirty="0">
+              <a:latin typeface="Courier New" panose="02070309020205020404" pitchFamily="49" charset="0"/>
+              <a:cs typeface="Courier New" panose="02070309020205020404" pitchFamily="49" charset="0"/>
             </a:endParaRPr>
           </a:p>
           <a:p>
-            <a:pPr marL="724950" lvl="2" indent="-285750">
-              <a:buClr>
-                <a:srgbClr val="00B050"/>
-              </a:buClr>
-              <a:buFont typeface="Wingdings" panose="05000000000000000000" pitchFamily="2" charset="2"/>
-              <a:buChar char="§"/>
-            </a:pPr>
-            <a:r>
-              <a:rPr lang="fr-FR" sz="1300" dirty="0" err="1" smtClean="0"/>
-              <a:t>Handle</a:t>
-            </a:r>
-            <a:r>
-              <a:rPr lang="fr-FR" sz="1300" dirty="0" smtClean="0"/>
-              <a:t> large </a:t>
-            </a:r>
-            <a:r>
-              <a:rPr lang="fr-FR" sz="1300" dirty="0" err="1" smtClean="0"/>
-              <a:t>streams</a:t>
-            </a:r>
-            <a:r>
-              <a:rPr lang="fr-FR" sz="1300" dirty="0" smtClean="0"/>
-              <a:t> of </a:t>
-            </a:r>
-            <a:r>
-              <a:rPr lang="fr-FR" sz="1300" dirty="0" err="1" smtClean="0"/>
-              <a:t>events</a:t>
-            </a:r>
-            <a:endParaRPr lang="fr-FR" sz="1300" dirty="0"/>
-          </a:p>
-          <a:p>
-            <a:pPr marL="724950" lvl="2" indent="-285750">
-              <a:buClr>
-                <a:srgbClr val="00B050"/>
-              </a:buClr>
-              <a:buFont typeface="Wingdings" panose="05000000000000000000" pitchFamily="2" charset="2"/>
-              <a:buChar char="§"/>
-            </a:pPr>
-            <a:r>
-              <a:rPr lang="fr-FR" sz="1300" dirty="0" smtClean="0"/>
-              <a:t>Storage and Post-</a:t>
-            </a:r>
-            <a:r>
-              <a:rPr lang="fr-FR" sz="1300" dirty="0" err="1" smtClean="0"/>
-              <a:t>Processing</a:t>
-            </a:r>
-            <a:r>
-              <a:rPr lang="fr-FR" sz="1300" dirty="0" smtClean="0"/>
-              <a:t> (</a:t>
-            </a:r>
-            <a:r>
-              <a:rPr lang="fr-FR" sz="1300" dirty="0" err="1" smtClean="0"/>
-              <a:t>also</a:t>
-            </a:r>
-            <a:r>
-              <a:rPr lang="fr-FR" sz="1300" dirty="0" smtClean="0"/>
-              <a:t> </a:t>
-            </a:r>
-            <a:r>
-              <a:rPr lang="fr-FR" sz="1300" dirty="0" err="1" smtClean="0"/>
-              <a:t>useful</a:t>
-            </a:r>
-            <a:r>
-              <a:rPr lang="fr-FR" sz="1300" dirty="0" smtClean="0"/>
-              <a:t> for </a:t>
-            </a:r>
-            <a:r>
-              <a:rPr lang="fr-FR" sz="1300" cap="small" dirty="0" smtClean="0"/>
-              <a:t>Cep</a:t>
-            </a:r>
-            <a:r>
-              <a:rPr lang="fr-FR" sz="1300" dirty="0" smtClean="0"/>
-              <a:t>)</a:t>
-            </a:r>
-          </a:p>
-          <a:p>
-            <a:pPr marL="724950" lvl="2" indent="-285750">
-              <a:buClr>
-                <a:srgbClr val="00B050"/>
-              </a:buClr>
-              <a:buFont typeface="Wingdings" panose="05000000000000000000" pitchFamily="2" charset="2"/>
-              <a:buChar char="§"/>
-            </a:pPr>
-            <a:r>
-              <a:rPr lang="fr-FR" sz="1300" dirty="0" smtClean="0"/>
-              <a:t>Mining </a:t>
-            </a:r>
-            <a:r>
-              <a:rPr lang="fr-FR" sz="1300" dirty="0" err="1" smtClean="0"/>
-              <a:t>capabilities</a:t>
-            </a:r>
-            <a:r>
-              <a:rPr lang="fr-FR" sz="1300" dirty="0" smtClean="0"/>
-              <a:t> to </a:t>
-            </a:r>
-            <a:r>
-              <a:rPr lang="fr-FR" sz="1300" dirty="0" err="1" smtClean="0"/>
-              <a:t>extract</a:t>
-            </a:r>
-            <a:r>
-              <a:rPr lang="fr-FR" sz="1300" dirty="0" smtClean="0"/>
-              <a:t> relevant info</a:t>
-            </a:r>
-            <a:endParaRPr lang="fr-FR" sz="1300" dirty="0"/>
+            <a:r>
+              <a:rPr lang="fr-FR" sz="1000" dirty="0" smtClean="0">
+                <a:latin typeface="Courier New" panose="02070309020205020404" pitchFamily="49" charset="0"/>
+                <a:cs typeface="Courier New" panose="02070309020205020404" pitchFamily="49" charset="0"/>
+              </a:rPr>
+              <a:t>  ...</a:t>
+            </a:r>
+          </a:p>
+          <a:p>
+            <a:r>
+              <a:rPr lang="fr-FR" sz="1000" dirty="0" smtClean="0">
+                <a:latin typeface="Courier New" panose="02070309020205020404" pitchFamily="49" charset="0"/>
+                <a:cs typeface="Courier New" panose="02070309020205020404" pitchFamily="49" charset="0"/>
+              </a:rPr>
+              <a:t>}</a:t>
+            </a:r>
+            <a:endParaRPr lang="fr-FR" sz="1000" dirty="0">
+              <a:latin typeface="Courier New" panose="02070309020205020404" pitchFamily="49" charset="0"/>
+              <a:cs typeface="Courier New" panose="02070309020205020404" pitchFamily="49" charset="0"/>
+            </a:endParaRPr>
           </a:p>
         </p:txBody>
       </p:sp>
     </p:spTree>
     <p:extLst>
       <p:ext uri="{BB962C8B-B14F-4D97-AF65-F5344CB8AC3E}">
-        <p14:creationId xmlns:p14="http://schemas.microsoft.com/office/powerpoint/2010/main" val="3396312927"/>
+        <p14:creationId xmlns:p14="http://schemas.microsoft.com/office/powerpoint/2010/main" val="3513149246"/>
       </p:ext>
     </p:extLst>
   </p:cSld>
@@ -9278,7 +8133,7 @@
                                           </p:stCondLst>
                                         </p:cTn>
                                         <p:tgtEl>
-                                          <p:spTgt spid="24"/>
+                                          <p:spTgt spid="29"/>
                                         </p:tgtEl>
                                         <p:attrNameLst>
                                           <p:attrName>style.visibility</p:attrName>
@@ -9292,7 +8147,7 @@
                                 </p:cTn>
                               </p:par>
                               <p:par>
-                                <p:cTn id="7" presetID="1" presetClass="entr" presetSubtype="0" fill="hold" nodeType="withEffect">
+                                <p:cTn id="7" presetID="1" presetClass="entr" presetSubtype="0" fill="hold" grpId="0" nodeType="withEffect">
                                   <p:stCondLst>
                                     <p:cond delay="0"/>
                                   </p:stCondLst>
@@ -9300,60 +8155,6 @@
                                     <p:set>
                                       <p:cBhvr>
                                         <p:cTn id="8" dur="1" fill="hold">
-                                          <p:stCondLst>
-                                            <p:cond delay="0"/>
-                                          </p:stCondLst>
-                                        </p:cTn>
-                                        <p:tgtEl>
-                                          <p:spTgt spid="27"/>
-                                        </p:tgtEl>
-                                        <p:attrNameLst>
-                                          <p:attrName>style.visibility</p:attrName>
-                                        </p:attrNameLst>
-                                      </p:cBhvr>
-                                      <p:to>
-                                        <p:strVal val="visible"/>
-                                      </p:to>
-                                    </p:set>
-                                  </p:childTnLst>
-                                </p:cTn>
-                              </p:par>
-                              <p:par>
-                                <p:cTn id="9" presetID="1" presetClass="entr" presetSubtype="0" fill="hold" grpId="0" nodeType="withEffect">
-                                  <p:stCondLst>
-                                    <p:cond delay="0"/>
-                                  </p:stCondLst>
-                                  <p:childTnLst>
-                                    <p:set>
-                                      <p:cBhvr>
-                                        <p:cTn id="10" dur="1" fill="hold">
-                                          <p:stCondLst>
-                                            <p:cond delay="0"/>
-                                          </p:stCondLst>
-                                        </p:cTn>
-                                        <p:tgtEl>
-                                          <p:spTgt spid="31"/>
-                                        </p:tgtEl>
-                                        <p:attrNameLst>
-                                          <p:attrName>style.visibility</p:attrName>
-                                        </p:attrNameLst>
-                                      </p:cBhvr>
-                                      <p:to>
-                                        <p:strVal val="visible"/>
-                                      </p:to>
-                                    </p:set>
-                                  </p:childTnLst>
-                                </p:cTn>
-                              </p:par>
-                              <p:par>
-                                <p:cTn id="11" presetID="1" presetClass="entr" presetSubtype="0" fill="hold" grpId="0" nodeType="withEffect">
-                                  <p:stCondLst>
-                                    <p:cond delay="0"/>
-                                  </p:stCondLst>
-                                  <p:childTnLst>
-                                    <p:set>
-                                      <p:cBhvr>
-                                        <p:cTn id="12" dur="1" fill="hold">
                                           <p:stCondLst>
                                             <p:cond delay="0"/>
                                           </p:stCondLst>
@@ -9379,32 +8180,32 @@
                     </p:cTn>
                   </p:par>
                   <p:par>
-                    <p:cTn id="13" fill="hold">
+                    <p:cTn id="9" fill="hold">
                       <p:stCondLst>
                         <p:cond delay="indefinite"/>
                       </p:stCondLst>
                       <p:childTnLst>
                         <p:par>
-                          <p:cTn id="14" fill="hold">
+                          <p:cTn id="10" fill="hold">
                             <p:stCondLst>
                               <p:cond delay="0"/>
                             </p:stCondLst>
                             <p:childTnLst>
                               <p:par>
-                                <p:cTn id="15" presetID="1" presetClass="entr" presetSubtype="0" fill="hold" nodeType="clickEffect">
+                                <p:cTn id="11" presetID="1" presetClass="entr" presetSubtype="0" fill="hold" nodeType="clickEffect">
                                   <p:stCondLst>
                                     <p:cond delay="0"/>
                                   </p:stCondLst>
                                   <p:childTnLst>
                                     <p:set>
                                       <p:cBhvr>
-                                        <p:cTn id="16" dur="1" fill="hold">
+                                        <p:cTn id="12" dur="1" fill="hold">
                                           <p:stCondLst>
                                             <p:cond delay="0"/>
                                           </p:stCondLst>
                                         </p:cTn>
                                         <p:tgtEl>
-                                          <p:spTgt spid="22"/>
+                                          <p:spTgt spid="33"/>
                                         </p:tgtEl>
                                         <p:attrNameLst>
                                           <p:attrName>style.visibility</p:attrName>
@@ -9418,7 +8219,52 @@
                                 </p:cTn>
                               </p:par>
                               <p:par>
-                                <p:cTn id="17" presetID="1" presetClass="entr" presetSubtype="0" fill="hold" grpId="0" nodeType="withEffect">
+                                <p:cTn id="13" presetID="1" presetClass="entr" presetSubtype="0" fill="hold" grpId="0" nodeType="withEffect">
+                                  <p:stCondLst>
+                                    <p:cond delay="0"/>
+                                  </p:stCondLst>
+                                  <p:childTnLst>
+                                    <p:set>
+                                      <p:cBhvr>
+                                        <p:cTn id="14" dur="1" fill="hold">
+                                          <p:stCondLst>
+                                            <p:cond delay="0"/>
+                                          </p:stCondLst>
+                                        </p:cTn>
+                                        <p:tgtEl>
+                                          <p:spTgt spid="44"/>
+                                        </p:tgtEl>
+                                        <p:attrNameLst>
+                                          <p:attrName>style.visibility</p:attrName>
+                                        </p:attrNameLst>
+                                      </p:cBhvr>
+                                      <p:to>
+                                        <p:strVal val="visible"/>
+                                      </p:to>
+                                    </p:set>
+                                  </p:childTnLst>
+                                </p:cTn>
+                              </p:par>
+                            </p:childTnLst>
+                          </p:cTn>
+                        </p:par>
+                      </p:childTnLst>
+                    </p:cTn>
+                  </p:par>
+                  <p:par>
+                    <p:cTn id="15" fill="hold">
+                      <p:stCondLst>
+                        <p:cond delay="indefinite"/>
+                      </p:stCondLst>
+                      <p:childTnLst>
+                        <p:par>
+                          <p:cTn id="16" fill="hold">
+                            <p:stCondLst>
+                              <p:cond delay="0"/>
+                            </p:stCondLst>
+                            <p:childTnLst>
+                              <p:par>
+                                <p:cTn id="17" presetID="1" presetClass="entr" presetSubtype="0" fill="hold" nodeType="clickEffect">
                                   <p:stCondLst>
                                     <p:cond delay="0"/>
                                   </p:stCondLst>
@@ -9444,39 +8290,21 @@
                                   </p:childTnLst>
                                 </p:cTn>
                               </p:par>
-                            </p:childTnLst>
-                          </p:cTn>
-                        </p:par>
-                      </p:childTnLst>
-                    </p:cTn>
-                  </p:par>
-                  <p:par>
-                    <p:cTn id="19" fill="hold">
-                      <p:stCondLst>
-                        <p:cond delay="indefinite"/>
-                      </p:stCondLst>
-                      <p:childTnLst>
-                        <p:par>
-                          <p:cTn id="20" fill="hold">
-                            <p:stCondLst>
-                              <p:cond delay="0"/>
-                            </p:stCondLst>
-                            <p:childTnLst>
                               <p:par>
-                                <p:cTn id="21" presetID="1" presetClass="entr" presetSubtype="0" fill="hold" grpId="0" nodeType="clickEffect">
+                                <p:cTn id="19" presetID="1" presetClass="entr" presetSubtype="0" fill="hold" grpId="0" nodeType="withEffect">
                                   <p:stCondLst>
                                     <p:cond delay="0"/>
                                   </p:stCondLst>
                                   <p:childTnLst>
                                     <p:set>
                                       <p:cBhvr>
-                                        <p:cTn id="22" dur="1" fill="hold">
+                                        <p:cTn id="20" dur="1" fill="hold">
                                           <p:stCondLst>
                                             <p:cond delay="0"/>
                                           </p:stCondLst>
                                         </p:cTn>
                                         <p:tgtEl>
-                                          <p:spTgt spid="33"/>
+                                          <p:spTgt spid="51"/>
                                         </p:tgtEl>
                                         <p:attrNameLst>
                                           <p:attrName>style.visibility</p:attrName>
@@ -9496,19 +8324,46 @@
                     </p:cTn>
                   </p:par>
                   <p:par>
-                    <p:cTn id="23" fill="hold">
+                    <p:cTn id="21" fill="hold">
                       <p:stCondLst>
                         <p:cond delay="indefinite"/>
                       </p:stCondLst>
                       <p:childTnLst>
                         <p:par>
-                          <p:cTn id="24" fill="hold">
+                          <p:cTn id="22" fill="hold">
                             <p:stCondLst>
                               <p:cond delay="0"/>
                             </p:stCondLst>
                             <p:childTnLst>
                               <p:par>
-                                <p:cTn id="25" presetID="1" presetClass="entr" presetSubtype="0" fill="hold" grpId="0" nodeType="clickEffect">
+                                <p:cTn id="23" presetID="1" presetClass="entr" presetSubtype="0" fill="hold" nodeType="clickEffect">
+                                  <p:stCondLst>
+                                    <p:cond delay="0"/>
+                                  </p:stCondLst>
+                                  <p:childTnLst>
+                                    <p:set>
+                                      <p:cBhvr>
+                                        <p:cTn id="24" dur="1" fill="hold">
+                                          <p:stCondLst>
+                                            <p:cond delay="0"/>
+                                          </p:stCondLst>
+                                        </p:cTn>
+                                        <p:tgtEl>
+                                          <p:spTgt spid="45"/>
+                                        </p:tgtEl>
+                                        <p:attrNameLst>
+                                          <p:attrName>style.visibility</p:attrName>
+                                        </p:attrNameLst>
+                                      </p:cBhvr>
+                                      <p:to>
+                                        <p:strVal val="visible"/>
+                                      </p:to>
+                                    </p:set>
+                                  </p:childTnLst>
+                                </p:cTn>
+                              </p:par>
+                              <p:par>
+                                <p:cTn id="25" presetID="1" presetClass="entr" presetSubtype="0" fill="hold" grpId="0" nodeType="withEffect">
                                   <p:stCondLst>
                                     <p:cond delay="0"/>
                                   </p:stCondLst>
@@ -9521,7 +8376,322 @@
                                           </p:stCondLst>
                                         </p:cTn>
                                         <p:tgtEl>
-                                          <p:spTgt spid="14"/>
+                                          <p:spTgt spid="34"/>
+                                        </p:tgtEl>
+                                        <p:attrNameLst>
+                                          <p:attrName>style.visibility</p:attrName>
+                                        </p:attrNameLst>
+                                      </p:cBhvr>
+                                      <p:to>
+                                        <p:strVal val="visible"/>
+                                      </p:to>
+                                    </p:set>
+                                  </p:childTnLst>
+                                </p:cTn>
+                              </p:par>
+                              <p:par>
+                                <p:cTn id="27" presetID="1" presetClass="entr" presetSubtype="0" fill="hold" nodeType="withEffect">
+                                  <p:stCondLst>
+                                    <p:cond delay="0"/>
+                                  </p:stCondLst>
+                                  <p:childTnLst>
+                                    <p:set>
+                                      <p:cBhvr>
+                                        <p:cTn id="28" dur="1" fill="hold">
+                                          <p:stCondLst>
+                                            <p:cond delay="0"/>
+                                          </p:stCondLst>
+                                        </p:cTn>
+                                        <p:tgtEl>
+                                          <p:spTgt spid="48"/>
+                                        </p:tgtEl>
+                                        <p:attrNameLst>
+                                          <p:attrName>style.visibility</p:attrName>
+                                        </p:attrNameLst>
+                                      </p:cBhvr>
+                                      <p:to>
+                                        <p:strVal val="visible"/>
+                                      </p:to>
+                                    </p:set>
+                                  </p:childTnLst>
+                                </p:cTn>
+                              </p:par>
+                            </p:childTnLst>
+                          </p:cTn>
+                        </p:par>
+                      </p:childTnLst>
+                    </p:cTn>
+                  </p:par>
+                  <p:par>
+                    <p:cTn id="29" fill="hold">
+                      <p:stCondLst>
+                        <p:cond delay="indefinite"/>
+                      </p:stCondLst>
+                      <p:childTnLst>
+                        <p:par>
+                          <p:cTn id="30" fill="hold">
+                            <p:stCondLst>
+                              <p:cond delay="0"/>
+                            </p:stCondLst>
+                            <p:childTnLst>
+                              <p:par>
+                                <p:cTn id="31" presetID="1" presetClass="exit" presetSubtype="0" fill="hold" nodeType="clickEffect">
+                                  <p:stCondLst>
+                                    <p:cond delay="0"/>
+                                  </p:stCondLst>
+                                  <p:childTnLst>
+                                    <p:set>
+                                      <p:cBhvr>
+                                        <p:cTn id="32" dur="1" fill="hold">
+                                          <p:stCondLst>
+                                            <p:cond delay="0"/>
+                                          </p:stCondLst>
+                                        </p:cTn>
+                                        <p:tgtEl>
+                                          <p:spTgt spid="29"/>
+                                        </p:tgtEl>
+                                        <p:attrNameLst>
+                                          <p:attrName>style.visibility</p:attrName>
+                                        </p:attrNameLst>
+                                      </p:cBhvr>
+                                      <p:to>
+                                        <p:strVal val="hidden"/>
+                                      </p:to>
+                                    </p:set>
+                                  </p:childTnLst>
+                                </p:cTn>
+                              </p:par>
+                              <p:par>
+                                <p:cTn id="33" presetID="1" presetClass="exit" presetSubtype="0" fill="hold" grpId="1" nodeType="withEffect">
+                                  <p:stCondLst>
+                                    <p:cond delay="0"/>
+                                  </p:stCondLst>
+                                  <p:childTnLst>
+                                    <p:set>
+                                      <p:cBhvr>
+                                        <p:cTn id="34" dur="1" fill="hold">
+                                          <p:stCondLst>
+                                            <p:cond delay="0"/>
+                                          </p:stCondLst>
+                                        </p:cTn>
+                                        <p:tgtEl>
+                                          <p:spTgt spid="30"/>
+                                        </p:tgtEl>
+                                        <p:attrNameLst>
+                                          <p:attrName>style.visibility</p:attrName>
+                                        </p:attrNameLst>
+                                      </p:cBhvr>
+                                      <p:to>
+                                        <p:strVal val="hidden"/>
+                                      </p:to>
+                                    </p:set>
+                                  </p:childTnLst>
+                                </p:cTn>
+                              </p:par>
+                              <p:par>
+                                <p:cTn id="35" presetID="1" presetClass="exit" presetSubtype="0" fill="hold" nodeType="withEffect">
+                                  <p:stCondLst>
+                                    <p:cond delay="0"/>
+                                  </p:stCondLst>
+                                  <p:childTnLst>
+                                    <p:set>
+                                      <p:cBhvr>
+                                        <p:cTn id="36" dur="1" fill="hold">
+                                          <p:stCondLst>
+                                            <p:cond delay="0"/>
+                                          </p:stCondLst>
+                                        </p:cTn>
+                                        <p:tgtEl>
+                                          <p:spTgt spid="33"/>
+                                        </p:tgtEl>
+                                        <p:attrNameLst>
+                                          <p:attrName>style.visibility</p:attrName>
+                                        </p:attrNameLst>
+                                      </p:cBhvr>
+                                      <p:to>
+                                        <p:strVal val="hidden"/>
+                                      </p:to>
+                                    </p:set>
+                                  </p:childTnLst>
+                                </p:cTn>
+                              </p:par>
+                              <p:par>
+                                <p:cTn id="37" presetID="1" presetClass="exit" presetSubtype="0" fill="hold" grpId="1" nodeType="withEffect">
+                                  <p:stCondLst>
+                                    <p:cond delay="0"/>
+                                  </p:stCondLst>
+                                  <p:childTnLst>
+                                    <p:set>
+                                      <p:cBhvr>
+                                        <p:cTn id="38" dur="1" fill="hold">
+                                          <p:stCondLst>
+                                            <p:cond delay="0"/>
+                                          </p:stCondLst>
+                                        </p:cTn>
+                                        <p:tgtEl>
+                                          <p:spTgt spid="44"/>
+                                        </p:tgtEl>
+                                        <p:attrNameLst>
+                                          <p:attrName>style.visibility</p:attrName>
+                                        </p:attrNameLst>
+                                      </p:cBhvr>
+                                      <p:to>
+                                        <p:strVal val="hidden"/>
+                                      </p:to>
+                                    </p:set>
+                                  </p:childTnLst>
+                                </p:cTn>
+                              </p:par>
+                              <p:par>
+                                <p:cTn id="39" presetID="1" presetClass="exit" presetSubtype="0" fill="hold" nodeType="withEffect">
+                                  <p:stCondLst>
+                                    <p:cond delay="0"/>
+                                  </p:stCondLst>
+                                  <p:childTnLst>
+                                    <p:set>
+                                      <p:cBhvr>
+                                        <p:cTn id="40" dur="1" fill="hold">
+                                          <p:stCondLst>
+                                            <p:cond delay="0"/>
+                                          </p:stCondLst>
+                                        </p:cTn>
+                                        <p:tgtEl>
+                                          <p:spTgt spid="32"/>
+                                        </p:tgtEl>
+                                        <p:attrNameLst>
+                                          <p:attrName>style.visibility</p:attrName>
+                                        </p:attrNameLst>
+                                      </p:cBhvr>
+                                      <p:to>
+                                        <p:strVal val="hidden"/>
+                                      </p:to>
+                                    </p:set>
+                                  </p:childTnLst>
+                                </p:cTn>
+                              </p:par>
+                              <p:par>
+                                <p:cTn id="41" presetID="1" presetClass="exit" presetSubtype="0" fill="hold" grpId="1" nodeType="withEffect">
+                                  <p:stCondLst>
+                                    <p:cond delay="0"/>
+                                  </p:stCondLst>
+                                  <p:childTnLst>
+                                    <p:set>
+                                      <p:cBhvr>
+                                        <p:cTn id="42" dur="1" fill="hold">
+                                          <p:stCondLst>
+                                            <p:cond delay="0"/>
+                                          </p:stCondLst>
+                                        </p:cTn>
+                                        <p:tgtEl>
+                                          <p:spTgt spid="51"/>
+                                        </p:tgtEl>
+                                        <p:attrNameLst>
+                                          <p:attrName>style.visibility</p:attrName>
+                                        </p:attrNameLst>
+                                      </p:cBhvr>
+                                      <p:to>
+                                        <p:strVal val="hidden"/>
+                                      </p:to>
+                                    </p:set>
+                                  </p:childTnLst>
+                                </p:cTn>
+                              </p:par>
+                              <p:par>
+                                <p:cTn id="43" presetID="1" presetClass="exit" presetSubtype="0" fill="hold" nodeType="withEffect">
+                                  <p:stCondLst>
+                                    <p:cond delay="0"/>
+                                  </p:stCondLst>
+                                  <p:childTnLst>
+                                    <p:set>
+                                      <p:cBhvr>
+                                        <p:cTn id="44" dur="1" fill="hold">
+                                          <p:stCondLst>
+                                            <p:cond delay="0"/>
+                                          </p:stCondLst>
+                                        </p:cTn>
+                                        <p:tgtEl>
+                                          <p:spTgt spid="45"/>
+                                        </p:tgtEl>
+                                        <p:attrNameLst>
+                                          <p:attrName>style.visibility</p:attrName>
+                                        </p:attrNameLst>
+                                      </p:cBhvr>
+                                      <p:to>
+                                        <p:strVal val="hidden"/>
+                                      </p:to>
+                                    </p:set>
+                                  </p:childTnLst>
+                                </p:cTn>
+                              </p:par>
+                              <p:par>
+                                <p:cTn id="45" presetID="1" presetClass="exit" presetSubtype="0" fill="hold" grpId="1" nodeType="withEffect">
+                                  <p:stCondLst>
+                                    <p:cond delay="0"/>
+                                  </p:stCondLst>
+                                  <p:childTnLst>
+                                    <p:set>
+                                      <p:cBhvr>
+                                        <p:cTn id="46" dur="1" fill="hold">
+                                          <p:stCondLst>
+                                            <p:cond delay="0"/>
+                                          </p:stCondLst>
+                                        </p:cTn>
+                                        <p:tgtEl>
+                                          <p:spTgt spid="34"/>
+                                        </p:tgtEl>
+                                        <p:attrNameLst>
+                                          <p:attrName>style.visibility</p:attrName>
+                                        </p:attrNameLst>
+                                      </p:cBhvr>
+                                      <p:to>
+                                        <p:strVal val="hidden"/>
+                                      </p:to>
+                                    </p:set>
+                                  </p:childTnLst>
+                                </p:cTn>
+                              </p:par>
+                              <p:par>
+                                <p:cTn id="47" presetID="1" presetClass="exit" presetSubtype="0" fill="hold" nodeType="withEffect">
+                                  <p:stCondLst>
+                                    <p:cond delay="0"/>
+                                  </p:stCondLst>
+                                  <p:childTnLst>
+                                    <p:set>
+                                      <p:cBhvr>
+                                        <p:cTn id="48" dur="1" fill="hold">
+                                          <p:stCondLst>
+                                            <p:cond delay="0"/>
+                                          </p:stCondLst>
+                                        </p:cTn>
+                                        <p:tgtEl>
+                                          <p:spTgt spid="48"/>
+                                        </p:tgtEl>
+                                        <p:attrNameLst>
+                                          <p:attrName>style.visibility</p:attrName>
+                                        </p:attrNameLst>
+                                      </p:cBhvr>
+                                      <p:to>
+                                        <p:strVal val="hidden"/>
+                                      </p:to>
+                                    </p:set>
+                                  </p:childTnLst>
+                                </p:cTn>
+                              </p:par>
+                              <p:par>
+                                <p:cTn id="49" presetID="1" presetClass="entr" presetSubtype="0" fill="hold" grpId="0" nodeType="withEffect">
+                                  <p:stCondLst>
+                                    <p:cond delay="0"/>
+                                  </p:stCondLst>
+                                  <p:childTnLst>
+                                    <p:set>
+                                      <p:cBhvr>
+                                        <p:cTn id="50" dur="1" fill="hold">
+                                          <p:stCondLst>
+                                            <p:cond delay="0"/>
+                                          </p:stCondLst>
+                                        </p:cTn>
+                                        <p:tgtEl>
+                                          <p:spTgt spid="52"/>
                                         </p:tgtEl>
                                         <p:attrNameLst>
                                           <p:attrName>style.visibility</p:attrName>
@@ -9562,11 +8732,15 @@
       </p:par>
     </p:tnLst>
     <p:bldLst>
-      <p:bldP spid="14" grpId="0"/>
       <p:bldP spid="30" grpId="0"/>
-      <p:bldP spid="31" grpId="0"/>
-      <p:bldP spid="32" grpId="0"/>
-      <p:bldP spid="33" grpId="0"/>
+      <p:bldP spid="30" grpId="1"/>
+      <p:bldP spid="34" grpId="0"/>
+      <p:bldP spid="34" grpId="1"/>
+      <p:bldP spid="44" grpId="0"/>
+      <p:bldP spid="44" grpId="1"/>
+      <p:bldP spid="51" grpId="0"/>
+      <p:bldP spid="51" grpId="1"/>
+      <p:bldP spid="52" grpId="0"/>
     </p:bldLst>
   </p:timing>
 </p:sld>
@@ -9861,10 +9035,6 @@
               </a:rPr>
               <a:t>  }</a:t>
             </a:r>
-            <a:endParaRPr lang="fr-FR" sz="1000" dirty="0">
-              <a:latin typeface="Courier New" panose="02070309020205020404" pitchFamily="49" charset="0"/>
-              <a:cs typeface="Courier New" panose="02070309020205020404" pitchFamily="49" charset="0"/>
-            </a:endParaRPr>
           </a:p>
         </p:txBody>
       </p:sp>
@@ -9899,1099 +9069,373 @@
       </p:sp>
       <p:sp>
         <p:nvSpPr>
-          <p:cNvPr id="5" name="Espace réservé du contenu 2"/>
-          <p:cNvSpPr txBox="1">
-            <a:spLocks/>
-          </p:cNvSpPr>
+          <p:cNvPr id="7" name="ZoneTexte 6"/>
+          <p:cNvSpPr txBox="1"/>
           <p:nvPr/>
         </p:nvSpPr>
         <p:spPr>
           <a:xfrm>
-            <a:off x="457200" y="2801523"/>
-            <a:ext cx="6652200" cy="483461"/>
+            <a:off x="457200" y="4869160"/>
+            <a:ext cx="6652200" cy="1231106"/>
+          </a:xfrm>
+          <a:prstGeom prst="rect">
+            <a:avLst/>
+          </a:prstGeom>
+          <a:noFill/>
+        </p:spPr>
+        <p:txBody>
+          <a:bodyPr wrap="square" rtlCol="0">
+            <a:spAutoFit/>
+          </a:bodyPr>
+          <a:lstStyle/>
+          <a:p>
+            <a:r>
+              <a:rPr lang="en-GB" sz="1200" dirty="0">
+                <a:solidFill>
+                  <a:srgbClr val="474746"/>
+                </a:solidFill>
+                <a:latin typeface="+mj-lt"/>
+                <a:cs typeface="+mn-cs"/>
+              </a:rPr>
+              <a:t>[FIRE</a:t>
+            </a:r>
+            <a:r>
+              <a:rPr lang="en-GB" sz="1200" dirty="0" smtClean="0">
+                <a:solidFill>
+                  <a:srgbClr val="474746"/>
+                </a:solidFill>
+                <a:latin typeface="+mj-lt"/>
+                <a:cs typeface="+mn-cs"/>
+              </a:rPr>
+              <a:t>] When </a:t>
+            </a:r>
+            <a:r>
+              <a:rPr lang="en-GB" sz="1200" dirty="0">
+                <a:solidFill>
+                  <a:srgbClr val="474746"/>
+                </a:solidFill>
+                <a:latin typeface="+mj-lt"/>
+                <a:cs typeface="+mn-cs"/>
+              </a:rPr>
+              <a:t>smoke is detected in </a:t>
+            </a:r>
+            <a:r>
+              <a:rPr lang="en-GB" sz="1200" dirty="0" smtClean="0">
+                <a:solidFill>
+                  <a:srgbClr val="474746"/>
+                </a:solidFill>
+                <a:latin typeface="+mj-lt"/>
+                <a:cs typeface="+mn-cs"/>
+              </a:rPr>
+              <a:t>the kitchen </a:t>
+            </a:r>
+            <a:r>
+              <a:rPr lang="en-GB" sz="1200" dirty="0">
+                <a:solidFill>
+                  <a:srgbClr val="474746"/>
+                </a:solidFill>
+                <a:latin typeface="+mj-lt"/>
+                <a:cs typeface="+mn-cs"/>
+              </a:rPr>
+              <a:t>while the kitchen’s temp exceeds 40 for at least five minutes, notify fire.</a:t>
+            </a:r>
+          </a:p>
+          <a:p>
+            <a:endParaRPr lang="fr-FR" sz="1000" dirty="0" smtClean="0">
+              <a:solidFill>
+                <a:srgbClr val="474746"/>
+              </a:solidFill>
+              <a:latin typeface="Courier New" panose="02070309020205020404" pitchFamily="49" charset="0"/>
+              <a:cs typeface="Courier New" panose="02070309020205020404" pitchFamily="49" charset="0"/>
+            </a:endParaRPr>
+          </a:p>
+          <a:p>
+            <a:r>
+              <a:rPr lang="fr-FR" sz="1000" b="1" dirty="0" err="1">
+                <a:solidFill>
+                  <a:srgbClr val="0070C0"/>
+                </a:solidFill>
+                <a:latin typeface="Courier New" panose="02070309020205020404" pitchFamily="49" charset="0"/>
+                <a:cs typeface="Courier New" panose="02070309020205020404" pitchFamily="49" charset="0"/>
+              </a:rPr>
+              <a:t>rule</a:t>
+            </a:r>
+            <a:r>
+              <a:rPr lang="fr-FR" sz="1000" dirty="0" smtClean="0">
+                <a:solidFill>
+                  <a:srgbClr val="474746"/>
+                </a:solidFill>
+                <a:latin typeface="Courier New" panose="02070309020205020404" pitchFamily="49" charset="0"/>
+                <a:cs typeface="Courier New" panose="02070309020205020404" pitchFamily="49" charset="0"/>
+              </a:rPr>
+              <a:t> </a:t>
+            </a:r>
+            <a:r>
+              <a:rPr lang="fr-FR" sz="1000" dirty="0" err="1">
+                <a:solidFill>
+                  <a:srgbClr val="474746"/>
+                </a:solidFill>
+                <a:latin typeface="Courier New" panose="02070309020205020404" pitchFamily="49" charset="0"/>
+                <a:cs typeface="Courier New" panose="02070309020205020404" pitchFamily="49" charset="0"/>
+              </a:rPr>
+              <a:t>AlarmWhenSmokeAndHighTemp</a:t>
+            </a:r>
+            <a:r>
+              <a:rPr lang="fr-FR" sz="1000" dirty="0">
+                <a:solidFill>
+                  <a:srgbClr val="474746"/>
+                </a:solidFill>
+                <a:latin typeface="Courier New" panose="02070309020205020404" pitchFamily="49" charset="0"/>
+                <a:cs typeface="Courier New" panose="02070309020205020404" pitchFamily="49" charset="0"/>
+              </a:rPr>
+              <a:t>:	</a:t>
+            </a:r>
+          </a:p>
+          <a:p>
+            <a:r>
+              <a:rPr lang="fr-FR" sz="1000" dirty="0">
+                <a:solidFill>
+                  <a:srgbClr val="474746"/>
+                </a:solidFill>
+                <a:latin typeface="Courier New" panose="02070309020205020404" pitchFamily="49" charset="0"/>
+                <a:cs typeface="Courier New" panose="02070309020205020404" pitchFamily="49" charset="0"/>
+              </a:rPr>
+              <a:t>  </a:t>
+            </a:r>
+            <a:r>
+              <a:rPr lang="fr-FR" sz="1000" b="1" dirty="0" err="1">
+                <a:solidFill>
+                  <a:srgbClr val="0070C0"/>
+                </a:solidFill>
+                <a:latin typeface="Courier New" panose="02070309020205020404" pitchFamily="49" charset="0"/>
+                <a:cs typeface="Courier New" panose="02070309020205020404" pitchFamily="49" charset="0"/>
+              </a:rPr>
+              <a:t>when</a:t>
+            </a:r>
+            <a:r>
+              <a:rPr lang="fr-FR" sz="1000" dirty="0">
+                <a:solidFill>
+                  <a:srgbClr val="474746"/>
+                </a:solidFill>
+                <a:latin typeface="Courier New" panose="02070309020205020404" pitchFamily="49" charset="0"/>
+                <a:cs typeface="Courier New" panose="02070309020205020404" pitchFamily="49" charset="0"/>
+              </a:rPr>
+              <a:t> (</a:t>
+            </a:r>
+            <a:r>
+              <a:rPr lang="fr-FR" sz="1000" dirty="0" err="1">
+                <a:solidFill>
+                  <a:srgbClr val="474746"/>
+                </a:solidFill>
+                <a:latin typeface="Courier New" panose="02070309020205020404" pitchFamily="49" charset="0"/>
+                <a:cs typeface="Courier New" panose="02070309020205020404" pitchFamily="49" charset="0"/>
+              </a:rPr>
+              <a:t>kitchenTemp.getTemp</a:t>
+            </a:r>
+            <a:r>
+              <a:rPr lang="fr-FR" sz="1000" dirty="0">
+                <a:solidFill>
+                  <a:srgbClr val="474746"/>
+                </a:solidFill>
+                <a:latin typeface="Courier New" panose="02070309020205020404" pitchFamily="49" charset="0"/>
+                <a:cs typeface="Courier New" panose="02070309020205020404" pitchFamily="49" charset="0"/>
+              </a:rPr>
+              <a:t>() &gt; 45 </a:t>
+            </a:r>
+            <a:r>
+              <a:rPr lang="fr-FR" sz="1000" b="1" dirty="0" err="1" smtClean="0">
+                <a:solidFill>
+                  <a:srgbClr val="0070C0"/>
+                </a:solidFill>
+                <a:latin typeface="Courier New" panose="02070309020205020404" pitchFamily="49" charset="0"/>
+                <a:cs typeface="Courier New" panose="02070309020205020404" pitchFamily="49" charset="0"/>
+              </a:rPr>
+              <a:t>within</a:t>
+            </a:r>
+            <a:r>
+              <a:rPr lang="fr-FR" sz="1000" dirty="0" smtClean="0">
+                <a:solidFill>
+                  <a:srgbClr val="474746"/>
+                </a:solidFill>
+                <a:latin typeface="Courier New" panose="02070309020205020404" pitchFamily="49" charset="0"/>
+                <a:cs typeface="Courier New" panose="02070309020205020404" pitchFamily="49" charset="0"/>
+              </a:rPr>
+              <a:t> </a:t>
+            </a:r>
+            <a:r>
+              <a:rPr lang="fr-FR" sz="1000" dirty="0">
+                <a:solidFill>
+                  <a:srgbClr val="474746"/>
+                </a:solidFill>
+                <a:latin typeface="Courier New" panose="02070309020205020404" pitchFamily="49" charset="0"/>
+                <a:cs typeface="Courier New" panose="02070309020205020404" pitchFamily="49" charset="0"/>
+              </a:rPr>
+              <a:t>5 min </a:t>
+            </a:r>
+            <a:r>
+              <a:rPr lang="fr-FR" sz="1000" b="1" dirty="0" err="1">
+                <a:solidFill>
+                  <a:srgbClr val="0070C0"/>
+                </a:solidFill>
+                <a:latin typeface="Courier New" panose="02070309020205020404" pitchFamily="49" charset="0"/>
+                <a:cs typeface="Courier New" panose="02070309020205020404" pitchFamily="49" charset="0"/>
+              </a:rPr>
+              <a:t>from</a:t>
+            </a:r>
+            <a:r>
+              <a:rPr lang="fr-FR" sz="1000" dirty="0">
+                <a:solidFill>
+                  <a:srgbClr val="474746"/>
+                </a:solidFill>
+                <a:latin typeface="Courier New" panose="02070309020205020404" pitchFamily="49" charset="0"/>
+                <a:cs typeface="Courier New" panose="02070309020205020404" pitchFamily="49" charset="0"/>
+              </a:rPr>
+              <a:t> </a:t>
+            </a:r>
+            <a:r>
+              <a:rPr lang="fr-FR" sz="1000" dirty="0" err="1">
+                <a:solidFill>
+                  <a:srgbClr val="474746"/>
+                </a:solidFill>
+                <a:latin typeface="Courier New" panose="02070309020205020404" pitchFamily="49" charset="0"/>
+                <a:cs typeface="Courier New" panose="02070309020205020404" pitchFamily="49" charset="0"/>
+              </a:rPr>
+              <a:t>smokeDetector.smoke</a:t>
+            </a:r>
+            <a:r>
+              <a:rPr lang="fr-FR" sz="1000" dirty="0">
+                <a:solidFill>
+                  <a:srgbClr val="474746"/>
+                </a:solidFill>
+                <a:latin typeface="Courier New" panose="02070309020205020404" pitchFamily="49" charset="0"/>
+                <a:cs typeface="Courier New" panose="02070309020205020404" pitchFamily="49" charset="0"/>
+              </a:rPr>
+              <a:t>()) </a:t>
+            </a:r>
+            <a:r>
+              <a:rPr lang="fr-FR" sz="1000" b="1" dirty="0" smtClean="0">
+                <a:solidFill>
+                  <a:srgbClr val="0070C0"/>
+                </a:solidFill>
+                <a:latin typeface="Courier New" panose="02070309020205020404" pitchFamily="49" charset="0"/>
+                <a:cs typeface="Courier New" panose="02070309020205020404" pitchFamily="49" charset="0"/>
+              </a:rPr>
+              <a:t>do</a:t>
+            </a:r>
+            <a:r>
+              <a:rPr lang="fr-FR" sz="1000" dirty="0" smtClean="0">
+                <a:solidFill>
+                  <a:srgbClr val="474746"/>
+                </a:solidFill>
+                <a:latin typeface="Courier New" panose="02070309020205020404" pitchFamily="49" charset="0"/>
+                <a:cs typeface="Courier New" panose="02070309020205020404" pitchFamily="49" charset="0"/>
+              </a:rPr>
+              <a:t> {</a:t>
+            </a:r>
+          </a:p>
+          <a:p>
+            <a:r>
+              <a:rPr lang="fr-FR" sz="1000" dirty="0">
+                <a:solidFill>
+                  <a:srgbClr val="474746"/>
+                </a:solidFill>
+                <a:latin typeface="Courier New" panose="02070309020205020404" pitchFamily="49" charset="0"/>
+                <a:cs typeface="Courier New" panose="02070309020205020404" pitchFamily="49" charset="0"/>
+              </a:rPr>
+              <a:t> </a:t>
+            </a:r>
+            <a:r>
+              <a:rPr lang="fr-FR" sz="1000" dirty="0" smtClean="0">
+                <a:solidFill>
+                  <a:srgbClr val="474746"/>
+                </a:solidFill>
+                <a:latin typeface="Courier New" panose="02070309020205020404" pitchFamily="49" charset="0"/>
+                <a:cs typeface="Courier New" panose="02070309020205020404" pitchFamily="49" charset="0"/>
+              </a:rPr>
+              <a:t>    </a:t>
+            </a:r>
+            <a:r>
+              <a:rPr lang="fr-FR" sz="1000" dirty="0" err="1" smtClean="0">
+                <a:solidFill>
+                  <a:srgbClr val="474746"/>
+                </a:solidFill>
+                <a:latin typeface="Courier New" panose="02070309020205020404" pitchFamily="49" charset="0"/>
+                <a:cs typeface="Courier New" panose="02070309020205020404" pitchFamily="49" charset="0"/>
+              </a:rPr>
+              <a:t>alarm.sound</a:t>
+            </a:r>
+            <a:r>
+              <a:rPr lang="fr-FR" sz="1000" dirty="0" smtClean="0">
+                <a:solidFill>
+                  <a:srgbClr val="474746"/>
+                </a:solidFill>
+                <a:latin typeface="Courier New" panose="02070309020205020404" pitchFamily="49" charset="0"/>
+                <a:cs typeface="Courier New" panose="02070309020205020404" pitchFamily="49" charset="0"/>
+              </a:rPr>
+              <a:t>()</a:t>
+            </a:r>
+          </a:p>
+          <a:p>
+            <a:r>
+              <a:rPr lang="fr-FR" sz="1000" dirty="0">
+                <a:solidFill>
+                  <a:srgbClr val="474746"/>
+                </a:solidFill>
+                <a:latin typeface="Courier New" panose="02070309020205020404" pitchFamily="49" charset="0"/>
+                <a:cs typeface="Courier New" panose="02070309020205020404" pitchFamily="49" charset="0"/>
+              </a:rPr>
+              <a:t> </a:t>
+            </a:r>
+            <a:r>
+              <a:rPr lang="fr-FR" sz="1000" dirty="0" smtClean="0">
+                <a:solidFill>
+                  <a:srgbClr val="474746"/>
+                </a:solidFill>
+                <a:latin typeface="Courier New" panose="02070309020205020404" pitchFamily="49" charset="0"/>
+                <a:cs typeface="Courier New" panose="02070309020205020404" pitchFamily="49" charset="0"/>
+              </a:rPr>
+              <a:t> }</a:t>
+            </a:r>
+            <a:endParaRPr lang="fr-FR" sz="1000" dirty="0">
+              <a:solidFill>
+                <a:srgbClr val="474746"/>
+              </a:solidFill>
+              <a:latin typeface="Courier New" panose="02070309020205020404" pitchFamily="49" charset="0"/>
+              <a:cs typeface="Courier New" panose="02070309020205020404" pitchFamily="49" charset="0"/>
+            </a:endParaRPr>
+          </a:p>
+        </p:txBody>
+      </p:sp>
+      <p:pic>
+        <p:nvPicPr>
+          <p:cNvPr id="8" name="Image 7"/>
+          <p:cNvPicPr>
+            <a:picLocks noChangeAspect="1"/>
+          </p:cNvPicPr>
+          <p:nvPr/>
+        </p:nvPicPr>
+        <p:blipFill>
+          <a:blip r:embed="rId2">
+            <a:extLst>
+              <a:ext uri="{28A0092B-C50C-407E-A947-70E740481C1C}">
+                <a14:useLocalDpi xmlns:a14="http://schemas.microsoft.com/office/drawing/2010/main" val="0"/>
+              </a:ext>
+            </a:extLst>
+          </a:blip>
+          <a:stretch>
+            <a:fillRect/>
+          </a:stretch>
+        </p:blipFill>
+        <p:spPr>
+          <a:xfrm>
+            <a:off x="5861695" y="2041431"/>
+            <a:ext cx="3282305" cy="3567226"/>
           </a:xfrm>
           <a:prstGeom prst="rect">
             <a:avLst/>
           </a:prstGeom>
         </p:spPr>
-        <p:txBody>
-          <a:bodyPr/>
-          <a:lstStyle>
-            <a:lvl1pPr marL="0" indent="0" algn="l" defTabSz="457200" rtl="0" eaLnBrk="1" fontAlgn="base" hangingPunct="1">
-              <a:spcBef>
-                <a:spcPct val="20000"/>
-              </a:spcBef>
-              <a:spcAft>
-                <a:spcPct val="0"/>
-              </a:spcAft>
-              <a:buClr>
-                <a:srgbClr val="305291"/>
-              </a:buClr>
-              <a:buFont typeface="Arial"/>
-              <a:buNone/>
-              <a:defRPr sz="2700" kern="1200">
-                <a:solidFill>
-                  <a:srgbClr val="474746"/>
-                </a:solidFill>
-                <a:latin typeface="+mj-lt"/>
-                <a:ea typeface="ＭＳ Ｐゴシック" charset="0"/>
-                <a:cs typeface="+mn-cs"/>
-              </a:defRPr>
-            </a:lvl1pPr>
-            <a:lvl2pPr marL="183600" indent="0" algn="l" defTabSz="457200" rtl="0" eaLnBrk="1" fontAlgn="base" hangingPunct="1">
-              <a:spcBef>
-                <a:spcPct val="20000"/>
-              </a:spcBef>
-              <a:spcAft>
-                <a:spcPct val="0"/>
-              </a:spcAft>
-              <a:buClr>
-                <a:srgbClr val="41A336"/>
-              </a:buClr>
-              <a:buFontTx/>
-              <a:buNone/>
-              <a:defRPr sz="2000" b="0" i="0" kern="1200">
-                <a:solidFill>
-                  <a:srgbClr val="2E3135"/>
-                </a:solidFill>
-                <a:latin typeface="Verdana"/>
-                <a:ea typeface="ＭＳ Ｐゴシック" charset="0"/>
-                <a:cs typeface="Verdana"/>
-              </a:defRPr>
-            </a:lvl2pPr>
-            <a:lvl3pPr marL="439200" indent="0" algn="l" defTabSz="457200" rtl="0" eaLnBrk="1" fontAlgn="base" hangingPunct="1">
-              <a:spcBef>
-                <a:spcPct val="20000"/>
-              </a:spcBef>
-              <a:spcAft>
-                <a:spcPct val="0"/>
-              </a:spcAft>
-              <a:buClr>
-                <a:srgbClr val="41A336"/>
-              </a:buClr>
-              <a:buFontTx/>
-              <a:buNone/>
-              <a:defRPr sz="2000" b="0" i="0" kern="1200">
-                <a:solidFill>
-                  <a:srgbClr val="2E3135"/>
-                </a:solidFill>
-                <a:latin typeface="Verdana"/>
-                <a:ea typeface="ＭＳ Ｐゴシック" charset="0"/>
-                <a:cs typeface="Verdana"/>
-              </a:defRPr>
-            </a:lvl3pPr>
-            <a:lvl4pPr marL="673200" indent="0" algn="l" defTabSz="457200" rtl="0" eaLnBrk="1" fontAlgn="base" hangingPunct="1">
-              <a:spcBef>
-                <a:spcPct val="20000"/>
-              </a:spcBef>
-              <a:spcAft>
-                <a:spcPct val="0"/>
-              </a:spcAft>
-              <a:buClr>
-                <a:srgbClr val="41A336"/>
-              </a:buClr>
-              <a:buFontTx/>
-              <a:buNone/>
-              <a:defRPr sz="1800" b="0" i="0" kern="1200">
-                <a:solidFill>
-                  <a:srgbClr val="2E3135"/>
-                </a:solidFill>
-                <a:latin typeface="Verdana"/>
-                <a:ea typeface="ＭＳ Ｐゴシック" charset="0"/>
-                <a:cs typeface="Verdana"/>
-              </a:defRPr>
-            </a:lvl4pPr>
-            <a:lvl5pPr marL="1530000" indent="-228600" algn="l" defTabSz="457200" rtl="0" eaLnBrk="1" fontAlgn="base" hangingPunct="1">
-              <a:spcBef>
-                <a:spcPct val="20000"/>
-              </a:spcBef>
-              <a:spcAft>
-                <a:spcPct val="0"/>
-              </a:spcAft>
-              <a:buClr>
-                <a:srgbClr val="41A336"/>
-              </a:buClr>
-              <a:buFont typeface="Arial"/>
-              <a:buChar char="•"/>
-              <a:defRPr sz="1000" b="0" i="0" kern="1200">
-                <a:solidFill>
-                  <a:srgbClr val="2E3135"/>
-                </a:solidFill>
-                <a:latin typeface="Verdana"/>
-                <a:ea typeface="ＭＳ Ｐゴシック" charset="0"/>
-                <a:cs typeface="Verdana"/>
-              </a:defRPr>
-            </a:lvl5pPr>
-            <a:lvl6pPr marL="2514600" indent="-228600" algn="l" defTabSz="457200" rtl="0" eaLnBrk="1" latinLnBrk="0" hangingPunct="1">
-              <a:spcBef>
-                <a:spcPct val="20000"/>
-              </a:spcBef>
-              <a:buFont typeface="Arial"/>
-              <a:buChar char="•"/>
-              <a:defRPr sz="2000" kern="1200">
-                <a:solidFill>
-                  <a:schemeClr val="tx1"/>
-                </a:solidFill>
-                <a:latin typeface="+mn-lt"/>
-                <a:ea typeface="+mn-ea"/>
-                <a:cs typeface="+mn-cs"/>
-              </a:defRPr>
-            </a:lvl6pPr>
-            <a:lvl7pPr marL="2971800" indent="-228600" algn="l" defTabSz="457200" rtl="0" eaLnBrk="1" latinLnBrk="0" hangingPunct="1">
-              <a:spcBef>
-                <a:spcPct val="20000"/>
-              </a:spcBef>
-              <a:buFont typeface="Arial"/>
-              <a:buChar char="•"/>
-              <a:defRPr sz="2000" kern="1200">
-                <a:solidFill>
-                  <a:schemeClr val="tx1"/>
-                </a:solidFill>
-                <a:latin typeface="+mn-lt"/>
-                <a:ea typeface="+mn-ea"/>
-                <a:cs typeface="+mn-cs"/>
-              </a:defRPr>
-            </a:lvl7pPr>
-            <a:lvl8pPr marL="3429000" indent="-228600" algn="l" defTabSz="457200" rtl="0" eaLnBrk="1" latinLnBrk="0" hangingPunct="1">
-              <a:spcBef>
-                <a:spcPct val="20000"/>
-              </a:spcBef>
-              <a:buFont typeface="Arial"/>
-              <a:buChar char="•"/>
-              <a:defRPr sz="2000" kern="1200">
-                <a:solidFill>
-                  <a:schemeClr val="tx1"/>
-                </a:solidFill>
-                <a:latin typeface="+mn-lt"/>
-                <a:ea typeface="+mn-ea"/>
-                <a:cs typeface="+mn-cs"/>
-              </a:defRPr>
-            </a:lvl8pPr>
-            <a:lvl9pPr marL="3886200" indent="-228600" algn="l" defTabSz="457200" rtl="0" eaLnBrk="1" latinLnBrk="0" hangingPunct="1">
-              <a:spcBef>
-                <a:spcPct val="20000"/>
-              </a:spcBef>
-              <a:buFont typeface="Arial"/>
-              <a:buChar char="•"/>
-              <a:defRPr sz="2000" kern="1200">
-                <a:solidFill>
-                  <a:schemeClr val="tx1"/>
-                </a:solidFill>
-                <a:latin typeface="+mn-lt"/>
-                <a:ea typeface="+mn-ea"/>
-                <a:cs typeface="+mn-cs"/>
-              </a:defRPr>
-            </a:lvl9pPr>
-          </a:lstStyle>
-          <a:p>
-            <a:r>
-              <a:rPr lang="en-US" sz="1200" dirty="0"/>
-              <a:t>[COSY</a:t>
-            </a:r>
-            <a:r>
-              <a:rPr lang="en-US" sz="1200" dirty="0" smtClean="0"/>
-              <a:t>] When </a:t>
-            </a:r>
-            <a:r>
-              <a:rPr lang="en-US" sz="1200" dirty="0"/>
-              <a:t>Alice stays in the living room long enough, the room’s temperature should be maintained in comfortable temperatures’ range; whereas when absent, it should not drop below </a:t>
-            </a:r>
-            <a:r>
-              <a:rPr lang="en-US" sz="1200" dirty="0" smtClean="0"/>
-              <a:t>16</a:t>
-            </a:r>
-            <a:endParaRPr lang="en-US" sz="1200" dirty="0"/>
-          </a:p>
-        </p:txBody>
-      </p:sp>
-      <p:sp>
-        <p:nvSpPr>
-          <p:cNvPr id="6" name="Espace réservé du contenu 2"/>
-          <p:cNvSpPr txBox="1">
-            <a:spLocks/>
-          </p:cNvSpPr>
-          <p:nvPr/>
-        </p:nvSpPr>
-        <p:spPr>
-          <a:xfrm>
-            <a:off x="457200" y="2801523"/>
-            <a:ext cx="6652200" cy="3789777"/>
-          </a:xfrm>
-          <a:prstGeom prst="rect">
-            <a:avLst/>
-          </a:prstGeom>
-        </p:spPr>
-        <p:txBody>
-          <a:bodyPr/>
-          <a:lstStyle>
-            <a:lvl1pPr marL="0" indent="0" algn="l" defTabSz="457200" rtl="0" eaLnBrk="1" fontAlgn="base" hangingPunct="1">
-              <a:spcBef>
-                <a:spcPct val="20000"/>
-              </a:spcBef>
-              <a:spcAft>
-                <a:spcPct val="0"/>
-              </a:spcAft>
-              <a:buClr>
-                <a:srgbClr val="305291"/>
-              </a:buClr>
-              <a:buFont typeface="Arial"/>
-              <a:buNone/>
-              <a:defRPr sz="2700" kern="1200">
-                <a:solidFill>
-                  <a:srgbClr val="474746"/>
-                </a:solidFill>
-                <a:latin typeface="+mj-lt"/>
-                <a:ea typeface="ＭＳ Ｐゴシック" charset="0"/>
-                <a:cs typeface="+mn-cs"/>
-              </a:defRPr>
-            </a:lvl1pPr>
-            <a:lvl2pPr marL="183600" indent="0" algn="l" defTabSz="457200" rtl="0" eaLnBrk="1" fontAlgn="base" hangingPunct="1">
-              <a:spcBef>
-                <a:spcPct val="20000"/>
-              </a:spcBef>
-              <a:spcAft>
-                <a:spcPct val="0"/>
-              </a:spcAft>
-              <a:buClr>
-                <a:srgbClr val="41A336"/>
-              </a:buClr>
-              <a:buFontTx/>
-              <a:buNone/>
-              <a:defRPr sz="2000" b="0" i="0" kern="1200">
-                <a:solidFill>
-                  <a:srgbClr val="2E3135"/>
-                </a:solidFill>
-                <a:latin typeface="Verdana"/>
-                <a:ea typeface="ＭＳ Ｐゴシック" charset="0"/>
-                <a:cs typeface="Verdana"/>
-              </a:defRPr>
-            </a:lvl2pPr>
-            <a:lvl3pPr marL="439200" indent="0" algn="l" defTabSz="457200" rtl="0" eaLnBrk="1" fontAlgn="base" hangingPunct="1">
-              <a:spcBef>
-                <a:spcPct val="20000"/>
-              </a:spcBef>
-              <a:spcAft>
-                <a:spcPct val="0"/>
-              </a:spcAft>
-              <a:buClr>
-                <a:srgbClr val="41A336"/>
-              </a:buClr>
-              <a:buFontTx/>
-              <a:buNone/>
-              <a:defRPr sz="2000" b="0" i="0" kern="1200">
-                <a:solidFill>
-                  <a:srgbClr val="2E3135"/>
-                </a:solidFill>
-                <a:latin typeface="Verdana"/>
-                <a:ea typeface="ＭＳ Ｐゴシック" charset="0"/>
-                <a:cs typeface="Verdana"/>
-              </a:defRPr>
-            </a:lvl3pPr>
-            <a:lvl4pPr marL="673200" indent="0" algn="l" defTabSz="457200" rtl="0" eaLnBrk="1" fontAlgn="base" hangingPunct="1">
-              <a:spcBef>
-                <a:spcPct val="20000"/>
-              </a:spcBef>
-              <a:spcAft>
-                <a:spcPct val="0"/>
-              </a:spcAft>
-              <a:buClr>
-                <a:srgbClr val="41A336"/>
-              </a:buClr>
-              <a:buFontTx/>
-              <a:buNone/>
-              <a:defRPr sz="1800" b="0" i="0" kern="1200">
-                <a:solidFill>
-                  <a:srgbClr val="2E3135"/>
-                </a:solidFill>
-                <a:latin typeface="Verdana"/>
-                <a:ea typeface="ＭＳ Ｐゴシック" charset="0"/>
-                <a:cs typeface="Verdana"/>
-              </a:defRPr>
-            </a:lvl4pPr>
-            <a:lvl5pPr marL="1530000" indent="-228600" algn="l" defTabSz="457200" rtl="0" eaLnBrk="1" fontAlgn="base" hangingPunct="1">
-              <a:spcBef>
-                <a:spcPct val="20000"/>
-              </a:spcBef>
-              <a:spcAft>
-                <a:spcPct val="0"/>
-              </a:spcAft>
-              <a:buClr>
-                <a:srgbClr val="41A336"/>
-              </a:buClr>
-              <a:buFont typeface="Arial"/>
-              <a:buChar char="•"/>
-              <a:defRPr sz="1000" b="0" i="0" kern="1200">
-                <a:solidFill>
-                  <a:srgbClr val="2E3135"/>
-                </a:solidFill>
-                <a:latin typeface="Verdana"/>
-                <a:ea typeface="ＭＳ Ｐゴシック" charset="0"/>
-                <a:cs typeface="Verdana"/>
-              </a:defRPr>
-            </a:lvl5pPr>
-            <a:lvl6pPr marL="2514600" indent="-228600" algn="l" defTabSz="457200" rtl="0" eaLnBrk="1" latinLnBrk="0" hangingPunct="1">
-              <a:spcBef>
-                <a:spcPct val="20000"/>
-              </a:spcBef>
-              <a:buFont typeface="Arial"/>
-              <a:buChar char="•"/>
-              <a:defRPr sz="2000" kern="1200">
-                <a:solidFill>
-                  <a:schemeClr val="tx1"/>
-                </a:solidFill>
-                <a:latin typeface="+mn-lt"/>
-                <a:ea typeface="+mn-ea"/>
-                <a:cs typeface="+mn-cs"/>
-              </a:defRPr>
-            </a:lvl6pPr>
-            <a:lvl7pPr marL="2971800" indent="-228600" algn="l" defTabSz="457200" rtl="0" eaLnBrk="1" latinLnBrk="0" hangingPunct="1">
-              <a:spcBef>
-                <a:spcPct val="20000"/>
-              </a:spcBef>
-              <a:buFont typeface="Arial"/>
-              <a:buChar char="•"/>
-              <a:defRPr sz="2000" kern="1200">
-                <a:solidFill>
-                  <a:schemeClr val="tx1"/>
-                </a:solidFill>
-                <a:latin typeface="+mn-lt"/>
-                <a:ea typeface="+mn-ea"/>
-                <a:cs typeface="+mn-cs"/>
-              </a:defRPr>
-            </a:lvl7pPr>
-            <a:lvl8pPr marL="3429000" indent="-228600" algn="l" defTabSz="457200" rtl="0" eaLnBrk="1" latinLnBrk="0" hangingPunct="1">
-              <a:spcBef>
-                <a:spcPct val="20000"/>
-              </a:spcBef>
-              <a:buFont typeface="Arial"/>
-              <a:buChar char="•"/>
-              <a:defRPr sz="2000" kern="1200">
-                <a:solidFill>
-                  <a:schemeClr val="tx1"/>
-                </a:solidFill>
-                <a:latin typeface="+mn-lt"/>
-                <a:ea typeface="+mn-ea"/>
-                <a:cs typeface="+mn-cs"/>
-              </a:defRPr>
-            </a:lvl8pPr>
-            <a:lvl9pPr marL="3886200" indent="-228600" algn="l" defTabSz="457200" rtl="0" eaLnBrk="1" latinLnBrk="0" hangingPunct="1">
-              <a:spcBef>
-                <a:spcPct val="20000"/>
-              </a:spcBef>
-              <a:buFont typeface="Arial"/>
-              <a:buChar char="•"/>
-              <a:defRPr sz="2000" kern="1200">
-                <a:solidFill>
-                  <a:schemeClr val="tx1"/>
-                </a:solidFill>
-                <a:latin typeface="+mn-lt"/>
-                <a:ea typeface="+mn-ea"/>
-                <a:cs typeface="+mn-cs"/>
-              </a:defRPr>
-            </a:lvl9pPr>
-          </a:lstStyle>
-          <a:p>
-            <a:r>
-              <a:rPr lang="en-US" sz="1200" dirty="0"/>
-              <a:t>[COSY</a:t>
-            </a:r>
-            <a:r>
-              <a:rPr lang="en-US" sz="1200" dirty="0" smtClean="0"/>
-              <a:t>] When </a:t>
-            </a:r>
-            <a:r>
-              <a:rPr lang="en-US" sz="1200" dirty="0"/>
-              <a:t>Alice stays in the living room long enough, the room’s temperature should be maintained in comfortable temperatures’ </a:t>
-            </a:r>
-            <a:r>
-              <a:rPr lang="en-US" sz="1200" dirty="0" smtClean="0"/>
-              <a:t>range (</a:t>
-            </a:r>
-            <a:r>
-              <a:rPr lang="fr-FR" sz="1000" dirty="0" smtClean="0">
-                <a:latin typeface="Courier New" panose="02070309020205020404" pitchFamily="49" charset="0"/>
-                <a:cs typeface="Courier New" panose="02070309020205020404" pitchFamily="49" charset="0"/>
-              </a:rPr>
-              <a:t>IN_MIN -- IN_MAX</a:t>
-            </a:r>
-            <a:r>
-              <a:rPr lang="en-US" sz="1200" dirty="0" smtClean="0"/>
-              <a:t>) ; </a:t>
-            </a:r>
-            <a:r>
-              <a:rPr lang="en-US" sz="1200" dirty="0"/>
-              <a:t>whereas when absent, it should not drop below </a:t>
-            </a:r>
-            <a:r>
-              <a:rPr lang="fr-FR" sz="1200" dirty="0" smtClean="0">
-                <a:latin typeface="Courier New" panose="02070309020205020404" pitchFamily="49" charset="0"/>
-                <a:cs typeface="Courier New" panose="02070309020205020404" pitchFamily="49" charset="0"/>
-              </a:rPr>
-              <a:t>OUT_MIN = </a:t>
-            </a:r>
-            <a:r>
-              <a:rPr lang="en-US" sz="1200" dirty="0" smtClean="0"/>
-              <a:t>16</a:t>
-            </a:r>
-            <a:endParaRPr lang="en-US" sz="1200" dirty="0"/>
-          </a:p>
-          <a:p>
-            <a:endParaRPr lang="fr-FR" sz="1000" dirty="0" smtClean="0"/>
-          </a:p>
-          <a:p>
-            <a:r>
-              <a:rPr lang="fr-FR" sz="1000" b="1" dirty="0" err="1">
-                <a:solidFill>
-                  <a:srgbClr val="0070C0"/>
-                </a:solidFill>
-                <a:latin typeface="Courier New" panose="02070309020205020404" pitchFamily="49" charset="0"/>
-                <a:cs typeface="Courier New" panose="02070309020205020404" pitchFamily="49" charset="0"/>
-              </a:rPr>
-              <a:t>rule</a:t>
-            </a:r>
-            <a:r>
-              <a:rPr lang="fr-FR" sz="1000" dirty="0" smtClean="0">
-                <a:latin typeface="Courier New" panose="02070309020205020404" pitchFamily="49" charset="0"/>
-                <a:cs typeface="Courier New" panose="02070309020205020404" pitchFamily="49" charset="0"/>
-              </a:rPr>
-              <a:t> </a:t>
-            </a:r>
-            <a:r>
-              <a:rPr lang="fr-FR" sz="1000" dirty="0" err="1" smtClean="0">
-                <a:latin typeface="Courier New" panose="02070309020205020404" pitchFamily="49" charset="0"/>
-                <a:cs typeface="Courier New" panose="02070309020205020404" pitchFamily="49" charset="0"/>
-              </a:rPr>
-              <a:t>PresentInLiving</a:t>
-            </a:r>
-            <a:r>
-              <a:rPr lang="fr-FR" sz="1000" dirty="0">
-                <a:latin typeface="Courier New" panose="02070309020205020404" pitchFamily="49" charset="0"/>
-                <a:cs typeface="Courier New" panose="02070309020205020404" pitchFamily="49" charset="0"/>
-              </a:rPr>
-              <a:t>:	</a:t>
-            </a:r>
-          </a:p>
-          <a:p>
-            <a:r>
-              <a:rPr lang="fr-FR" sz="1000" dirty="0">
-                <a:latin typeface="Courier New" panose="02070309020205020404" pitchFamily="49" charset="0"/>
-                <a:cs typeface="Courier New" panose="02070309020205020404" pitchFamily="49" charset="0"/>
-              </a:rPr>
-              <a:t>  </a:t>
-            </a:r>
-            <a:r>
-              <a:rPr lang="fr-FR" sz="1000" b="1" dirty="0" err="1">
-                <a:solidFill>
-                  <a:srgbClr val="0070C0"/>
-                </a:solidFill>
-                <a:latin typeface="Courier New" panose="02070309020205020404" pitchFamily="49" charset="0"/>
-                <a:cs typeface="Courier New" panose="02070309020205020404" pitchFamily="49" charset="0"/>
-              </a:rPr>
-              <a:t>when</a:t>
-            </a:r>
-            <a:r>
-              <a:rPr lang="fr-FR" sz="1000" dirty="0">
-                <a:latin typeface="Courier New" panose="02070309020205020404" pitchFamily="49" charset="0"/>
-                <a:cs typeface="Courier New" panose="02070309020205020404" pitchFamily="49" charset="0"/>
-              </a:rPr>
-              <a:t> (</a:t>
-            </a:r>
-            <a:r>
-              <a:rPr lang="fr-FR" sz="1000" dirty="0" err="1">
-                <a:latin typeface="Courier New" panose="02070309020205020404" pitchFamily="49" charset="0"/>
-                <a:cs typeface="Courier New" panose="02070309020205020404" pitchFamily="49" charset="0"/>
-              </a:rPr>
-              <a:t>timer.timeout</a:t>
-            </a:r>
-            <a:r>
-              <a:rPr lang="fr-FR" sz="1000" dirty="0">
-                <a:latin typeface="Courier New" panose="02070309020205020404" pitchFamily="49" charset="0"/>
-                <a:cs typeface="Courier New" panose="02070309020205020404" pitchFamily="49" charset="0"/>
-              </a:rPr>
-              <a:t>()) </a:t>
-            </a:r>
-            <a:r>
-              <a:rPr lang="fr-FR" sz="1000" b="1" dirty="0">
-                <a:solidFill>
-                  <a:srgbClr val="0070C0"/>
-                </a:solidFill>
-                <a:latin typeface="Courier New" panose="02070309020205020404" pitchFamily="49" charset="0"/>
-                <a:cs typeface="Courier New" panose="02070309020205020404" pitchFamily="49" charset="0"/>
-              </a:rPr>
-              <a:t>do</a:t>
-            </a:r>
-            <a:r>
-              <a:rPr lang="fr-FR" sz="1000" dirty="0">
-                <a:latin typeface="Courier New" panose="02070309020205020404" pitchFamily="49" charset="0"/>
-                <a:cs typeface="Courier New" panose="02070309020205020404" pitchFamily="49" charset="0"/>
-              </a:rPr>
-              <a:t> {</a:t>
-            </a:r>
-          </a:p>
-          <a:p>
-            <a:r>
-              <a:rPr lang="fr-FR" sz="1000" dirty="0">
-                <a:latin typeface="Courier New" panose="02070309020205020404" pitchFamily="49" charset="0"/>
-                <a:cs typeface="Courier New" panose="02070309020205020404" pitchFamily="49" charset="0"/>
-              </a:rPr>
-              <a:t>     </a:t>
-            </a:r>
-            <a:r>
-              <a:rPr lang="fr-FR" sz="1000" dirty="0" err="1">
-                <a:latin typeface="Courier New" panose="02070309020205020404" pitchFamily="49" charset="0"/>
-                <a:cs typeface="Courier New" panose="02070309020205020404" pitchFamily="49" charset="0"/>
-              </a:rPr>
-              <a:t>livingDetector.isPresent</a:t>
-            </a:r>
-            <a:r>
-              <a:rPr lang="fr-FR" sz="1000" dirty="0">
-                <a:latin typeface="Courier New" panose="02070309020205020404" pitchFamily="49" charset="0"/>
-                <a:cs typeface="Courier New" panose="02070309020205020404" pitchFamily="49" charset="0"/>
-              </a:rPr>
-              <a:t>() </a:t>
-            </a:r>
-            <a:r>
-              <a:rPr lang="fr-FR" sz="1000" b="1" dirty="0">
-                <a:solidFill>
-                  <a:srgbClr val="0070C0"/>
-                </a:solidFill>
-                <a:latin typeface="Courier New" panose="02070309020205020404" pitchFamily="49" charset="0"/>
-                <a:cs typeface="Courier New" panose="02070309020205020404" pitchFamily="49" charset="0"/>
-              </a:rPr>
-              <a:t>||</a:t>
-            </a:r>
-            <a:r>
-              <a:rPr lang="fr-FR" sz="1000" dirty="0">
-                <a:latin typeface="Courier New" panose="02070309020205020404" pitchFamily="49" charset="0"/>
-                <a:cs typeface="Courier New" panose="02070309020205020404" pitchFamily="49" charset="0"/>
-              </a:rPr>
-              <a:t> </a:t>
-            </a:r>
-            <a:r>
-              <a:rPr lang="fr-FR" sz="1000" dirty="0" err="1">
-                <a:latin typeface="Courier New" panose="02070309020205020404" pitchFamily="49" charset="0"/>
-                <a:cs typeface="Courier New" panose="02070309020205020404" pitchFamily="49" charset="0"/>
-              </a:rPr>
-              <a:t>presenceTimer.set</a:t>
-            </a:r>
-            <a:r>
-              <a:rPr lang="fr-FR" sz="1000" dirty="0">
-                <a:latin typeface="Courier New" panose="02070309020205020404" pitchFamily="49" charset="0"/>
-                <a:cs typeface="Courier New" panose="02070309020205020404" pitchFamily="49" charset="0"/>
-              </a:rPr>
-              <a:t>(TIMEDETECT)</a:t>
-            </a:r>
-          </a:p>
-          <a:p>
-            <a:r>
-              <a:rPr lang="fr-FR" sz="1000" dirty="0">
-                <a:latin typeface="Courier New" panose="02070309020205020404" pitchFamily="49" charset="0"/>
-                <a:cs typeface="Courier New" panose="02070309020205020404" pitchFamily="49" charset="0"/>
-              </a:rPr>
-              <a:t>  </a:t>
-            </a:r>
-            <a:r>
-              <a:rPr lang="fr-FR" sz="1000" dirty="0" smtClean="0">
-                <a:latin typeface="Courier New" panose="02070309020205020404" pitchFamily="49" charset="0"/>
-                <a:cs typeface="Courier New" panose="02070309020205020404" pitchFamily="49" charset="0"/>
-              </a:rPr>
-              <a:t>}</a:t>
-            </a:r>
-          </a:p>
-          <a:p>
-            <a:r>
-              <a:rPr lang="fr-FR" sz="1000" dirty="0" smtClean="0">
-                <a:latin typeface="Courier New" panose="02070309020205020404" pitchFamily="49" charset="0"/>
-                <a:cs typeface="Courier New" panose="02070309020205020404" pitchFamily="49" charset="0"/>
-              </a:rPr>
-              <a:t>...</a:t>
-            </a:r>
-            <a:endParaRPr lang="fr-FR" sz="1000" dirty="0">
-              <a:latin typeface="Courier New" panose="02070309020205020404" pitchFamily="49" charset="0"/>
-              <a:cs typeface="Courier New" panose="02070309020205020404" pitchFamily="49" charset="0"/>
-            </a:endParaRPr>
-          </a:p>
-          <a:p>
-            <a:r>
-              <a:rPr lang="fr-FR" sz="1000" b="1" dirty="0" err="1">
-                <a:solidFill>
-                  <a:srgbClr val="0070C0"/>
-                </a:solidFill>
-                <a:latin typeface="Courier New" panose="02070309020205020404" pitchFamily="49" charset="0"/>
-                <a:cs typeface="Courier New" panose="02070309020205020404" pitchFamily="49" charset="0"/>
-              </a:rPr>
-              <a:t>rule</a:t>
-            </a:r>
-            <a:r>
-              <a:rPr lang="fr-FR" sz="1000" dirty="0">
-                <a:latin typeface="Courier New" panose="02070309020205020404" pitchFamily="49" charset="0"/>
-                <a:cs typeface="Courier New" panose="02070309020205020404" pitchFamily="49" charset="0"/>
-              </a:rPr>
-              <a:t> </a:t>
-            </a:r>
-            <a:r>
-              <a:rPr lang="fr-FR" sz="1000" dirty="0" err="1">
-                <a:latin typeface="Courier New" panose="02070309020205020404" pitchFamily="49" charset="0"/>
-                <a:cs typeface="Courier New" panose="02070309020205020404" pitchFamily="49" charset="0"/>
-              </a:rPr>
-              <a:t>MonitorLivingTempInStop</a:t>
-            </a:r>
-            <a:r>
-              <a:rPr lang="fr-FR" sz="1000" dirty="0">
-                <a:latin typeface="Courier New" panose="02070309020205020404" pitchFamily="49" charset="0"/>
-                <a:cs typeface="Courier New" panose="02070309020205020404" pitchFamily="49" charset="0"/>
-              </a:rPr>
-              <a:t>:</a:t>
-            </a:r>
-          </a:p>
-          <a:p>
-            <a:r>
-              <a:rPr lang="fr-FR" sz="1000" dirty="0">
-                <a:latin typeface="Courier New" panose="02070309020205020404" pitchFamily="49" charset="0"/>
-                <a:cs typeface="Courier New" panose="02070309020205020404" pitchFamily="49" charset="0"/>
-              </a:rPr>
-              <a:t>  </a:t>
-            </a:r>
-            <a:r>
-              <a:rPr lang="fr-FR" sz="1000" b="1" dirty="0" err="1">
-                <a:solidFill>
-                  <a:srgbClr val="0070C0"/>
-                </a:solidFill>
-                <a:latin typeface="Courier New" panose="02070309020205020404" pitchFamily="49" charset="0"/>
-                <a:cs typeface="Courier New" panose="02070309020205020404" pitchFamily="49" charset="0"/>
-              </a:rPr>
-              <a:t>when</a:t>
-            </a:r>
-            <a:r>
-              <a:rPr lang="fr-FR" sz="1000" dirty="0">
-                <a:latin typeface="Courier New" panose="02070309020205020404" pitchFamily="49" charset="0"/>
-                <a:cs typeface="Courier New" panose="02070309020205020404" pitchFamily="49" charset="0"/>
-              </a:rPr>
-              <a:t> (</a:t>
-            </a:r>
-            <a:r>
-              <a:rPr lang="fr-FR" sz="1000" dirty="0" err="1">
-                <a:latin typeface="Courier New" panose="02070309020205020404" pitchFamily="49" charset="0"/>
-                <a:cs typeface="Courier New" panose="02070309020205020404" pitchFamily="49" charset="0"/>
-              </a:rPr>
-              <a:t>livingDetector.detected</a:t>
-            </a:r>
-            <a:r>
-              <a:rPr lang="fr-FR" sz="1000" dirty="0">
-                <a:latin typeface="Courier New" panose="02070309020205020404" pitchFamily="49" charset="0"/>
-                <a:cs typeface="Courier New" panose="02070309020205020404" pitchFamily="49" charset="0"/>
-              </a:rPr>
-              <a:t>() </a:t>
-            </a:r>
-            <a:r>
-              <a:rPr lang="fr-FR" sz="1000" b="1" dirty="0">
-                <a:solidFill>
-                  <a:srgbClr val="0070C0"/>
-                </a:solidFill>
-                <a:latin typeface="Courier New" panose="02070309020205020404" pitchFamily="49" charset="0"/>
-                <a:cs typeface="Courier New" panose="02070309020205020404" pitchFamily="49" charset="0"/>
-              </a:rPr>
-              <a:t>and</a:t>
-            </a:r>
-            <a:r>
-              <a:rPr lang="fr-FR" sz="1000" dirty="0">
-                <a:latin typeface="Courier New" panose="02070309020205020404" pitchFamily="49" charset="0"/>
-                <a:cs typeface="Courier New" panose="02070309020205020404" pitchFamily="49" charset="0"/>
-              </a:rPr>
-              <a:t> </a:t>
-            </a:r>
-            <a:r>
-              <a:rPr lang="fr-FR" sz="1000" dirty="0" err="1">
-                <a:latin typeface="Courier New" panose="02070309020205020404" pitchFamily="49" charset="0"/>
-                <a:cs typeface="Courier New" panose="02070309020205020404" pitchFamily="49" charset="0"/>
-              </a:rPr>
-              <a:t>livingTemp.getTemp</a:t>
-            </a:r>
-            <a:r>
-              <a:rPr lang="fr-FR" sz="1000" dirty="0">
-                <a:latin typeface="Courier New" panose="02070309020205020404" pitchFamily="49" charset="0"/>
-                <a:cs typeface="Courier New" panose="02070309020205020404" pitchFamily="49" charset="0"/>
-              </a:rPr>
-              <a:t> &gt; IN_MAX) </a:t>
-            </a:r>
-            <a:r>
-              <a:rPr lang="fr-FR" sz="1000" b="1" dirty="0">
-                <a:solidFill>
-                  <a:srgbClr val="0070C0"/>
-                </a:solidFill>
-                <a:latin typeface="Courier New" panose="02070309020205020404" pitchFamily="49" charset="0"/>
-                <a:cs typeface="Courier New" panose="02070309020205020404" pitchFamily="49" charset="0"/>
-              </a:rPr>
-              <a:t>do</a:t>
-            </a:r>
-            <a:r>
-              <a:rPr lang="fr-FR" sz="1000" dirty="0">
-                <a:latin typeface="Courier New" panose="02070309020205020404" pitchFamily="49" charset="0"/>
-                <a:cs typeface="Courier New" panose="02070309020205020404" pitchFamily="49" charset="0"/>
-              </a:rPr>
-              <a:t> {</a:t>
-            </a:r>
-          </a:p>
-          <a:p>
-            <a:r>
-              <a:rPr lang="fr-FR" sz="1000" dirty="0">
-                <a:latin typeface="Courier New" panose="02070309020205020404" pitchFamily="49" charset="0"/>
-                <a:cs typeface="Courier New" panose="02070309020205020404" pitchFamily="49" charset="0"/>
-              </a:rPr>
-              <a:t>    </a:t>
-            </a:r>
-            <a:r>
-              <a:rPr lang="fr-FR" sz="1000" dirty="0" err="1">
-                <a:latin typeface="Courier New" panose="02070309020205020404" pitchFamily="49" charset="0"/>
-                <a:cs typeface="Courier New" panose="02070309020205020404" pitchFamily="49" charset="0"/>
-              </a:rPr>
-              <a:t>livingHeater.stop</a:t>
-            </a:r>
-            <a:r>
-              <a:rPr lang="fr-FR" sz="1000" dirty="0">
-                <a:latin typeface="Courier New" panose="02070309020205020404" pitchFamily="49" charset="0"/>
-                <a:cs typeface="Courier New" panose="02070309020205020404" pitchFamily="49" charset="0"/>
-              </a:rPr>
-              <a:t>()</a:t>
-            </a:r>
-          </a:p>
-          <a:p>
-            <a:r>
-              <a:rPr lang="fr-FR" sz="1000" dirty="0">
-                <a:latin typeface="Courier New" panose="02070309020205020404" pitchFamily="49" charset="0"/>
-                <a:cs typeface="Courier New" panose="02070309020205020404" pitchFamily="49" charset="0"/>
-              </a:rPr>
-              <a:t>  }</a:t>
-            </a:r>
-          </a:p>
-          <a:p>
-            <a:r>
-              <a:rPr lang="fr-FR" sz="1000" b="1" dirty="0" err="1">
-                <a:solidFill>
-                  <a:srgbClr val="0070C0"/>
-                </a:solidFill>
-                <a:latin typeface="Courier New" panose="02070309020205020404" pitchFamily="49" charset="0"/>
-                <a:cs typeface="Courier New" panose="02070309020205020404" pitchFamily="49" charset="0"/>
-              </a:rPr>
-              <a:t>rule</a:t>
-            </a:r>
-            <a:r>
-              <a:rPr lang="fr-FR" sz="1000" dirty="0">
-                <a:latin typeface="Courier New" panose="02070309020205020404" pitchFamily="49" charset="0"/>
-                <a:cs typeface="Courier New" panose="02070309020205020404" pitchFamily="49" charset="0"/>
-              </a:rPr>
-              <a:t> </a:t>
-            </a:r>
-            <a:r>
-              <a:rPr lang="fr-FR" sz="1000" dirty="0" err="1">
-                <a:latin typeface="Courier New" panose="02070309020205020404" pitchFamily="49" charset="0"/>
-                <a:cs typeface="Courier New" panose="02070309020205020404" pitchFamily="49" charset="0"/>
-              </a:rPr>
-              <a:t>MonitorLivingTempInStart</a:t>
-            </a:r>
-            <a:r>
-              <a:rPr lang="fr-FR" sz="1000" dirty="0">
-                <a:latin typeface="Courier New" panose="02070309020205020404" pitchFamily="49" charset="0"/>
-                <a:cs typeface="Courier New" panose="02070309020205020404" pitchFamily="49" charset="0"/>
-              </a:rPr>
-              <a:t>:</a:t>
-            </a:r>
-          </a:p>
-          <a:p>
-            <a:r>
-              <a:rPr lang="fr-FR" sz="1000" dirty="0">
-                <a:latin typeface="Courier New" panose="02070309020205020404" pitchFamily="49" charset="0"/>
-                <a:cs typeface="Courier New" panose="02070309020205020404" pitchFamily="49" charset="0"/>
-              </a:rPr>
-              <a:t>  </a:t>
-            </a:r>
-            <a:r>
-              <a:rPr lang="fr-FR" sz="1000" b="1" dirty="0" err="1">
-                <a:solidFill>
-                  <a:srgbClr val="0070C0"/>
-                </a:solidFill>
-                <a:latin typeface="Courier New" panose="02070309020205020404" pitchFamily="49" charset="0"/>
-                <a:cs typeface="Courier New" panose="02070309020205020404" pitchFamily="49" charset="0"/>
-              </a:rPr>
-              <a:t>when</a:t>
-            </a:r>
-            <a:r>
-              <a:rPr lang="fr-FR" sz="1000" dirty="0">
-                <a:latin typeface="Courier New" panose="02070309020205020404" pitchFamily="49" charset="0"/>
-                <a:cs typeface="Courier New" panose="02070309020205020404" pitchFamily="49" charset="0"/>
-              </a:rPr>
-              <a:t> (</a:t>
-            </a:r>
-            <a:r>
-              <a:rPr lang="fr-FR" sz="1000" dirty="0" err="1">
-                <a:latin typeface="Courier New" panose="02070309020205020404" pitchFamily="49" charset="0"/>
-                <a:cs typeface="Courier New" panose="02070309020205020404" pitchFamily="49" charset="0"/>
-              </a:rPr>
-              <a:t>livingDetector.detected</a:t>
-            </a:r>
-            <a:r>
-              <a:rPr lang="fr-FR" sz="1000" dirty="0">
-                <a:latin typeface="Courier New" panose="02070309020205020404" pitchFamily="49" charset="0"/>
-                <a:cs typeface="Courier New" panose="02070309020205020404" pitchFamily="49" charset="0"/>
-              </a:rPr>
-              <a:t>() </a:t>
-            </a:r>
-            <a:r>
-              <a:rPr lang="fr-FR" sz="1000" b="1" dirty="0">
-                <a:solidFill>
-                  <a:srgbClr val="0070C0"/>
-                </a:solidFill>
-                <a:latin typeface="Courier New" panose="02070309020205020404" pitchFamily="49" charset="0"/>
-                <a:cs typeface="Courier New" panose="02070309020205020404" pitchFamily="49" charset="0"/>
-              </a:rPr>
-              <a:t>and</a:t>
-            </a:r>
-            <a:r>
-              <a:rPr lang="fr-FR" sz="1000" dirty="0">
-                <a:latin typeface="Courier New" panose="02070309020205020404" pitchFamily="49" charset="0"/>
-                <a:cs typeface="Courier New" panose="02070309020205020404" pitchFamily="49" charset="0"/>
-              </a:rPr>
-              <a:t> </a:t>
-            </a:r>
-            <a:r>
-              <a:rPr lang="fr-FR" sz="1000" dirty="0" err="1">
-                <a:latin typeface="Courier New" panose="02070309020205020404" pitchFamily="49" charset="0"/>
-                <a:cs typeface="Courier New" panose="02070309020205020404" pitchFamily="49" charset="0"/>
-              </a:rPr>
-              <a:t>livingTemp.getTemp</a:t>
-            </a:r>
-            <a:r>
-              <a:rPr lang="fr-FR" sz="1000" dirty="0">
-                <a:latin typeface="Courier New" panose="02070309020205020404" pitchFamily="49" charset="0"/>
-                <a:cs typeface="Courier New" panose="02070309020205020404" pitchFamily="49" charset="0"/>
-              </a:rPr>
-              <a:t> &lt; IN_MIN) </a:t>
-            </a:r>
-            <a:r>
-              <a:rPr lang="fr-FR" sz="1000" b="1" dirty="0">
-                <a:solidFill>
-                  <a:srgbClr val="0070C0"/>
-                </a:solidFill>
-                <a:latin typeface="Courier New" panose="02070309020205020404" pitchFamily="49" charset="0"/>
-                <a:cs typeface="Courier New" panose="02070309020205020404" pitchFamily="49" charset="0"/>
-              </a:rPr>
-              <a:t>do</a:t>
-            </a:r>
-            <a:r>
-              <a:rPr lang="fr-FR" sz="1000" dirty="0">
-                <a:latin typeface="Courier New" panose="02070309020205020404" pitchFamily="49" charset="0"/>
-                <a:cs typeface="Courier New" panose="02070309020205020404" pitchFamily="49" charset="0"/>
-              </a:rPr>
-              <a:t> {</a:t>
-            </a:r>
-          </a:p>
-          <a:p>
-            <a:r>
-              <a:rPr lang="fr-FR" sz="1000" dirty="0">
-                <a:latin typeface="Courier New" panose="02070309020205020404" pitchFamily="49" charset="0"/>
-                <a:cs typeface="Courier New" panose="02070309020205020404" pitchFamily="49" charset="0"/>
-              </a:rPr>
-              <a:t>    </a:t>
-            </a:r>
-            <a:r>
-              <a:rPr lang="fr-FR" sz="1000" dirty="0" err="1">
-                <a:latin typeface="Courier New" panose="02070309020205020404" pitchFamily="49" charset="0"/>
-                <a:cs typeface="Courier New" panose="02070309020205020404" pitchFamily="49" charset="0"/>
-              </a:rPr>
-              <a:t>livingHeater.warm</a:t>
-            </a:r>
-            <a:r>
-              <a:rPr lang="fr-FR" sz="1000" dirty="0">
-                <a:latin typeface="Courier New" panose="02070309020205020404" pitchFamily="49" charset="0"/>
-                <a:cs typeface="Courier New" panose="02070309020205020404" pitchFamily="49" charset="0"/>
-              </a:rPr>
-              <a:t>(TIMEHEAT)</a:t>
-            </a:r>
-          </a:p>
-          <a:p>
-            <a:r>
-              <a:rPr lang="fr-FR" sz="1000" dirty="0">
-                <a:latin typeface="Courier New" panose="02070309020205020404" pitchFamily="49" charset="0"/>
-                <a:cs typeface="Courier New" panose="02070309020205020404" pitchFamily="49" charset="0"/>
-              </a:rPr>
-              <a:t>  }</a:t>
-            </a:r>
-          </a:p>
-          <a:p>
-            <a:r>
-              <a:rPr lang="fr-FR" sz="1000" b="1" dirty="0" err="1">
-                <a:solidFill>
-                  <a:srgbClr val="0070C0"/>
-                </a:solidFill>
-                <a:latin typeface="Courier New" panose="02070309020205020404" pitchFamily="49" charset="0"/>
-                <a:cs typeface="Courier New" panose="02070309020205020404" pitchFamily="49" charset="0"/>
-              </a:rPr>
-              <a:t>rule</a:t>
-            </a:r>
-            <a:r>
-              <a:rPr lang="fr-FR" sz="1000" dirty="0">
-                <a:latin typeface="Courier New" panose="02070309020205020404" pitchFamily="49" charset="0"/>
-                <a:cs typeface="Courier New" panose="02070309020205020404" pitchFamily="49" charset="0"/>
-              </a:rPr>
-              <a:t> </a:t>
-            </a:r>
-            <a:r>
-              <a:rPr lang="fr-FR" sz="1000" dirty="0" err="1">
-                <a:latin typeface="Courier New" panose="02070309020205020404" pitchFamily="49" charset="0"/>
-                <a:cs typeface="Courier New" panose="02070309020205020404" pitchFamily="49" charset="0"/>
-              </a:rPr>
-              <a:t>MonitorLivingTempOutStart</a:t>
-            </a:r>
-            <a:r>
-              <a:rPr lang="fr-FR" sz="1000" dirty="0">
-                <a:latin typeface="Courier New" panose="02070309020205020404" pitchFamily="49" charset="0"/>
-                <a:cs typeface="Courier New" panose="02070309020205020404" pitchFamily="49" charset="0"/>
-              </a:rPr>
-              <a:t>:</a:t>
-            </a:r>
-          </a:p>
-          <a:p>
-            <a:r>
-              <a:rPr lang="fr-FR" sz="1000" dirty="0">
-                <a:latin typeface="Courier New" panose="02070309020205020404" pitchFamily="49" charset="0"/>
-                <a:cs typeface="Courier New" panose="02070309020205020404" pitchFamily="49" charset="0"/>
-              </a:rPr>
-              <a:t>  </a:t>
-            </a:r>
-            <a:r>
-              <a:rPr lang="fr-FR" sz="1000" b="1" dirty="0" err="1">
-                <a:solidFill>
-                  <a:srgbClr val="0070C0"/>
-                </a:solidFill>
-                <a:latin typeface="Courier New" panose="02070309020205020404" pitchFamily="49" charset="0"/>
-                <a:cs typeface="Courier New" panose="02070309020205020404" pitchFamily="49" charset="0"/>
-              </a:rPr>
-              <a:t>when</a:t>
-            </a:r>
-            <a:r>
-              <a:rPr lang="fr-FR" sz="1000" dirty="0">
-                <a:latin typeface="Courier New" panose="02070309020205020404" pitchFamily="49" charset="0"/>
-                <a:cs typeface="Courier New" panose="02070309020205020404" pitchFamily="49" charset="0"/>
-              </a:rPr>
-              <a:t> (</a:t>
-            </a:r>
-            <a:r>
-              <a:rPr lang="fr-FR" sz="1000" dirty="0" err="1">
-                <a:latin typeface="Courier New" panose="02070309020205020404" pitchFamily="49" charset="0"/>
-                <a:cs typeface="Courier New" panose="02070309020205020404" pitchFamily="49" charset="0"/>
-              </a:rPr>
-              <a:t>timer.timeout</a:t>
-            </a:r>
-            <a:r>
-              <a:rPr lang="fr-FR" sz="1000" dirty="0">
-                <a:latin typeface="Courier New" panose="02070309020205020404" pitchFamily="49" charset="0"/>
-                <a:cs typeface="Courier New" panose="02070309020205020404" pitchFamily="49" charset="0"/>
-              </a:rPr>
-              <a:t>() </a:t>
-            </a:r>
-            <a:r>
-              <a:rPr lang="fr-FR" sz="1000" b="1" dirty="0">
-                <a:solidFill>
-                  <a:srgbClr val="0070C0"/>
-                </a:solidFill>
-                <a:latin typeface="Courier New" panose="02070309020205020404" pitchFamily="49" charset="0"/>
-                <a:cs typeface="Courier New" panose="02070309020205020404" pitchFamily="49" charset="0"/>
-              </a:rPr>
-              <a:t>and </a:t>
-            </a:r>
-            <a:r>
-              <a:rPr lang="fr-FR" sz="1000" b="1" dirty="0" err="1">
-                <a:solidFill>
-                  <a:srgbClr val="0070C0"/>
-                </a:solidFill>
-                <a:latin typeface="Courier New" panose="02070309020205020404" pitchFamily="49" charset="0"/>
-                <a:cs typeface="Courier New" panose="02070309020205020404" pitchFamily="49" charset="0"/>
-              </a:rPr>
-              <a:t>before</a:t>
-            </a:r>
-            <a:r>
-              <a:rPr lang="fr-FR" sz="1000" b="1" dirty="0">
-                <a:solidFill>
-                  <a:srgbClr val="0070C0"/>
-                </a:solidFill>
-                <a:latin typeface="Courier New" panose="02070309020205020404" pitchFamily="49" charset="0"/>
-                <a:cs typeface="Courier New" panose="02070309020205020404" pitchFamily="49" charset="0"/>
-              </a:rPr>
-              <a:t> </a:t>
-            </a:r>
-            <a:r>
-              <a:rPr lang="fr-FR" sz="1000" dirty="0" err="1">
-                <a:latin typeface="Courier New" panose="02070309020205020404" pitchFamily="49" charset="0"/>
-                <a:cs typeface="Courier New" panose="02070309020205020404" pitchFamily="49" charset="0"/>
-              </a:rPr>
-              <a:t>livingTemp.getTemp</a:t>
-            </a:r>
-            <a:r>
-              <a:rPr lang="fr-FR" sz="1000" dirty="0">
-                <a:latin typeface="Courier New" panose="02070309020205020404" pitchFamily="49" charset="0"/>
-                <a:cs typeface="Courier New" panose="02070309020205020404" pitchFamily="49" charset="0"/>
-              </a:rPr>
-              <a:t> &lt; OUT_MIN) </a:t>
-            </a:r>
-            <a:r>
-              <a:rPr lang="fr-FR" sz="1000" b="1" dirty="0">
-                <a:solidFill>
-                  <a:srgbClr val="0070C0"/>
-                </a:solidFill>
-                <a:latin typeface="Courier New" panose="02070309020205020404" pitchFamily="49" charset="0"/>
-                <a:cs typeface="Courier New" panose="02070309020205020404" pitchFamily="49" charset="0"/>
-              </a:rPr>
-              <a:t>do</a:t>
-            </a:r>
-            <a:r>
-              <a:rPr lang="fr-FR" sz="1000" dirty="0">
-                <a:latin typeface="Courier New" panose="02070309020205020404" pitchFamily="49" charset="0"/>
-                <a:cs typeface="Courier New" panose="02070309020205020404" pitchFamily="49" charset="0"/>
-              </a:rPr>
-              <a:t> {</a:t>
-            </a:r>
-          </a:p>
-          <a:p>
-            <a:r>
-              <a:rPr lang="fr-FR" sz="1000" dirty="0">
-                <a:latin typeface="Courier New" panose="02070309020205020404" pitchFamily="49" charset="0"/>
-                <a:cs typeface="Courier New" panose="02070309020205020404" pitchFamily="49" charset="0"/>
-              </a:rPr>
-              <a:t>    </a:t>
-            </a:r>
-            <a:r>
-              <a:rPr lang="fr-FR" sz="1000" dirty="0" err="1">
-                <a:latin typeface="Courier New" panose="02070309020205020404" pitchFamily="49" charset="0"/>
-                <a:cs typeface="Courier New" panose="02070309020205020404" pitchFamily="49" charset="0"/>
-              </a:rPr>
-              <a:t>livingHeater.warm</a:t>
-            </a:r>
-            <a:r>
-              <a:rPr lang="fr-FR" sz="1000" dirty="0">
-                <a:latin typeface="Courier New" panose="02070309020205020404" pitchFamily="49" charset="0"/>
-                <a:cs typeface="Courier New" panose="02070309020205020404" pitchFamily="49" charset="0"/>
-              </a:rPr>
-              <a:t>(TIMEHEAT)</a:t>
-            </a:r>
-          </a:p>
-          <a:p>
-            <a:r>
-              <a:rPr lang="fr-FR" sz="1000" dirty="0">
-                <a:latin typeface="Courier New" panose="02070309020205020404" pitchFamily="49" charset="0"/>
-                <a:cs typeface="Courier New" panose="02070309020205020404" pitchFamily="49" charset="0"/>
-              </a:rPr>
-              <a:t>  </a:t>
-            </a:r>
-            <a:r>
-              <a:rPr lang="fr-FR" sz="1000" dirty="0">
-                <a:latin typeface="Courier New" panose="02070309020205020404" pitchFamily="49" charset="0"/>
-                <a:cs typeface="Courier New" panose="02070309020205020404" pitchFamily="49" charset="0"/>
-              </a:rPr>
-              <a:t>}</a:t>
-            </a:r>
-          </a:p>
-        </p:txBody>
-      </p:sp>
+      </p:pic>
     </p:spTree>
     <p:extLst>
       <p:ext uri="{BB962C8B-B14F-4D97-AF65-F5344CB8AC3E}">
@@ -11036,79 +9480,7 @@
                                           </p:stCondLst>
                                         </p:cTn>
                                         <p:tgtEl>
-                                          <p:spTgt spid="5"/>
-                                        </p:tgtEl>
-                                        <p:attrNameLst>
-                                          <p:attrName>style.visibility</p:attrName>
-                                        </p:attrNameLst>
-                                      </p:cBhvr>
-                                      <p:to>
-                                        <p:strVal val="visible"/>
-                                      </p:to>
-                                    </p:set>
-                                  </p:childTnLst>
-                                </p:cTn>
-                              </p:par>
-                            </p:childTnLst>
-                          </p:cTn>
-                        </p:par>
-                      </p:childTnLst>
-                    </p:cTn>
-                  </p:par>
-                  <p:par>
-                    <p:cTn id="7" fill="hold">
-                      <p:stCondLst>
-                        <p:cond delay="indefinite"/>
-                      </p:stCondLst>
-                      <p:childTnLst>
-                        <p:par>
-                          <p:cTn id="8" fill="hold">
-                            <p:stCondLst>
-                              <p:cond delay="0"/>
-                            </p:stCondLst>
-                            <p:childTnLst>
-                              <p:par>
-                                <p:cTn id="9" presetID="1" presetClass="exit" presetSubtype="0" fill="hold" grpId="1" nodeType="clickEffect">
-                                  <p:stCondLst>
-                                    <p:cond delay="0"/>
-                                  </p:stCondLst>
-                                  <p:childTnLst>
-                                    <p:set>
-                                      <p:cBhvr>
-                                        <p:cTn id="10" dur="1" fill="hold">
-                                          <p:stCondLst>
-                                            <p:cond delay="0"/>
-                                          </p:stCondLst>
-                                        </p:cTn>
-                                        <p:tgtEl>
-                                          <p:spTgt spid="5"/>
-                                        </p:tgtEl>
-                                        <p:attrNameLst>
-                                          <p:attrName>style.visibility</p:attrName>
-                                        </p:attrNameLst>
-                                      </p:cBhvr>
-                                      <p:to>
-                                        <p:strVal val="hidden"/>
-                                      </p:to>
-                                    </p:set>
-                                  </p:childTnLst>
-                                </p:cTn>
-                              </p:par>
-                              <p:par>
-                                <p:cTn id="11" presetID="1" presetClass="entr" presetSubtype="0" fill="hold" grpId="0" nodeType="withEffect">
-                                  <p:stCondLst>
-                                    <p:cond delay="0"/>
-                                  </p:stCondLst>
-                                  <p:childTnLst>
-                                    <p:set>
-                                      <p:cBhvr>
-                                        <p:cTn id="12" dur="1" fill="hold">
-                                          <p:stCondLst>
-                                            <p:cond delay="0"/>
-                                          </p:stCondLst>
-                                        </p:cTn>
-                                        <p:tgtEl>
-                                          <p:spTgt spid="6"/>
+                                          <p:spTgt spid="7"/>
                                         </p:tgtEl>
                                         <p:attrNameLst>
                                           <p:attrName>style.visibility</p:attrName>
@@ -11149,9 +9521,7 @@
       </p:par>
     </p:tnLst>
     <p:bldLst>
-      <p:bldP spid="5" grpId="0"/>
-      <p:bldP spid="5" grpId="1"/>
-      <p:bldP spid="6" grpId="0"/>
+      <p:bldP spid="7" grpId="0"/>
     </p:bldLst>
   </p:timing>
 </p:sld>
@@ -11191,19 +9561,23 @@
           <a:p>
             <a:r>
               <a:rPr lang="fr-FR" dirty="0" smtClean="0"/>
-              <a:t>Express </a:t>
+              <a:t>Challenges (</a:t>
             </a:r>
             <a:r>
               <a:rPr lang="fr-FR" dirty="0" err="1" smtClean="0"/>
-              <a:t>Users</a:t>
+              <a:t>among</a:t>
             </a:r>
             <a:r>
               <a:rPr lang="fr-FR" dirty="0" smtClean="0"/>
-              <a:t>’ </a:t>
+              <a:t> </a:t>
             </a:r>
             <a:r>
               <a:rPr lang="fr-FR" dirty="0" err="1" smtClean="0"/>
-              <a:t>Rules</a:t>
+              <a:t>others</a:t>
+            </a:r>
+            <a:r>
+              <a:rPr lang="fr-FR" dirty="0" smtClean="0"/>
+              <a:t>)</a:t>
             </a:r>
             <a:endParaRPr lang="fr-FR" dirty="0"/>
           </a:p>
@@ -11240,340 +9614,7 @@
       </p:sp>
       <p:sp>
         <p:nvSpPr>
-          <p:cNvPr id="8" name="ZoneTexte 7"/>
-          <p:cNvSpPr txBox="1"/>
-          <p:nvPr/>
-        </p:nvSpPr>
-        <p:spPr>
-          <a:xfrm>
-            <a:off x="5101208" y="2204864"/>
-            <a:ext cx="4042792" cy="1231106"/>
-          </a:xfrm>
-          <a:prstGeom prst="rect">
-            <a:avLst/>
-          </a:prstGeom>
-          <a:noFill/>
-        </p:spPr>
-        <p:txBody>
-          <a:bodyPr wrap="square" rtlCol="0">
-            <a:spAutoFit/>
-          </a:bodyPr>
-          <a:lstStyle/>
-          <a:p>
-            <a:r>
-              <a:rPr lang="en-GB" sz="1200" dirty="0">
-                <a:solidFill>
-                  <a:srgbClr val="474746"/>
-                </a:solidFill>
-                <a:latin typeface="+mj-lt"/>
-                <a:cs typeface="+mn-cs"/>
-              </a:rPr>
-              <a:t>[FIRE</a:t>
-            </a:r>
-            <a:r>
-              <a:rPr lang="en-GB" sz="1200" dirty="0" smtClean="0">
-                <a:solidFill>
-                  <a:srgbClr val="474746"/>
-                </a:solidFill>
-                <a:latin typeface="+mj-lt"/>
-                <a:cs typeface="+mn-cs"/>
-              </a:rPr>
-              <a:t>] When </a:t>
-            </a:r>
-            <a:r>
-              <a:rPr lang="en-GB" sz="1200" dirty="0">
-                <a:solidFill>
-                  <a:srgbClr val="474746"/>
-                </a:solidFill>
-                <a:latin typeface="+mj-lt"/>
-                <a:cs typeface="+mn-cs"/>
-              </a:rPr>
-              <a:t>smoke is detected in the kitchen while the kitchen’s temp exceeds 40 for at least five minutes, notify fire.</a:t>
-            </a:r>
-          </a:p>
-          <a:p>
-            <a:endParaRPr lang="fr-FR" sz="1000" dirty="0" smtClean="0">
-              <a:solidFill>
-                <a:srgbClr val="474746"/>
-              </a:solidFill>
-              <a:latin typeface="Courier New" panose="02070309020205020404" pitchFamily="49" charset="0"/>
-              <a:cs typeface="Courier New" panose="02070309020205020404" pitchFamily="49" charset="0"/>
-            </a:endParaRPr>
-          </a:p>
-          <a:p>
-            <a:r>
-              <a:rPr lang="fr-FR" sz="1000" b="1" dirty="0" err="1">
-                <a:solidFill>
-                  <a:srgbClr val="0070C0"/>
-                </a:solidFill>
-                <a:latin typeface="Courier New" panose="02070309020205020404" pitchFamily="49" charset="0"/>
-                <a:cs typeface="Courier New" panose="02070309020205020404" pitchFamily="49" charset="0"/>
-              </a:rPr>
-              <a:t>rule</a:t>
-            </a:r>
-            <a:r>
-              <a:rPr lang="fr-FR" sz="1000" dirty="0" smtClean="0">
-                <a:solidFill>
-                  <a:srgbClr val="474746"/>
-                </a:solidFill>
-                <a:latin typeface="Courier New" panose="02070309020205020404" pitchFamily="49" charset="0"/>
-                <a:cs typeface="Courier New" panose="02070309020205020404" pitchFamily="49" charset="0"/>
-              </a:rPr>
-              <a:t> </a:t>
-            </a:r>
-            <a:r>
-              <a:rPr lang="fr-FR" sz="1000" dirty="0" err="1">
-                <a:solidFill>
-                  <a:srgbClr val="474746"/>
-                </a:solidFill>
-                <a:latin typeface="Courier New" panose="02070309020205020404" pitchFamily="49" charset="0"/>
-                <a:cs typeface="Courier New" panose="02070309020205020404" pitchFamily="49" charset="0"/>
-              </a:rPr>
-              <a:t>AlarmWhenSmokeAndHighTemp</a:t>
-            </a:r>
-            <a:r>
-              <a:rPr lang="fr-FR" sz="1000" dirty="0">
-                <a:solidFill>
-                  <a:srgbClr val="474746"/>
-                </a:solidFill>
-                <a:latin typeface="Courier New" panose="02070309020205020404" pitchFamily="49" charset="0"/>
-                <a:cs typeface="Courier New" panose="02070309020205020404" pitchFamily="49" charset="0"/>
-              </a:rPr>
-              <a:t>:	</a:t>
-            </a:r>
-          </a:p>
-          <a:p>
-            <a:r>
-              <a:rPr lang="fr-FR" sz="1000" dirty="0">
-                <a:solidFill>
-                  <a:srgbClr val="474746"/>
-                </a:solidFill>
-                <a:latin typeface="Courier New" panose="02070309020205020404" pitchFamily="49" charset="0"/>
-                <a:cs typeface="Courier New" panose="02070309020205020404" pitchFamily="49" charset="0"/>
-              </a:rPr>
-              <a:t>  </a:t>
-            </a:r>
-            <a:r>
-              <a:rPr lang="fr-FR" sz="1000" b="1" dirty="0" err="1">
-                <a:solidFill>
-                  <a:srgbClr val="0070C0"/>
-                </a:solidFill>
-                <a:latin typeface="Courier New" panose="02070309020205020404" pitchFamily="49" charset="0"/>
-                <a:cs typeface="Courier New" panose="02070309020205020404" pitchFamily="49" charset="0"/>
-              </a:rPr>
-              <a:t>when</a:t>
-            </a:r>
-            <a:r>
-              <a:rPr lang="fr-FR" sz="1000" dirty="0">
-                <a:solidFill>
-                  <a:srgbClr val="474746"/>
-                </a:solidFill>
-                <a:latin typeface="Courier New" panose="02070309020205020404" pitchFamily="49" charset="0"/>
-                <a:cs typeface="Courier New" panose="02070309020205020404" pitchFamily="49" charset="0"/>
-              </a:rPr>
-              <a:t> (</a:t>
-            </a:r>
-            <a:r>
-              <a:rPr lang="fr-FR" sz="1000" dirty="0" err="1">
-                <a:solidFill>
-                  <a:srgbClr val="474746"/>
-                </a:solidFill>
-                <a:latin typeface="Courier New" panose="02070309020205020404" pitchFamily="49" charset="0"/>
-                <a:cs typeface="Courier New" panose="02070309020205020404" pitchFamily="49" charset="0"/>
-              </a:rPr>
-              <a:t>kitchenTemp.getTemp</a:t>
-            </a:r>
-            <a:r>
-              <a:rPr lang="fr-FR" sz="1000" dirty="0">
-                <a:solidFill>
-                  <a:srgbClr val="474746"/>
-                </a:solidFill>
-                <a:latin typeface="Courier New" panose="02070309020205020404" pitchFamily="49" charset="0"/>
-                <a:cs typeface="Courier New" panose="02070309020205020404" pitchFamily="49" charset="0"/>
-              </a:rPr>
-              <a:t>() &gt; 45 </a:t>
-            </a:r>
-            <a:endParaRPr lang="fr-FR" sz="1000" dirty="0" smtClean="0">
-              <a:solidFill>
-                <a:srgbClr val="474746"/>
-              </a:solidFill>
-              <a:latin typeface="Courier New" panose="02070309020205020404" pitchFamily="49" charset="0"/>
-              <a:cs typeface="Courier New" panose="02070309020205020404" pitchFamily="49" charset="0"/>
-            </a:endParaRPr>
-          </a:p>
-          <a:p>
-            <a:r>
-              <a:rPr lang="fr-FR" sz="1000" b="1" dirty="0">
-                <a:solidFill>
-                  <a:srgbClr val="474746"/>
-                </a:solidFill>
-                <a:latin typeface="Courier New" panose="02070309020205020404" pitchFamily="49" charset="0"/>
-                <a:cs typeface="Courier New" panose="02070309020205020404" pitchFamily="49" charset="0"/>
-              </a:rPr>
-              <a:t> </a:t>
-            </a:r>
-            <a:r>
-              <a:rPr lang="fr-FR" sz="1000" b="1" dirty="0" smtClean="0">
-                <a:solidFill>
-                  <a:srgbClr val="474746"/>
-                </a:solidFill>
-                <a:latin typeface="Courier New" panose="02070309020205020404" pitchFamily="49" charset="0"/>
-                <a:cs typeface="Courier New" panose="02070309020205020404" pitchFamily="49" charset="0"/>
-              </a:rPr>
-              <a:t>      </a:t>
-            </a:r>
-            <a:r>
-              <a:rPr lang="fr-FR" sz="1000" b="1" dirty="0" err="1" smtClean="0">
-                <a:solidFill>
-                  <a:srgbClr val="0070C0"/>
-                </a:solidFill>
-                <a:latin typeface="Courier New" panose="02070309020205020404" pitchFamily="49" charset="0"/>
-                <a:cs typeface="Courier New" panose="02070309020205020404" pitchFamily="49" charset="0"/>
-              </a:rPr>
-              <a:t>within</a:t>
-            </a:r>
-            <a:r>
-              <a:rPr lang="fr-FR" sz="1000" dirty="0" smtClean="0">
-                <a:solidFill>
-                  <a:srgbClr val="474746"/>
-                </a:solidFill>
-                <a:latin typeface="Courier New" panose="02070309020205020404" pitchFamily="49" charset="0"/>
-                <a:cs typeface="Courier New" panose="02070309020205020404" pitchFamily="49" charset="0"/>
-              </a:rPr>
-              <a:t> </a:t>
-            </a:r>
-            <a:r>
-              <a:rPr lang="fr-FR" sz="1000" dirty="0">
-                <a:solidFill>
-                  <a:srgbClr val="474746"/>
-                </a:solidFill>
-                <a:latin typeface="Courier New" panose="02070309020205020404" pitchFamily="49" charset="0"/>
-                <a:cs typeface="Courier New" panose="02070309020205020404" pitchFamily="49" charset="0"/>
-              </a:rPr>
-              <a:t>5 min </a:t>
-            </a:r>
-            <a:r>
-              <a:rPr lang="fr-FR" sz="1000" b="1" dirty="0" err="1">
-                <a:solidFill>
-                  <a:srgbClr val="0070C0"/>
-                </a:solidFill>
-                <a:latin typeface="Courier New" panose="02070309020205020404" pitchFamily="49" charset="0"/>
-                <a:cs typeface="Courier New" panose="02070309020205020404" pitchFamily="49" charset="0"/>
-              </a:rPr>
-              <a:t>from</a:t>
-            </a:r>
-            <a:r>
-              <a:rPr lang="fr-FR" sz="1000" dirty="0">
-                <a:solidFill>
-                  <a:srgbClr val="474746"/>
-                </a:solidFill>
-                <a:latin typeface="Courier New" panose="02070309020205020404" pitchFamily="49" charset="0"/>
-                <a:cs typeface="Courier New" panose="02070309020205020404" pitchFamily="49" charset="0"/>
-              </a:rPr>
-              <a:t> </a:t>
-            </a:r>
-            <a:r>
-              <a:rPr lang="fr-FR" sz="1000" dirty="0" err="1">
-                <a:solidFill>
-                  <a:srgbClr val="474746"/>
-                </a:solidFill>
-                <a:latin typeface="Courier New" panose="02070309020205020404" pitchFamily="49" charset="0"/>
-                <a:cs typeface="Courier New" panose="02070309020205020404" pitchFamily="49" charset="0"/>
-              </a:rPr>
-              <a:t>smokeDetector.smoke</a:t>
-            </a:r>
-            <a:r>
-              <a:rPr lang="fr-FR" sz="1000" dirty="0">
-                <a:solidFill>
-                  <a:srgbClr val="474746"/>
-                </a:solidFill>
-                <a:latin typeface="Courier New" panose="02070309020205020404" pitchFamily="49" charset="0"/>
-                <a:cs typeface="Courier New" panose="02070309020205020404" pitchFamily="49" charset="0"/>
-              </a:rPr>
-              <a:t>()) </a:t>
-            </a:r>
-            <a:endParaRPr lang="fr-FR" sz="1000" dirty="0" smtClean="0">
-              <a:solidFill>
-                <a:srgbClr val="474746"/>
-              </a:solidFill>
-              <a:latin typeface="Courier New" panose="02070309020205020404" pitchFamily="49" charset="0"/>
-              <a:cs typeface="Courier New" panose="02070309020205020404" pitchFamily="49" charset="0"/>
-            </a:endParaRPr>
-          </a:p>
-          <a:p>
-            <a:r>
-              <a:rPr lang="fr-FR" sz="1000" b="1" dirty="0">
-                <a:solidFill>
-                  <a:srgbClr val="474746"/>
-                </a:solidFill>
-                <a:latin typeface="Courier New" panose="02070309020205020404" pitchFamily="49" charset="0"/>
-                <a:cs typeface="Courier New" panose="02070309020205020404" pitchFamily="49" charset="0"/>
-              </a:rPr>
-              <a:t> </a:t>
-            </a:r>
-            <a:r>
-              <a:rPr lang="fr-FR" sz="1000" b="1" dirty="0" smtClean="0">
-                <a:solidFill>
-                  <a:srgbClr val="474746"/>
-                </a:solidFill>
-                <a:latin typeface="Courier New" panose="02070309020205020404" pitchFamily="49" charset="0"/>
-                <a:cs typeface="Courier New" panose="02070309020205020404" pitchFamily="49" charset="0"/>
-              </a:rPr>
-              <a:t> </a:t>
-            </a:r>
-            <a:r>
-              <a:rPr lang="fr-FR" sz="1000" b="1" dirty="0" smtClean="0">
-                <a:solidFill>
-                  <a:srgbClr val="0070C0"/>
-                </a:solidFill>
-                <a:latin typeface="Courier New" panose="02070309020205020404" pitchFamily="49" charset="0"/>
-                <a:cs typeface="Courier New" panose="02070309020205020404" pitchFamily="49" charset="0"/>
-              </a:rPr>
-              <a:t>do</a:t>
-            </a:r>
-            <a:r>
-              <a:rPr lang="fr-FR" sz="1000" dirty="0" smtClean="0">
-                <a:solidFill>
-                  <a:srgbClr val="474746"/>
-                </a:solidFill>
-                <a:latin typeface="Courier New" panose="02070309020205020404" pitchFamily="49" charset="0"/>
-                <a:cs typeface="Courier New" panose="02070309020205020404" pitchFamily="49" charset="0"/>
-              </a:rPr>
-              <a:t> {</a:t>
-            </a:r>
-            <a:r>
-              <a:rPr lang="fr-FR" sz="1000" dirty="0" err="1" smtClean="0">
-                <a:solidFill>
-                  <a:srgbClr val="474746"/>
-                </a:solidFill>
-                <a:latin typeface="Courier New" panose="02070309020205020404" pitchFamily="49" charset="0"/>
-                <a:cs typeface="Courier New" panose="02070309020205020404" pitchFamily="49" charset="0"/>
-              </a:rPr>
-              <a:t>alarm.sound</a:t>
-            </a:r>
-            <a:r>
-              <a:rPr lang="fr-FR" sz="1000" dirty="0" smtClean="0">
-                <a:solidFill>
-                  <a:srgbClr val="474746"/>
-                </a:solidFill>
-                <a:latin typeface="Courier New" panose="02070309020205020404" pitchFamily="49" charset="0"/>
-                <a:cs typeface="Courier New" panose="02070309020205020404" pitchFamily="49" charset="0"/>
-              </a:rPr>
-              <a:t>()}</a:t>
-            </a:r>
-            <a:endParaRPr lang="fr-FR" sz="1000" dirty="0">
-              <a:solidFill>
-                <a:srgbClr val="474746"/>
-              </a:solidFill>
-              <a:latin typeface="Courier New" panose="02070309020205020404" pitchFamily="49" charset="0"/>
-              <a:cs typeface="Courier New" panose="02070309020205020404" pitchFamily="49" charset="0"/>
-            </a:endParaRPr>
-          </a:p>
-        </p:txBody>
-      </p:sp>
-      <p:sp>
-        <p:nvSpPr>
-          <p:cNvPr id="9" name="Espace réservé du contenu 2"/>
+          <p:cNvPr id="10" name="Espace réservé du contenu 2"/>
           <p:cNvSpPr txBox="1">
             <a:spLocks/>
           </p:cNvSpPr>
@@ -11581,8 +9622,8 @@
         </p:nvSpPr>
         <p:spPr>
           <a:xfrm>
-            <a:off x="179512" y="1484784"/>
-            <a:ext cx="5204088" cy="4896544"/>
+            <a:off x="323528" y="1378422"/>
+            <a:ext cx="8363272" cy="5146922"/>
           </a:xfrm>
           <a:prstGeom prst="rect">
             <a:avLst/>
@@ -11778,7 +9819,7 @@
                   <a:srgbClr val="00B050"/>
                 </a:solidFill>
               </a:rPr>
-              <a:t>Complex</a:t>
+              <a:t>Capability</a:t>
             </a:r>
             <a:r>
               <a:rPr lang="fr-FR" sz="2000" dirty="0" smtClean="0">
@@ -11786,7 +9827,7 @@
                   <a:srgbClr val="00B050"/>
                 </a:solidFill>
               </a:rPr>
-              <a:t> Event </a:t>
+              <a:t>/Network </a:t>
             </a:r>
             <a:r>
               <a:rPr lang="fr-FR" sz="2000" dirty="0" err="1" smtClean="0">
@@ -11794,7 +9835,71 @@
                   <a:srgbClr val="00B050"/>
                 </a:solidFill>
               </a:rPr>
-              <a:t>Processing</a:t>
+              <a:t>Discovery</a:t>
+            </a:r>
+            <a:r>
+              <a:rPr lang="fr-FR" sz="2000" dirty="0" smtClean="0">
+                <a:solidFill>
+                  <a:srgbClr val="00B050"/>
+                </a:solidFill>
+              </a:rPr>
+              <a:t> in </a:t>
+            </a:r>
+            <a:r>
+              <a:rPr lang="fr-FR" sz="2000" dirty="0" err="1" smtClean="0">
+                <a:solidFill>
+                  <a:srgbClr val="00B050"/>
+                </a:solidFill>
+              </a:rPr>
+              <a:t>dynamically</a:t>
+            </a:r>
+            <a:r>
+              <a:rPr lang="fr-FR" sz="2000" dirty="0" smtClean="0">
+                <a:solidFill>
+                  <a:srgbClr val="00B050"/>
+                </a:solidFill>
+              </a:rPr>
+              <a:t> </a:t>
+            </a:r>
+            <a:r>
+              <a:rPr lang="fr-FR" sz="2000" dirty="0" err="1" smtClean="0">
+                <a:solidFill>
+                  <a:srgbClr val="00B050"/>
+                </a:solidFill>
+              </a:rPr>
+              <a:t>changing</a:t>
+            </a:r>
+            <a:r>
+              <a:rPr lang="fr-FR" sz="2000" dirty="0" smtClean="0">
+                <a:solidFill>
+                  <a:srgbClr val="00B050"/>
+                </a:solidFill>
+              </a:rPr>
+              <a:t> </a:t>
+            </a:r>
+            <a:r>
+              <a:rPr lang="fr-FR" sz="2000" dirty="0" err="1" smtClean="0">
+                <a:solidFill>
+                  <a:srgbClr val="00B050"/>
+                </a:solidFill>
+              </a:rPr>
+              <a:t>IoT</a:t>
+            </a:r>
+            <a:r>
+              <a:rPr lang="fr-FR" sz="2000" dirty="0" smtClean="0">
+                <a:solidFill>
+                  <a:srgbClr val="00B050"/>
+                </a:solidFill>
+              </a:rPr>
+              <a:t> </a:t>
+            </a:r>
+            <a:r>
+              <a:rPr lang="fr-FR" sz="2000" dirty="0" err="1" smtClean="0">
+                <a:solidFill>
+                  <a:srgbClr val="00B050"/>
+                </a:solidFill>
+              </a:rPr>
+              <a:t>Systems</a:t>
             </a:r>
             <a:endParaRPr lang="fr-FR" sz="2000" dirty="0" smtClean="0">
               <a:solidFill>
@@ -11811,16 +9916,20 @@
               <a:buChar char="§"/>
             </a:pPr>
             <a:r>
+              <a:rPr lang="fr-FR" sz="1300" dirty="0" smtClean="0"/>
+              <a:t>Once </a:t>
+            </a:r>
+            <a:r>
               <a:rPr lang="fr-FR" sz="1300" dirty="0" err="1" smtClean="0"/>
-              <a:t>Provide</a:t>
+              <a:t>connected</a:t>
             </a:r>
             <a:r>
               <a:rPr lang="fr-FR" sz="1300" dirty="0" smtClean="0"/>
-              <a:t> high-</a:t>
+              <a:t>, </a:t>
             </a:r>
             <a:r>
               <a:rPr lang="fr-FR" sz="1300" dirty="0" err="1" smtClean="0"/>
-              <a:t>level</a:t>
+              <a:t>what</a:t>
             </a:r>
             <a:r>
               <a:rPr lang="fr-FR" sz="1300" dirty="0" smtClean="0"/>
@@ -11828,23 +9937,57 @@
             </a:r>
             <a:r>
               <a:rPr lang="fr-FR" sz="1300" dirty="0" err="1" smtClean="0"/>
-              <a:t>constructs</a:t>
+              <a:t>capabilities</a:t>
             </a:r>
             <a:r>
               <a:rPr lang="fr-FR" sz="1300" dirty="0" smtClean="0"/>
-              <a:t> to </a:t>
+              <a:t> </a:t>
             </a:r>
             <a:r>
               <a:rPr lang="fr-FR" sz="1300" dirty="0" err="1" smtClean="0"/>
-              <a:t>manipulate</a:t>
+              <a:t>does</a:t>
             </a:r>
             <a:r>
               <a:rPr lang="fr-FR" sz="1300" dirty="0" smtClean="0"/>
-              <a:t> Cep </a:t>
+              <a:t> a </a:t>
             </a:r>
             <a:r>
               <a:rPr lang="fr-FR" sz="1300" dirty="0" err="1" smtClean="0"/>
-              <a:t>filters</a:t>
+              <a:t>device</a:t>
+            </a:r>
+            <a:r>
+              <a:rPr lang="fr-FR" sz="1300" dirty="0" smtClean="0"/>
+              <a:t> expose to the </a:t>
+            </a:r>
+            <a:r>
+              <a:rPr lang="fr-FR" sz="1300" dirty="0" err="1" smtClean="0"/>
+              <a:t>external</a:t>
+            </a:r>
+            <a:r>
+              <a:rPr lang="fr-FR" sz="1300" dirty="0" smtClean="0"/>
+              <a:t> world?</a:t>
+            </a:r>
+            <a:endParaRPr lang="fr-FR" sz="1300" dirty="0"/>
+          </a:p>
+          <a:p>
+            <a:pPr marL="724950" lvl="2" indent="-285750">
+              <a:buClr>
+                <a:srgbClr val="00B050"/>
+              </a:buClr>
+              <a:buFont typeface="Wingdings" panose="05000000000000000000" pitchFamily="2" charset="2"/>
+              <a:buChar char="§"/>
+            </a:pPr>
+            <a:r>
+              <a:rPr lang="fr-FR" sz="1300" dirty="0" err="1" smtClean="0"/>
+              <a:t>Lack</a:t>
+            </a:r>
+            <a:r>
+              <a:rPr lang="fr-FR" sz="1300" dirty="0" smtClean="0"/>
+              <a:t> of </a:t>
+            </a:r>
+            <a:r>
+              <a:rPr lang="fr-FR" sz="1300" dirty="0" err="1" smtClean="0"/>
+              <a:t>uniform</a:t>
             </a:r>
             <a:r>
               <a:rPr lang="fr-FR" sz="1300" dirty="0" smtClean="0"/>
@@ -11852,7 +9995,7 @@
             </a:r>
             <a:r>
               <a:rPr lang="fr-FR" sz="1300" dirty="0" err="1" smtClean="0"/>
-              <a:t>window</a:t>
+              <a:t>standardised</a:t>
             </a:r>
             <a:r>
               <a:rPr lang="fr-FR" sz="1300" dirty="0" smtClean="0"/>
@@ -11860,9 +10003,51 @@
             </a:r>
             <a:r>
               <a:rPr lang="fr-FR" sz="1300" dirty="0" err="1" smtClean="0"/>
-              <a:t>intervals</a:t>
-            </a:r>
-            <a:endParaRPr lang="fr-FR" sz="1300" dirty="0" smtClean="0"/>
+              <a:t>protocol</a:t>
+            </a:r>
+            <a:r>
+              <a:rPr lang="fr-FR" sz="1300" dirty="0"/>
+              <a:t/>
+            </a:r>
+            <a:br>
+              <a:rPr lang="fr-FR" sz="1300" dirty="0"/>
+            </a:br>
+            <a:r>
+              <a:rPr lang="fr-FR" sz="1300" dirty="0" smtClean="0"/>
+              <a:t>(</a:t>
+            </a:r>
+            <a:r>
+              <a:rPr lang="fr-FR" sz="1300" dirty="0" err="1" smtClean="0"/>
+              <a:t>just</a:t>
+            </a:r>
+            <a:r>
+              <a:rPr lang="fr-FR" sz="1300" dirty="0" smtClean="0"/>
+              <a:t> </a:t>
+            </a:r>
+            <a:r>
+              <a:rPr lang="fr-FR" sz="1300" dirty="0" err="1" smtClean="0"/>
+              <a:t>like</a:t>
+            </a:r>
+            <a:r>
+              <a:rPr lang="fr-FR" sz="1300" dirty="0" smtClean="0"/>
+              <a:t> for </a:t>
+            </a:r>
+            <a:r>
+              <a:rPr lang="fr-FR" sz="1300" cap="small" dirty="0" err="1" smtClean="0"/>
+              <a:t>Usb</a:t>
+            </a:r>
+            <a:r>
+              <a:rPr lang="fr-FR" sz="1300" dirty="0" smtClean="0"/>
+              <a:t>, </a:t>
+            </a:r>
+            <a:r>
+              <a:rPr lang="fr-FR" sz="1300" dirty="0" err="1" smtClean="0"/>
+              <a:t>BlueTooth</a:t>
+            </a:r>
+            <a:r>
+              <a:rPr lang="fr-FR" sz="1300" dirty="0" smtClean="0"/>
+              <a:t>, etc.)</a:t>
+            </a:r>
           </a:p>
           <a:p>
             <a:pPr marL="724950" lvl="2" indent="-285750">
@@ -11875,6 +10060,63 @@
             <a:endParaRPr lang="fr-FR" sz="1300" dirty="0"/>
           </a:p>
           <a:p>
+            <a:pPr marL="457200" indent="-457200">
+              <a:buClr>
+                <a:srgbClr val="00B050"/>
+              </a:buClr>
+              <a:buFont typeface="Wingdings" panose="05000000000000000000" pitchFamily="2" charset="2"/>
+              <a:buChar char="q"/>
+            </a:pPr>
+            <a:r>
+              <a:rPr lang="fr-FR" sz="2000" dirty="0" err="1" smtClean="0">
+                <a:solidFill>
+                  <a:srgbClr val="00B050"/>
+                </a:solidFill>
+              </a:rPr>
+              <a:t>Complex</a:t>
+            </a:r>
+            <a:r>
+              <a:rPr lang="fr-FR" sz="2000" dirty="0" smtClean="0">
+                <a:solidFill>
+                  <a:srgbClr val="00B050"/>
+                </a:solidFill>
+              </a:rPr>
+              <a:t> Event </a:t>
+            </a:r>
+            <a:r>
+              <a:rPr lang="fr-FR" sz="2000" dirty="0" err="1" smtClean="0">
+                <a:solidFill>
+                  <a:srgbClr val="00B050"/>
+                </a:solidFill>
+              </a:rPr>
+              <a:t>Processing</a:t>
+            </a:r>
+            <a:r>
+              <a:rPr lang="fr-FR" sz="2000" dirty="0" smtClean="0">
+                <a:solidFill>
+                  <a:srgbClr val="00B050"/>
+                </a:solidFill>
+              </a:rPr>
+              <a:t> (</a:t>
+            </a:r>
+            <a:r>
+              <a:rPr lang="fr-FR" sz="2000" cap="small" dirty="0" smtClean="0">
+                <a:solidFill>
+                  <a:srgbClr val="00B050"/>
+                </a:solidFill>
+              </a:rPr>
+              <a:t>Cep</a:t>
+            </a:r>
+            <a:r>
+              <a:rPr lang="fr-FR" sz="2000" dirty="0" smtClean="0">
+                <a:solidFill>
+                  <a:srgbClr val="00B050"/>
+                </a:solidFill>
+              </a:rPr>
+              <a:t>)</a:t>
+            </a:r>
+          </a:p>
+          <a:p>
             <a:pPr marL="724950" lvl="2" indent="-285750">
               <a:buClr>
                 <a:srgbClr val="00B050"/>
@@ -11884,23 +10126,43 @@
             </a:pPr>
             <a:r>
               <a:rPr lang="fr-FR" sz="1300" dirty="0" smtClean="0"/>
-              <a:t>Is Visual </a:t>
-            </a:r>
-            <a:r>
-              <a:rPr lang="fr-FR" sz="1300" cap="small" dirty="0" smtClean="0"/>
-              <a:t>Gui </a:t>
+              <a:t>Expose high-</a:t>
             </a:r>
             <a:r>
               <a:rPr lang="fr-FR" sz="1300" dirty="0" err="1" smtClean="0"/>
-              <a:t>better</a:t>
+              <a:t>level</a:t>
             </a:r>
             <a:r>
               <a:rPr lang="fr-FR" sz="1300" dirty="0" smtClean="0"/>
-              <a:t> in </a:t>
+              <a:t>, abstract </a:t>
             </a:r>
             <a:r>
               <a:rPr lang="fr-FR" sz="1300" dirty="0" err="1" smtClean="0"/>
-              <a:t>this</a:t>
+              <a:t>capabilities</a:t>
+            </a:r>
+            <a:r>
+              <a:rPr lang="fr-FR" sz="1300" dirty="0" smtClean="0"/>
+              <a:t>, </a:t>
+            </a:r>
+            <a:r>
+              <a:rPr lang="fr-FR" sz="1300" dirty="0" err="1" smtClean="0"/>
+              <a:t>instead</a:t>
+            </a:r>
+            <a:r>
+              <a:rPr lang="fr-FR" sz="1300" dirty="0" smtClean="0"/>
+              <a:t> of </a:t>
+            </a:r>
+            <a:r>
+              <a:rPr lang="fr-FR" sz="1300" dirty="0" err="1" smtClean="0"/>
+              <a:t>low-level</a:t>
+            </a:r>
+            <a:r>
+              <a:rPr lang="fr-FR" sz="1300" dirty="0" smtClean="0"/>
+              <a:t>, </a:t>
+            </a:r>
+            <a:r>
+              <a:rPr lang="fr-FR" sz="1300" dirty="0" err="1" smtClean="0"/>
+              <a:t>technical</a:t>
             </a:r>
             <a:r>
               <a:rPr lang="fr-FR" sz="1300" dirty="0" smtClean="0"/>
@@ -11908,13 +10170,107 @@
             </a:r>
             <a:r>
               <a:rPr lang="fr-FR" sz="1300" dirty="0" err="1" smtClean="0"/>
-              <a:t>context</a:t>
+              <a:t>ones</a:t>
+            </a:r>
+            <a:endParaRPr lang="fr-FR" sz="1300" dirty="0" smtClean="0"/>
+          </a:p>
+          <a:p>
+            <a:pPr marL="724950" lvl="2" indent="-285750">
+              <a:buClr>
+                <a:srgbClr val="00B050"/>
+              </a:buClr>
+              <a:buFont typeface="Wingdings" panose="05000000000000000000" pitchFamily="2" charset="2"/>
+              <a:buChar char="§"/>
+            </a:pPr>
+            <a:r>
+              <a:rPr lang="fr-FR" sz="1300" dirty="0" err="1" smtClean="0"/>
+              <a:t>Complex</a:t>
             </a:r>
             <a:r>
               <a:rPr lang="fr-FR" sz="1300" dirty="0" smtClean="0"/>
-              <a:t>?</a:t>
-            </a:r>
-            <a:endParaRPr lang="fr-FR" sz="1300" dirty="0" smtClean="0"/>
+              <a:t> </a:t>
+            </a:r>
+            <a:r>
+              <a:rPr lang="fr-FR" sz="1300" dirty="0" err="1" smtClean="0"/>
+              <a:t>analysis</a:t>
+            </a:r>
+            <a:r>
+              <a:rPr lang="fr-FR" sz="1300" dirty="0" smtClean="0"/>
+              <a:t> of data </a:t>
+            </a:r>
+            <a:r>
+              <a:rPr lang="fr-FR" sz="1300" dirty="0" err="1" smtClean="0"/>
+              <a:t>streams</a:t>
+            </a:r>
+            <a:r>
+              <a:rPr lang="fr-FR" sz="1300" dirty="0" smtClean="0"/>
+              <a:t> to </a:t>
+            </a:r>
+            <a:r>
+              <a:rPr lang="fr-FR" sz="1300" dirty="0" err="1" smtClean="0"/>
+              <a:t>filter</a:t>
+            </a:r>
+            <a:r>
+              <a:rPr lang="fr-FR" sz="1300" dirty="0" smtClean="0"/>
+              <a:t> and expose </a:t>
+            </a:r>
+            <a:r>
+              <a:rPr lang="fr-FR" sz="1300" dirty="0" err="1" smtClean="0"/>
+              <a:t>only</a:t>
+            </a:r>
+            <a:r>
+              <a:rPr lang="fr-FR" sz="1300" dirty="0" smtClean="0"/>
+              <a:t> </a:t>
+            </a:r>
+            <a:r>
+              <a:rPr lang="fr-FR" sz="1300" dirty="0" err="1" smtClean="0"/>
+              <a:t>what</a:t>
+            </a:r>
+            <a:r>
+              <a:rPr lang="fr-FR" sz="1300" dirty="0" smtClean="0"/>
+              <a:t> </a:t>
+            </a:r>
+            <a:r>
+              <a:rPr lang="fr-FR" sz="1300" dirty="0" err="1" smtClean="0"/>
+              <a:t>is</a:t>
+            </a:r>
+            <a:r>
+              <a:rPr lang="fr-FR" sz="1300" dirty="0" smtClean="0"/>
+              <a:t> scenario-relevant</a:t>
+            </a:r>
+          </a:p>
+          <a:p>
+            <a:pPr marL="724950" lvl="2" indent="-285750">
+              <a:buClr>
+                <a:srgbClr val="00B050"/>
+              </a:buClr>
+              <a:buFont typeface="Wingdings" panose="05000000000000000000" pitchFamily="2" charset="2"/>
+              <a:buChar char="§"/>
+            </a:pPr>
+            <a:r>
+              <a:rPr lang="fr-FR" sz="1300" dirty="0" smtClean="0"/>
+              <a:t>Bi-</a:t>
+            </a:r>
+            <a:r>
+              <a:rPr lang="fr-FR" sz="1300" dirty="0" err="1" smtClean="0"/>
+              <a:t>directional</a:t>
+            </a:r>
+            <a:r>
+              <a:rPr lang="fr-FR" sz="1300" dirty="0" smtClean="0"/>
+              <a:t> </a:t>
+            </a:r>
+            <a:r>
+              <a:rPr lang="fr-FR" sz="1300" dirty="0" err="1" smtClean="0"/>
+              <a:t>operation</a:t>
+            </a:r>
+            <a:r>
+              <a:rPr lang="fr-FR" sz="1300" dirty="0"/>
+              <a:t> </a:t>
+            </a:r>
+            <a:r>
+              <a:rPr lang="fr-FR" sz="1300" dirty="0" smtClean="0"/>
+              <a:t>to translate back</a:t>
+            </a:r>
           </a:p>
           <a:p>
             <a:pPr marL="724950" lvl="2" indent="-285750">
@@ -11935,30 +10291,14 @@
               <a:buChar char="q"/>
             </a:pPr>
             <a:r>
-              <a:rPr lang="fr-FR" sz="2000" dirty="0" err="1" smtClean="0">
+              <a:rPr lang="fr-FR" sz="2000" dirty="0" err="1">
                 <a:solidFill>
                   <a:srgbClr val="00B050"/>
                 </a:solidFill>
               </a:rPr>
-              <a:t>Centralised</a:t>
-            </a:r>
-            <a:r>
-              <a:rPr lang="fr-FR" sz="2000" dirty="0" smtClean="0">
-                <a:solidFill>
-                  <a:srgbClr val="00B050"/>
-                </a:solidFill>
-              </a:rPr>
-              <a:t> vs. </a:t>
-            </a:r>
-            <a:r>
-              <a:rPr lang="fr-FR" sz="2000" dirty="0" err="1" smtClean="0">
-                <a:solidFill>
-                  <a:srgbClr val="00B050"/>
-                </a:solidFill>
-              </a:rPr>
-              <a:t>Decentralised</a:t>
-            </a:r>
-            <a:endParaRPr lang="fr-FR" sz="2000" dirty="0" smtClean="0">
+              <a:t>Interoperability</a:t>
+            </a:r>
+            <a:endParaRPr lang="fr-FR" sz="2000" dirty="0">
               <a:solidFill>
                 <a:srgbClr val="00B050"/>
               </a:solidFill>
@@ -11973,38 +10313,54 @@
               <a:buChar char="§"/>
             </a:pPr>
             <a:r>
-              <a:rPr lang="fr-FR" sz="1300" dirty="0" err="1" smtClean="0"/>
-              <a:t>Currently</a:t>
-            </a:r>
-            <a:r>
-              <a:rPr lang="fr-FR" sz="1300" dirty="0" smtClean="0"/>
+              <a:rPr lang="fr-FR" sz="1300" dirty="0"/>
+              <a:t>Expose high-</a:t>
+            </a:r>
+            <a:r>
+              <a:rPr lang="fr-FR" sz="1300" dirty="0" err="1"/>
+              <a:t>level</a:t>
+            </a:r>
+            <a:r>
+              <a:rPr lang="fr-FR" sz="1300" dirty="0"/>
+              <a:t>, abstract </a:t>
+            </a:r>
+            <a:r>
+              <a:rPr lang="fr-FR" sz="1300" dirty="0" err="1"/>
+              <a:t>capabilities</a:t>
+            </a:r>
+            <a:r>
+              <a:rPr lang="fr-FR" sz="1300" dirty="0"/>
               <a:t>, </a:t>
             </a:r>
             <a:r>
-              <a:rPr lang="fr-FR" sz="1300" dirty="0" err="1" smtClean="0"/>
-              <a:t>logic</a:t>
-            </a:r>
-            <a:r>
-              <a:rPr lang="fr-FR" sz="1300" dirty="0" smtClean="0"/>
+              <a:rPr lang="fr-FR" sz="1300" dirty="0" err="1"/>
+              <a:t>instead</a:t>
+            </a:r>
+            <a:r>
+              <a:rPr lang="fr-FR" sz="1300" dirty="0"/>
+              <a:t> of </a:t>
+            </a:r>
+            <a:r>
+              <a:rPr lang="fr-FR" sz="1300" dirty="0" err="1"/>
+              <a:t>low-level</a:t>
+            </a:r>
+            <a:r>
+              <a:rPr lang="fr-FR" sz="1300" dirty="0"/>
+              <a:t>, </a:t>
+            </a:r>
+            <a:r>
+              <a:rPr lang="fr-FR" sz="1300" dirty="0" err="1"/>
+              <a:t>technical</a:t>
+            </a:r>
+            <a:r>
+              <a:rPr lang="fr-FR" sz="1300" dirty="0"/>
               <a:t> </a:t>
             </a:r>
             <a:r>
-              <a:rPr lang="fr-FR" sz="1300" dirty="0" err="1" smtClean="0"/>
-              <a:t>analysis</a:t>
-            </a:r>
-            <a:r>
-              <a:rPr lang="fr-FR" sz="1300" dirty="0" smtClean="0"/>
-              <a:t> </a:t>
-            </a:r>
-            <a:r>
-              <a:rPr lang="fr-FR" sz="1300" dirty="0" err="1" smtClean="0"/>
-              <a:t>resides</a:t>
-            </a:r>
-            <a:r>
-              <a:rPr lang="fr-FR" sz="1300" dirty="0" smtClean="0"/>
-              <a:t> in Gateway</a:t>
-            </a:r>
-            <a:endParaRPr lang="fr-FR" sz="1300" dirty="0" smtClean="0"/>
+              <a:rPr lang="fr-FR" sz="1300" dirty="0" err="1"/>
+              <a:t>ones</a:t>
+            </a:r>
+            <a:endParaRPr lang="fr-FR" sz="1300" dirty="0"/>
           </a:p>
           <a:p>
             <a:pPr marL="724950" lvl="2" indent="-285750">
@@ -12015,26 +10371,61 @@
               <a:buChar char="§"/>
             </a:pPr>
             <a:r>
-              <a:rPr lang="fr-FR" sz="1300" dirty="0" smtClean="0"/>
-              <a:t>Local </a:t>
-            </a:r>
-            <a:r>
-              <a:rPr lang="fr-FR" sz="1300" dirty="0" err="1" smtClean="0"/>
-              <a:t>filters</a:t>
-            </a:r>
-            <a:r>
-              <a:rPr lang="fr-FR" sz="1300" dirty="0" smtClean="0"/>
+              <a:rPr lang="fr-FR" sz="1300" dirty="0" err="1"/>
+              <a:t>Complex</a:t>
+            </a:r>
+            <a:r>
+              <a:rPr lang="fr-FR" sz="1300" dirty="0"/>
               <a:t> </a:t>
             </a:r>
             <a:r>
-              <a:rPr lang="fr-FR" sz="1300" dirty="0" err="1" smtClean="0"/>
-              <a:t>when</a:t>
-            </a:r>
-            <a:r>
-              <a:rPr lang="fr-FR" sz="1300" dirty="0" smtClean="0"/>
-              <a:t> possible?</a:t>
-            </a:r>
-            <a:endParaRPr lang="fr-FR" sz="1300" dirty="0" smtClean="0"/>
+              <a:rPr lang="fr-FR" sz="1300" dirty="0" err="1"/>
+              <a:t>analysis</a:t>
+            </a:r>
+            <a:r>
+              <a:rPr lang="fr-FR" sz="1300" dirty="0"/>
+              <a:t> of data </a:t>
+            </a:r>
+            <a:r>
+              <a:rPr lang="fr-FR" sz="1300" dirty="0" err="1"/>
+              <a:t>streams</a:t>
+            </a:r>
+            <a:r>
+              <a:rPr lang="fr-FR" sz="1300" dirty="0"/>
+              <a:t> to </a:t>
+            </a:r>
+            <a:r>
+              <a:rPr lang="fr-FR" sz="1300" dirty="0" err="1"/>
+              <a:t>filter</a:t>
+            </a:r>
+            <a:r>
+              <a:rPr lang="fr-FR" sz="1300" dirty="0"/>
+              <a:t> and expose </a:t>
+            </a:r>
+            <a:r>
+              <a:rPr lang="fr-FR" sz="1300" dirty="0" err="1"/>
+              <a:t>only</a:t>
+            </a:r>
+            <a:r>
+              <a:rPr lang="fr-FR" sz="1300" dirty="0"/>
+              <a:t> </a:t>
+            </a:r>
+            <a:r>
+              <a:rPr lang="fr-FR" sz="1300" dirty="0" err="1"/>
+              <a:t>what</a:t>
+            </a:r>
+            <a:r>
+              <a:rPr lang="fr-FR" sz="1300" dirty="0"/>
+              <a:t> </a:t>
+            </a:r>
+            <a:r>
+              <a:rPr lang="fr-FR" sz="1300" dirty="0" err="1"/>
+              <a:t>is</a:t>
+            </a:r>
+            <a:r>
+              <a:rPr lang="fr-FR" sz="1300" dirty="0"/>
+              <a:t> scenario-relevant</a:t>
+            </a:r>
           </a:p>
           <a:p>
             <a:pPr marL="724950" lvl="2" indent="-285750">
@@ -12045,34 +10436,25 @@
               <a:buChar char="§"/>
             </a:pPr>
             <a:r>
-              <a:rPr lang="fr-FR" sz="1300" dirty="0" smtClean="0"/>
-              <a:t>How to </a:t>
-            </a:r>
-            <a:r>
-              <a:rPr lang="fr-FR" sz="1300" dirty="0" err="1" smtClean="0"/>
-              <a:t>distribute</a:t>
-            </a:r>
-            <a:r>
-              <a:rPr lang="fr-FR" sz="1300" dirty="0" smtClean="0"/>
+              <a:rPr lang="fr-FR" sz="1300" dirty="0"/>
+              <a:t>Bi-</a:t>
+            </a:r>
+            <a:r>
+              <a:rPr lang="fr-FR" sz="1300" dirty="0" err="1"/>
+              <a:t>directional</a:t>
+            </a:r>
+            <a:r>
+              <a:rPr lang="fr-FR" sz="1300" dirty="0"/>
               <a:t> </a:t>
             </a:r>
             <a:r>
-              <a:rPr lang="fr-FR" sz="1300" dirty="0" err="1" smtClean="0"/>
-              <a:t>automatically</a:t>
-            </a:r>
-            <a:r>
-              <a:rPr lang="fr-FR" sz="1300" dirty="0" smtClean="0"/>
-              <a:t> part of the </a:t>
-            </a:r>
-            <a:r>
-              <a:rPr lang="fr-FR" sz="1300" dirty="0" err="1" smtClean="0"/>
-              <a:t>rules</a:t>
-            </a:r>
-            <a:r>
-              <a:rPr lang="fr-FR" sz="1300" dirty="0" smtClean="0"/>
-              <a:t>?</a:t>
-            </a:r>
-            <a:endParaRPr lang="fr-FR" sz="1300" dirty="0" smtClean="0"/>
+              <a:rPr lang="fr-FR" sz="1300" dirty="0" err="1"/>
+              <a:t>operation</a:t>
+            </a:r>
+            <a:r>
+              <a:rPr lang="fr-FR" sz="1300" dirty="0"/>
+              <a:t> to translate back</a:t>
+            </a:r>
           </a:p>
           <a:p>
             <a:pPr marL="724950" lvl="2" indent="-285750">
@@ -12098,48 +10480,7 @@
                   <a:srgbClr val="00B050"/>
                 </a:solidFill>
               </a:rPr>
-              <a:t>Security</a:t>
-            </a:r>
-          </a:p>
-          <a:p>
-            <a:pPr marL="457200" indent="-457200">
-              <a:buClr>
-                <a:srgbClr val="00B050"/>
-              </a:buClr>
-              <a:buFont typeface="Wingdings" panose="05000000000000000000" pitchFamily="2" charset="2"/>
-              <a:buChar char="q"/>
-            </a:pPr>
-            <a:r>
-              <a:rPr lang="fr-FR" sz="2000" dirty="0" smtClean="0">
-                <a:solidFill>
-                  <a:srgbClr val="00B050"/>
-                </a:solidFill>
-              </a:rPr>
-              <a:t>Non-</a:t>
-            </a:r>
-            <a:r>
-              <a:rPr lang="fr-FR" sz="2000" dirty="0" err="1" smtClean="0">
-                <a:solidFill>
-                  <a:srgbClr val="00B050"/>
-                </a:solidFill>
-              </a:rPr>
-              <a:t>Functional</a:t>
-            </a:r>
-            <a:r>
-              <a:rPr lang="fr-FR" sz="2000" dirty="0" smtClean="0">
-                <a:solidFill>
-                  <a:srgbClr val="00B050"/>
-                </a:solidFill>
-              </a:rPr>
-              <a:t> </a:t>
-            </a:r>
-            <a:r>
-              <a:rPr lang="fr-FR" sz="2000" dirty="0" err="1" smtClean="0">
-                <a:solidFill>
-                  <a:srgbClr val="00B050"/>
-                </a:solidFill>
-              </a:rPr>
-              <a:t>Properties</a:t>
+              <a:t>Data Management</a:t>
             </a:r>
             <a:endParaRPr lang="fr-FR" sz="2000" dirty="0">
               <a:solidFill>
@@ -12156,9 +10497,26 @@
               <a:buChar char="§"/>
             </a:pPr>
             <a:r>
+              <a:rPr lang="fr-FR" sz="1300" dirty="0" err="1" smtClean="0"/>
+              <a:t>Handle</a:t>
+            </a:r>
+            <a:r>
               <a:rPr lang="fr-FR" sz="1300" dirty="0" smtClean="0"/>
-              <a:t>Performance</a:t>
-            </a:r>
+              <a:t> large </a:t>
+            </a:r>
+            <a:r>
+              <a:rPr lang="fr-FR" sz="1300" dirty="0" err="1" smtClean="0"/>
+              <a:t>streams</a:t>
+            </a:r>
+            <a:r>
+              <a:rPr lang="fr-FR" sz="1300" dirty="0" smtClean="0"/>
+              <a:t> of </a:t>
+            </a:r>
+            <a:r>
+              <a:rPr lang="fr-FR" sz="1300" dirty="0" err="1" smtClean="0"/>
+              <a:t>events</a:t>
+            </a:r>
+            <a:endParaRPr lang="fr-FR" sz="1300" dirty="0"/>
           </a:p>
           <a:p>
             <a:pPr marL="724950" lvl="2" indent="-285750">
@@ -12169,12 +10527,69 @@
               <a:buChar char="§"/>
             </a:pPr>
             <a:r>
+              <a:rPr lang="fr-FR" sz="1300" dirty="0" smtClean="0"/>
+              <a:t>Storage and Post-</a:t>
+            </a:r>
+            <a:r>
               <a:rPr lang="fr-FR" sz="1300" dirty="0" err="1" smtClean="0"/>
               <a:t>Processing</a:t>
             </a:r>
             <a:r>
               <a:rPr lang="fr-FR" sz="1300" dirty="0" smtClean="0"/>
-              <a:t> Power</a:t>
+              <a:t> (</a:t>
+            </a:r>
+            <a:r>
+              <a:rPr lang="fr-FR" sz="1300" dirty="0" err="1" smtClean="0"/>
+              <a:t>also</a:t>
+            </a:r>
+            <a:r>
+              <a:rPr lang="fr-FR" sz="1300" dirty="0" smtClean="0"/>
+              <a:t> </a:t>
+            </a:r>
+            <a:r>
+              <a:rPr lang="fr-FR" sz="1300" dirty="0" err="1" smtClean="0"/>
+              <a:t>useful</a:t>
+            </a:r>
+            <a:r>
+              <a:rPr lang="fr-FR" sz="1300" dirty="0" smtClean="0"/>
+              <a:t> for </a:t>
+            </a:r>
+            <a:r>
+              <a:rPr lang="fr-FR" sz="1300" cap="small" dirty="0" smtClean="0"/>
+              <a:t>Cep</a:t>
+            </a:r>
+            <a:r>
+              <a:rPr lang="fr-FR" sz="1300" dirty="0" smtClean="0"/>
+              <a:t>)</a:t>
+            </a:r>
+          </a:p>
+          <a:p>
+            <a:pPr marL="724950" lvl="2" indent="-285750">
+              <a:buClr>
+                <a:srgbClr val="00B050"/>
+              </a:buClr>
+              <a:buFont typeface="Wingdings" panose="05000000000000000000" pitchFamily="2" charset="2"/>
+              <a:buChar char="§"/>
+            </a:pPr>
+            <a:r>
+              <a:rPr lang="fr-FR" sz="1300" dirty="0" smtClean="0"/>
+              <a:t>Mining </a:t>
+            </a:r>
+            <a:r>
+              <a:rPr lang="fr-FR" sz="1300" dirty="0" err="1" smtClean="0"/>
+              <a:t>capabilities</a:t>
+            </a:r>
+            <a:r>
+              <a:rPr lang="fr-FR" sz="1300" dirty="0" smtClean="0"/>
+              <a:t> to </a:t>
+            </a:r>
+            <a:r>
+              <a:rPr lang="fr-FR" sz="1300" dirty="0" err="1" smtClean="0"/>
+              <a:t>extract</a:t>
+            </a:r>
+            <a:r>
+              <a:rPr lang="fr-FR" sz="1300" dirty="0" smtClean="0"/>
+              <a:t> relevant info</a:t>
             </a:r>
             <a:endParaRPr lang="fr-FR" sz="1300" dirty="0"/>
           </a:p>
@@ -12183,7 +10598,7 @@
     </p:spTree>
     <p:extLst>
       <p:ext uri="{BB962C8B-B14F-4D97-AF65-F5344CB8AC3E}">
-        <p14:creationId xmlns:p14="http://schemas.microsoft.com/office/powerpoint/2010/main" val="4150089016"/>
+        <p14:creationId xmlns:p14="http://schemas.microsoft.com/office/powerpoint/2010/main" val="1269623486"/>
       </p:ext>
     </p:extLst>
   </p:cSld>
@@ -12211,7 +10626,7 @@
                             </p:stCondLst>
                             <p:childTnLst>
                               <p:par>
-                                <p:cTn id="5" presetID="1" presetClass="entr" presetSubtype="0" fill="hold" grpId="0" nodeType="clickEffect">
+                                <p:cTn id="5" presetID="1" presetClass="entr" presetSubtype="0" fill="hold" nodeType="clickEffect">
                                   <p:stCondLst>
                                     <p:cond delay="0"/>
                                   </p:stCondLst>
@@ -12224,7 +10639,499 @@
                                           </p:stCondLst>
                                         </p:cTn>
                                         <p:tgtEl>
-                                          <p:spTgt spid="9"/>
+                                          <p:spTgt spid="10">
+                                            <p:txEl>
+                                              <p:pRg st="0" end="0"/>
+                                            </p:txEl>
+                                          </p:spTgt>
+                                        </p:tgtEl>
+                                        <p:attrNameLst>
+                                          <p:attrName>style.visibility</p:attrName>
+                                        </p:attrNameLst>
+                                      </p:cBhvr>
+                                      <p:to>
+                                        <p:strVal val="visible"/>
+                                      </p:to>
+                                    </p:set>
+                                  </p:childTnLst>
+                                </p:cTn>
+                              </p:par>
+                              <p:par>
+                                <p:cTn id="7" presetID="1" presetClass="entr" presetSubtype="0" fill="hold" nodeType="withEffect">
+                                  <p:stCondLst>
+                                    <p:cond delay="0"/>
+                                  </p:stCondLst>
+                                  <p:childTnLst>
+                                    <p:set>
+                                      <p:cBhvr>
+                                        <p:cTn id="8" dur="1" fill="hold">
+                                          <p:stCondLst>
+                                            <p:cond delay="0"/>
+                                          </p:stCondLst>
+                                        </p:cTn>
+                                        <p:tgtEl>
+                                          <p:spTgt spid="10">
+                                            <p:txEl>
+                                              <p:pRg st="1" end="1"/>
+                                            </p:txEl>
+                                          </p:spTgt>
+                                        </p:tgtEl>
+                                        <p:attrNameLst>
+                                          <p:attrName>style.visibility</p:attrName>
+                                        </p:attrNameLst>
+                                      </p:cBhvr>
+                                      <p:to>
+                                        <p:strVal val="visible"/>
+                                      </p:to>
+                                    </p:set>
+                                  </p:childTnLst>
+                                </p:cTn>
+                              </p:par>
+                              <p:par>
+                                <p:cTn id="9" presetID="1" presetClass="entr" presetSubtype="0" fill="hold" nodeType="withEffect">
+                                  <p:stCondLst>
+                                    <p:cond delay="0"/>
+                                  </p:stCondLst>
+                                  <p:childTnLst>
+                                    <p:set>
+                                      <p:cBhvr>
+                                        <p:cTn id="10" dur="1" fill="hold">
+                                          <p:stCondLst>
+                                            <p:cond delay="0"/>
+                                          </p:stCondLst>
+                                        </p:cTn>
+                                        <p:tgtEl>
+                                          <p:spTgt spid="10">
+                                            <p:txEl>
+                                              <p:pRg st="2" end="2"/>
+                                            </p:txEl>
+                                          </p:spTgt>
+                                        </p:tgtEl>
+                                        <p:attrNameLst>
+                                          <p:attrName>style.visibility</p:attrName>
+                                        </p:attrNameLst>
+                                      </p:cBhvr>
+                                      <p:to>
+                                        <p:strVal val="visible"/>
+                                      </p:to>
+                                    </p:set>
+                                  </p:childTnLst>
+                                </p:cTn>
+                              </p:par>
+                            </p:childTnLst>
+                          </p:cTn>
+                        </p:par>
+                      </p:childTnLst>
+                    </p:cTn>
+                  </p:par>
+                  <p:par>
+                    <p:cTn id="11" fill="hold">
+                      <p:stCondLst>
+                        <p:cond delay="indefinite"/>
+                      </p:stCondLst>
+                      <p:childTnLst>
+                        <p:par>
+                          <p:cTn id="12" fill="hold">
+                            <p:stCondLst>
+                              <p:cond delay="0"/>
+                            </p:stCondLst>
+                            <p:childTnLst>
+                              <p:par>
+                                <p:cTn id="13" presetID="1" presetClass="entr" presetSubtype="0" fill="hold" nodeType="clickEffect">
+                                  <p:stCondLst>
+                                    <p:cond delay="0"/>
+                                  </p:stCondLst>
+                                  <p:childTnLst>
+                                    <p:set>
+                                      <p:cBhvr>
+                                        <p:cTn id="14" dur="1" fill="hold">
+                                          <p:stCondLst>
+                                            <p:cond delay="0"/>
+                                          </p:stCondLst>
+                                        </p:cTn>
+                                        <p:tgtEl>
+                                          <p:spTgt spid="10">
+                                            <p:txEl>
+                                              <p:pRg st="4" end="4"/>
+                                            </p:txEl>
+                                          </p:spTgt>
+                                        </p:tgtEl>
+                                        <p:attrNameLst>
+                                          <p:attrName>style.visibility</p:attrName>
+                                        </p:attrNameLst>
+                                      </p:cBhvr>
+                                      <p:to>
+                                        <p:strVal val="visible"/>
+                                      </p:to>
+                                    </p:set>
+                                  </p:childTnLst>
+                                </p:cTn>
+                              </p:par>
+                              <p:par>
+                                <p:cTn id="15" presetID="1" presetClass="entr" presetSubtype="0" fill="hold" nodeType="withEffect">
+                                  <p:stCondLst>
+                                    <p:cond delay="0"/>
+                                  </p:stCondLst>
+                                  <p:childTnLst>
+                                    <p:set>
+                                      <p:cBhvr>
+                                        <p:cTn id="16" dur="1" fill="hold">
+                                          <p:stCondLst>
+                                            <p:cond delay="0"/>
+                                          </p:stCondLst>
+                                        </p:cTn>
+                                        <p:tgtEl>
+                                          <p:spTgt spid="10">
+                                            <p:txEl>
+                                              <p:pRg st="5" end="5"/>
+                                            </p:txEl>
+                                          </p:spTgt>
+                                        </p:tgtEl>
+                                        <p:attrNameLst>
+                                          <p:attrName>style.visibility</p:attrName>
+                                        </p:attrNameLst>
+                                      </p:cBhvr>
+                                      <p:to>
+                                        <p:strVal val="visible"/>
+                                      </p:to>
+                                    </p:set>
+                                  </p:childTnLst>
+                                </p:cTn>
+                              </p:par>
+                              <p:par>
+                                <p:cTn id="17" presetID="1" presetClass="entr" presetSubtype="0" fill="hold" nodeType="withEffect">
+                                  <p:stCondLst>
+                                    <p:cond delay="0"/>
+                                  </p:stCondLst>
+                                  <p:childTnLst>
+                                    <p:set>
+                                      <p:cBhvr>
+                                        <p:cTn id="18" dur="1" fill="hold">
+                                          <p:stCondLst>
+                                            <p:cond delay="0"/>
+                                          </p:stCondLst>
+                                        </p:cTn>
+                                        <p:tgtEl>
+                                          <p:spTgt spid="10">
+                                            <p:txEl>
+                                              <p:pRg st="6" end="6"/>
+                                            </p:txEl>
+                                          </p:spTgt>
+                                        </p:tgtEl>
+                                        <p:attrNameLst>
+                                          <p:attrName>style.visibility</p:attrName>
+                                        </p:attrNameLst>
+                                      </p:cBhvr>
+                                      <p:to>
+                                        <p:strVal val="visible"/>
+                                      </p:to>
+                                    </p:set>
+                                  </p:childTnLst>
+                                </p:cTn>
+                              </p:par>
+                              <p:par>
+                                <p:cTn id="19" presetID="1" presetClass="entr" presetSubtype="0" fill="hold" nodeType="withEffect">
+                                  <p:stCondLst>
+                                    <p:cond delay="0"/>
+                                  </p:stCondLst>
+                                  <p:childTnLst>
+                                    <p:set>
+                                      <p:cBhvr>
+                                        <p:cTn id="20" dur="1" fill="hold">
+                                          <p:stCondLst>
+                                            <p:cond delay="0"/>
+                                          </p:stCondLst>
+                                        </p:cTn>
+                                        <p:tgtEl>
+                                          <p:spTgt spid="10">
+                                            <p:txEl>
+                                              <p:pRg st="7" end="7"/>
+                                            </p:txEl>
+                                          </p:spTgt>
+                                        </p:tgtEl>
+                                        <p:attrNameLst>
+                                          <p:attrName>style.visibility</p:attrName>
+                                        </p:attrNameLst>
+                                      </p:cBhvr>
+                                      <p:to>
+                                        <p:strVal val="visible"/>
+                                      </p:to>
+                                    </p:set>
+                                  </p:childTnLst>
+                                </p:cTn>
+                              </p:par>
+                            </p:childTnLst>
+                          </p:cTn>
+                        </p:par>
+                      </p:childTnLst>
+                    </p:cTn>
+                  </p:par>
+                  <p:par>
+                    <p:cTn id="21" fill="hold">
+                      <p:stCondLst>
+                        <p:cond delay="indefinite"/>
+                      </p:stCondLst>
+                      <p:childTnLst>
+                        <p:par>
+                          <p:cTn id="22" fill="hold">
+                            <p:stCondLst>
+                              <p:cond delay="0"/>
+                            </p:stCondLst>
+                            <p:childTnLst>
+                              <p:par>
+                                <p:cTn id="23" presetID="1" presetClass="entr" presetSubtype="0" fill="hold" nodeType="clickEffect">
+                                  <p:stCondLst>
+                                    <p:cond delay="0"/>
+                                  </p:stCondLst>
+                                  <p:childTnLst>
+                                    <p:set>
+                                      <p:cBhvr>
+                                        <p:cTn id="24" dur="1" fill="hold">
+                                          <p:stCondLst>
+                                            <p:cond delay="0"/>
+                                          </p:stCondLst>
+                                        </p:cTn>
+                                        <p:tgtEl>
+                                          <p:spTgt spid="10">
+                                            <p:txEl>
+                                              <p:pRg st="9" end="9"/>
+                                            </p:txEl>
+                                          </p:spTgt>
+                                        </p:tgtEl>
+                                        <p:attrNameLst>
+                                          <p:attrName>style.visibility</p:attrName>
+                                        </p:attrNameLst>
+                                      </p:cBhvr>
+                                      <p:to>
+                                        <p:strVal val="visible"/>
+                                      </p:to>
+                                    </p:set>
+                                  </p:childTnLst>
+                                </p:cTn>
+                              </p:par>
+                              <p:par>
+                                <p:cTn id="25" presetID="1" presetClass="entr" presetSubtype="0" fill="hold" nodeType="withEffect">
+                                  <p:stCondLst>
+                                    <p:cond delay="0"/>
+                                  </p:stCondLst>
+                                  <p:childTnLst>
+                                    <p:set>
+                                      <p:cBhvr>
+                                        <p:cTn id="26" dur="1" fill="hold">
+                                          <p:stCondLst>
+                                            <p:cond delay="0"/>
+                                          </p:stCondLst>
+                                        </p:cTn>
+                                        <p:tgtEl>
+                                          <p:spTgt spid="10">
+                                            <p:txEl>
+                                              <p:pRg st="10" end="10"/>
+                                            </p:txEl>
+                                          </p:spTgt>
+                                        </p:tgtEl>
+                                        <p:attrNameLst>
+                                          <p:attrName>style.visibility</p:attrName>
+                                        </p:attrNameLst>
+                                      </p:cBhvr>
+                                      <p:to>
+                                        <p:strVal val="visible"/>
+                                      </p:to>
+                                    </p:set>
+                                  </p:childTnLst>
+                                </p:cTn>
+                              </p:par>
+                              <p:par>
+                                <p:cTn id="27" presetID="1" presetClass="entr" presetSubtype="0" fill="hold" nodeType="withEffect">
+                                  <p:stCondLst>
+                                    <p:cond delay="0"/>
+                                  </p:stCondLst>
+                                  <p:childTnLst>
+                                    <p:set>
+                                      <p:cBhvr>
+                                        <p:cTn id="28" dur="1" fill="hold">
+                                          <p:stCondLst>
+                                            <p:cond delay="0"/>
+                                          </p:stCondLst>
+                                        </p:cTn>
+                                        <p:tgtEl>
+                                          <p:spTgt spid="10">
+                                            <p:txEl>
+                                              <p:pRg st="11" end="11"/>
+                                            </p:txEl>
+                                          </p:spTgt>
+                                        </p:tgtEl>
+                                        <p:attrNameLst>
+                                          <p:attrName>style.visibility</p:attrName>
+                                        </p:attrNameLst>
+                                      </p:cBhvr>
+                                      <p:to>
+                                        <p:strVal val="visible"/>
+                                      </p:to>
+                                    </p:set>
+                                  </p:childTnLst>
+                                </p:cTn>
+                              </p:par>
+                              <p:par>
+                                <p:cTn id="29" presetID="1" presetClass="entr" presetSubtype="0" fill="hold" nodeType="withEffect">
+                                  <p:stCondLst>
+                                    <p:cond delay="0"/>
+                                  </p:stCondLst>
+                                  <p:childTnLst>
+                                    <p:set>
+                                      <p:cBhvr>
+                                        <p:cTn id="30" dur="1" fill="hold">
+                                          <p:stCondLst>
+                                            <p:cond delay="0"/>
+                                          </p:stCondLst>
+                                        </p:cTn>
+                                        <p:tgtEl>
+                                          <p:spTgt spid="10">
+                                            <p:txEl>
+                                              <p:pRg st="12" end="12"/>
+                                            </p:txEl>
+                                          </p:spTgt>
+                                        </p:tgtEl>
+                                        <p:attrNameLst>
+                                          <p:attrName>style.visibility</p:attrName>
+                                        </p:attrNameLst>
+                                      </p:cBhvr>
+                                      <p:to>
+                                        <p:strVal val="visible"/>
+                                      </p:to>
+                                    </p:set>
+                                  </p:childTnLst>
+                                </p:cTn>
+                              </p:par>
+                            </p:childTnLst>
+                          </p:cTn>
+                        </p:par>
+                      </p:childTnLst>
+                    </p:cTn>
+                  </p:par>
+                  <p:par>
+                    <p:cTn id="31" fill="hold">
+                      <p:stCondLst>
+                        <p:cond delay="indefinite"/>
+                      </p:stCondLst>
+                      <p:childTnLst>
+                        <p:par>
+                          <p:cTn id="32" fill="hold">
+                            <p:stCondLst>
+                              <p:cond delay="0"/>
+                            </p:stCondLst>
+                            <p:childTnLst>
+                              <p:par>
+                                <p:cTn id="33" presetID="1" presetClass="entr" presetSubtype="0" fill="hold" nodeType="clickEffect">
+                                  <p:stCondLst>
+                                    <p:cond delay="0"/>
+                                  </p:stCondLst>
+                                  <p:childTnLst>
+                                    <p:set>
+                                      <p:cBhvr>
+                                        <p:cTn id="34" dur="1" fill="hold">
+                                          <p:stCondLst>
+                                            <p:cond delay="0"/>
+                                          </p:stCondLst>
+                                        </p:cTn>
+                                        <p:tgtEl>
+                                          <p:spTgt spid="10">
+                                            <p:txEl>
+                                              <p:pRg st="14" end="14"/>
+                                            </p:txEl>
+                                          </p:spTgt>
+                                        </p:tgtEl>
+                                        <p:attrNameLst>
+                                          <p:attrName>style.visibility</p:attrName>
+                                        </p:attrNameLst>
+                                      </p:cBhvr>
+                                      <p:to>
+                                        <p:strVal val="visible"/>
+                                      </p:to>
+                                    </p:set>
+                                  </p:childTnLst>
+                                </p:cTn>
+                              </p:par>
+                              <p:par>
+                                <p:cTn id="35" presetID="1" presetClass="entr" presetSubtype="0" fill="hold" nodeType="withEffect">
+                                  <p:stCondLst>
+                                    <p:cond delay="0"/>
+                                  </p:stCondLst>
+                                  <p:childTnLst>
+                                    <p:set>
+                                      <p:cBhvr>
+                                        <p:cTn id="36" dur="1" fill="hold">
+                                          <p:stCondLst>
+                                            <p:cond delay="0"/>
+                                          </p:stCondLst>
+                                        </p:cTn>
+                                        <p:tgtEl>
+                                          <p:spTgt spid="10">
+                                            <p:txEl>
+                                              <p:pRg st="15" end="15"/>
+                                            </p:txEl>
+                                          </p:spTgt>
+                                        </p:tgtEl>
+                                        <p:attrNameLst>
+                                          <p:attrName>style.visibility</p:attrName>
+                                        </p:attrNameLst>
+                                      </p:cBhvr>
+                                      <p:to>
+                                        <p:strVal val="visible"/>
+                                      </p:to>
+                                    </p:set>
+                                  </p:childTnLst>
+                                </p:cTn>
+                              </p:par>
+                              <p:par>
+                                <p:cTn id="37" presetID="1" presetClass="entr" presetSubtype="0" fill="hold" nodeType="withEffect">
+                                  <p:stCondLst>
+                                    <p:cond delay="0"/>
+                                  </p:stCondLst>
+                                  <p:childTnLst>
+                                    <p:set>
+                                      <p:cBhvr>
+                                        <p:cTn id="38" dur="1" fill="hold">
+                                          <p:stCondLst>
+                                            <p:cond delay="0"/>
+                                          </p:stCondLst>
+                                        </p:cTn>
+                                        <p:tgtEl>
+                                          <p:spTgt spid="10">
+                                            <p:txEl>
+                                              <p:pRg st="16" end="16"/>
+                                            </p:txEl>
+                                          </p:spTgt>
+                                        </p:tgtEl>
+                                        <p:attrNameLst>
+                                          <p:attrName>style.visibility</p:attrName>
+                                        </p:attrNameLst>
+                                      </p:cBhvr>
+                                      <p:to>
+                                        <p:strVal val="visible"/>
+                                      </p:to>
+                                    </p:set>
+                                  </p:childTnLst>
+                                </p:cTn>
+                              </p:par>
+                              <p:par>
+                                <p:cTn id="39" presetID="1" presetClass="entr" presetSubtype="0" fill="hold" nodeType="withEffect">
+                                  <p:stCondLst>
+                                    <p:cond delay="0"/>
+                                  </p:stCondLst>
+                                  <p:childTnLst>
+                                    <p:set>
+                                      <p:cBhvr>
+                                        <p:cTn id="40" dur="1" fill="hold">
+                                          <p:stCondLst>
+                                            <p:cond delay="0"/>
+                                          </p:stCondLst>
+                                        </p:cTn>
+                                        <p:tgtEl>
+                                          <p:spTgt spid="10">
+                                            <p:txEl>
+                                              <p:pRg st="17" end="17"/>
+                                            </p:txEl>
+                                          </p:spTgt>
                                         </p:tgtEl>
                                         <p:attrNameLst>
                                           <p:attrName>style.visibility</p:attrName>
@@ -12264,9 +11171,6 @@
         </p:cTn>
       </p:par>
     </p:tnLst>
-    <p:bldLst>
-      <p:bldP spid="9" grpId="0"/>
-    </p:bldLst>
   </p:timing>
 </p:sld>
 </file>
@@ -12390,11 +11294,7 @@
             </a:r>
             <a:r>
               <a:rPr lang="fr-FR" sz="2400" dirty="0" err="1" smtClean="0"/>
-              <a:t>Arduino</a:t>
-            </a:r>
-            <a:r>
-              <a:rPr lang="fr-FR" sz="2400" dirty="0" err="1" smtClean="0"/>
-              <a:t>ML</a:t>
+              <a:t>ArduinoML</a:t>
             </a:r>
             <a:r>
               <a:rPr lang="fr-FR" sz="2400" dirty="0"/>
@@ -14097,8 +12997,12 @@
               <a:buChar char="§"/>
             </a:pPr>
             <a:r>
+              <a:rPr lang="en-GB" smtClean="0"/>
+              <a:t>the inhabitants</a:t>
+            </a:r>
+            <a:r>
               <a:rPr lang="en-GB" dirty="0" smtClean="0"/>
-              <a:t>the habitants;</a:t>
+              <a:t>;</a:t>
             </a:r>
           </a:p>
           <a:p>

--- a/wiki/Writing/MODELSWARD2017/Presentation/ModelsWard2017.pptx
+++ b/wiki/Writing/MODELSWARD2017/Presentation/ModelsWard2017.pptx
@@ -5,10 +5,10 @@
     <p:sldMasterId id="2147483723" r:id="rId1"/>
   </p:sldMasterIdLst>
   <p:notesMasterIdLst>
-    <p:notesMasterId r:id="rId20"/>
+    <p:notesMasterId r:id="rId21"/>
   </p:notesMasterIdLst>
   <p:handoutMasterIdLst>
-    <p:handoutMasterId r:id="rId21"/>
+    <p:handoutMasterId r:id="rId22"/>
   </p:handoutMasterIdLst>
   <p:sldIdLst>
     <p:sldId id="256" r:id="rId2"/>
@@ -20,15 +20,16 @@
     <p:sldId id="588" r:id="rId8"/>
     <p:sldId id="617" r:id="rId9"/>
     <p:sldId id="618" r:id="rId10"/>
-    <p:sldId id="619" r:id="rId11"/>
-    <p:sldId id="620" r:id="rId12"/>
-    <p:sldId id="628" r:id="rId13"/>
-    <p:sldId id="622" r:id="rId14"/>
-    <p:sldId id="627" r:id="rId15"/>
-    <p:sldId id="623" r:id="rId16"/>
-    <p:sldId id="589" r:id="rId17"/>
-    <p:sldId id="625" r:id="rId18"/>
-    <p:sldId id="626" r:id="rId19"/>
+    <p:sldId id="629" r:id="rId11"/>
+    <p:sldId id="619" r:id="rId12"/>
+    <p:sldId id="620" r:id="rId13"/>
+    <p:sldId id="628" r:id="rId14"/>
+    <p:sldId id="622" r:id="rId15"/>
+    <p:sldId id="627" r:id="rId16"/>
+    <p:sldId id="623" r:id="rId17"/>
+    <p:sldId id="589" r:id="rId18"/>
+    <p:sldId id="625" r:id="rId19"/>
+    <p:sldId id="626" r:id="rId20"/>
   </p:sldIdLst>
   <p:sldSz cx="9144000" cy="6858000" type="screen4x3"/>
   <p:notesSz cx="6794500" cy="9906000"/>
@@ -586,14 +587,14 @@
           </a:ln>
           <a:extLst>
             <a:ext uri="{909E8E84-426E-40dd-AFC4-6F175D3DCCD1}">
-              <a14:hiddenFill xmlns="" xmlns:a14="http://schemas.microsoft.com/office/drawing/2010/main">
+              <a14:hiddenFill xmlns:a14="http://schemas.microsoft.com/office/drawing/2010/main" xmlns="">
                 <a:solidFill>
                   <a:srgbClr val="FFFFFF"/>
                 </a:solidFill>
               </a14:hiddenFill>
             </a:ext>
             <a:ext uri="{FAA26D3D-D897-4be2-8F04-BA451C77F1D7}">
-              <ma14:placeholderFlag xmlns="" xmlns:ma14="http://schemas.microsoft.com/office/mac/drawingml/2011/main" val="1"/>
+              <ma14:placeholderFlag xmlns:ma14="http://schemas.microsoft.com/office/mac/drawingml/2011/main" xmlns="" val="1"/>
             </a:ext>
           </a:extLst>
         </p:spPr>
@@ -938,14 +939,14 @@
           <a:ln/>
           <a:extLst>
             <a:ext uri="{909E8E84-426E-40dd-AFC4-6F175D3DCCD1}">
-              <a14:hiddenFill xmlns="" xmlns:a14="http://schemas.microsoft.com/office/drawing/2010/main">
+              <a14:hiddenFill xmlns:a14="http://schemas.microsoft.com/office/drawing/2010/main" xmlns="">
                 <a:solidFill>
                   <a:srgbClr val="FFFFFF"/>
                 </a:solidFill>
               </a14:hiddenFill>
             </a:ext>
             <a:ext uri="{91240B29-F687-4f45-9708-019B960494DF}">
-              <a14:hiddenLine xmlns="" xmlns:a14="http://schemas.microsoft.com/office/drawing/2010/main" w="9525">
+              <a14:hiddenLine xmlns:a14="http://schemas.microsoft.com/office/drawing/2010/main" xmlns="" w="9525">
                 <a:solidFill>
                   <a:srgbClr val="000000"/>
                 </a:solidFill>
@@ -1106,14 +1107,14 @@
           <a:ln/>
           <a:extLst>
             <a:ext uri="{909E8E84-426E-40dd-AFC4-6F175D3DCCD1}">
-              <a14:hiddenFill xmlns="" xmlns:a14="http://schemas.microsoft.com/office/drawing/2010/main">
+              <a14:hiddenFill xmlns:a14="http://schemas.microsoft.com/office/drawing/2010/main" xmlns="">
                 <a:solidFill>
                   <a:srgbClr val="FFFFFF"/>
                 </a:solidFill>
               </a14:hiddenFill>
             </a:ext>
             <a:ext uri="{91240B29-F687-4f45-9708-019B960494DF}">
-              <a14:hiddenLine xmlns="" xmlns:a14="http://schemas.microsoft.com/office/drawing/2010/main" w="9525">
+              <a14:hiddenLine xmlns:a14="http://schemas.microsoft.com/office/drawing/2010/main" xmlns="" w="9525">
                 <a:solidFill>
                   <a:srgbClr val="000000"/>
                 </a:solidFill>
@@ -1123,7 +1124,7 @@
               </a14:hiddenLine>
             </a:ext>
             <a:ext uri="{FAA26D3D-D897-4be2-8F04-BA451C77F1D7}">
-              <ma14:placeholderFlag xmlns="" xmlns:ma14="http://schemas.microsoft.com/office/mac/drawingml/2011/main" val="1"/>
+              <ma14:placeholderFlag xmlns:ma14="http://schemas.microsoft.com/office/mac/drawingml/2011/main" xmlns="" val="1"/>
             </a:ext>
           </a:extLst>
         </p:spPr>
@@ -1425,14 +1426,14 @@
           </a:ln>
           <a:extLst>
             <a:ext uri="{909E8E84-426E-40dd-AFC4-6F175D3DCCD1}">
-              <a14:hiddenFill xmlns="" xmlns:a14="http://schemas.microsoft.com/office/drawing/2010/main">
+              <a14:hiddenFill xmlns:a14="http://schemas.microsoft.com/office/drawing/2010/main" xmlns="">
                 <a:solidFill>
                   <a:srgbClr val="FFFFFF"/>
                 </a:solidFill>
               </a14:hiddenFill>
             </a:ext>
             <a:ext uri="{91240B29-F687-4f45-9708-019B960494DF}">
-              <a14:hiddenLine xmlns="" xmlns:a14="http://schemas.microsoft.com/office/drawing/2010/main" w="9525">
+              <a14:hiddenLine xmlns:a14="http://schemas.microsoft.com/office/drawing/2010/main" xmlns="" w="9525">
                 <a:solidFill>
                   <a:srgbClr val="000000"/>
                 </a:solidFill>
@@ -1656,14 +1657,14 @@
           </a:ln>
           <a:extLst>
             <a:ext uri="{909E8E84-426E-40dd-AFC4-6F175D3DCCD1}">
-              <a14:hiddenFill xmlns="" xmlns:a14="http://schemas.microsoft.com/office/drawing/2010/main">
+              <a14:hiddenFill xmlns:a14="http://schemas.microsoft.com/office/drawing/2010/main" xmlns="">
                 <a:solidFill>
                   <a:srgbClr val="FFFFFF"/>
                 </a:solidFill>
               </a14:hiddenFill>
             </a:ext>
             <a:ext uri="{91240B29-F687-4f45-9708-019B960494DF}">
-              <a14:hiddenLine xmlns="" xmlns:a14="http://schemas.microsoft.com/office/drawing/2010/main" w="9525">
+              <a14:hiddenLine xmlns:a14="http://schemas.microsoft.com/office/drawing/2010/main" xmlns="" w="9525">
                 <a:solidFill>
                   <a:srgbClr val="000000"/>
                 </a:solidFill>
@@ -1845,14 +1846,14 @@
           </a:ln>
           <a:extLst>
             <a:ext uri="{909E8E84-426E-40dd-AFC4-6F175D3DCCD1}">
-              <a14:hiddenFill xmlns="" xmlns:a14="http://schemas.microsoft.com/office/drawing/2010/main">
+              <a14:hiddenFill xmlns:a14="http://schemas.microsoft.com/office/drawing/2010/main" xmlns="">
                 <a:solidFill>
                   <a:srgbClr val="FFFFFF"/>
                 </a:solidFill>
               </a14:hiddenFill>
             </a:ext>
             <a:ext uri="{91240B29-F687-4f45-9708-019B960494DF}">
-              <a14:hiddenLine xmlns="" xmlns:a14="http://schemas.microsoft.com/office/drawing/2010/main" w="9525">
+              <a14:hiddenLine xmlns:a14="http://schemas.microsoft.com/office/drawing/2010/main" xmlns="" w="9525">
                 <a:solidFill>
                   <a:srgbClr val="000000"/>
                 </a:solidFill>
@@ -2329,14 +2330,14 @@
           </a:ln>
           <a:extLst>
             <a:ext uri="{909E8E84-426E-40dd-AFC4-6F175D3DCCD1}">
-              <a14:hiddenFill xmlns="" xmlns:a14="http://schemas.microsoft.com/office/drawing/2010/main">
+              <a14:hiddenFill xmlns:a14="http://schemas.microsoft.com/office/drawing/2010/main" xmlns="">
                 <a:solidFill>
                   <a:srgbClr val="FFFFFF"/>
                 </a:solidFill>
               </a14:hiddenFill>
             </a:ext>
             <a:ext uri="{91240B29-F687-4f45-9708-019B960494DF}">
-              <a14:hiddenLine xmlns="" xmlns:a14="http://schemas.microsoft.com/office/drawing/2010/main" w="9525">
+              <a14:hiddenLine xmlns:a14="http://schemas.microsoft.com/office/drawing/2010/main" xmlns="" w="9525">
                 <a:solidFill>
                   <a:srgbClr val="000000"/>
                 </a:solidFill>
@@ -2463,14 +2464,14 @@
           </a:ln>
           <a:extLst>
             <a:ext uri="{909E8E84-426E-40dd-AFC4-6F175D3DCCD1}">
-              <a14:hiddenFill xmlns="" xmlns:a14="http://schemas.microsoft.com/office/drawing/2010/main">
+              <a14:hiddenFill xmlns:a14="http://schemas.microsoft.com/office/drawing/2010/main" xmlns="">
                 <a:solidFill>
                   <a:srgbClr val="FFFFFF"/>
                 </a:solidFill>
               </a14:hiddenFill>
             </a:ext>
             <a:ext uri="{91240B29-F687-4f45-9708-019B960494DF}">
-              <a14:hiddenLine xmlns="" xmlns:a14="http://schemas.microsoft.com/office/drawing/2010/main" w="9525">
+              <a14:hiddenLine xmlns:a14="http://schemas.microsoft.com/office/drawing/2010/main" xmlns="" w="9525">
                 <a:solidFill>
                   <a:srgbClr val="000000"/>
                 </a:solidFill>
@@ -2825,14 +2826,14 @@
           </a:ln>
           <a:extLst>
             <a:ext uri="{909E8E84-426E-40dd-AFC4-6F175D3DCCD1}">
-              <a14:hiddenFill xmlns="" xmlns:a14="http://schemas.microsoft.com/office/drawing/2010/main">
+              <a14:hiddenFill xmlns:a14="http://schemas.microsoft.com/office/drawing/2010/main" xmlns="">
                 <a:solidFill>
                   <a:srgbClr val="FFFFFF"/>
                 </a:solidFill>
               </a14:hiddenFill>
             </a:ext>
             <a:ext uri="{91240B29-F687-4f45-9708-019B960494DF}">
-              <a14:hiddenLine xmlns="" xmlns:a14="http://schemas.microsoft.com/office/drawing/2010/main" w="9525">
+              <a14:hiddenLine xmlns:a14="http://schemas.microsoft.com/office/drawing/2010/main" xmlns="" w="9525">
                 <a:solidFill>
                   <a:srgbClr val="000000"/>
                 </a:solidFill>
@@ -2959,14 +2960,14 @@
           </a:ln>
           <a:extLst>
             <a:ext uri="{909E8E84-426E-40dd-AFC4-6F175D3DCCD1}">
-              <a14:hiddenFill xmlns="" xmlns:a14="http://schemas.microsoft.com/office/drawing/2010/main">
+              <a14:hiddenFill xmlns:a14="http://schemas.microsoft.com/office/drawing/2010/main" xmlns="">
                 <a:solidFill>
                   <a:srgbClr val="FFFFFF"/>
                 </a:solidFill>
               </a14:hiddenFill>
             </a:ext>
             <a:ext uri="{91240B29-F687-4f45-9708-019B960494DF}">
-              <a14:hiddenLine xmlns="" xmlns:a14="http://schemas.microsoft.com/office/drawing/2010/main" w="9525">
+              <a14:hiddenLine xmlns:a14="http://schemas.microsoft.com/office/drawing/2010/main" xmlns="" w="9525">
                 <a:solidFill>
                   <a:srgbClr val="000000"/>
                 </a:solidFill>
@@ -3326,14 +3327,14 @@
           </a:ln>
           <a:extLst>
             <a:ext uri="{909E8E84-426E-40dd-AFC4-6F175D3DCCD1}">
-              <a14:hiddenFill xmlns="" xmlns:a14="http://schemas.microsoft.com/office/drawing/2010/main">
+              <a14:hiddenFill xmlns:a14="http://schemas.microsoft.com/office/drawing/2010/main" xmlns="">
                 <a:solidFill>
                   <a:srgbClr val="FFFFFF"/>
                 </a:solidFill>
               </a14:hiddenFill>
             </a:ext>
             <a:ext uri="{91240B29-F687-4f45-9708-019B960494DF}">
-              <a14:hiddenLine xmlns="" xmlns:a14="http://schemas.microsoft.com/office/drawing/2010/main" w="9525">
+              <a14:hiddenLine xmlns:a14="http://schemas.microsoft.com/office/drawing/2010/main" xmlns="" w="9525">
                 <a:solidFill>
                   <a:srgbClr val="000000"/>
                 </a:solidFill>
@@ -3481,14 +3482,14 @@
           </a:ln>
           <a:extLst>
             <a:ext uri="{909E8E84-426E-40dd-AFC4-6F175D3DCCD1}">
-              <a14:hiddenFill xmlns="" xmlns:a14="http://schemas.microsoft.com/office/drawing/2010/main">
+              <a14:hiddenFill xmlns:a14="http://schemas.microsoft.com/office/drawing/2010/main" xmlns="">
                 <a:solidFill>
                   <a:srgbClr val="FFFFFF"/>
                 </a:solidFill>
               </a14:hiddenFill>
             </a:ext>
             <a:ext uri="{91240B29-F687-4f45-9708-019B960494DF}">
-              <a14:hiddenLine xmlns="" xmlns:a14="http://schemas.microsoft.com/office/drawing/2010/main" w="9525">
+              <a14:hiddenLine xmlns:a14="http://schemas.microsoft.com/office/drawing/2010/main" xmlns="" w="9525">
                 <a:solidFill>
                   <a:srgbClr val="000000"/>
                 </a:solidFill>
@@ -3731,14 +3732,14 @@
           </a:ln>
           <a:extLst>
             <a:ext uri="{909E8E84-426E-40dd-AFC4-6F175D3DCCD1}">
-              <a14:hiddenFill xmlns="" xmlns:a14="http://schemas.microsoft.com/office/drawing/2010/main">
+              <a14:hiddenFill xmlns:a14="http://schemas.microsoft.com/office/drawing/2010/main" xmlns="">
                 <a:solidFill>
                   <a:srgbClr val="FFFFFF"/>
                 </a:solidFill>
               </a14:hiddenFill>
             </a:ext>
             <a:ext uri="{91240B29-F687-4f45-9708-019B960494DF}">
-              <a14:hiddenLine xmlns="" xmlns:a14="http://schemas.microsoft.com/office/drawing/2010/main" w="9525">
+              <a14:hiddenLine xmlns:a14="http://schemas.microsoft.com/office/drawing/2010/main" xmlns="" w="9525">
                 <a:solidFill>
                   <a:srgbClr val="000000"/>
                 </a:solidFill>
@@ -4632,6 +4633,484 @@
       </p:grpSpPr>
       <p:pic>
         <p:nvPicPr>
+          <p:cNvPr id="7" name="Image 6"/>
+          <p:cNvPicPr>
+            <a:picLocks noChangeAspect="1"/>
+          </p:cNvPicPr>
+          <p:nvPr/>
+        </p:nvPicPr>
+        <p:blipFill>
+          <a:blip r:embed="rId2">
+            <a:extLst>
+              <a:ext uri="{28A0092B-C50C-407E-A947-70E740481C1C}">
+                <a14:useLocalDpi xmlns:a14="http://schemas.microsoft.com/office/drawing/2010/main" val="0"/>
+              </a:ext>
+            </a:extLst>
+          </a:blip>
+          <a:stretch>
+            <a:fillRect/>
+          </a:stretch>
+        </p:blipFill>
+        <p:spPr>
+          <a:xfrm>
+            <a:off x="2272" y="1412776"/>
+            <a:ext cx="9144000" cy="5143500"/>
+          </a:xfrm>
+          <a:prstGeom prst="rect">
+            <a:avLst/>
+          </a:prstGeom>
+        </p:spPr>
+      </p:pic>
+      <p:sp>
+        <p:nvSpPr>
+          <p:cNvPr id="2" name="Espace réservé du numéro de diapositive 1"/>
+          <p:cNvSpPr>
+            <a:spLocks noGrp="1"/>
+          </p:cNvSpPr>
+          <p:nvPr>
+            <p:ph type="sldNum" sz="quarter" idx="10"/>
+          </p:nvPr>
+        </p:nvSpPr>
+        <p:spPr/>
+        <p:txBody>
+          <a:bodyPr/>
+          <a:lstStyle/>
+          <a:p>
+            <a:pPr>
+              <a:defRPr/>
+            </a:pPr>
+            <a:fld id="{326C6059-A255-C24B-AAEC-93A3405961B0}" type="slidenum">
+              <a:rPr lang="en-US" smtClean="0"/>
+              <a:pPr>
+                <a:defRPr/>
+              </a:pPr>
+              <a:t>10</a:t>
+            </a:fld>
+            <a:endParaRPr lang="en-US" dirty="0"/>
+          </a:p>
+        </p:txBody>
+      </p:sp>
+      <p:sp>
+        <p:nvSpPr>
+          <p:cNvPr id="3" name="Titre 2"/>
+          <p:cNvSpPr>
+            <a:spLocks noGrp="1"/>
+          </p:cNvSpPr>
+          <p:nvPr>
+            <p:ph type="title"/>
+          </p:nvPr>
+        </p:nvSpPr>
+        <p:spPr/>
+        <p:txBody>
+          <a:bodyPr/>
+          <a:lstStyle/>
+          <a:p>
+            <a:r>
+              <a:rPr lang="fr-FR" cap="small" dirty="0" err="1" smtClean="0"/>
+              <a:t>SmartReifier</a:t>
+            </a:r>
+            <a:r>
+              <a:rPr lang="fr-FR" cap="small" dirty="0" smtClean="0"/>
+              <a:t> </a:t>
+            </a:r>
+            <a:r>
+              <a:rPr lang="fr-FR" dirty="0" smtClean="0"/>
+              <a:t>as an illustration</a:t>
+            </a:r>
+            <a:endParaRPr lang="fr-FR" dirty="0"/>
+          </a:p>
+        </p:txBody>
+      </p:sp>
+      <p:sp>
+        <p:nvSpPr>
+          <p:cNvPr id="4" name="Rectangle 3"/>
+          <p:cNvSpPr/>
+          <p:nvPr/>
+        </p:nvSpPr>
+        <p:spPr>
+          <a:xfrm>
+            <a:off x="2195736" y="3573016"/>
+            <a:ext cx="4896544" cy="360040"/>
+          </a:xfrm>
+          <a:prstGeom prst="rect">
+            <a:avLst/>
+          </a:prstGeom>
+          <a:noFill/>
+          <a:ln w="63500">
+            <a:solidFill>
+              <a:srgbClr val="FF0000"/>
+            </a:solidFill>
+          </a:ln>
+        </p:spPr>
+        <p:style>
+          <a:lnRef idx="1">
+            <a:schemeClr val="accent1"/>
+          </a:lnRef>
+          <a:fillRef idx="3">
+            <a:schemeClr val="accent1"/>
+          </a:fillRef>
+          <a:effectRef idx="2">
+            <a:schemeClr val="accent1"/>
+          </a:effectRef>
+          <a:fontRef idx="minor">
+            <a:schemeClr val="lt1"/>
+          </a:fontRef>
+        </p:style>
+        <p:txBody>
+          <a:bodyPr rtlCol="0" anchor="ctr"/>
+          <a:lstStyle/>
+          <a:p>
+            <a:pPr algn="ctr"/>
+            <a:endParaRPr lang="fr-FR"/>
+          </a:p>
+        </p:txBody>
+      </p:sp>
+      <p:sp>
+        <p:nvSpPr>
+          <p:cNvPr id="8" name="Rectangle 7"/>
+          <p:cNvSpPr/>
+          <p:nvPr/>
+        </p:nvSpPr>
+        <p:spPr>
+          <a:xfrm>
+            <a:off x="2195736" y="3265244"/>
+            <a:ext cx="4896544" cy="360040"/>
+          </a:xfrm>
+          <a:prstGeom prst="rect">
+            <a:avLst/>
+          </a:prstGeom>
+          <a:noFill/>
+          <a:ln w="63500">
+            <a:solidFill>
+              <a:srgbClr val="FF0000"/>
+            </a:solidFill>
+          </a:ln>
+        </p:spPr>
+        <p:style>
+          <a:lnRef idx="1">
+            <a:schemeClr val="accent1"/>
+          </a:lnRef>
+          <a:fillRef idx="3">
+            <a:schemeClr val="accent1"/>
+          </a:fillRef>
+          <a:effectRef idx="2">
+            <a:schemeClr val="accent1"/>
+          </a:effectRef>
+          <a:fontRef idx="minor">
+            <a:schemeClr val="lt1"/>
+          </a:fontRef>
+        </p:style>
+        <p:txBody>
+          <a:bodyPr rtlCol="0" anchor="ctr"/>
+          <a:lstStyle/>
+          <a:p>
+            <a:pPr algn="ctr"/>
+            <a:endParaRPr lang="fr-FR"/>
+          </a:p>
+        </p:txBody>
+      </p:sp>
+      <p:sp>
+        <p:nvSpPr>
+          <p:cNvPr id="9" name="Rectangle 8"/>
+          <p:cNvSpPr/>
+          <p:nvPr/>
+        </p:nvSpPr>
+        <p:spPr>
+          <a:xfrm>
+            <a:off x="2195736" y="3793838"/>
+            <a:ext cx="4896544" cy="1944216"/>
+          </a:xfrm>
+          <a:prstGeom prst="rect">
+            <a:avLst/>
+          </a:prstGeom>
+          <a:noFill/>
+          <a:ln w="63500">
+            <a:solidFill>
+              <a:srgbClr val="FF0000"/>
+            </a:solidFill>
+          </a:ln>
+        </p:spPr>
+        <p:style>
+          <a:lnRef idx="1">
+            <a:schemeClr val="accent1"/>
+          </a:lnRef>
+          <a:fillRef idx="3">
+            <a:schemeClr val="accent1"/>
+          </a:fillRef>
+          <a:effectRef idx="2">
+            <a:schemeClr val="accent1"/>
+          </a:effectRef>
+          <a:fontRef idx="minor">
+            <a:schemeClr val="lt1"/>
+          </a:fontRef>
+        </p:style>
+        <p:txBody>
+          <a:bodyPr rtlCol="0" anchor="ctr"/>
+          <a:lstStyle/>
+          <a:p>
+            <a:pPr algn="ctr"/>
+            <a:endParaRPr lang="fr-FR"/>
+          </a:p>
+        </p:txBody>
+      </p:sp>
+    </p:spTree>
+    <p:extLst>
+      <p:ext uri="{BB962C8B-B14F-4D97-AF65-F5344CB8AC3E}">
+        <p14:creationId xmlns:p14="http://schemas.microsoft.com/office/powerpoint/2010/main" val="758535345"/>
+      </p:ext>
+    </p:extLst>
+  </p:cSld>
+  <p:clrMapOvr>
+    <a:masterClrMapping/>
+  </p:clrMapOvr>
+  <p:timing>
+    <p:tnLst>
+      <p:par>
+        <p:cTn id="1" dur="indefinite" restart="never" nodeType="tmRoot">
+          <p:childTnLst>
+            <p:seq concurrent="1" nextAc="seek">
+              <p:cTn id="2" dur="indefinite" nodeType="mainSeq">
+                <p:childTnLst>
+                  <p:par>
+                    <p:cTn id="3" fill="hold">
+                      <p:stCondLst>
+                        <p:cond delay="indefinite"/>
+                      </p:stCondLst>
+                      <p:childTnLst>
+                        <p:par>
+                          <p:cTn id="4" fill="hold">
+                            <p:stCondLst>
+                              <p:cond delay="0"/>
+                            </p:stCondLst>
+                            <p:childTnLst>
+                              <p:par>
+                                <p:cTn id="5" presetID="1" presetClass="entr" presetSubtype="0" fill="hold" grpId="0" nodeType="clickEffect">
+                                  <p:stCondLst>
+                                    <p:cond delay="0"/>
+                                  </p:stCondLst>
+                                  <p:childTnLst>
+                                    <p:set>
+                                      <p:cBhvr>
+                                        <p:cTn id="6" dur="1" fill="hold">
+                                          <p:stCondLst>
+                                            <p:cond delay="0"/>
+                                          </p:stCondLst>
+                                        </p:cTn>
+                                        <p:tgtEl>
+                                          <p:spTgt spid="4"/>
+                                        </p:tgtEl>
+                                        <p:attrNameLst>
+                                          <p:attrName>style.visibility</p:attrName>
+                                        </p:attrNameLst>
+                                      </p:cBhvr>
+                                      <p:to>
+                                        <p:strVal val="visible"/>
+                                      </p:to>
+                                    </p:set>
+                                  </p:childTnLst>
+                                </p:cTn>
+                              </p:par>
+                            </p:childTnLst>
+                          </p:cTn>
+                        </p:par>
+                      </p:childTnLst>
+                    </p:cTn>
+                  </p:par>
+                  <p:par>
+                    <p:cTn id="7" fill="hold">
+                      <p:stCondLst>
+                        <p:cond delay="indefinite"/>
+                      </p:stCondLst>
+                      <p:childTnLst>
+                        <p:par>
+                          <p:cTn id="8" fill="hold">
+                            <p:stCondLst>
+                              <p:cond delay="0"/>
+                            </p:stCondLst>
+                            <p:childTnLst>
+                              <p:par>
+                                <p:cTn id="9" presetID="1" presetClass="entr" presetSubtype="0" fill="hold" grpId="0" nodeType="clickEffect">
+                                  <p:stCondLst>
+                                    <p:cond delay="0"/>
+                                  </p:stCondLst>
+                                  <p:childTnLst>
+                                    <p:set>
+                                      <p:cBhvr>
+                                        <p:cTn id="10" dur="1" fill="hold">
+                                          <p:stCondLst>
+                                            <p:cond delay="0"/>
+                                          </p:stCondLst>
+                                        </p:cTn>
+                                        <p:tgtEl>
+                                          <p:spTgt spid="8"/>
+                                        </p:tgtEl>
+                                        <p:attrNameLst>
+                                          <p:attrName>style.visibility</p:attrName>
+                                        </p:attrNameLst>
+                                      </p:cBhvr>
+                                      <p:to>
+                                        <p:strVal val="visible"/>
+                                      </p:to>
+                                    </p:set>
+                                  </p:childTnLst>
+                                </p:cTn>
+                              </p:par>
+                              <p:par>
+                                <p:cTn id="11" presetID="1" presetClass="exit" presetSubtype="0" fill="hold" grpId="1" nodeType="withEffect">
+                                  <p:stCondLst>
+                                    <p:cond delay="0"/>
+                                  </p:stCondLst>
+                                  <p:childTnLst>
+                                    <p:set>
+                                      <p:cBhvr>
+                                        <p:cTn id="12" dur="1" fill="hold">
+                                          <p:stCondLst>
+                                            <p:cond delay="0"/>
+                                          </p:stCondLst>
+                                        </p:cTn>
+                                        <p:tgtEl>
+                                          <p:spTgt spid="4"/>
+                                        </p:tgtEl>
+                                        <p:attrNameLst>
+                                          <p:attrName>style.visibility</p:attrName>
+                                        </p:attrNameLst>
+                                      </p:cBhvr>
+                                      <p:to>
+                                        <p:strVal val="hidden"/>
+                                      </p:to>
+                                    </p:set>
+                                  </p:childTnLst>
+                                </p:cTn>
+                              </p:par>
+                            </p:childTnLst>
+                          </p:cTn>
+                        </p:par>
+                      </p:childTnLst>
+                    </p:cTn>
+                  </p:par>
+                  <p:par>
+                    <p:cTn id="13" fill="hold">
+                      <p:stCondLst>
+                        <p:cond delay="indefinite"/>
+                      </p:stCondLst>
+                      <p:childTnLst>
+                        <p:par>
+                          <p:cTn id="14" fill="hold">
+                            <p:stCondLst>
+                              <p:cond delay="0"/>
+                            </p:stCondLst>
+                            <p:childTnLst>
+                              <p:par>
+                                <p:cTn id="15" presetID="1" presetClass="entr" presetSubtype="0" fill="hold" grpId="0" nodeType="clickEffect">
+                                  <p:stCondLst>
+                                    <p:cond delay="0"/>
+                                  </p:stCondLst>
+                                  <p:childTnLst>
+                                    <p:set>
+                                      <p:cBhvr>
+                                        <p:cTn id="16" dur="1" fill="hold">
+                                          <p:stCondLst>
+                                            <p:cond delay="0"/>
+                                          </p:stCondLst>
+                                        </p:cTn>
+                                        <p:tgtEl>
+                                          <p:spTgt spid="9"/>
+                                        </p:tgtEl>
+                                        <p:attrNameLst>
+                                          <p:attrName>style.visibility</p:attrName>
+                                        </p:attrNameLst>
+                                      </p:cBhvr>
+                                      <p:to>
+                                        <p:strVal val="visible"/>
+                                      </p:to>
+                                    </p:set>
+                                  </p:childTnLst>
+                                </p:cTn>
+                              </p:par>
+                              <p:par>
+                                <p:cTn id="17" presetID="1" presetClass="exit" presetSubtype="0" fill="hold" grpId="1" nodeType="withEffect">
+                                  <p:stCondLst>
+                                    <p:cond delay="0"/>
+                                  </p:stCondLst>
+                                  <p:childTnLst>
+                                    <p:set>
+                                      <p:cBhvr>
+                                        <p:cTn id="18" dur="1" fill="hold">
+                                          <p:stCondLst>
+                                            <p:cond delay="0"/>
+                                          </p:stCondLst>
+                                        </p:cTn>
+                                        <p:tgtEl>
+                                          <p:spTgt spid="8"/>
+                                        </p:tgtEl>
+                                        <p:attrNameLst>
+                                          <p:attrName>style.visibility</p:attrName>
+                                        </p:attrNameLst>
+                                      </p:cBhvr>
+                                      <p:to>
+                                        <p:strVal val="hidden"/>
+                                      </p:to>
+                                    </p:set>
+                                  </p:childTnLst>
+                                </p:cTn>
+                              </p:par>
+                            </p:childTnLst>
+                          </p:cTn>
+                        </p:par>
+                      </p:childTnLst>
+                    </p:cTn>
+                  </p:par>
+                </p:childTnLst>
+              </p:cTn>
+              <p:prevCondLst>
+                <p:cond evt="onPrev" delay="0">
+                  <p:tgtEl>
+                    <p:sldTgt/>
+                  </p:tgtEl>
+                </p:cond>
+              </p:prevCondLst>
+              <p:nextCondLst>
+                <p:cond evt="onNext" delay="0">
+                  <p:tgtEl>
+                    <p:sldTgt/>
+                  </p:tgtEl>
+                </p:cond>
+              </p:nextCondLst>
+            </p:seq>
+          </p:childTnLst>
+        </p:cTn>
+      </p:par>
+    </p:tnLst>
+    <p:bldLst>
+      <p:bldP spid="4" grpId="0" animBg="1"/>
+      <p:bldP spid="4" grpId="1" animBg="1"/>
+      <p:bldP spid="8" grpId="0" animBg="1"/>
+      <p:bldP spid="8" grpId="1" animBg="1"/>
+      <p:bldP spid="9" grpId="0" animBg="1"/>
+    </p:bldLst>
+  </p:timing>
+</p:sld>
+</file>
+
+<file path=ppt/slides/slide11.xml><?xml version="1.0" encoding="utf-8"?>
+<p:sld xmlns:a="http://schemas.openxmlformats.org/drawingml/2006/main" xmlns:r="http://schemas.openxmlformats.org/officeDocument/2006/relationships" xmlns:p="http://schemas.openxmlformats.org/presentationml/2006/main">
+  <p:cSld>
+    <p:spTree>
+      <p:nvGrpSpPr>
+        <p:cNvPr id="1" name=""/>
+        <p:cNvGrpSpPr/>
+        <p:nvPr/>
+      </p:nvGrpSpPr>
+      <p:grpSpPr>
+        <a:xfrm>
+          <a:off x="0" y="0"/>
+          <a:ext cx="0" cy="0"/>
+          <a:chOff x="0" y="0"/>
+          <a:chExt cx="0" cy="0"/>
+        </a:xfrm>
+      </p:grpSpPr>
+      <p:pic>
+        <p:nvPicPr>
           <p:cNvPr id="6" name="Image 5"/>
           <p:cNvPicPr>
             <a:picLocks noChangeAspect="1"/>
@@ -4816,7 +5295,7 @@
               <a:pPr>
                 <a:defRPr/>
               </a:pPr>
-              <a:t>10</a:t>
+              <a:t>11</a:t>
             </a:fld>
             <a:endParaRPr lang="en-US" dirty="0"/>
           </a:p>
@@ -4872,7 +5351,7 @@
 </p:sld>
 </file>
 
-<file path=ppt/slides/slide11.xml><?xml version="1.0" encoding="utf-8"?>
+<file path=ppt/slides/slide12.xml><?xml version="1.0" encoding="utf-8"?>
 <p:sld xmlns:a="http://schemas.openxmlformats.org/drawingml/2006/main" xmlns:r="http://schemas.openxmlformats.org/officeDocument/2006/relationships" xmlns:p="http://schemas.openxmlformats.org/presentationml/2006/main">
   <p:cSld>
     <p:spTree>
@@ -5092,7 +5571,7 @@
               <a:pPr>
                 <a:defRPr/>
               </a:pPr>
-              <a:t>11</a:t>
+              <a:t>12</a:t>
             </a:fld>
             <a:endParaRPr lang="en-US" dirty="0"/>
           </a:p>
@@ -6713,7 +7192,7 @@
 </p:sld>
 </file>
 
-<file path=ppt/slides/slide12.xml><?xml version="1.0" encoding="utf-8"?>
+<file path=ppt/slides/slide13.xml><?xml version="1.0" encoding="utf-8"?>
 <p:sld xmlns:a="http://schemas.openxmlformats.org/drawingml/2006/main" xmlns:r="http://schemas.openxmlformats.org/officeDocument/2006/relationships" xmlns:p="http://schemas.openxmlformats.org/presentationml/2006/main">
   <p:cSld>
     <p:spTree>
@@ -6779,7 +7258,7 @@
               <a:pPr>
                 <a:defRPr/>
               </a:pPr>
-              <a:t>12</a:t>
+              <a:t>13</a:t>
             </a:fld>
             <a:endParaRPr lang="en-US" dirty="0"/>
           </a:p>
@@ -8746,7 +9225,7 @@
 </p:sld>
 </file>
 
-<file path=ppt/slides/slide13.xml><?xml version="1.0" encoding="utf-8"?>
+<file path=ppt/slides/slide14.xml><?xml version="1.0" encoding="utf-8"?>
 <p:sld xmlns:a="http://schemas.openxmlformats.org/drawingml/2006/main" xmlns:r="http://schemas.openxmlformats.org/officeDocument/2006/relationships" xmlns:p="http://schemas.openxmlformats.org/presentationml/2006/main">
   <p:cSld>
     <p:spTree>
@@ -9061,7 +9540,7 @@
               <a:pPr>
                 <a:defRPr/>
               </a:pPr>
-              <a:t>13</a:t>
+              <a:t>14</a:t>
             </a:fld>
             <a:endParaRPr lang="en-US" dirty="0"/>
           </a:p>
@@ -9527,7 +10006,7 @@
 </p:sld>
 </file>
 
-<file path=ppt/slides/slide14.xml><?xml version="1.0" encoding="utf-8"?>
+<file path=ppt/slides/slide15.xml><?xml version="1.0" encoding="utf-8"?>
 <p:sld xmlns:a="http://schemas.openxmlformats.org/drawingml/2006/main" xmlns:r="http://schemas.openxmlformats.org/officeDocument/2006/relationships" xmlns:p="http://schemas.openxmlformats.org/presentationml/2006/main">
   <p:cSld>
     <p:spTree>
@@ -9606,7 +10085,7 @@
               <a:pPr>
                 <a:defRPr/>
               </a:pPr>
-              <a:t>14</a:t>
+              <a:t>15</a:t>
             </a:fld>
             <a:endParaRPr lang="en-US" dirty="0"/>
           </a:p>
@@ -11175,420 +11654,6 @@
 </p:sld>
 </file>
 
-<file path=ppt/slides/slide15.xml><?xml version="1.0" encoding="utf-8"?>
-<p:sld xmlns:a="http://schemas.openxmlformats.org/drawingml/2006/main" xmlns:r="http://schemas.openxmlformats.org/officeDocument/2006/relationships" xmlns:p="http://schemas.openxmlformats.org/presentationml/2006/main">
-  <p:cSld>
-    <p:spTree>
-      <p:nvGrpSpPr>
-        <p:cNvPr id="1" name=""/>
-        <p:cNvGrpSpPr/>
-        <p:nvPr/>
-      </p:nvGrpSpPr>
-      <p:grpSpPr>
-        <a:xfrm>
-          <a:off x="0" y="0"/>
-          <a:ext cx="0" cy="0"/>
-          <a:chOff x="0" y="0"/>
-          <a:chExt cx="0" cy="0"/>
-        </a:xfrm>
-      </p:grpSpPr>
-      <p:sp>
-        <p:nvSpPr>
-          <p:cNvPr id="2" name="Espace réservé du numéro de diapositive 1"/>
-          <p:cNvSpPr>
-            <a:spLocks noGrp="1"/>
-          </p:cNvSpPr>
-          <p:nvPr>
-            <p:ph type="sldNum" sz="quarter" idx="10"/>
-          </p:nvPr>
-        </p:nvSpPr>
-        <p:spPr/>
-        <p:txBody>
-          <a:bodyPr/>
-          <a:lstStyle/>
-          <a:p>
-            <a:pPr>
-              <a:defRPr/>
-            </a:pPr>
-            <a:fld id="{326C6059-A255-C24B-AAEC-93A3405961B0}" type="slidenum">
-              <a:rPr lang="en-US" smtClean="0"/>
-              <a:pPr>
-                <a:defRPr/>
-              </a:pPr>
-              <a:t>15</a:t>
-            </a:fld>
-            <a:endParaRPr lang="en-US" dirty="0"/>
-          </a:p>
-        </p:txBody>
-      </p:sp>
-      <p:sp>
-        <p:nvSpPr>
-          <p:cNvPr id="3" name="Titre 2"/>
-          <p:cNvSpPr>
-            <a:spLocks noGrp="1"/>
-          </p:cNvSpPr>
-          <p:nvPr>
-            <p:ph type="title"/>
-          </p:nvPr>
-        </p:nvSpPr>
-        <p:spPr/>
-        <p:txBody>
-          <a:bodyPr/>
-          <a:lstStyle/>
-          <a:p>
-            <a:r>
-              <a:rPr lang="fr-FR" dirty="0" err="1" smtClean="0"/>
-              <a:t>Related</a:t>
-            </a:r>
-            <a:r>
-              <a:rPr lang="fr-FR" dirty="0" smtClean="0"/>
-              <a:t> </a:t>
-            </a:r>
-            <a:r>
-              <a:rPr lang="fr-FR" dirty="0" err="1" smtClean="0"/>
-              <a:t>Work</a:t>
-            </a:r>
-            <a:endParaRPr lang="fr-FR" dirty="0"/>
-          </a:p>
-        </p:txBody>
-      </p:sp>
-      <p:sp>
-        <p:nvSpPr>
-          <p:cNvPr id="4" name="Espace réservé du contenu 3"/>
-          <p:cNvSpPr>
-            <a:spLocks noGrp="1"/>
-          </p:cNvSpPr>
-          <p:nvPr>
-            <p:ph idx="1"/>
-          </p:nvPr>
-        </p:nvSpPr>
-        <p:spPr>
-          <a:xfrm>
-            <a:off x="282352" y="1412776"/>
-            <a:ext cx="8579296" cy="5058078"/>
-          </a:xfrm>
-        </p:spPr>
-        <p:txBody>
-          <a:bodyPr/>
-          <a:lstStyle/>
-          <a:p>
-            <a:r>
-              <a:rPr lang="fr-FR" sz="2400" dirty="0" err="1" smtClean="0"/>
-              <a:t>ThingML</a:t>
-            </a:r>
-            <a:r>
-              <a:rPr lang="fr-FR" sz="2400" dirty="0"/>
-              <a:t> [</a:t>
-            </a:r>
-            <a:r>
-              <a:rPr lang="fr-FR" sz="2400" dirty="0" err="1"/>
-              <a:t>Harrand</a:t>
-            </a:r>
-            <a:r>
-              <a:rPr lang="fr-FR" sz="2400" dirty="0"/>
-              <a:t> et al., 2016] </a:t>
-            </a:r>
-            <a:r>
-              <a:rPr lang="fr-FR" sz="2400" dirty="0" smtClean="0"/>
-              <a:t>&amp; </a:t>
-            </a:r>
-            <a:r>
-              <a:rPr lang="fr-FR" sz="2400" dirty="0" err="1" smtClean="0"/>
-              <a:t>ArduinoML</a:t>
-            </a:r>
-            <a:r>
-              <a:rPr lang="fr-FR" sz="2400" dirty="0"/>
-              <a:t> [</a:t>
-            </a:r>
-            <a:r>
-              <a:rPr lang="fr-FR" sz="2400" dirty="0" err="1"/>
-              <a:t>Mosser</a:t>
-            </a:r>
-            <a:r>
-              <a:rPr lang="fr-FR" sz="2400" dirty="0"/>
-              <a:t> et al., 2014]</a:t>
-            </a:r>
-            <a:endParaRPr lang="fr-FR" sz="2400" dirty="0" smtClean="0"/>
-          </a:p>
-          <a:p>
-            <a:pPr marL="469350" lvl="1" indent="-285750">
-              <a:buFont typeface="Wingdings" panose="05000000000000000000" pitchFamily="2" charset="2"/>
-              <a:buChar char="q"/>
-            </a:pPr>
-            <a:r>
-              <a:rPr lang="fr-FR" sz="1700" dirty="0" err="1" smtClean="0"/>
-              <a:t>Similar</a:t>
-            </a:r>
-            <a:r>
-              <a:rPr lang="fr-FR" sz="1700" dirty="0" smtClean="0"/>
-              <a:t> </a:t>
-            </a:r>
-            <a:r>
-              <a:rPr lang="fr-FR" sz="1700" dirty="0" err="1" smtClean="0"/>
-              <a:t>thing</a:t>
-            </a:r>
-            <a:r>
-              <a:rPr lang="fr-FR" sz="1700" dirty="0" smtClean="0"/>
-              <a:t> description (</a:t>
-            </a:r>
-            <a:r>
-              <a:rPr lang="fr-FR" sz="1700" dirty="0" err="1" smtClean="0"/>
-              <a:t>based</a:t>
-            </a:r>
-            <a:r>
-              <a:rPr lang="fr-FR" sz="1700" dirty="0" smtClean="0"/>
-              <a:t> on messages, ports, etc.)</a:t>
-            </a:r>
-          </a:p>
-          <a:p>
-            <a:pPr marL="469350" lvl="1" indent="-285750">
-              <a:buFont typeface="Wingdings" panose="05000000000000000000" pitchFamily="2" charset="2"/>
-              <a:buChar char="q"/>
-            </a:pPr>
-            <a:r>
-              <a:rPr lang="fr-FR" sz="1700" dirty="0" err="1" smtClean="0"/>
-              <a:t>Purpose</a:t>
-            </a:r>
-            <a:r>
-              <a:rPr lang="fr-FR" sz="1700" dirty="0" smtClean="0"/>
-              <a:t>: </a:t>
-            </a:r>
-            <a:r>
-              <a:rPr lang="fr-FR" sz="1700" b="1" dirty="0" smtClean="0">
-                <a:solidFill>
-                  <a:srgbClr val="00B050"/>
-                </a:solidFill>
-              </a:rPr>
-              <a:t>program</a:t>
-            </a:r>
-            <a:r>
-              <a:rPr lang="fr-FR" sz="1700" dirty="0" smtClean="0"/>
-              <a:t> </a:t>
-            </a:r>
-            <a:r>
-              <a:rPr lang="fr-FR" sz="1700" dirty="0" err="1" smtClean="0"/>
-              <a:t>things</a:t>
-            </a:r>
-            <a:r>
-              <a:rPr lang="fr-FR" sz="1700" dirty="0" smtClean="0"/>
-              <a:t>, </a:t>
-            </a:r>
-            <a:r>
-              <a:rPr lang="fr-FR" sz="1700" dirty="0" err="1" smtClean="0"/>
-              <a:t>instead</a:t>
-            </a:r>
-            <a:r>
-              <a:rPr lang="fr-FR" sz="1700" dirty="0" smtClean="0"/>
-              <a:t> of </a:t>
-            </a:r>
-            <a:r>
-              <a:rPr lang="fr-FR" sz="1700" b="1" dirty="0" err="1" smtClean="0"/>
-              <a:t>using</a:t>
-            </a:r>
-            <a:r>
-              <a:rPr lang="fr-FR" sz="1700" dirty="0" smtClean="0"/>
-              <a:t> </a:t>
-            </a:r>
-            <a:r>
-              <a:rPr lang="fr-FR" sz="1700" dirty="0" err="1" smtClean="0"/>
-              <a:t>them</a:t>
-            </a:r>
-            <a:r>
-              <a:rPr lang="fr-FR" sz="1700" dirty="0" smtClean="0"/>
-              <a:t> for </a:t>
-            </a:r>
-            <a:r>
-              <a:rPr lang="fr-FR" sz="1700" dirty="0" err="1" smtClean="0"/>
-              <a:t>users</a:t>
-            </a:r>
-            <a:r>
-              <a:rPr lang="fr-FR" sz="1700" dirty="0" smtClean="0"/>
-              <a:t>’ scenarios</a:t>
-            </a:r>
-          </a:p>
-          <a:p>
-            <a:pPr marL="469350" lvl="1" indent="-285750">
-              <a:buFont typeface="Wingdings" panose="05000000000000000000" pitchFamily="2" charset="2"/>
-              <a:buChar char="q"/>
-            </a:pPr>
-            <a:endParaRPr lang="fr-FR" sz="1700" dirty="0"/>
-          </a:p>
-          <a:p>
-            <a:r>
-              <a:rPr lang="fr-FR" sz="2400" cap="small" dirty="0" err="1"/>
-              <a:t>Midgar</a:t>
-            </a:r>
-            <a:r>
-              <a:rPr lang="fr-FR" sz="2400" cap="small" dirty="0"/>
-              <a:t> </a:t>
-            </a:r>
-            <a:r>
-              <a:rPr lang="fr-FR" sz="2400" dirty="0"/>
-              <a:t>[Garcia et al., 2014] and [</a:t>
-            </a:r>
-            <a:r>
-              <a:rPr lang="fr-FR" sz="2400" dirty="0" err="1"/>
-              <a:t>Salihbegovic</a:t>
-            </a:r>
-            <a:r>
-              <a:rPr lang="fr-FR" sz="2400" dirty="0"/>
-              <a:t> et al., </a:t>
-            </a:r>
-            <a:r>
-              <a:rPr lang="fr-FR" sz="2400" dirty="0" smtClean="0"/>
-              <a:t>2015]</a:t>
-            </a:r>
-          </a:p>
-          <a:p>
-            <a:pPr marL="469350" lvl="1" indent="-285750">
-              <a:buFont typeface="Wingdings" panose="05000000000000000000" pitchFamily="2" charset="2"/>
-              <a:buChar char="q"/>
-            </a:pPr>
-            <a:r>
-              <a:rPr lang="fr-FR" sz="1700" dirty="0" smtClean="0"/>
-              <a:t>Visual Interface for </a:t>
-            </a:r>
-            <a:r>
-              <a:rPr lang="fr-FR" sz="1700" dirty="0" err="1" smtClean="0"/>
-              <a:t>controlling</a:t>
-            </a:r>
-            <a:r>
-              <a:rPr lang="fr-FR" sz="1700" dirty="0" smtClean="0"/>
-              <a:t> </a:t>
-            </a:r>
-            <a:r>
-              <a:rPr lang="fr-FR" sz="1700" dirty="0" err="1" smtClean="0"/>
-              <a:t>interconnected</a:t>
-            </a:r>
-            <a:r>
-              <a:rPr lang="fr-FR" sz="1700" dirty="0" smtClean="0"/>
-              <a:t> </a:t>
-            </a:r>
-            <a:r>
-              <a:rPr lang="fr-FR" sz="1700" dirty="0" err="1" smtClean="0"/>
-              <a:t>devices</a:t>
-            </a:r>
-            <a:endParaRPr lang="fr-FR" sz="1700" dirty="0" smtClean="0"/>
-          </a:p>
-          <a:p>
-            <a:pPr marL="469350" lvl="1" indent="-285750">
-              <a:buFont typeface="Wingdings" panose="05000000000000000000" pitchFamily="2" charset="2"/>
-              <a:buChar char="q"/>
-            </a:pPr>
-            <a:r>
-              <a:rPr lang="fr-FR" sz="1700" dirty="0" err="1" smtClean="0"/>
-              <a:t>Automatic</a:t>
-            </a:r>
-            <a:r>
-              <a:rPr lang="fr-FR" sz="1700" dirty="0" smtClean="0"/>
-              <a:t> </a:t>
-            </a:r>
-            <a:r>
-              <a:rPr lang="fr-FR" sz="1700" dirty="0" err="1" smtClean="0"/>
-              <a:t>Generation</a:t>
-            </a:r>
-            <a:r>
-              <a:rPr lang="fr-FR" sz="1700" dirty="0" smtClean="0"/>
-              <a:t> of « glue » code for </a:t>
-            </a:r>
-            <a:r>
-              <a:rPr lang="fr-FR" sz="1700" dirty="0" err="1" smtClean="0"/>
-              <a:t>interconnection</a:t>
-            </a:r>
-            <a:endParaRPr lang="fr-FR" sz="1700" dirty="0" smtClean="0"/>
-          </a:p>
-          <a:p>
-            <a:pPr marL="469350" lvl="1" indent="-285750">
-              <a:buFont typeface="Wingdings" panose="05000000000000000000" pitchFamily="2" charset="2"/>
-              <a:buChar char="q"/>
-            </a:pPr>
-            <a:r>
-              <a:rPr lang="fr-FR" sz="1700" dirty="0" err="1" smtClean="0"/>
-              <a:t>Specific</a:t>
-            </a:r>
-            <a:r>
-              <a:rPr lang="fr-FR" sz="1700" dirty="0" smtClean="0"/>
-              <a:t> Application </a:t>
-            </a:r>
-            <a:r>
-              <a:rPr lang="fr-FR" sz="1700" dirty="0" err="1" smtClean="0"/>
-              <a:t>Domains</a:t>
-            </a:r>
-            <a:r>
-              <a:rPr lang="fr-FR" sz="1700" dirty="0" smtClean="0"/>
-              <a:t>: Smart-Home Patient Monitoring, </a:t>
-            </a:r>
-          </a:p>
-          <a:p>
-            <a:pPr marL="469350" lvl="1" indent="-285750">
-              <a:buFont typeface="Wingdings" panose="05000000000000000000" pitchFamily="2" charset="2"/>
-              <a:buChar char="q"/>
-            </a:pPr>
-            <a:endParaRPr lang="fr-FR" sz="1700" dirty="0"/>
-          </a:p>
-          <a:p>
-            <a:r>
-              <a:rPr lang="da-DK" sz="2400" cap="small" dirty="0"/>
-              <a:t>Chariot </a:t>
-            </a:r>
-            <a:r>
-              <a:rPr lang="da-DK" sz="2400" dirty="0"/>
-              <a:t>[Pradhan et al., 2015</a:t>
-            </a:r>
-            <a:r>
-              <a:rPr lang="da-DK" sz="2400" dirty="0" smtClean="0"/>
-              <a:t>] and </a:t>
-            </a:r>
-            <a:r>
-              <a:rPr lang="en-US" sz="2400" cap="small" dirty="0" err="1"/>
-              <a:t>Alph</a:t>
-            </a:r>
-            <a:r>
-              <a:rPr lang="en-US" sz="2400" dirty="0"/>
-              <a:t> [</a:t>
-            </a:r>
-            <a:r>
-              <a:rPr lang="en-US" sz="2400" dirty="0" err="1"/>
-              <a:t>Munnelly</a:t>
-            </a:r>
-            <a:r>
-              <a:rPr lang="en-US" sz="2400" dirty="0"/>
-              <a:t> and Clarke, 2008]</a:t>
-            </a:r>
-            <a:endParaRPr lang="fr-FR" sz="2400" dirty="0" smtClean="0"/>
-          </a:p>
-          <a:p>
-            <a:pPr marL="469350" lvl="1" indent="-285750">
-              <a:buFont typeface="Wingdings" panose="05000000000000000000" pitchFamily="2" charset="2"/>
-              <a:buChar char="q"/>
-            </a:pPr>
-            <a:endParaRPr lang="fr-FR" sz="1700" dirty="0"/>
-          </a:p>
-          <a:p>
-            <a:endParaRPr lang="fr-FR" sz="2400" dirty="0" smtClean="0"/>
-          </a:p>
-        </p:txBody>
-      </p:sp>
-    </p:spTree>
-    <p:extLst>
-      <p:ext uri="{BB962C8B-B14F-4D97-AF65-F5344CB8AC3E}">
-        <p14:creationId xmlns:p14="http://schemas.microsoft.com/office/powerpoint/2010/main" val="2948225700"/>
-      </p:ext>
-    </p:extLst>
-  </p:cSld>
-  <p:clrMapOvr>
-    <a:masterClrMapping/>
-  </p:clrMapOvr>
-  <p:timing>
-    <p:tnLst>
-      <p:par>
-        <p:cTn id="1" dur="indefinite" restart="never" nodeType="tmRoot"/>
-      </p:par>
-    </p:tnLst>
-  </p:timing>
-</p:sld>
-</file>
-
 <file path=ppt/slides/slide16.xml><?xml version="1.0" encoding="utf-8"?>
 <p:sld xmlns:a="http://schemas.openxmlformats.org/drawingml/2006/main" xmlns:r="http://schemas.openxmlformats.org/officeDocument/2006/relationships" xmlns:p="http://schemas.openxmlformats.org/presentationml/2006/main">
   <p:cSld>
@@ -11651,17 +11716,342 @@
           <a:lstStyle/>
           <a:p>
             <a:r>
-              <a:rPr lang="en-GB" cap="small" dirty="0" smtClean="0"/>
-              <a:t>Conclusions &amp; Future Work</a:t>
-            </a:r>
-            <a:endParaRPr lang="en-GB" cap="small" dirty="0"/>
+              <a:rPr lang="fr-FR" dirty="0" err="1" smtClean="0"/>
+              <a:t>Related</a:t>
+            </a:r>
+            <a:r>
+              <a:rPr lang="fr-FR" dirty="0" smtClean="0"/>
+              <a:t> </a:t>
+            </a:r>
+            <a:r>
+              <a:rPr lang="fr-FR" dirty="0" err="1" smtClean="0"/>
+              <a:t>Work</a:t>
+            </a:r>
+            <a:endParaRPr lang="fr-FR" dirty="0"/>
+          </a:p>
+        </p:txBody>
+      </p:sp>
+      <p:sp>
+        <p:nvSpPr>
+          <p:cNvPr id="4" name="Espace réservé du contenu 3"/>
+          <p:cNvSpPr>
+            <a:spLocks noGrp="1"/>
+          </p:cNvSpPr>
+          <p:nvPr>
+            <p:ph idx="1"/>
+          </p:nvPr>
+        </p:nvSpPr>
+        <p:spPr>
+          <a:xfrm>
+            <a:off x="282352" y="1412776"/>
+            <a:ext cx="8579296" cy="5058078"/>
+          </a:xfrm>
+        </p:spPr>
+        <p:txBody>
+          <a:bodyPr/>
+          <a:lstStyle/>
+          <a:p>
+            <a:r>
+              <a:rPr lang="fr-FR" sz="2400" dirty="0" err="1" smtClean="0"/>
+              <a:t>ThingML</a:t>
+            </a:r>
+            <a:r>
+              <a:rPr lang="fr-FR" sz="2400" dirty="0"/>
+              <a:t> [</a:t>
+            </a:r>
+            <a:r>
+              <a:rPr lang="fr-FR" sz="2400" dirty="0" err="1"/>
+              <a:t>Harrand</a:t>
+            </a:r>
+            <a:r>
+              <a:rPr lang="fr-FR" sz="2400" dirty="0"/>
+              <a:t> et al., 2016] </a:t>
+            </a:r>
+            <a:r>
+              <a:rPr lang="fr-FR" sz="2400" dirty="0" smtClean="0"/>
+              <a:t>&amp; </a:t>
+            </a:r>
+            <a:r>
+              <a:rPr lang="fr-FR" sz="2400" dirty="0" err="1" smtClean="0"/>
+              <a:t>ArduinoML</a:t>
+            </a:r>
+            <a:r>
+              <a:rPr lang="fr-FR" sz="2400" dirty="0"/>
+              <a:t> [</a:t>
+            </a:r>
+            <a:r>
+              <a:rPr lang="fr-FR" sz="2400" dirty="0" err="1"/>
+              <a:t>Mosser</a:t>
+            </a:r>
+            <a:r>
+              <a:rPr lang="fr-FR" sz="2400" dirty="0"/>
+              <a:t> et al., 2014]</a:t>
+            </a:r>
+            <a:endParaRPr lang="fr-FR" sz="2400" dirty="0" smtClean="0"/>
+          </a:p>
+          <a:p>
+            <a:pPr marL="469350" lvl="1" indent="-285750">
+              <a:buFont typeface="Wingdings" panose="05000000000000000000" pitchFamily="2" charset="2"/>
+              <a:buChar char="q"/>
+            </a:pPr>
+            <a:r>
+              <a:rPr lang="fr-FR" sz="1700" dirty="0" err="1" smtClean="0"/>
+              <a:t>Similar</a:t>
+            </a:r>
+            <a:r>
+              <a:rPr lang="fr-FR" sz="1700" dirty="0" smtClean="0"/>
+              <a:t> </a:t>
+            </a:r>
+            <a:r>
+              <a:rPr lang="fr-FR" sz="1700" dirty="0" err="1" smtClean="0"/>
+              <a:t>thing</a:t>
+            </a:r>
+            <a:r>
+              <a:rPr lang="fr-FR" sz="1700" dirty="0" smtClean="0"/>
+              <a:t> description (</a:t>
+            </a:r>
+            <a:r>
+              <a:rPr lang="fr-FR" sz="1700" dirty="0" err="1" smtClean="0"/>
+              <a:t>based</a:t>
+            </a:r>
+            <a:r>
+              <a:rPr lang="fr-FR" sz="1700" dirty="0" smtClean="0"/>
+              <a:t> on messages, ports, etc.)</a:t>
+            </a:r>
+          </a:p>
+          <a:p>
+            <a:pPr marL="469350" lvl="1" indent="-285750">
+              <a:buFont typeface="Wingdings" panose="05000000000000000000" pitchFamily="2" charset="2"/>
+              <a:buChar char="q"/>
+            </a:pPr>
+            <a:r>
+              <a:rPr lang="fr-FR" sz="1700" dirty="0" err="1" smtClean="0"/>
+              <a:t>Purpose</a:t>
+            </a:r>
+            <a:r>
+              <a:rPr lang="fr-FR" sz="1700" dirty="0" smtClean="0"/>
+              <a:t>: </a:t>
+            </a:r>
+            <a:r>
+              <a:rPr lang="fr-FR" sz="1700" b="1" dirty="0" smtClean="0">
+                <a:solidFill>
+                  <a:srgbClr val="00B050"/>
+                </a:solidFill>
+              </a:rPr>
+              <a:t>program</a:t>
+            </a:r>
+            <a:r>
+              <a:rPr lang="fr-FR" sz="1700" dirty="0" smtClean="0"/>
+              <a:t> </a:t>
+            </a:r>
+            <a:r>
+              <a:rPr lang="fr-FR" sz="1700" dirty="0" err="1" smtClean="0"/>
+              <a:t>things</a:t>
+            </a:r>
+            <a:r>
+              <a:rPr lang="fr-FR" sz="1700" dirty="0" smtClean="0"/>
+              <a:t>, </a:t>
+            </a:r>
+            <a:r>
+              <a:rPr lang="fr-FR" sz="1700" dirty="0" err="1" smtClean="0"/>
+              <a:t>instead</a:t>
+            </a:r>
+            <a:r>
+              <a:rPr lang="fr-FR" sz="1700" dirty="0" smtClean="0"/>
+              <a:t> of </a:t>
+            </a:r>
+            <a:r>
+              <a:rPr lang="fr-FR" sz="1700" b="1" dirty="0" err="1" smtClean="0"/>
+              <a:t>using</a:t>
+            </a:r>
+            <a:r>
+              <a:rPr lang="fr-FR" sz="1700" dirty="0" smtClean="0"/>
+              <a:t> </a:t>
+            </a:r>
+            <a:r>
+              <a:rPr lang="fr-FR" sz="1700" dirty="0" err="1" smtClean="0"/>
+              <a:t>them</a:t>
+            </a:r>
+            <a:r>
+              <a:rPr lang="fr-FR" sz="1700" dirty="0" smtClean="0"/>
+              <a:t> for </a:t>
+            </a:r>
+            <a:r>
+              <a:rPr lang="fr-FR" sz="1700" dirty="0" err="1" smtClean="0"/>
+              <a:t>users</a:t>
+            </a:r>
+            <a:r>
+              <a:rPr lang="fr-FR" sz="1700" dirty="0" smtClean="0"/>
+              <a:t>’ scenarios</a:t>
+            </a:r>
+          </a:p>
+          <a:p>
+            <a:pPr marL="469350" lvl="1" indent="-285750">
+              <a:buFont typeface="Wingdings" panose="05000000000000000000" pitchFamily="2" charset="2"/>
+              <a:buChar char="q"/>
+            </a:pPr>
+            <a:endParaRPr lang="fr-FR" sz="1700" dirty="0"/>
+          </a:p>
+          <a:p>
+            <a:r>
+              <a:rPr lang="fr-FR" sz="2400" cap="small" dirty="0" err="1"/>
+              <a:t>Midgar</a:t>
+            </a:r>
+            <a:r>
+              <a:rPr lang="fr-FR" sz="2400" cap="small" dirty="0"/>
+              <a:t> </a:t>
+            </a:r>
+            <a:r>
+              <a:rPr lang="fr-FR" sz="2400" dirty="0"/>
+              <a:t>[Garcia et al., 2014] and [</a:t>
+            </a:r>
+            <a:r>
+              <a:rPr lang="fr-FR" sz="2400" dirty="0" err="1"/>
+              <a:t>Salihbegovic</a:t>
+            </a:r>
+            <a:r>
+              <a:rPr lang="fr-FR" sz="2400" dirty="0"/>
+              <a:t> et al., </a:t>
+            </a:r>
+            <a:r>
+              <a:rPr lang="fr-FR" sz="2400" dirty="0" smtClean="0"/>
+              <a:t>2015]</a:t>
+            </a:r>
+          </a:p>
+          <a:p>
+            <a:pPr marL="469350" lvl="1" indent="-285750">
+              <a:buFont typeface="Wingdings" panose="05000000000000000000" pitchFamily="2" charset="2"/>
+              <a:buChar char="q"/>
+            </a:pPr>
+            <a:r>
+              <a:rPr lang="fr-FR" sz="1700" dirty="0" smtClean="0"/>
+              <a:t>Visual Interface for </a:t>
+            </a:r>
+            <a:r>
+              <a:rPr lang="fr-FR" sz="1700" dirty="0" err="1" smtClean="0"/>
+              <a:t>controlling</a:t>
+            </a:r>
+            <a:r>
+              <a:rPr lang="fr-FR" sz="1700" dirty="0" smtClean="0"/>
+              <a:t> </a:t>
+            </a:r>
+            <a:r>
+              <a:rPr lang="fr-FR" sz="1700" dirty="0" err="1" smtClean="0"/>
+              <a:t>interconnected</a:t>
+            </a:r>
+            <a:r>
+              <a:rPr lang="fr-FR" sz="1700" dirty="0" smtClean="0"/>
+              <a:t> </a:t>
+            </a:r>
+            <a:r>
+              <a:rPr lang="fr-FR" sz="1700" dirty="0" err="1" smtClean="0"/>
+              <a:t>devices</a:t>
+            </a:r>
+            <a:endParaRPr lang="fr-FR" sz="1700" dirty="0" smtClean="0"/>
+          </a:p>
+          <a:p>
+            <a:pPr marL="469350" lvl="1" indent="-285750">
+              <a:buFont typeface="Wingdings" panose="05000000000000000000" pitchFamily="2" charset="2"/>
+              <a:buChar char="q"/>
+            </a:pPr>
+            <a:r>
+              <a:rPr lang="fr-FR" sz="1700" dirty="0" err="1" smtClean="0"/>
+              <a:t>Automatic</a:t>
+            </a:r>
+            <a:r>
+              <a:rPr lang="fr-FR" sz="1700" dirty="0" smtClean="0"/>
+              <a:t> </a:t>
+            </a:r>
+            <a:r>
+              <a:rPr lang="fr-FR" sz="1700" dirty="0" err="1" smtClean="0"/>
+              <a:t>Generation</a:t>
+            </a:r>
+            <a:r>
+              <a:rPr lang="fr-FR" sz="1700" dirty="0" smtClean="0"/>
+              <a:t> of « glue » code for </a:t>
+            </a:r>
+            <a:r>
+              <a:rPr lang="fr-FR" sz="1700" dirty="0" err="1" smtClean="0"/>
+              <a:t>interconnection</a:t>
+            </a:r>
+            <a:endParaRPr lang="fr-FR" sz="1700" dirty="0" smtClean="0"/>
+          </a:p>
+          <a:p>
+            <a:pPr marL="469350" lvl="1" indent="-285750">
+              <a:buFont typeface="Wingdings" panose="05000000000000000000" pitchFamily="2" charset="2"/>
+              <a:buChar char="q"/>
+            </a:pPr>
+            <a:r>
+              <a:rPr lang="fr-FR" sz="1700" dirty="0" err="1" smtClean="0"/>
+              <a:t>Specific</a:t>
+            </a:r>
+            <a:r>
+              <a:rPr lang="fr-FR" sz="1700" dirty="0" smtClean="0"/>
+              <a:t> Application </a:t>
+            </a:r>
+            <a:r>
+              <a:rPr lang="fr-FR" sz="1700" dirty="0" err="1" smtClean="0"/>
+              <a:t>Domains</a:t>
+            </a:r>
+            <a:r>
+              <a:rPr lang="fr-FR" sz="1700" dirty="0" smtClean="0"/>
+              <a:t>: Smart-Home Patient Monitoring, </a:t>
+            </a:r>
+          </a:p>
+          <a:p>
+            <a:pPr marL="469350" lvl="1" indent="-285750">
+              <a:buFont typeface="Wingdings" panose="05000000000000000000" pitchFamily="2" charset="2"/>
+              <a:buChar char="q"/>
+            </a:pPr>
+            <a:endParaRPr lang="fr-FR" sz="1700" dirty="0"/>
+          </a:p>
+          <a:p>
+            <a:r>
+              <a:rPr lang="da-DK" sz="2400" cap="small" dirty="0"/>
+              <a:t>Chariot </a:t>
+            </a:r>
+            <a:r>
+              <a:rPr lang="da-DK" sz="2400" dirty="0"/>
+              <a:t>[Pradhan et al., 2015</a:t>
+            </a:r>
+            <a:r>
+              <a:rPr lang="da-DK" sz="2400" dirty="0" smtClean="0"/>
+              <a:t>] and </a:t>
+            </a:r>
+            <a:r>
+              <a:rPr lang="en-US" sz="2400" cap="small" dirty="0" err="1"/>
+              <a:t>Alph</a:t>
+            </a:r>
+            <a:r>
+              <a:rPr lang="en-US" sz="2400" dirty="0"/>
+              <a:t> [</a:t>
+            </a:r>
+            <a:r>
+              <a:rPr lang="en-US" sz="2400" dirty="0" err="1"/>
+              <a:t>Munnelly</a:t>
+            </a:r>
+            <a:r>
+              <a:rPr lang="en-US" sz="2400" dirty="0"/>
+              <a:t> and Clarke, 2008]</a:t>
+            </a:r>
+            <a:endParaRPr lang="fr-FR" sz="2400" dirty="0" smtClean="0"/>
+          </a:p>
+          <a:p>
+            <a:pPr marL="469350" lvl="1" indent="-285750">
+              <a:buFont typeface="Wingdings" panose="05000000000000000000" pitchFamily="2" charset="2"/>
+              <a:buChar char="q"/>
+            </a:pPr>
+            <a:endParaRPr lang="fr-FR" sz="1700" dirty="0"/>
+          </a:p>
+          <a:p>
+            <a:endParaRPr lang="fr-FR" sz="2400" dirty="0" smtClean="0"/>
           </a:p>
         </p:txBody>
       </p:sp>
     </p:spTree>
     <p:extLst>
       <p:ext uri="{BB962C8B-B14F-4D97-AF65-F5344CB8AC3E}">
-        <p14:creationId xmlns:p14="http://schemas.microsoft.com/office/powerpoint/2010/main" val="2291673660"/>
+        <p14:creationId xmlns:p14="http://schemas.microsoft.com/office/powerpoint/2010/main" val="2948225700"/>
       </p:ext>
     </p:extLst>
   </p:cSld>
@@ -11740,156 +12130,17 @@
           <a:lstStyle/>
           <a:p>
             <a:r>
-              <a:rPr lang="fr-FR" dirty="0" smtClean="0"/>
-              <a:t>Conclusion</a:t>
-            </a:r>
-            <a:endParaRPr lang="fr-FR" dirty="0"/>
-          </a:p>
-        </p:txBody>
-      </p:sp>
-      <p:sp>
-        <p:nvSpPr>
-          <p:cNvPr id="4" name="Espace réservé du contenu 3"/>
-          <p:cNvSpPr>
-            <a:spLocks noGrp="1"/>
-          </p:cNvSpPr>
-          <p:nvPr>
-            <p:ph idx="1"/>
-          </p:nvPr>
-        </p:nvSpPr>
-        <p:spPr>
-          <a:xfrm>
-            <a:off x="474360" y="1700808"/>
-            <a:ext cx="8229600" cy="2472766"/>
-          </a:xfrm>
-        </p:spPr>
-        <p:txBody>
-          <a:bodyPr/>
-          <a:lstStyle/>
-          <a:p>
-            <a:pPr marL="457200" indent="-457200">
-              <a:buClr>
-                <a:srgbClr val="00B050"/>
-              </a:buClr>
-              <a:buFont typeface="Wingdings" panose="05000000000000000000" pitchFamily="2" charset="2"/>
-              <a:buChar char="q"/>
-            </a:pPr>
-            <a:r>
-              <a:rPr lang="fr-FR" dirty="0" err="1" smtClean="0"/>
-              <a:t>IoT</a:t>
-            </a:r>
-            <a:r>
-              <a:rPr lang="fr-FR" cap="small" dirty="0" err="1" smtClean="0"/>
-              <a:t>Dsl</a:t>
-            </a:r>
-            <a:r>
-              <a:rPr lang="fr-FR" dirty="0" smtClean="0"/>
-              <a:t>: A prototype </a:t>
-            </a:r>
-            <a:r>
-              <a:rPr lang="fr-FR" cap="small" dirty="0" err="1" smtClean="0"/>
-              <a:t>Dsl</a:t>
-            </a:r>
-            <a:r>
-              <a:rPr lang="fr-FR" cap="small" dirty="0" smtClean="0"/>
-              <a:t> </a:t>
-            </a:r>
-            <a:r>
-              <a:rPr lang="fr-FR" dirty="0" smtClean="0"/>
-              <a:t>to capture </a:t>
-            </a:r>
-            <a:r>
-              <a:rPr lang="fr-FR" dirty="0" err="1" smtClean="0"/>
-              <a:t>IoT</a:t>
-            </a:r>
-            <a:r>
-              <a:rPr lang="fr-FR" dirty="0" smtClean="0"/>
-              <a:t> </a:t>
-            </a:r>
-            <a:r>
-              <a:rPr lang="fr-FR" dirty="0" err="1" smtClean="0"/>
-              <a:t>systems</a:t>
-            </a:r>
-            <a:r>
-              <a:rPr lang="fr-FR" dirty="0" smtClean="0"/>
-              <a:t> at a high-</a:t>
-            </a:r>
-            <a:r>
-              <a:rPr lang="fr-FR" dirty="0" err="1" smtClean="0"/>
-              <a:t>level</a:t>
-            </a:r>
-            <a:r>
-              <a:rPr lang="fr-FR" dirty="0" smtClean="0"/>
-              <a:t> of </a:t>
-            </a:r>
-            <a:r>
-              <a:rPr lang="fr-FR" dirty="0" err="1" smtClean="0"/>
-              <a:t>representation</a:t>
-            </a:r>
-            <a:endParaRPr lang="fr-FR" dirty="0" smtClean="0"/>
-          </a:p>
-          <a:p>
-            <a:pPr marL="457200" indent="-457200">
-              <a:buClr>
-                <a:srgbClr val="00B050"/>
-              </a:buClr>
-              <a:buFont typeface="Wingdings" panose="05000000000000000000" pitchFamily="2" charset="2"/>
-              <a:buChar char="q"/>
-            </a:pPr>
-            <a:endParaRPr lang="fr-FR" dirty="0"/>
-          </a:p>
-          <a:p>
-            <a:pPr marL="457200" indent="-457200">
-              <a:buClr>
-                <a:srgbClr val="00B050"/>
-              </a:buClr>
-              <a:buFont typeface="Wingdings" panose="05000000000000000000" pitchFamily="2" charset="2"/>
-              <a:buChar char="q"/>
-            </a:pPr>
-            <a:r>
-              <a:rPr lang="fr-FR" dirty="0" err="1" smtClean="0"/>
-              <a:t>Identified</a:t>
-            </a:r>
-            <a:r>
-              <a:rPr lang="fr-FR" dirty="0" smtClean="0"/>
-              <a:t> challenges to </a:t>
-            </a:r>
-            <a:r>
-              <a:rPr lang="fr-FR" dirty="0" err="1" smtClean="0"/>
-              <a:t>make</a:t>
-            </a:r>
-            <a:r>
-              <a:rPr lang="fr-FR" dirty="0" smtClean="0"/>
-              <a:t> </a:t>
-            </a:r>
-            <a:r>
-              <a:rPr lang="fr-FR" dirty="0" err="1" smtClean="0"/>
-              <a:t>IoT</a:t>
-            </a:r>
-            <a:r>
-              <a:rPr lang="fr-FR" dirty="0" smtClean="0"/>
-              <a:t> </a:t>
-            </a:r>
-            <a:r>
-              <a:rPr lang="fr-FR" dirty="0" err="1" smtClean="0"/>
-              <a:t>systems</a:t>
-            </a:r>
-            <a:r>
-              <a:rPr lang="fr-FR" dirty="0" smtClean="0"/>
-              <a:t> more flexible and usable by end-</a:t>
-            </a:r>
-            <a:r>
-              <a:rPr lang="fr-FR" dirty="0" err="1" smtClean="0"/>
-              <a:t>users</a:t>
-            </a:r>
-            <a:endParaRPr lang="fr-FR" dirty="0"/>
+              <a:rPr lang="en-GB" cap="small" dirty="0" smtClean="0"/>
+              <a:t>Conclusions &amp; Future Work</a:t>
+            </a:r>
+            <a:endParaRPr lang="en-GB" cap="small" dirty="0"/>
           </a:p>
         </p:txBody>
       </p:sp>
     </p:spTree>
     <p:extLst>
       <p:ext uri="{BB962C8B-B14F-4D97-AF65-F5344CB8AC3E}">
-        <p14:creationId xmlns:p14="http://schemas.microsoft.com/office/powerpoint/2010/main" val="2054608178"/>
+        <p14:creationId xmlns:p14="http://schemas.microsoft.com/office/powerpoint/2010/main" val="2291673660"/>
       </p:ext>
     </p:extLst>
   </p:cSld>
@@ -11947,6 +12198,234 @@
                 <a:defRPr/>
               </a:pPr>
               <a:t>18</a:t>
+            </a:fld>
+            <a:endParaRPr lang="en-US" dirty="0"/>
+          </a:p>
+        </p:txBody>
+      </p:sp>
+      <p:sp>
+        <p:nvSpPr>
+          <p:cNvPr id="3" name="Titre 2"/>
+          <p:cNvSpPr>
+            <a:spLocks noGrp="1"/>
+          </p:cNvSpPr>
+          <p:nvPr>
+            <p:ph type="title"/>
+          </p:nvPr>
+        </p:nvSpPr>
+        <p:spPr/>
+        <p:txBody>
+          <a:bodyPr/>
+          <a:lstStyle/>
+          <a:p>
+            <a:r>
+              <a:rPr lang="fr-FR" dirty="0" smtClean="0"/>
+              <a:t>Conclusion</a:t>
+            </a:r>
+            <a:endParaRPr lang="fr-FR" dirty="0"/>
+          </a:p>
+        </p:txBody>
+      </p:sp>
+      <p:sp>
+        <p:nvSpPr>
+          <p:cNvPr id="4" name="Espace réservé du contenu 3"/>
+          <p:cNvSpPr>
+            <a:spLocks noGrp="1"/>
+          </p:cNvSpPr>
+          <p:nvPr>
+            <p:ph idx="1"/>
+          </p:nvPr>
+        </p:nvSpPr>
+        <p:spPr>
+          <a:xfrm>
+            <a:off x="474360" y="1700808"/>
+            <a:ext cx="8229600" cy="2472766"/>
+          </a:xfrm>
+        </p:spPr>
+        <p:txBody>
+          <a:bodyPr/>
+          <a:lstStyle/>
+          <a:p>
+            <a:pPr marL="457200" indent="-457200">
+              <a:buClr>
+                <a:srgbClr val="00B050"/>
+              </a:buClr>
+              <a:buFont typeface="Wingdings" panose="05000000000000000000" pitchFamily="2" charset="2"/>
+              <a:buChar char="q"/>
+            </a:pPr>
+            <a:r>
+              <a:rPr lang="fr-FR" dirty="0" err="1" smtClean="0"/>
+              <a:t>IoT</a:t>
+            </a:r>
+            <a:r>
+              <a:rPr lang="fr-FR" cap="small" dirty="0" err="1" smtClean="0"/>
+              <a:t>Dsl</a:t>
+            </a:r>
+            <a:r>
+              <a:rPr lang="fr-FR" dirty="0" smtClean="0"/>
+              <a:t>: A prototype </a:t>
+            </a:r>
+            <a:r>
+              <a:rPr lang="fr-FR" cap="small" dirty="0" err="1" smtClean="0"/>
+              <a:t>Dsl</a:t>
+            </a:r>
+            <a:r>
+              <a:rPr lang="fr-FR" cap="small" dirty="0" smtClean="0"/>
+              <a:t> </a:t>
+            </a:r>
+            <a:r>
+              <a:rPr lang="fr-FR" dirty="0" smtClean="0"/>
+              <a:t>to capture </a:t>
+            </a:r>
+            <a:r>
+              <a:rPr lang="fr-FR" dirty="0" err="1" smtClean="0"/>
+              <a:t>IoT</a:t>
+            </a:r>
+            <a:r>
+              <a:rPr lang="fr-FR" dirty="0" smtClean="0"/>
+              <a:t> </a:t>
+            </a:r>
+            <a:r>
+              <a:rPr lang="fr-FR" dirty="0" err="1" smtClean="0"/>
+              <a:t>systems</a:t>
+            </a:r>
+            <a:r>
+              <a:rPr lang="fr-FR" dirty="0" smtClean="0"/>
+              <a:t> at a high-</a:t>
+            </a:r>
+            <a:r>
+              <a:rPr lang="fr-FR" dirty="0" err="1" smtClean="0"/>
+              <a:t>level</a:t>
+            </a:r>
+            <a:r>
+              <a:rPr lang="fr-FR" dirty="0" smtClean="0"/>
+              <a:t> of </a:t>
+            </a:r>
+            <a:r>
+              <a:rPr lang="fr-FR" dirty="0" err="1" smtClean="0"/>
+              <a:t>representation</a:t>
+            </a:r>
+            <a:endParaRPr lang="fr-FR" dirty="0" smtClean="0"/>
+          </a:p>
+          <a:p>
+            <a:pPr marL="457200" indent="-457200">
+              <a:buClr>
+                <a:srgbClr val="00B050"/>
+              </a:buClr>
+              <a:buFont typeface="Wingdings" panose="05000000000000000000" pitchFamily="2" charset="2"/>
+              <a:buChar char="q"/>
+            </a:pPr>
+            <a:endParaRPr lang="fr-FR" dirty="0"/>
+          </a:p>
+          <a:p>
+            <a:pPr marL="457200" indent="-457200">
+              <a:buClr>
+                <a:srgbClr val="00B050"/>
+              </a:buClr>
+              <a:buFont typeface="Wingdings" panose="05000000000000000000" pitchFamily="2" charset="2"/>
+              <a:buChar char="q"/>
+            </a:pPr>
+            <a:r>
+              <a:rPr lang="fr-FR" dirty="0" err="1" smtClean="0"/>
+              <a:t>Identified</a:t>
+            </a:r>
+            <a:r>
+              <a:rPr lang="fr-FR" dirty="0" smtClean="0"/>
+              <a:t> challenges to </a:t>
+            </a:r>
+            <a:r>
+              <a:rPr lang="fr-FR" dirty="0" err="1" smtClean="0"/>
+              <a:t>make</a:t>
+            </a:r>
+            <a:r>
+              <a:rPr lang="fr-FR" dirty="0" smtClean="0"/>
+              <a:t> </a:t>
+            </a:r>
+            <a:r>
+              <a:rPr lang="fr-FR" dirty="0" err="1" smtClean="0"/>
+              <a:t>IoT</a:t>
+            </a:r>
+            <a:r>
+              <a:rPr lang="fr-FR" dirty="0" smtClean="0"/>
+              <a:t> </a:t>
+            </a:r>
+            <a:r>
+              <a:rPr lang="fr-FR" dirty="0" err="1" smtClean="0"/>
+              <a:t>systems</a:t>
+            </a:r>
+            <a:r>
+              <a:rPr lang="fr-FR" dirty="0" smtClean="0"/>
+              <a:t> more flexible and usable by end-</a:t>
+            </a:r>
+            <a:r>
+              <a:rPr lang="fr-FR" dirty="0" err="1" smtClean="0"/>
+              <a:t>users</a:t>
+            </a:r>
+            <a:endParaRPr lang="fr-FR" dirty="0"/>
+          </a:p>
+        </p:txBody>
+      </p:sp>
+    </p:spTree>
+    <p:extLst>
+      <p:ext uri="{BB962C8B-B14F-4D97-AF65-F5344CB8AC3E}">
+        <p14:creationId xmlns:p14="http://schemas.microsoft.com/office/powerpoint/2010/main" val="2054608178"/>
+      </p:ext>
+    </p:extLst>
+  </p:cSld>
+  <p:clrMapOvr>
+    <a:masterClrMapping/>
+  </p:clrMapOvr>
+  <p:timing>
+    <p:tnLst>
+      <p:par>
+        <p:cTn id="1" dur="indefinite" restart="never" nodeType="tmRoot"/>
+      </p:par>
+    </p:tnLst>
+  </p:timing>
+</p:sld>
+</file>
+
+<file path=ppt/slides/slide19.xml><?xml version="1.0" encoding="utf-8"?>
+<p:sld xmlns:a="http://schemas.openxmlformats.org/drawingml/2006/main" xmlns:r="http://schemas.openxmlformats.org/officeDocument/2006/relationships" xmlns:p="http://schemas.openxmlformats.org/presentationml/2006/main">
+  <p:cSld>
+    <p:spTree>
+      <p:nvGrpSpPr>
+        <p:cNvPr id="1" name=""/>
+        <p:cNvGrpSpPr/>
+        <p:nvPr/>
+      </p:nvGrpSpPr>
+      <p:grpSpPr>
+        <a:xfrm>
+          <a:off x="0" y="0"/>
+          <a:ext cx="0" cy="0"/>
+          <a:chOff x="0" y="0"/>
+          <a:chExt cx="0" cy="0"/>
+        </a:xfrm>
+      </p:grpSpPr>
+      <p:sp>
+        <p:nvSpPr>
+          <p:cNvPr id="2" name="Espace réservé du numéro de diapositive 1"/>
+          <p:cNvSpPr>
+            <a:spLocks noGrp="1"/>
+          </p:cNvSpPr>
+          <p:nvPr>
+            <p:ph type="sldNum" sz="quarter" idx="10"/>
+          </p:nvPr>
+        </p:nvSpPr>
+        <p:spPr/>
+        <p:txBody>
+          <a:bodyPr/>
+          <a:lstStyle/>
+          <a:p>
+            <a:pPr>
+              <a:defRPr/>
+            </a:pPr>
+            <a:fld id="{326C6059-A255-C24B-AAEC-93A3405961B0}" type="slidenum">
+              <a:rPr lang="en-US" smtClean="0"/>
+              <a:pPr>
+                <a:defRPr/>
+              </a:pPr>
+              <a:t>19</a:t>
             </a:fld>
             <a:endParaRPr lang="en-US" dirty="0"/>
           </a:p>
